--- a/Sentinel初探-2018-09-10_10.pptx
+++ b/Sentinel初探-2018-09-10_10.pptx
@@ -5,45 +5,45 @@
     <p:sldMasterId id="2147483648" r:id="rId1"/>
   </p:sldMasterIdLst>
   <p:notesMasterIdLst>
-    <p:notesMasterId r:id="rId9"/>
+    <p:notesMasterId r:id="rId38"/>
   </p:notesMasterIdLst>
   <p:sldIdLst>
-    <p:sldId id="260" r:id="rId3"/>
-    <p:sldId id="384" r:id="rId4"/>
-    <p:sldId id="425" r:id="rId5"/>
-    <p:sldId id="386" r:id="rId6"/>
-    <p:sldId id="387" r:id="rId7"/>
-    <p:sldId id="389" r:id="rId8"/>
-    <p:sldId id="390" r:id="rId10"/>
-    <p:sldId id="391" r:id="rId11"/>
-    <p:sldId id="392" r:id="rId12"/>
-    <p:sldId id="393" r:id="rId13"/>
-    <p:sldId id="394" r:id="rId14"/>
-    <p:sldId id="395" r:id="rId15"/>
-    <p:sldId id="396" r:id="rId16"/>
-    <p:sldId id="397" r:id="rId17"/>
-    <p:sldId id="398" r:id="rId18"/>
-    <p:sldId id="399" r:id="rId19"/>
-    <p:sldId id="400" r:id="rId20"/>
-    <p:sldId id="401" r:id="rId21"/>
-    <p:sldId id="424" r:id="rId22"/>
-    <p:sldId id="412" r:id="rId23"/>
-    <p:sldId id="402" r:id="rId24"/>
-    <p:sldId id="426" r:id="rId25"/>
-    <p:sldId id="427" r:id="rId26"/>
-    <p:sldId id="403" r:id="rId27"/>
-    <p:sldId id="411" r:id="rId28"/>
-    <p:sldId id="409" r:id="rId29"/>
-    <p:sldId id="404" r:id="rId30"/>
-    <p:sldId id="410" r:id="rId31"/>
-    <p:sldId id="429" r:id="rId32"/>
-    <p:sldId id="428" r:id="rId33"/>
-    <p:sldId id="408" r:id="rId34"/>
-    <p:sldId id="431" r:id="rId35"/>
-    <p:sldId id="432" r:id="rId36"/>
-    <p:sldId id="430" r:id="rId37"/>
-    <p:sldId id="406" r:id="rId38"/>
-    <p:sldId id="345" r:id="rId39"/>
+    <p:sldId id="260" r:id="rId2"/>
+    <p:sldId id="384" r:id="rId3"/>
+    <p:sldId id="425" r:id="rId4"/>
+    <p:sldId id="386" r:id="rId5"/>
+    <p:sldId id="387" r:id="rId6"/>
+    <p:sldId id="389" r:id="rId7"/>
+    <p:sldId id="390" r:id="rId8"/>
+    <p:sldId id="391" r:id="rId9"/>
+    <p:sldId id="392" r:id="rId10"/>
+    <p:sldId id="393" r:id="rId11"/>
+    <p:sldId id="394" r:id="rId12"/>
+    <p:sldId id="395" r:id="rId13"/>
+    <p:sldId id="396" r:id="rId14"/>
+    <p:sldId id="397" r:id="rId15"/>
+    <p:sldId id="398" r:id="rId16"/>
+    <p:sldId id="399" r:id="rId17"/>
+    <p:sldId id="400" r:id="rId18"/>
+    <p:sldId id="401" r:id="rId19"/>
+    <p:sldId id="424" r:id="rId20"/>
+    <p:sldId id="412" r:id="rId21"/>
+    <p:sldId id="402" r:id="rId22"/>
+    <p:sldId id="426" r:id="rId23"/>
+    <p:sldId id="427" r:id="rId24"/>
+    <p:sldId id="403" r:id="rId25"/>
+    <p:sldId id="411" r:id="rId26"/>
+    <p:sldId id="409" r:id="rId27"/>
+    <p:sldId id="404" r:id="rId28"/>
+    <p:sldId id="410" r:id="rId29"/>
+    <p:sldId id="429" r:id="rId30"/>
+    <p:sldId id="428" r:id="rId31"/>
+    <p:sldId id="408" r:id="rId32"/>
+    <p:sldId id="431" r:id="rId33"/>
+    <p:sldId id="432" r:id="rId34"/>
+    <p:sldId id="430" r:id="rId35"/>
+    <p:sldId id="406" r:id="rId36"/>
+    <p:sldId id="345" r:id="rId37"/>
   </p:sldIdLst>
   <p:sldSz cx="9144000" cy="6858000" type="screen4x3"/>
   <p:notesSz cx="6858000" cy="9144000"/>
@@ -172,6 +172,22 @@
       </a:defRPr>
     </a:lvl9pPr>
   </p:defaultTextStyle>
+  <p:extLst>
+    <p:ext uri="{EFAFB233-063F-42B5-8137-9DF3F51BA10A}">
+      <p15:sldGuideLst xmlns:p15="http://schemas.microsoft.com/office/powerpoint/2012/main">
+        <p15:guide id="1" orient="horz" pos="2160">
+          <p15:clr>
+            <a:srgbClr val="A4A3A4"/>
+          </p15:clr>
+        </p15:guide>
+        <p15:guide id="2" pos="2877">
+          <p15:clr>
+            <a:srgbClr val="A4A3A4"/>
+          </p15:clr>
+        </p15:guide>
+      </p15:sldGuideLst>
+    </p:ext>
+  </p:extLst>
 </p:presentation>
 </file>
 
@@ -322,6 +338,7 @@
             </a:pPr>
             <a:fld id="{3DC65151-9481-408C-96F3-7CE444FA7274}" type="datetime1">
               <a:rPr lang="zh-CN" altLang="en-US"/>
+              <a:t>2019/1/7</a:t>
             </a:fld>
             <a:endParaRPr lang="zh-CN" altLang="en-US" sz="1200"/>
           </a:p>
@@ -530,50 +547,45 @@
               <a:defRPr/>
             </a:pPr>
             <a:r>
-              <a:rPr lang="zh-CN" altLang="en-US" smtClean="0"/>
+              <a:rPr lang="zh-CN" altLang="en-US"/>
               <a:t>单击此处编辑母版文本样式</a:t>
             </a:r>
-            <a:endParaRPr lang="zh-CN" altLang="en-US" smtClean="0"/>
           </a:p>
           <a:p>
             <a:pPr>
               <a:defRPr/>
             </a:pPr>
             <a:r>
-              <a:rPr lang="zh-CN" altLang="en-US" smtClean="0"/>
+              <a:rPr lang="zh-CN" altLang="en-US"/>
               <a:t>第二级</a:t>
             </a:r>
-            <a:endParaRPr lang="zh-CN" altLang="en-US" smtClean="0"/>
           </a:p>
           <a:p>
             <a:pPr>
               <a:defRPr/>
             </a:pPr>
             <a:r>
-              <a:rPr lang="zh-CN" altLang="en-US" smtClean="0"/>
+              <a:rPr lang="zh-CN" altLang="en-US"/>
               <a:t>第三级</a:t>
             </a:r>
-            <a:endParaRPr lang="zh-CN" altLang="en-US" smtClean="0"/>
           </a:p>
           <a:p>
             <a:pPr>
               <a:defRPr/>
             </a:pPr>
             <a:r>
-              <a:rPr lang="zh-CN" altLang="en-US" smtClean="0"/>
+              <a:rPr lang="zh-CN" altLang="en-US"/>
               <a:t>第四级</a:t>
             </a:r>
-            <a:endParaRPr lang="zh-CN" altLang="en-US" smtClean="0"/>
           </a:p>
           <a:p>
             <a:pPr>
               <a:defRPr/>
             </a:pPr>
             <a:r>
-              <a:rPr lang="zh-CN" altLang="en-US" smtClean="0"/>
+              <a:rPr lang="zh-CN" altLang="en-US"/>
               <a:t>第五级</a:t>
             </a:r>
-            <a:endParaRPr lang="zh-CN" altLang="en-US" smtClean="0"/>
           </a:p>
         </p:txBody>
       </p:sp>
@@ -693,6 +705,7 @@
             </a:pPr>
             <a:fld id="{2BA45C03-F956-401A-BCF3-1B5B0F352E22}" type="slidenum">
               <a:rPr lang="zh-CN" altLang="en-US"/>
+              <a:t>‹#›</a:t>
             </a:fld>
             <a:endParaRPr lang="zh-CN" altLang="en-US" sz="1200"/>
           </a:p>
@@ -899,7 +912,7 @@
           <a:bodyPr/>
           <a:lstStyle/>
           <a:p>
-            <a:endParaRPr lang="zh-CN" altLang="en-US" smtClean="0"/>
+            <a:endParaRPr lang="zh-CN" altLang="en-US"/>
           </a:p>
         </p:txBody>
       </p:sp>
@@ -1028,8 +1041,9 @@
           <a:p>
             <a:fld id="{62E7F4C1-0503-40EF-9A62-18091FAFF80B}" type="datetime1">
               <a:rPr lang="zh-CN" altLang="en-US" smtClean="0"/>
+              <a:t>2019/1/7</a:t>
             </a:fld>
-            <a:endParaRPr lang="zh-CN" altLang="en-US" sz="1200" smtClean="0"/>
+            <a:endParaRPr lang="zh-CN" altLang="en-US" sz="1200"/>
           </a:p>
         </p:txBody>
       </p:sp>
@@ -1158,8 +1172,9 @@
           <a:p>
             <a:fld id="{60CD57AD-DFF6-4E53-80D5-6A3EC2F7E9B3}" type="slidenum">
               <a:rPr lang="zh-CN" altLang="en-US" smtClean="0"/>
+              <a:t>6</a:t>
             </a:fld>
-            <a:endParaRPr lang="zh-CN" altLang="en-US" sz="1200" smtClean="0"/>
+            <a:endParaRPr lang="zh-CN" altLang="en-US" sz="1200"/>
           </a:p>
         </p:txBody>
       </p:sp>
@@ -1243,7 +1258,7 @@
           <a:bodyPr/>
           <a:lstStyle/>
           <a:p>
-            <a:endParaRPr lang="zh-CN" altLang="en-US" smtClean="0"/>
+            <a:endParaRPr lang="zh-CN" altLang="en-US"/>
           </a:p>
         </p:txBody>
       </p:sp>
@@ -1372,8 +1387,9 @@
           <a:p>
             <a:fld id="{62E7F4C1-0503-40EF-9A62-18091FAFF80B}" type="datetime1">
               <a:rPr lang="zh-CN" altLang="en-US" smtClean="0"/>
+              <a:t>2019/1/7</a:t>
             </a:fld>
-            <a:endParaRPr lang="zh-CN" altLang="en-US" sz="1200" smtClean="0"/>
+            <a:endParaRPr lang="zh-CN" altLang="en-US" sz="1200"/>
           </a:p>
         </p:txBody>
       </p:sp>
@@ -1502,8 +1518,9 @@
           <a:p>
             <a:fld id="{60CD57AD-DFF6-4E53-80D5-6A3EC2F7E9B3}" type="slidenum">
               <a:rPr lang="zh-CN" altLang="en-US" smtClean="0"/>
+              <a:t>15</a:t>
             </a:fld>
-            <a:endParaRPr lang="zh-CN" altLang="en-US" sz="1200" smtClean="0"/>
+            <a:endParaRPr lang="zh-CN" altLang="en-US" sz="1200"/>
           </a:p>
         </p:txBody>
       </p:sp>
@@ -1587,7 +1604,7 @@
           <a:bodyPr/>
           <a:lstStyle/>
           <a:p>
-            <a:endParaRPr lang="zh-CN" altLang="en-US" smtClean="0"/>
+            <a:endParaRPr lang="zh-CN" altLang="en-US"/>
           </a:p>
         </p:txBody>
       </p:sp>
@@ -1716,8 +1733,9 @@
           <a:p>
             <a:fld id="{62E7F4C1-0503-40EF-9A62-18091FAFF80B}" type="datetime1">
               <a:rPr lang="zh-CN" altLang="en-US" smtClean="0"/>
+              <a:t>2019/1/7</a:t>
             </a:fld>
-            <a:endParaRPr lang="zh-CN" altLang="en-US" sz="1200" smtClean="0"/>
+            <a:endParaRPr lang="zh-CN" altLang="en-US" sz="1200"/>
           </a:p>
         </p:txBody>
       </p:sp>
@@ -1846,8 +1864,9 @@
           <a:p>
             <a:fld id="{60CD57AD-DFF6-4E53-80D5-6A3EC2F7E9B3}" type="slidenum">
               <a:rPr lang="zh-CN" altLang="en-US" smtClean="0"/>
+              <a:t>16</a:t>
             </a:fld>
-            <a:endParaRPr lang="zh-CN" altLang="en-US" sz="1200" smtClean="0"/>
+            <a:endParaRPr lang="zh-CN" altLang="en-US" sz="1200"/>
           </a:p>
         </p:txBody>
       </p:sp>
@@ -1931,7 +1950,7 @@
           <a:bodyPr/>
           <a:lstStyle/>
           <a:p>
-            <a:endParaRPr lang="zh-CN" altLang="en-US" smtClean="0"/>
+            <a:endParaRPr lang="zh-CN" altLang="en-US"/>
           </a:p>
         </p:txBody>
       </p:sp>
@@ -2060,8 +2079,9 @@
           <a:p>
             <a:fld id="{62E7F4C1-0503-40EF-9A62-18091FAFF80B}" type="datetime1">
               <a:rPr lang="zh-CN" altLang="en-US" smtClean="0"/>
+              <a:t>2019/1/7</a:t>
             </a:fld>
-            <a:endParaRPr lang="zh-CN" altLang="en-US" sz="1200" smtClean="0"/>
+            <a:endParaRPr lang="zh-CN" altLang="en-US" sz="1200"/>
           </a:p>
         </p:txBody>
       </p:sp>
@@ -2190,8 +2210,9 @@
           <a:p>
             <a:fld id="{60CD57AD-DFF6-4E53-80D5-6A3EC2F7E9B3}" type="slidenum">
               <a:rPr lang="zh-CN" altLang="en-US" smtClean="0"/>
+              <a:t>17</a:t>
             </a:fld>
-            <a:endParaRPr lang="zh-CN" altLang="en-US" sz="1200" smtClean="0"/>
+            <a:endParaRPr lang="zh-CN" altLang="en-US" sz="1200"/>
           </a:p>
         </p:txBody>
       </p:sp>
@@ -2275,7 +2296,7 @@
           <a:bodyPr/>
           <a:lstStyle/>
           <a:p>
-            <a:endParaRPr lang="zh-CN" altLang="en-US" smtClean="0"/>
+            <a:endParaRPr lang="zh-CN" altLang="en-US"/>
           </a:p>
         </p:txBody>
       </p:sp>
@@ -2404,8 +2425,9 @@
           <a:p>
             <a:fld id="{62E7F4C1-0503-40EF-9A62-18091FAFF80B}" type="datetime1">
               <a:rPr lang="zh-CN" altLang="en-US" smtClean="0"/>
+              <a:t>2019/1/7</a:t>
             </a:fld>
-            <a:endParaRPr lang="zh-CN" altLang="en-US" sz="1200" smtClean="0"/>
+            <a:endParaRPr lang="zh-CN" altLang="en-US" sz="1200"/>
           </a:p>
         </p:txBody>
       </p:sp>
@@ -2534,8 +2556,9 @@
           <a:p>
             <a:fld id="{60CD57AD-DFF6-4E53-80D5-6A3EC2F7E9B3}" type="slidenum">
               <a:rPr lang="zh-CN" altLang="en-US" smtClean="0"/>
+              <a:t>18</a:t>
             </a:fld>
-            <a:endParaRPr lang="zh-CN" altLang="en-US" sz="1200" smtClean="0"/>
+            <a:endParaRPr lang="zh-CN" altLang="en-US" sz="1200"/>
           </a:p>
         </p:txBody>
       </p:sp>
@@ -2619,7 +2642,7 @@
           <a:bodyPr/>
           <a:lstStyle/>
           <a:p>
-            <a:endParaRPr lang="zh-CN" altLang="en-US" smtClean="0"/>
+            <a:endParaRPr lang="zh-CN" altLang="en-US"/>
           </a:p>
         </p:txBody>
       </p:sp>
@@ -2748,8 +2771,9 @@
           <a:p>
             <a:fld id="{62E7F4C1-0503-40EF-9A62-18091FAFF80B}" type="datetime1">
               <a:rPr lang="zh-CN" altLang="en-US" smtClean="0"/>
+              <a:t>2019/1/7</a:t>
             </a:fld>
-            <a:endParaRPr lang="zh-CN" altLang="en-US" sz="1200" smtClean="0"/>
+            <a:endParaRPr lang="zh-CN" altLang="en-US" sz="1200"/>
           </a:p>
         </p:txBody>
       </p:sp>
@@ -2878,8 +2902,9 @@
           <a:p>
             <a:fld id="{60CD57AD-DFF6-4E53-80D5-6A3EC2F7E9B3}" type="slidenum">
               <a:rPr lang="zh-CN" altLang="en-US" smtClean="0"/>
+              <a:t>19</a:t>
             </a:fld>
-            <a:endParaRPr lang="zh-CN" altLang="en-US" sz="1200" smtClean="0"/>
+            <a:endParaRPr lang="zh-CN" altLang="en-US" sz="1200"/>
           </a:p>
         </p:txBody>
       </p:sp>
@@ -2963,7 +2988,7 @@
           <a:bodyPr/>
           <a:lstStyle/>
           <a:p>
-            <a:endParaRPr lang="zh-CN" altLang="en-US" smtClean="0"/>
+            <a:endParaRPr lang="zh-CN" altLang="en-US"/>
           </a:p>
         </p:txBody>
       </p:sp>
@@ -3092,8 +3117,9 @@
           <a:p>
             <a:fld id="{62E7F4C1-0503-40EF-9A62-18091FAFF80B}" type="datetime1">
               <a:rPr lang="zh-CN" altLang="en-US" smtClean="0"/>
+              <a:t>2019/1/7</a:t>
             </a:fld>
-            <a:endParaRPr lang="zh-CN" altLang="en-US" sz="1200" smtClean="0"/>
+            <a:endParaRPr lang="zh-CN" altLang="en-US" sz="1200"/>
           </a:p>
         </p:txBody>
       </p:sp>
@@ -3222,8 +3248,9 @@
           <a:p>
             <a:fld id="{60CD57AD-DFF6-4E53-80D5-6A3EC2F7E9B3}" type="slidenum">
               <a:rPr lang="zh-CN" altLang="en-US" smtClean="0"/>
+              <a:t>20</a:t>
             </a:fld>
-            <a:endParaRPr lang="zh-CN" altLang="en-US" sz="1200" smtClean="0"/>
+            <a:endParaRPr lang="zh-CN" altLang="en-US" sz="1200"/>
           </a:p>
         </p:txBody>
       </p:sp>
@@ -3307,7 +3334,7 @@
           <a:bodyPr/>
           <a:lstStyle/>
           <a:p>
-            <a:endParaRPr lang="zh-CN" altLang="en-US" smtClean="0"/>
+            <a:endParaRPr lang="zh-CN" altLang="en-US"/>
           </a:p>
         </p:txBody>
       </p:sp>
@@ -3436,8 +3463,9 @@
           <a:p>
             <a:fld id="{62E7F4C1-0503-40EF-9A62-18091FAFF80B}" type="datetime1">
               <a:rPr lang="zh-CN" altLang="en-US" smtClean="0"/>
+              <a:t>2019/1/7</a:t>
             </a:fld>
-            <a:endParaRPr lang="zh-CN" altLang="en-US" sz="1200" smtClean="0"/>
+            <a:endParaRPr lang="zh-CN" altLang="en-US" sz="1200"/>
           </a:p>
         </p:txBody>
       </p:sp>
@@ -3566,8 +3594,9 @@
           <a:p>
             <a:fld id="{60CD57AD-DFF6-4E53-80D5-6A3EC2F7E9B3}" type="slidenum">
               <a:rPr lang="zh-CN" altLang="en-US" smtClean="0"/>
+              <a:t>21</a:t>
             </a:fld>
-            <a:endParaRPr lang="zh-CN" altLang="en-US" sz="1200" smtClean="0"/>
+            <a:endParaRPr lang="zh-CN" altLang="en-US" sz="1200"/>
           </a:p>
         </p:txBody>
       </p:sp>
@@ -3651,7 +3680,7 @@
           <a:bodyPr/>
           <a:lstStyle/>
           <a:p>
-            <a:endParaRPr lang="zh-CN" altLang="en-US" smtClean="0"/>
+            <a:endParaRPr lang="zh-CN" altLang="en-US"/>
           </a:p>
         </p:txBody>
       </p:sp>
@@ -3780,8 +3809,9 @@
           <a:p>
             <a:fld id="{62E7F4C1-0503-40EF-9A62-18091FAFF80B}" type="datetime1">
               <a:rPr lang="zh-CN" altLang="en-US" smtClean="0"/>
+              <a:t>2019/1/7</a:t>
             </a:fld>
-            <a:endParaRPr lang="zh-CN" altLang="en-US" sz="1200" smtClean="0"/>
+            <a:endParaRPr lang="zh-CN" altLang="en-US" sz="1200"/>
           </a:p>
         </p:txBody>
       </p:sp>
@@ -3910,8 +3940,9 @@
           <a:p>
             <a:fld id="{60CD57AD-DFF6-4E53-80D5-6A3EC2F7E9B3}" type="slidenum">
               <a:rPr lang="zh-CN" altLang="en-US" smtClean="0"/>
+              <a:t>22</a:t>
             </a:fld>
-            <a:endParaRPr lang="zh-CN" altLang="en-US" sz="1200" smtClean="0"/>
+            <a:endParaRPr lang="zh-CN" altLang="en-US" sz="1200"/>
           </a:p>
         </p:txBody>
       </p:sp>
@@ -3995,7 +4026,7 @@
           <a:bodyPr/>
           <a:lstStyle/>
           <a:p>
-            <a:endParaRPr lang="zh-CN" altLang="en-US" smtClean="0"/>
+            <a:endParaRPr lang="zh-CN" altLang="en-US"/>
           </a:p>
         </p:txBody>
       </p:sp>
@@ -4124,8 +4155,9 @@
           <a:p>
             <a:fld id="{62E7F4C1-0503-40EF-9A62-18091FAFF80B}" type="datetime1">
               <a:rPr lang="zh-CN" altLang="en-US" smtClean="0"/>
+              <a:t>2019/1/7</a:t>
             </a:fld>
-            <a:endParaRPr lang="zh-CN" altLang="en-US" sz="1200" smtClean="0"/>
+            <a:endParaRPr lang="zh-CN" altLang="en-US" sz="1200"/>
           </a:p>
         </p:txBody>
       </p:sp>
@@ -4254,8 +4286,9 @@
           <a:p>
             <a:fld id="{60CD57AD-DFF6-4E53-80D5-6A3EC2F7E9B3}" type="slidenum">
               <a:rPr lang="zh-CN" altLang="en-US" smtClean="0"/>
+              <a:t>23</a:t>
             </a:fld>
-            <a:endParaRPr lang="zh-CN" altLang="en-US" sz="1200" smtClean="0"/>
+            <a:endParaRPr lang="zh-CN" altLang="en-US" sz="1200"/>
           </a:p>
         </p:txBody>
       </p:sp>
@@ -4339,7 +4372,7 @@
           <a:bodyPr/>
           <a:lstStyle/>
           <a:p>
-            <a:endParaRPr lang="zh-CN" altLang="en-US" smtClean="0"/>
+            <a:endParaRPr lang="zh-CN" altLang="en-US"/>
           </a:p>
         </p:txBody>
       </p:sp>
@@ -4468,8 +4501,9 @@
           <a:p>
             <a:fld id="{62E7F4C1-0503-40EF-9A62-18091FAFF80B}" type="datetime1">
               <a:rPr lang="zh-CN" altLang="en-US" smtClean="0"/>
+              <a:t>2019/1/7</a:t>
             </a:fld>
-            <a:endParaRPr lang="zh-CN" altLang="en-US" sz="1200" smtClean="0"/>
+            <a:endParaRPr lang="zh-CN" altLang="en-US" sz="1200"/>
           </a:p>
         </p:txBody>
       </p:sp>
@@ -4598,8 +4632,9 @@
           <a:p>
             <a:fld id="{60CD57AD-DFF6-4E53-80D5-6A3EC2F7E9B3}" type="slidenum">
               <a:rPr lang="zh-CN" altLang="en-US" smtClean="0"/>
+              <a:t>24</a:t>
             </a:fld>
-            <a:endParaRPr lang="zh-CN" altLang="en-US" sz="1200" smtClean="0"/>
+            <a:endParaRPr lang="zh-CN" altLang="en-US" sz="1200"/>
           </a:p>
         </p:txBody>
       </p:sp>
@@ -4683,7 +4718,7 @@
           <a:bodyPr/>
           <a:lstStyle/>
           <a:p>
-            <a:endParaRPr lang="zh-CN" altLang="en-US" smtClean="0"/>
+            <a:endParaRPr lang="zh-CN" altLang="en-US"/>
           </a:p>
         </p:txBody>
       </p:sp>
@@ -4812,8 +4847,9 @@
           <a:p>
             <a:fld id="{62E7F4C1-0503-40EF-9A62-18091FAFF80B}" type="datetime1">
               <a:rPr lang="zh-CN" altLang="en-US" smtClean="0"/>
+              <a:t>2019/1/7</a:t>
             </a:fld>
-            <a:endParaRPr lang="zh-CN" altLang="en-US" sz="1200" smtClean="0"/>
+            <a:endParaRPr lang="zh-CN" altLang="en-US" sz="1200"/>
           </a:p>
         </p:txBody>
       </p:sp>
@@ -4942,8 +4978,9 @@
           <a:p>
             <a:fld id="{60CD57AD-DFF6-4E53-80D5-6A3EC2F7E9B3}" type="slidenum">
               <a:rPr lang="zh-CN" altLang="en-US" smtClean="0"/>
+              <a:t>7</a:t>
             </a:fld>
-            <a:endParaRPr lang="zh-CN" altLang="en-US" sz="1200" smtClean="0"/>
+            <a:endParaRPr lang="zh-CN" altLang="en-US" sz="1200"/>
           </a:p>
         </p:txBody>
       </p:sp>
@@ -5027,7 +5064,7 @@
           <a:bodyPr/>
           <a:lstStyle/>
           <a:p>
-            <a:endParaRPr lang="zh-CN" altLang="en-US" smtClean="0"/>
+            <a:endParaRPr lang="zh-CN" altLang="en-US"/>
           </a:p>
         </p:txBody>
       </p:sp>
@@ -5156,8 +5193,9 @@
           <a:p>
             <a:fld id="{62E7F4C1-0503-40EF-9A62-18091FAFF80B}" type="datetime1">
               <a:rPr lang="zh-CN" altLang="en-US" smtClean="0"/>
+              <a:t>2019/1/7</a:t>
             </a:fld>
-            <a:endParaRPr lang="zh-CN" altLang="en-US" sz="1200" smtClean="0"/>
+            <a:endParaRPr lang="zh-CN" altLang="en-US" sz="1200"/>
           </a:p>
         </p:txBody>
       </p:sp>
@@ -5286,8 +5324,9 @@
           <a:p>
             <a:fld id="{60CD57AD-DFF6-4E53-80D5-6A3EC2F7E9B3}" type="slidenum">
               <a:rPr lang="zh-CN" altLang="en-US" smtClean="0"/>
+              <a:t>25</a:t>
             </a:fld>
-            <a:endParaRPr lang="zh-CN" altLang="en-US" sz="1200" smtClean="0"/>
+            <a:endParaRPr lang="zh-CN" altLang="en-US" sz="1200"/>
           </a:p>
         </p:txBody>
       </p:sp>
@@ -5371,7 +5410,7 @@
           <a:bodyPr/>
           <a:lstStyle/>
           <a:p>
-            <a:endParaRPr lang="zh-CN" altLang="en-US" smtClean="0"/>
+            <a:endParaRPr lang="zh-CN" altLang="en-US"/>
           </a:p>
         </p:txBody>
       </p:sp>
@@ -5500,8 +5539,9 @@
           <a:p>
             <a:fld id="{62E7F4C1-0503-40EF-9A62-18091FAFF80B}" type="datetime1">
               <a:rPr lang="zh-CN" altLang="en-US" smtClean="0"/>
+              <a:t>2019/1/7</a:t>
             </a:fld>
-            <a:endParaRPr lang="zh-CN" altLang="en-US" sz="1200" smtClean="0"/>
+            <a:endParaRPr lang="zh-CN" altLang="en-US" sz="1200"/>
           </a:p>
         </p:txBody>
       </p:sp>
@@ -5630,8 +5670,9 @@
           <a:p>
             <a:fld id="{60CD57AD-DFF6-4E53-80D5-6A3EC2F7E9B3}" type="slidenum">
               <a:rPr lang="zh-CN" altLang="en-US" smtClean="0"/>
+              <a:t>26</a:t>
             </a:fld>
-            <a:endParaRPr lang="zh-CN" altLang="en-US" sz="1200" smtClean="0"/>
+            <a:endParaRPr lang="zh-CN" altLang="en-US" sz="1200"/>
           </a:p>
         </p:txBody>
       </p:sp>
@@ -5715,7 +5756,7 @@
           <a:bodyPr/>
           <a:lstStyle/>
           <a:p>
-            <a:endParaRPr lang="zh-CN" altLang="en-US" smtClean="0"/>
+            <a:endParaRPr lang="zh-CN" altLang="en-US"/>
           </a:p>
         </p:txBody>
       </p:sp>
@@ -5844,8 +5885,9 @@
           <a:p>
             <a:fld id="{62E7F4C1-0503-40EF-9A62-18091FAFF80B}" type="datetime1">
               <a:rPr lang="zh-CN" altLang="en-US" smtClean="0"/>
+              <a:t>2019/1/7</a:t>
             </a:fld>
-            <a:endParaRPr lang="zh-CN" altLang="en-US" sz="1200" smtClean="0"/>
+            <a:endParaRPr lang="zh-CN" altLang="en-US" sz="1200"/>
           </a:p>
         </p:txBody>
       </p:sp>
@@ -5974,8 +6016,9 @@
           <a:p>
             <a:fld id="{60CD57AD-DFF6-4E53-80D5-6A3EC2F7E9B3}" type="slidenum">
               <a:rPr lang="zh-CN" altLang="en-US" smtClean="0"/>
+              <a:t>27</a:t>
             </a:fld>
-            <a:endParaRPr lang="zh-CN" altLang="en-US" sz="1200" smtClean="0"/>
+            <a:endParaRPr lang="zh-CN" altLang="en-US" sz="1200"/>
           </a:p>
         </p:txBody>
       </p:sp>
@@ -6059,7 +6102,7 @@
           <a:bodyPr/>
           <a:lstStyle/>
           <a:p>
-            <a:endParaRPr lang="zh-CN" altLang="en-US" smtClean="0"/>
+            <a:endParaRPr lang="zh-CN" altLang="en-US"/>
           </a:p>
         </p:txBody>
       </p:sp>
@@ -6188,8 +6231,9 @@
           <a:p>
             <a:fld id="{62E7F4C1-0503-40EF-9A62-18091FAFF80B}" type="datetime1">
               <a:rPr lang="zh-CN" altLang="en-US" smtClean="0"/>
+              <a:t>2019/1/7</a:t>
             </a:fld>
-            <a:endParaRPr lang="zh-CN" altLang="en-US" sz="1200" smtClean="0"/>
+            <a:endParaRPr lang="zh-CN" altLang="en-US" sz="1200"/>
           </a:p>
         </p:txBody>
       </p:sp>
@@ -6318,8 +6362,9 @@
           <a:p>
             <a:fld id="{60CD57AD-DFF6-4E53-80D5-6A3EC2F7E9B3}" type="slidenum">
               <a:rPr lang="zh-CN" altLang="en-US" smtClean="0"/>
+              <a:t>28</a:t>
             </a:fld>
-            <a:endParaRPr lang="zh-CN" altLang="en-US" sz="1200" smtClean="0"/>
+            <a:endParaRPr lang="zh-CN" altLang="en-US" sz="1200"/>
           </a:p>
         </p:txBody>
       </p:sp>
@@ -6403,7 +6448,7 @@
           <a:bodyPr/>
           <a:lstStyle/>
           <a:p>
-            <a:endParaRPr lang="zh-CN" altLang="en-US" smtClean="0"/>
+            <a:endParaRPr lang="zh-CN" altLang="en-US"/>
           </a:p>
         </p:txBody>
       </p:sp>
@@ -6532,8 +6577,9 @@
           <a:p>
             <a:fld id="{62E7F4C1-0503-40EF-9A62-18091FAFF80B}" type="datetime1">
               <a:rPr lang="zh-CN" altLang="en-US" smtClean="0"/>
+              <a:t>2019/1/7</a:t>
             </a:fld>
-            <a:endParaRPr lang="zh-CN" altLang="en-US" sz="1200" smtClean="0"/>
+            <a:endParaRPr lang="zh-CN" altLang="en-US" sz="1200"/>
           </a:p>
         </p:txBody>
       </p:sp>
@@ -6662,8 +6708,9 @@
           <a:p>
             <a:fld id="{60CD57AD-DFF6-4E53-80D5-6A3EC2F7E9B3}" type="slidenum">
               <a:rPr lang="zh-CN" altLang="en-US" smtClean="0"/>
+              <a:t>29</a:t>
             </a:fld>
-            <a:endParaRPr lang="zh-CN" altLang="en-US" sz="1200" smtClean="0"/>
+            <a:endParaRPr lang="zh-CN" altLang="en-US" sz="1200"/>
           </a:p>
         </p:txBody>
       </p:sp>
@@ -6747,7 +6794,7 @@
           <a:bodyPr/>
           <a:lstStyle/>
           <a:p>
-            <a:endParaRPr lang="zh-CN" altLang="en-US" smtClean="0"/>
+            <a:endParaRPr lang="zh-CN" altLang="en-US"/>
           </a:p>
         </p:txBody>
       </p:sp>
@@ -6876,8 +6923,9 @@
           <a:p>
             <a:fld id="{62E7F4C1-0503-40EF-9A62-18091FAFF80B}" type="datetime1">
               <a:rPr lang="zh-CN" altLang="en-US" smtClean="0"/>
+              <a:t>2019/1/7</a:t>
             </a:fld>
-            <a:endParaRPr lang="zh-CN" altLang="en-US" sz="1200" smtClean="0"/>
+            <a:endParaRPr lang="zh-CN" altLang="en-US" sz="1200"/>
           </a:p>
         </p:txBody>
       </p:sp>
@@ -7006,8 +7054,9 @@
           <a:p>
             <a:fld id="{60CD57AD-DFF6-4E53-80D5-6A3EC2F7E9B3}" type="slidenum">
               <a:rPr lang="zh-CN" altLang="en-US" smtClean="0"/>
+              <a:t>8</a:t>
             </a:fld>
-            <a:endParaRPr lang="zh-CN" altLang="en-US" sz="1200" smtClean="0"/>
+            <a:endParaRPr lang="zh-CN" altLang="en-US" sz="1200"/>
           </a:p>
         </p:txBody>
       </p:sp>
@@ -7091,7 +7140,7 @@
           <a:bodyPr/>
           <a:lstStyle/>
           <a:p>
-            <a:endParaRPr lang="zh-CN" altLang="en-US" smtClean="0"/>
+            <a:endParaRPr lang="zh-CN" altLang="en-US"/>
           </a:p>
         </p:txBody>
       </p:sp>
@@ -7220,8 +7269,9 @@
           <a:p>
             <a:fld id="{62E7F4C1-0503-40EF-9A62-18091FAFF80B}" type="datetime1">
               <a:rPr lang="zh-CN" altLang="en-US" smtClean="0"/>
+              <a:t>2019/1/7</a:t>
             </a:fld>
-            <a:endParaRPr lang="zh-CN" altLang="en-US" sz="1200" smtClean="0"/>
+            <a:endParaRPr lang="zh-CN" altLang="en-US" sz="1200"/>
           </a:p>
         </p:txBody>
       </p:sp>
@@ -7350,8 +7400,9 @@
           <a:p>
             <a:fld id="{60CD57AD-DFF6-4E53-80D5-6A3EC2F7E9B3}" type="slidenum">
               <a:rPr lang="zh-CN" altLang="en-US" smtClean="0"/>
+              <a:t>9</a:t>
             </a:fld>
-            <a:endParaRPr lang="zh-CN" altLang="en-US" sz="1200" smtClean="0"/>
+            <a:endParaRPr lang="zh-CN" altLang="en-US" sz="1200"/>
           </a:p>
         </p:txBody>
       </p:sp>
@@ -7435,7 +7486,7 @@
           <a:bodyPr/>
           <a:lstStyle/>
           <a:p>
-            <a:endParaRPr lang="zh-CN" altLang="en-US" smtClean="0"/>
+            <a:endParaRPr lang="zh-CN" altLang="en-US"/>
           </a:p>
         </p:txBody>
       </p:sp>
@@ -7564,8 +7615,9 @@
           <a:p>
             <a:fld id="{62E7F4C1-0503-40EF-9A62-18091FAFF80B}" type="datetime1">
               <a:rPr lang="zh-CN" altLang="en-US" smtClean="0"/>
+              <a:t>2019/1/7</a:t>
             </a:fld>
-            <a:endParaRPr lang="zh-CN" altLang="en-US" sz="1200" smtClean="0"/>
+            <a:endParaRPr lang="zh-CN" altLang="en-US" sz="1200"/>
           </a:p>
         </p:txBody>
       </p:sp>
@@ -7694,8 +7746,9 @@
           <a:p>
             <a:fld id="{60CD57AD-DFF6-4E53-80D5-6A3EC2F7E9B3}" type="slidenum">
               <a:rPr lang="zh-CN" altLang="en-US" smtClean="0"/>
+              <a:t>10</a:t>
             </a:fld>
-            <a:endParaRPr lang="zh-CN" altLang="en-US" sz="1200" smtClean="0"/>
+            <a:endParaRPr lang="zh-CN" altLang="en-US" sz="1200"/>
           </a:p>
         </p:txBody>
       </p:sp>
@@ -7779,7 +7832,7 @@
           <a:bodyPr/>
           <a:lstStyle/>
           <a:p>
-            <a:endParaRPr lang="zh-CN" altLang="en-US" smtClean="0"/>
+            <a:endParaRPr lang="zh-CN" altLang="en-US"/>
           </a:p>
         </p:txBody>
       </p:sp>
@@ -7908,8 +7961,9 @@
           <a:p>
             <a:fld id="{62E7F4C1-0503-40EF-9A62-18091FAFF80B}" type="datetime1">
               <a:rPr lang="zh-CN" altLang="en-US" smtClean="0"/>
+              <a:t>2019/1/7</a:t>
             </a:fld>
-            <a:endParaRPr lang="zh-CN" altLang="en-US" sz="1200" smtClean="0"/>
+            <a:endParaRPr lang="zh-CN" altLang="en-US" sz="1200"/>
           </a:p>
         </p:txBody>
       </p:sp>
@@ -8038,8 +8092,9 @@
           <a:p>
             <a:fld id="{60CD57AD-DFF6-4E53-80D5-6A3EC2F7E9B3}" type="slidenum">
               <a:rPr lang="zh-CN" altLang="en-US" smtClean="0"/>
+              <a:t>11</a:t>
             </a:fld>
-            <a:endParaRPr lang="zh-CN" altLang="en-US" sz="1200" smtClean="0"/>
+            <a:endParaRPr lang="zh-CN" altLang="en-US" sz="1200"/>
           </a:p>
         </p:txBody>
       </p:sp>
@@ -8123,7 +8178,7 @@
           <a:bodyPr/>
           <a:lstStyle/>
           <a:p>
-            <a:endParaRPr lang="zh-CN" altLang="en-US" smtClean="0"/>
+            <a:endParaRPr lang="zh-CN" altLang="en-US"/>
           </a:p>
         </p:txBody>
       </p:sp>
@@ -8252,8 +8307,9 @@
           <a:p>
             <a:fld id="{62E7F4C1-0503-40EF-9A62-18091FAFF80B}" type="datetime1">
               <a:rPr lang="zh-CN" altLang="en-US" smtClean="0"/>
+              <a:t>2019/1/7</a:t>
             </a:fld>
-            <a:endParaRPr lang="zh-CN" altLang="en-US" sz="1200" smtClean="0"/>
+            <a:endParaRPr lang="zh-CN" altLang="en-US" sz="1200"/>
           </a:p>
         </p:txBody>
       </p:sp>
@@ -8382,8 +8438,9 @@
           <a:p>
             <a:fld id="{60CD57AD-DFF6-4E53-80D5-6A3EC2F7E9B3}" type="slidenum">
               <a:rPr lang="zh-CN" altLang="en-US" smtClean="0"/>
+              <a:t>12</a:t>
             </a:fld>
-            <a:endParaRPr lang="zh-CN" altLang="en-US" sz="1200" smtClean="0"/>
+            <a:endParaRPr lang="zh-CN" altLang="en-US" sz="1200"/>
           </a:p>
         </p:txBody>
       </p:sp>
@@ -8467,7 +8524,7 @@
           <a:bodyPr/>
           <a:lstStyle/>
           <a:p>
-            <a:endParaRPr lang="zh-CN" altLang="en-US" smtClean="0"/>
+            <a:endParaRPr lang="zh-CN" altLang="en-US"/>
           </a:p>
         </p:txBody>
       </p:sp>
@@ -8596,8 +8653,9 @@
           <a:p>
             <a:fld id="{62E7F4C1-0503-40EF-9A62-18091FAFF80B}" type="datetime1">
               <a:rPr lang="zh-CN" altLang="en-US" smtClean="0"/>
+              <a:t>2019/1/7</a:t>
             </a:fld>
-            <a:endParaRPr lang="zh-CN" altLang="en-US" sz="1200" smtClean="0"/>
+            <a:endParaRPr lang="zh-CN" altLang="en-US" sz="1200"/>
           </a:p>
         </p:txBody>
       </p:sp>
@@ -8726,8 +8784,9 @@
           <a:p>
             <a:fld id="{60CD57AD-DFF6-4E53-80D5-6A3EC2F7E9B3}" type="slidenum">
               <a:rPr lang="zh-CN" altLang="en-US" smtClean="0"/>
+              <a:t>13</a:t>
             </a:fld>
-            <a:endParaRPr lang="zh-CN" altLang="en-US" sz="1200" smtClean="0"/>
+            <a:endParaRPr lang="zh-CN" altLang="en-US" sz="1200"/>
           </a:p>
         </p:txBody>
       </p:sp>
@@ -8811,7 +8870,7 @@
           <a:bodyPr/>
           <a:lstStyle/>
           <a:p>
-            <a:endParaRPr lang="zh-CN" altLang="en-US" smtClean="0"/>
+            <a:endParaRPr lang="zh-CN" altLang="en-US"/>
           </a:p>
         </p:txBody>
       </p:sp>
@@ -8940,8 +8999,9 @@
           <a:p>
             <a:fld id="{62E7F4C1-0503-40EF-9A62-18091FAFF80B}" type="datetime1">
               <a:rPr lang="zh-CN" altLang="en-US" smtClean="0"/>
+              <a:t>2019/1/7</a:t>
             </a:fld>
-            <a:endParaRPr lang="zh-CN" altLang="en-US" sz="1200" smtClean="0"/>
+            <a:endParaRPr lang="zh-CN" altLang="en-US" sz="1200"/>
           </a:p>
         </p:txBody>
       </p:sp>
@@ -9070,8 +9130,9 @@
           <a:p>
             <a:fld id="{60CD57AD-DFF6-4E53-80D5-6A3EC2F7E9B3}" type="slidenum">
               <a:rPr lang="zh-CN" altLang="en-US" smtClean="0"/>
+              <a:t>14</a:t>
             </a:fld>
-            <a:endParaRPr lang="zh-CN" altLang="en-US" sz="1200" smtClean="0"/>
+            <a:endParaRPr lang="zh-CN" altLang="en-US" sz="1200"/>
           </a:p>
         </p:txBody>
       </p:sp>
@@ -9128,10 +9189,10 @@
           </a:lstStyle>
           <a:p>
             <a:r>
-              <a:rPr lang="zh-CN" altLang="en-US" smtClean="0"/>
+              <a:rPr lang="zh-CN" altLang="en-US"/>
               <a:t>单击此处编辑母版标题样式</a:t>
             </a:r>
-            <a:endParaRPr lang="en-US" altLang="zh-CN" smtClean="0"/>
+            <a:endParaRPr lang="en-US" altLang="zh-CN"/>
           </a:p>
         </p:txBody>
       </p:sp>
@@ -9196,10 +9257,9 @@
           </a:lstStyle>
           <a:p>
             <a:r>
-              <a:rPr lang="zh-CN" altLang="en-US" smtClean="0"/>
+              <a:rPr lang="zh-CN" altLang="en-US"/>
               <a:t>单击此处编辑母版副标题样式</a:t>
             </a:r>
-            <a:endParaRPr lang="zh-CN" altLang="en-US"/>
           </a:p>
         </p:txBody>
       </p:sp>
@@ -9255,10 +9315,9 @@
           <a:lstStyle/>
           <a:p>
             <a:r>
-              <a:rPr lang="zh-CN" altLang="en-US" smtClean="0"/>
+              <a:rPr lang="zh-CN" altLang="en-US"/>
               <a:t>单击此处编辑母版标题样式</a:t>
             </a:r>
-            <a:endParaRPr lang="zh-CN" altLang="en-US"/>
           </a:p>
         </p:txBody>
       </p:sp>
@@ -9287,42 +9346,37 @@
           <a:p>
             <a:pPr lvl="0"/>
             <a:r>
-              <a:rPr lang="zh-CN" altLang="en-US" smtClean="0"/>
+              <a:rPr lang="zh-CN" altLang="en-US"/>
               <a:t>单击此处编辑母版文本样式</a:t>
             </a:r>
-            <a:endParaRPr lang="zh-CN" altLang="en-US" smtClean="0"/>
           </a:p>
           <a:p>
             <a:pPr lvl="1"/>
             <a:r>
-              <a:rPr lang="zh-CN" altLang="en-US" smtClean="0"/>
+              <a:rPr lang="zh-CN" altLang="en-US"/>
               <a:t>第二级</a:t>
             </a:r>
-            <a:endParaRPr lang="zh-CN" altLang="en-US" smtClean="0"/>
           </a:p>
           <a:p>
             <a:pPr lvl="2"/>
             <a:r>
-              <a:rPr lang="zh-CN" altLang="en-US" smtClean="0"/>
+              <a:rPr lang="zh-CN" altLang="en-US"/>
               <a:t>第三级</a:t>
             </a:r>
-            <a:endParaRPr lang="zh-CN" altLang="en-US" smtClean="0"/>
           </a:p>
           <a:p>
             <a:pPr lvl="3"/>
             <a:r>
-              <a:rPr lang="zh-CN" altLang="en-US" smtClean="0"/>
+              <a:rPr lang="zh-CN" altLang="en-US"/>
               <a:t>第四级</a:t>
             </a:r>
-            <a:endParaRPr lang="zh-CN" altLang="en-US" smtClean="0"/>
           </a:p>
           <a:p>
             <a:pPr lvl="4"/>
             <a:r>
-              <a:rPr lang="zh-CN" altLang="en-US" smtClean="0"/>
+              <a:rPr lang="zh-CN" altLang="en-US"/>
               <a:t>第五级</a:t>
             </a:r>
-            <a:endParaRPr lang="zh-CN" altLang="en-US"/>
           </a:p>
         </p:txBody>
       </p:sp>
@@ -9378,10 +9432,9 @@
           <a:lstStyle/>
           <a:p>
             <a:r>
-              <a:rPr lang="zh-CN" altLang="en-US" smtClean="0"/>
+              <a:rPr lang="zh-CN" altLang="en-US"/>
               <a:t>单击此处编辑母版标题样式</a:t>
             </a:r>
-            <a:endParaRPr lang="zh-CN" altLang="en-US"/>
           </a:p>
         </p:txBody>
       </p:sp>
@@ -9410,42 +9463,37 @@
           <a:p>
             <a:pPr lvl="0"/>
             <a:r>
-              <a:rPr lang="zh-CN" altLang="en-US" smtClean="0"/>
+              <a:rPr lang="zh-CN" altLang="en-US"/>
               <a:t>单击此处编辑母版文本样式</a:t>
             </a:r>
-            <a:endParaRPr lang="zh-CN" altLang="en-US" smtClean="0"/>
           </a:p>
           <a:p>
             <a:pPr lvl="1"/>
             <a:r>
-              <a:rPr lang="zh-CN" altLang="en-US" smtClean="0"/>
+              <a:rPr lang="zh-CN" altLang="en-US"/>
               <a:t>第二级</a:t>
             </a:r>
-            <a:endParaRPr lang="zh-CN" altLang="en-US" smtClean="0"/>
           </a:p>
           <a:p>
             <a:pPr lvl="2"/>
             <a:r>
-              <a:rPr lang="zh-CN" altLang="en-US" smtClean="0"/>
+              <a:rPr lang="zh-CN" altLang="en-US"/>
               <a:t>第三级</a:t>
             </a:r>
-            <a:endParaRPr lang="zh-CN" altLang="en-US" smtClean="0"/>
           </a:p>
           <a:p>
             <a:pPr lvl="3"/>
             <a:r>
-              <a:rPr lang="zh-CN" altLang="en-US" smtClean="0"/>
+              <a:rPr lang="zh-CN" altLang="en-US"/>
               <a:t>第四级</a:t>
             </a:r>
-            <a:endParaRPr lang="zh-CN" altLang="en-US" smtClean="0"/>
           </a:p>
           <a:p>
             <a:pPr lvl="4"/>
             <a:r>
-              <a:rPr lang="zh-CN" altLang="en-US" smtClean="0"/>
+              <a:rPr lang="zh-CN" altLang="en-US"/>
               <a:t>第五级</a:t>
             </a:r>
-            <a:endParaRPr lang="zh-CN" altLang="en-US"/>
           </a:p>
         </p:txBody>
       </p:sp>
@@ -9508,7 +9556,6 @@
               <a:rPr lang="zh-CN" altLang="en-US"/>
               <a:t>目录</a:t>
             </a:r>
-            <a:endParaRPr lang="zh-CN" altLang="en-US"/>
           </a:p>
         </p:txBody>
       </p:sp>
@@ -9534,6 +9581,7 @@
           <a:p>
             <a:fld id="{263DB197-84B0-484E-9C0F-88358ECCB797}" type="datetimeFigureOut">
               <a:rPr lang="zh-CN" altLang="en-US" smtClean="0"/>
+              <a:t>2019/1/7</a:t>
             </a:fld>
             <a:endParaRPr lang="zh-CN" altLang="en-US"/>
           </a:p>
@@ -9585,6 +9633,7 @@
           <a:p>
             <a:fld id="{E077DA78-E013-4A8C-AD75-63A150561B10}" type="slidenum">
               <a:rPr lang="zh-CN" altLang="en-US" smtClean="0"/>
+              <a:t>‹#›</a:t>
             </a:fld>
             <a:endParaRPr lang="zh-CN" altLang="en-US"/>
           </a:p>
@@ -9642,10 +9691,9 @@
           <a:lstStyle/>
           <a:p>
             <a:r>
-              <a:rPr lang="zh-CN" altLang="en-US" smtClean="0"/>
+              <a:rPr lang="zh-CN" altLang="en-US"/>
               <a:t>单击此处编辑母版标题样式</a:t>
             </a:r>
-            <a:endParaRPr lang="zh-CN" altLang="en-US"/>
           </a:p>
         </p:txBody>
       </p:sp>
@@ -9674,42 +9722,37 @@
           <a:p>
             <a:pPr lvl="0"/>
             <a:r>
-              <a:rPr lang="zh-CN" altLang="en-US" smtClean="0"/>
+              <a:rPr lang="zh-CN" altLang="en-US"/>
               <a:t>单击此处编辑母版文本样式</a:t>
             </a:r>
-            <a:endParaRPr lang="zh-CN" altLang="en-US" smtClean="0"/>
           </a:p>
           <a:p>
             <a:pPr lvl="1"/>
             <a:r>
-              <a:rPr lang="zh-CN" altLang="en-US" smtClean="0"/>
+              <a:rPr lang="zh-CN" altLang="en-US"/>
               <a:t>第二级</a:t>
             </a:r>
-            <a:endParaRPr lang="zh-CN" altLang="en-US" smtClean="0"/>
           </a:p>
           <a:p>
             <a:pPr lvl="2"/>
             <a:r>
-              <a:rPr lang="zh-CN" altLang="en-US" smtClean="0"/>
+              <a:rPr lang="zh-CN" altLang="en-US"/>
               <a:t>第三级</a:t>
             </a:r>
-            <a:endParaRPr lang="zh-CN" altLang="en-US" smtClean="0"/>
           </a:p>
           <a:p>
             <a:pPr lvl="3"/>
             <a:r>
-              <a:rPr lang="zh-CN" altLang="en-US" smtClean="0"/>
+              <a:rPr lang="zh-CN" altLang="en-US"/>
               <a:t>第四级</a:t>
             </a:r>
-            <a:endParaRPr lang="zh-CN" altLang="en-US" smtClean="0"/>
           </a:p>
           <a:p>
             <a:pPr lvl="4"/>
             <a:r>
-              <a:rPr lang="zh-CN" altLang="en-US" smtClean="0"/>
+              <a:rPr lang="zh-CN" altLang="en-US"/>
               <a:t>第五级</a:t>
             </a:r>
-            <a:endParaRPr lang="zh-CN" altLang="en-US"/>
           </a:p>
         </p:txBody>
       </p:sp>
@@ -9769,10 +9812,9 @@
           </a:lstStyle>
           <a:p>
             <a:r>
-              <a:rPr lang="zh-CN" altLang="en-US" smtClean="0"/>
+              <a:rPr lang="zh-CN" altLang="en-US"/>
               <a:t>单击此处编辑母版标题样式</a:t>
             </a:r>
-            <a:endParaRPr lang="zh-CN" altLang="en-US"/>
           </a:p>
         </p:txBody>
       </p:sp>
@@ -9838,10 +9880,9 @@
           <a:p>
             <a:pPr lvl="0"/>
             <a:r>
-              <a:rPr lang="zh-CN" altLang="en-US" smtClean="0"/>
+              <a:rPr lang="zh-CN" altLang="en-US"/>
               <a:t>单击此处编辑母版文本样式</a:t>
             </a:r>
-            <a:endParaRPr lang="zh-CN" altLang="en-US" smtClean="0"/>
           </a:p>
         </p:txBody>
       </p:sp>
@@ -9897,10 +9938,9 @@
           <a:lstStyle/>
           <a:p>
             <a:r>
-              <a:rPr lang="zh-CN" altLang="en-US" smtClean="0"/>
+              <a:rPr lang="zh-CN" altLang="en-US"/>
               <a:t>单击此处编辑母版标题样式</a:t>
             </a:r>
-            <a:endParaRPr lang="zh-CN" altLang="en-US"/>
           </a:p>
         </p:txBody>
       </p:sp>
@@ -9929,42 +9969,37 @@
           <a:p>
             <a:pPr lvl="0"/>
             <a:r>
-              <a:rPr lang="zh-CN" altLang="en-US" smtClean="0"/>
+              <a:rPr lang="zh-CN" altLang="en-US"/>
               <a:t>单击此处编辑母版文本样式</a:t>
             </a:r>
-            <a:endParaRPr lang="zh-CN" altLang="en-US" smtClean="0"/>
           </a:p>
           <a:p>
             <a:pPr lvl="1"/>
             <a:r>
-              <a:rPr lang="zh-CN" altLang="en-US" smtClean="0"/>
+              <a:rPr lang="zh-CN" altLang="en-US"/>
               <a:t>第二级</a:t>
             </a:r>
-            <a:endParaRPr lang="zh-CN" altLang="en-US" smtClean="0"/>
           </a:p>
           <a:p>
             <a:pPr lvl="2"/>
             <a:r>
-              <a:rPr lang="zh-CN" altLang="en-US" smtClean="0"/>
+              <a:rPr lang="zh-CN" altLang="en-US"/>
               <a:t>第三级</a:t>
             </a:r>
-            <a:endParaRPr lang="zh-CN" altLang="en-US" smtClean="0"/>
           </a:p>
           <a:p>
             <a:pPr lvl="3"/>
             <a:r>
-              <a:rPr lang="zh-CN" altLang="en-US" smtClean="0"/>
+              <a:rPr lang="zh-CN" altLang="en-US"/>
               <a:t>第四级</a:t>
             </a:r>
-            <a:endParaRPr lang="zh-CN" altLang="en-US" smtClean="0"/>
           </a:p>
           <a:p>
             <a:pPr lvl="4"/>
             <a:r>
-              <a:rPr lang="zh-CN" altLang="en-US" smtClean="0"/>
+              <a:rPr lang="zh-CN" altLang="en-US"/>
               <a:t>第五级</a:t>
             </a:r>
-            <a:endParaRPr lang="zh-CN" altLang="en-US"/>
           </a:p>
         </p:txBody>
       </p:sp>
@@ -9993,42 +10028,37 @@
           <a:p>
             <a:pPr lvl="0"/>
             <a:r>
-              <a:rPr lang="zh-CN" altLang="en-US" smtClean="0"/>
+              <a:rPr lang="zh-CN" altLang="en-US"/>
               <a:t>单击此处编辑母版文本样式</a:t>
             </a:r>
-            <a:endParaRPr lang="zh-CN" altLang="en-US" smtClean="0"/>
           </a:p>
           <a:p>
             <a:pPr lvl="1"/>
             <a:r>
-              <a:rPr lang="zh-CN" altLang="en-US" smtClean="0"/>
+              <a:rPr lang="zh-CN" altLang="en-US"/>
               <a:t>第二级</a:t>
             </a:r>
-            <a:endParaRPr lang="zh-CN" altLang="en-US" smtClean="0"/>
           </a:p>
           <a:p>
             <a:pPr lvl="2"/>
             <a:r>
-              <a:rPr lang="zh-CN" altLang="en-US" smtClean="0"/>
+              <a:rPr lang="zh-CN" altLang="en-US"/>
               <a:t>第三级</a:t>
             </a:r>
-            <a:endParaRPr lang="zh-CN" altLang="en-US" smtClean="0"/>
           </a:p>
           <a:p>
             <a:pPr lvl="3"/>
             <a:r>
-              <a:rPr lang="zh-CN" altLang="en-US" smtClean="0"/>
+              <a:rPr lang="zh-CN" altLang="en-US"/>
               <a:t>第四级</a:t>
             </a:r>
-            <a:endParaRPr lang="zh-CN" altLang="en-US" smtClean="0"/>
           </a:p>
           <a:p>
             <a:pPr lvl="4"/>
             <a:r>
-              <a:rPr lang="zh-CN" altLang="en-US" smtClean="0"/>
+              <a:rPr lang="zh-CN" altLang="en-US"/>
               <a:t>第五级</a:t>
             </a:r>
-            <a:endParaRPr lang="zh-CN" altLang="en-US"/>
           </a:p>
         </p:txBody>
       </p:sp>
@@ -10084,10 +10114,9 @@
           <a:lstStyle/>
           <a:p>
             <a:r>
-              <a:rPr lang="zh-CN" altLang="en-US" smtClean="0"/>
+              <a:rPr lang="zh-CN" altLang="en-US"/>
               <a:t>单击此处编辑母版标题样式</a:t>
             </a:r>
-            <a:endParaRPr lang="zh-CN" altLang="en-US"/>
           </a:p>
         </p:txBody>
       </p:sp>
@@ -10153,10 +10182,9 @@
           <a:p>
             <a:pPr lvl="0"/>
             <a:r>
-              <a:rPr lang="zh-CN" altLang="en-US" smtClean="0"/>
+              <a:rPr lang="zh-CN" altLang="en-US"/>
               <a:t>单击此处编辑母版文本样式</a:t>
             </a:r>
-            <a:endParaRPr lang="zh-CN" altLang="en-US" smtClean="0"/>
           </a:p>
         </p:txBody>
       </p:sp>
@@ -10185,42 +10213,37 @@
           <a:p>
             <a:pPr lvl="0"/>
             <a:r>
-              <a:rPr lang="zh-CN" altLang="en-US" smtClean="0"/>
+              <a:rPr lang="zh-CN" altLang="en-US"/>
               <a:t>单击此处编辑母版文本样式</a:t>
             </a:r>
-            <a:endParaRPr lang="zh-CN" altLang="en-US" smtClean="0"/>
           </a:p>
           <a:p>
             <a:pPr lvl="1"/>
             <a:r>
-              <a:rPr lang="zh-CN" altLang="en-US" smtClean="0"/>
+              <a:rPr lang="zh-CN" altLang="en-US"/>
               <a:t>第二级</a:t>
             </a:r>
-            <a:endParaRPr lang="zh-CN" altLang="en-US" smtClean="0"/>
           </a:p>
           <a:p>
             <a:pPr lvl="2"/>
             <a:r>
-              <a:rPr lang="zh-CN" altLang="en-US" smtClean="0"/>
+              <a:rPr lang="zh-CN" altLang="en-US"/>
               <a:t>第三级</a:t>
             </a:r>
-            <a:endParaRPr lang="zh-CN" altLang="en-US" smtClean="0"/>
           </a:p>
           <a:p>
             <a:pPr lvl="3"/>
             <a:r>
-              <a:rPr lang="zh-CN" altLang="en-US" smtClean="0"/>
+              <a:rPr lang="zh-CN" altLang="en-US"/>
               <a:t>第四级</a:t>
             </a:r>
-            <a:endParaRPr lang="zh-CN" altLang="en-US" smtClean="0"/>
           </a:p>
           <a:p>
             <a:pPr lvl="4"/>
             <a:r>
-              <a:rPr lang="zh-CN" altLang="en-US" smtClean="0"/>
+              <a:rPr lang="zh-CN" altLang="en-US"/>
               <a:t>第五级</a:t>
             </a:r>
-            <a:endParaRPr lang="zh-CN" altLang="en-US"/>
           </a:p>
         </p:txBody>
       </p:sp>
@@ -10286,10 +10309,9 @@
           <a:p>
             <a:pPr lvl="0"/>
             <a:r>
-              <a:rPr lang="zh-CN" altLang="en-US" smtClean="0"/>
+              <a:rPr lang="zh-CN" altLang="en-US"/>
               <a:t>单击此处编辑母版文本样式</a:t>
             </a:r>
-            <a:endParaRPr lang="zh-CN" altLang="en-US" smtClean="0"/>
           </a:p>
         </p:txBody>
       </p:sp>
@@ -10318,42 +10340,37 @@
           <a:p>
             <a:pPr lvl="0"/>
             <a:r>
-              <a:rPr lang="zh-CN" altLang="en-US" smtClean="0"/>
+              <a:rPr lang="zh-CN" altLang="en-US"/>
               <a:t>单击此处编辑母版文本样式</a:t>
             </a:r>
-            <a:endParaRPr lang="zh-CN" altLang="en-US" smtClean="0"/>
           </a:p>
           <a:p>
             <a:pPr lvl="1"/>
             <a:r>
-              <a:rPr lang="zh-CN" altLang="en-US" smtClean="0"/>
+              <a:rPr lang="zh-CN" altLang="en-US"/>
               <a:t>第二级</a:t>
             </a:r>
-            <a:endParaRPr lang="zh-CN" altLang="en-US" smtClean="0"/>
           </a:p>
           <a:p>
             <a:pPr lvl="2"/>
             <a:r>
-              <a:rPr lang="zh-CN" altLang="en-US" smtClean="0"/>
+              <a:rPr lang="zh-CN" altLang="en-US"/>
               <a:t>第三级</a:t>
             </a:r>
-            <a:endParaRPr lang="zh-CN" altLang="en-US" smtClean="0"/>
           </a:p>
           <a:p>
             <a:pPr lvl="3"/>
             <a:r>
-              <a:rPr lang="zh-CN" altLang="en-US" smtClean="0"/>
+              <a:rPr lang="zh-CN" altLang="en-US"/>
               <a:t>第四级</a:t>
             </a:r>
-            <a:endParaRPr lang="zh-CN" altLang="en-US" smtClean="0"/>
           </a:p>
           <a:p>
             <a:pPr lvl="4"/>
             <a:r>
-              <a:rPr lang="zh-CN" altLang="en-US" smtClean="0"/>
+              <a:rPr lang="zh-CN" altLang="en-US"/>
               <a:t>第五级</a:t>
             </a:r>
-            <a:endParaRPr lang="zh-CN" altLang="en-US"/>
           </a:p>
         </p:txBody>
       </p:sp>
@@ -10409,10 +10426,9 @@
           <a:lstStyle/>
           <a:p>
             <a:r>
-              <a:rPr lang="zh-CN" altLang="en-US" smtClean="0"/>
+              <a:rPr lang="zh-CN" altLang="en-US"/>
               <a:t>单击此处编辑母版标题样式</a:t>
             </a:r>
-            <a:endParaRPr lang="zh-CN" altLang="en-US"/>
           </a:p>
         </p:txBody>
       </p:sp>
@@ -10500,10 +10516,9 @@
           </a:lstStyle>
           <a:p>
             <a:r>
-              <a:rPr lang="zh-CN" altLang="en-US" smtClean="0"/>
+              <a:rPr lang="zh-CN" altLang="en-US"/>
               <a:t>单击此处编辑母版标题样式</a:t>
             </a:r>
-            <a:endParaRPr lang="zh-CN" altLang="en-US"/>
           </a:p>
         </p:txBody>
       </p:sp>
@@ -10560,42 +10575,37 @@
           <a:p>
             <a:pPr lvl="0"/>
             <a:r>
-              <a:rPr lang="zh-CN" altLang="en-US" smtClean="0"/>
+              <a:rPr lang="zh-CN" altLang="en-US"/>
               <a:t>单击此处编辑母版文本样式</a:t>
             </a:r>
-            <a:endParaRPr lang="zh-CN" altLang="en-US" smtClean="0"/>
           </a:p>
           <a:p>
             <a:pPr lvl="1"/>
             <a:r>
-              <a:rPr lang="zh-CN" altLang="en-US" smtClean="0"/>
+              <a:rPr lang="zh-CN" altLang="en-US"/>
               <a:t>第二级</a:t>
             </a:r>
-            <a:endParaRPr lang="zh-CN" altLang="en-US" smtClean="0"/>
           </a:p>
           <a:p>
             <a:pPr lvl="2"/>
             <a:r>
-              <a:rPr lang="zh-CN" altLang="en-US" smtClean="0"/>
+              <a:rPr lang="zh-CN" altLang="en-US"/>
               <a:t>第三级</a:t>
             </a:r>
-            <a:endParaRPr lang="zh-CN" altLang="en-US" smtClean="0"/>
           </a:p>
           <a:p>
             <a:pPr lvl="3"/>
             <a:r>
-              <a:rPr lang="zh-CN" altLang="en-US" smtClean="0"/>
+              <a:rPr lang="zh-CN" altLang="en-US"/>
               <a:t>第四级</a:t>
             </a:r>
-            <a:endParaRPr lang="zh-CN" altLang="en-US" smtClean="0"/>
           </a:p>
           <a:p>
             <a:pPr lvl="4"/>
             <a:r>
-              <a:rPr lang="zh-CN" altLang="en-US" smtClean="0"/>
+              <a:rPr lang="zh-CN" altLang="en-US"/>
               <a:t>第五级</a:t>
             </a:r>
-            <a:endParaRPr lang="zh-CN" altLang="en-US"/>
           </a:p>
         </p:txBody>
       </p:sp>
@@ -10661,10 +10671,9 @@
           <a:p>
             <a:pPr lvl="0"/>
             <a:r>
-              <a:rPr lang="zh-CN" altLang="en-US" smtClean="0"/>
+              <a:rPr lang="zh-CN" altLang="en-US"/>
               <a:t>单击此处编辑母版文本样式</a:t>
             </a:r>
-            <a:endParaRPr lang="zh-CN" altLang="en-US" smtClean="0"/>
           </a:p>
         </p:txBody>
       </p:sp>
@@ -10724,10 +10733,9 @@
           </a:lstStyle>
           <a:p>
             <a:r>
-              <a:rPr lang="zh-CN" altLang="en-US" smtClean="0"/>
+              <a:rPr lang="zh-CN" altLang="en-US"/>
               <a:t>单击此处编辑母版标题样式</a:t>
             </a:r>
-            <a:endParaRPr lang="zh-CN" altLang="en-US"/>
           </a:p>
         </p:txBody>
       </p:sp>
@@ -10792,7 +10800,7 @@
           </a:lstStyle>
           <a:p>
             <a:pPr lvl="0"/>
-            <a:endParaRPr lang="zh-CN" altLang="en-US" noProof="0" smtClean="0">
+            <a:endParaRPr lang="zh-CN" altLang="en-US" noProof="0">
               <a:sym typeface="Arial" panose="020B0604020202020204" pitchFamily="34" charset="0"/>
             </a:endParaRPr>
           </a:p>
@@ -10860,10 +10868,9 @@
           <a:p>
             <a:pPr lvl="0"/>
             <a:r>
-              <a:rPr lang="zh-CN" altLang="en-US" smtClean="0"/>
+              <a:rPr lang="zh-CN" altLang="en-US"/>
               <a:t>单击此处编辑母版文本样式</a:t>
             </a:r>
-            <a:endParaRPr lang="zh-CN" altLang="en-US" smtClean="0"/>
           </a:p>
         </p:txBody>
       </p:sp>
@@ -11051,7 +11058,7 @@
             <a:pPr eaLnBrk="1" hangingPunct="1">
               <a:defRPr/>
             </a:pPr>
-            <a:endParaRPr lang="zh-CN" altLang="zh-CN" smtClean="0">
+            <a:endParaRPr lang="zh-CN" altLang="zh-CN">
               <a:solidFill>
                 <a:srgbClr val="000000"/>
               </a:solidFill>
@@ -11069,7 +11076,7 @@
           <p:nvPr/>
         </p:nvPicPr>
         <p:blipFill>
-          <a:blip r:embed="rId13">
+          <a:blip r:embed="rId14">
             <a:extLst>
               <a:ext uri="{28A0092B-C50C-407E-A947-70E740481C1C}">
                 <a14:useLocalDpi xmlns:a14="http://schemas.microsoft.com/office/drawing/2010/main" val="0"/>
@@ -11262,7 +11269,7 @@
             <a:pPr eaLnBrk="1" hangingPunct="1">
               <a:defRPr/>
             </a:pPr>
-            <a:endParaRPr lang="zh-CN" altLang="zh-CN" smtClean="0">
+            <a:endParaRPr lang="zh-CN" altLang="zh-CN">
               <a:solidFill>
                 <a:srgbClr val="000000"/>
               </a:solidFill>
@@ -11419,7 +11426,7 @@
             <a:pPr eaLnBrk="1" hangingPunct="1">
               <a:defRPr/>
             </a:pPr>
-            <a:endParaRPr lang="zh-CN" altLang="zh-CN" smtClean="0">
+            <a:endParaRPr lang="zh-CN" altLang="zh-CN">
               <a:solidFill>
                 <a:srgbClr val="000000"/>
               </a:solidFill>
@@ -11592,7 +11599,7 @@
             <a:pPr eaLnBrk="1" hangingPunct="1">
               <a:defRPr/>
             </a:pPr>
-            <a:endParaRPr lang="zh-CN" altLang="zh-CN" smtClean="0">
+            <a:endParaRPr lang="zh-CN" altLang="zh-CN">
               <a:solidFill>
                 <a:srgbClr val="000000"/>
               </a:solidFill>
@@ -12360,7 +12367,7 @@
           <p:nvPr/>
         </p:nvPicPr>
         <p:blipFill>
-          <a:blip r:embed="rId1">
+          <a:blip r:embed="rId2">
             <a:extLst>
               <a:ext uri="{28A0092B-C50C-407E-A947-70E740481C1C}">
                 <a14:useLocalDpi xmlns:a14="http://schemas.microsoft.com/office/drawing/2010/main" val="0"/>
@@ -12414,7 +12421,7 @@
           <p:nvPr/>
         </p:nvPicPr>
         <p:blipFill>
-          <a:blip r:embed="rId2" cstate="print">
+          <a:blip r:embed="rId3" cstate="print">
             <a:extLst>
               <a:ext uri="{28A0092B-C50C-407E-A947-70E740481C1C}">
                 <a14:useLocalDpi xmlns:a14="http://schemas.microsoft.com/office/drawing/2010/main" val="0"/>
@@ -12510,7 +12517,7 @@
               </a:lnSpc>
             </a:pPr>
             <a:r>
-              <a:rPr lang="en-US" altLang="zh-CN" dirty="0" smtClean="0">
+              <a:rPr lang="en-US" altLang="zh-CN" dirty="0">
                 <a:solidFill>
                   <a:schemeClr val="accent3">
                     <a:lumMod val="85000"/>
@@ -12522,7 +12529,7 @@
               <a:t>Sentinel</a:t>
             </a:r>
             <a:r>
-              <a:rPr lang="zh-CN" altLang="en-US" dirty="0" smtClean="0">
+              <a:rPr lang="zh-CN" altLang="en-US" dirty="0">
                 <a:solidFill>
                   <a:schemeClr val="accent3">
                     <a:lumMod val="85000"/>
@@ -12534,7 +12541,7 @@
               <a:t>初探</a:t>
             </a:r>
             <a:br>
-              <a:rPr lang="en-US" altLang="zh-CN" dirty="0" smtClean="0">
+              <a:rPr lang="en-US" altLang="zh-CN" dirty="0">
                 <a:solidFill>
                   <a:schemeClr val="accent3">
                     <a:lumMod val="85000"/>
@@ -12545,7 +12552,7 @@
               </a:rPr>
             </a:br>
             <a:r>
-              <a:rPr lang="zh-CN" altLang="en-US" sz="1800" dirty="0" smtClean="0">
+              <a:rPr lang="zh-CN" altLang="en-US" sz="1800" dirty="0">
                 <a:solidFill>
                   <a:schemeClr val="accent3">
                     <a:lumMod val="85000"/>
@@ -12557,7 +12564,7 @@
               <a:t>技术中心</a:t>
             </a:r>
             <a:r>
-              <a:rPr lang="en-US" altLang="zh-CN" sz="1800" dirty="0" smtClean="0">
+              <a:rPr lang="en-US" altLang="zh-CN" sz="1800" dirty="0">
                 <a:solidFill>
                   <a:schemeClr val="accent3">
                     <a:lumMod val="85000"/>
@@ -12569,7 +12576,7 @@
               <a:t>·</a:t>
             </a:r>
             <a:r>
-              <a:rPr lang="zh-CN" altLang="en-US" sz="1800" dirty="0" smtClean="0">
+              <a:rPr lang="zh-CN" altLang="en-US" sz="1800" dirty="0">
                 <a:solidFill>
                   <a:schemeClr val="accent3">
                     <a:lumMod val="85000"/>
@@ -12580,15 +12587,6 @@
               </a:rPr>
               <a:t>平台研发部</a:t>
             </a:r>
-            <a:endParaRPr lang="zh-CN" altLang="en-US" sz="1800" dirty="0" smtClean="0">
-              <a:solidFill>
-                <a:schemeClr val="accent3">
-                  <a:lumMod val="85000"/>
-                </a:schemeClr>
-              </a:solidFill>
-              <a:latin typeface="微软雅黑" panose="020B0503020204020204" pitchFamily="34" charset="-122"/>
-              <a:ea typeface="微软雅黑" panose="020B0503020204020204" pitchFamily="34" charset="-122"/>
-            </a:endParaRPr>
           </a:p>
         </p:txBody>
       </p:sp>
@@ -12616,7 +12614,7 @@
           <a:p>
             <a:pPr algn="ctr"/>
             <a:r>
-              <a:rPr lang="en-US" altLang="zh-CN" sz="1400" smtClean="0">
+              <a:rPr lang="en-US" altLang="zh-CN" sz="1400">
                 <a:solidFill>
                   <a:schemeClr val="bg1"/>
                 </a:solidFill>
@@ -12639,13 +12637,6 @@
   <p:transition>
     <p:fade/>
   </p:transition>
-  <p:timing>
-    <p:tnLst>
-      <p:par>
-        <p:cTn id="1" dur="indefinite" restart="never" nodeType="tmRoot"/>
-      </p:par>
-    </p:tnLst>
-  </p:timing>
 </p:sld>
 </file>
 
@@ -12709,30 +12700,26 @@
           <a:lstStyle/>
           <a:p>
             <a:r>
-              <a:rPr lang="zh-CN" altLang="en-US" sz="3200" dirty="0" smtClean="0">
+              <a:rPr lang="zh-CN" altLang="en-US" sz="3200" dirty="0">
                 <a:latin typeface="微软雅黑" panose="020B0503020204020204" pitchFamily="34" charset="-122"/>
                 <a:ea typeface="微软雅黑" panose="020B0503020204020204" pitchFamily="34" charset="-122"/>
               </a:rPr>
               <a:t>资源</a:t>
             </a:r>
             <a:r>
-              <a:rPr lang="en-US" altLang="zh-CN" sz="3200" dirty="0" smtClean="0">
+              <a:rPr lang="en-US" altLang="zh-CN" sz="3200" dirty="0">
                 <a:latin typeface="微软雅黑" panose="020B0503020204020204" pitchFamily="34" charset="-122"/>
                 <a:ea typeface="微软雅黑" panose="020B0503020204020204" pitchFamily="34" charset="-122"/>
               </a:rPr>
               <a:t>&amp;</a:t>
             </a:r>
             <a:r>
-              <a:rPr lang="zh-CN" altLang="en-US" sz="3200" dirty="0" smtClean="0">
+              <a:rPr lang="zh-CN" altLang="en-US" sz="3200" dirty="0">
                 <a:latin typeface="微软雅黑" panose="020B0503020204020204" pitchFamily="34" charset="-122"/>
                 <a:ea typeface="微软雅黑" panose="020B0503020204020204" pitchFamily="34" charset="-122"/>
               </a:rPr>
               <a:t>规则</a:t>
             </a:r>
-            <a:endParaRPr lang="zh-CN" altLang="en-US" sz="3200" dirty="0" smtClean="0">
-              <a:latin typeface="微软雅黑" panose="020B0503020204020204" pitchFamily="34" charset="-122"/>
-              <a:ea typeface="微软雅黑" panose="020B0503020204020204" pitchFamily="34" charset="-122"/>
-            </a:endParaRPr>
           </a:p>
         </p:txBody>
       </p:sp>
@@ -12766,7 +12753,7 @@
               <a:buNone/>
             </a:pPr>
             <a:r>
-              <a:rPr lang="en-US" altLang="zh-CN" sz="1600" b="1" dirty="0" smtClean="0">
+              <a:rPr lang="en-US" altLang="zh-CN" sz="1600" b="1" dirty="0">
                 <a:latin typeface="微软雅黑" panose="020B0503020204020204" pitchFamily="34" charset="-122"/>
                 <a:ea typeface="微软雅黑" panose="020B0503020204020204" pitchFamily="34" charset="-122"/>
                 <a:cs typeface="微软雅黑" panose="020B0503020204020204" pitchFamily="34" charset="-122"/>
@@ -12774,7 +12761,7 @@
               <a:t>Sentinel</a:t>
             </a:r>
             <a:r>
-              <a:rPr lang="zh-CN" altLang="en-US" sz="1600" b="1" dirty="0" smtClean="0">
+              <a:rPr lang="zh-CN" altLang="en-US" sz="1600" b="1" dirty="0">
                 <a:latin typeface="微软雅黑" panose="020B0503020204020204" pitchFamily="34" charset="-122"/>
                 <a:ea typeface="微软雅黑" panose="020B0503020204020204" pitchFamily="34" charset="-122"/>
                 <a:cs typeface="微软雅黑" panose="020B0503020204020204" pitchFamily="34" charset="-122"/>
@@ -12782,7 +12769,7 @@
               <a:t>支持</a:t>
             </a:r>
             <a:r>
-              <a:rPr lang="en-US" altLang="zh-CN" sz="1600" b="1" dirty="0" smtClean="0">
+              <a:rPr lang="en-US" altLang="zh-CN" sz="1600" b="1" dirty="0">
                 <a:latin typeface="微软雅黑" panose="020B0503020204020204" pitchFamily="34" charset="-122"/>
                 <a:ea typeface="微软雅黑" panose="020B0503020204020204" pitchFamily="34" charset="-122"/>
                 <a:cs typeface="微软雅黑" panose="020B0503020204020204" pitchFamily="34" charset="-122"/>
@@ -12790,14 +12777,14 @@
               <a:t>3</a:t>
             </a:r>
             <a:r>
-              <a:rPr lang="zh-CN" altLang="en-US" sz="1600" b="1" dirty="0" smtClean="0">
+              <a:rPr lang="zh-CN" altLang="en-US" sz="1600" b="1" dirty="0">
                 <a:latin typeface="微软雅黑" panose="020B0503020204020204" pitchFamily="34" charset="-122"/>
                 <a:ea typeface="微软雅黑" panose="020B0503020204020204" pitchFamily="34" charset="-122"/>
                 <a:cs typeface="微软雅黑" panose="020B0503020204020204" pitchFamily="34" charset="-122"/>
               </a:rPr>
               <a:t>种规则：流量控制规则、熔断降级规则以及系统保护规则。</a:t>
             </a:r>
-            <a:endParaRPr lang="zh-CN" altLang="en-US" sz="1800" b="1" dirty="0" smtClean="0">
+            <a:endParaRPr lang="zh-CN" altLang="en-US" sz="1800" b="1" dirty="0">
               <a:latin typeface="微软雅黑" panose="020B0503020204020204" pitchFamily="34" charset="-122"/>
               <a:ea typeface="微软雅黑" panose="020B0503020204020204" pitchFamily="34" charset="-122"/>
               <a:cs typeface="微软雅黑" panose="020B0503020204020204" pitchFamily="34" charset="-122"/>
@@ -12812,7 +12799,7 @@
               <a:buNone/>
             </a:pPr>
             <a:r>
-              <a:rPr lang="en-US" altLang="zh-CN" sz="1400" b="1" dirty="0" smtClean="0">
+              <a:rPr lang="en-US" altLang="zh-CN" sz="1400" b="1" dirty="0">
                 <a:latin typeface="微软雅黑" panose="020B0503020204020204" pitchFamily="34" charset="-122"/>
                 <a:ea typeface="微软雅黑" panose="020B0503020204020204" pitchFamily="34" charset="-122"/>
                 <a:cs typeface="微软雅黑" panose="020B0503020204020204" pitchFamily="34" charset="-122"/>
@@ -12820,7 +12807,7 @@
               <a:t>1.</a:t>
             </a:r>
             <a:r>
-              <a:rPr lang="zh-CN" altLang="en-US" sz="1400" b="1" dirty="0" smtClean="0">
+              <a:rPr lang="zh-CN" altLang="en-US" sz="1400" b="1" dirty="0">
                 <a:latin typeface="微软雅黑" panose="020B0503020204020204" pitchFamily="34" charset="-122"/>
                 <a:ea typeface="微软雅黑" panose="020B0503020204020204" pitchFamily="34" charset="-122"/>
                 <a:cs typeface="微软雅黑" panose="020B0503020204020204" pitchFamily="34" charset="-122"/>
@@ -12829,7 +12816,7 @@
               <a:t>流量控制规则</a:t>
             </a:r>
             <a:r>
-              <a:rPr lang="en-US" altLang="zh-CN" sz="1400" b="1" dirty="0" smtClean="0">
+              <a:rPr lang="en-US" altLang="zh-CN" sz="1400" b="1" dirty="0">
                 <a:latin typeface="微软雅黑" panose="020B0503020204020204" pitchFamily="34" charset="-122"/>
                 <a:ea typeface="微软雅黑" panose="020B0503020204020204" pitchFamily="34" charset="-122"/>
                 <a:cs typeface="微软雅黑" panose="020B0503020204020204" pitchFamily="34" charset="-122"/>
@@ -12837,7 +12824,7 @@
               </a:rPr>
               <a:t>(FlowRule) </a:t>
             </a:r>
-            <a:endParaRPr lang="en-US" altLang="zh-CN" sz="1400" dirty="0" smtClean="0">
+            <a:endParaRPr lang="en-US" altLang="zh-CN" sz="1400" dirty="0">
               <a:latin typeface="微软雅黑" panose="020B0503020204020204" pitchFamily="34" charset="-122"/>
               <a:ea typeface="微软雅黑" panose="020B0503020204020204" pitchFamily="34" charset="-122"/>
               <a:cs typeface="微软雅黑" panose="020B0503020204020204" pitchFamily="34" charset="-122"/>
@@ -12853,18 +12840,13 @@
               <a:buNone/>
             </a:pPr>
             <a:r>
-              <a:rPr lang="zh-CN" altLang="en-US" sz="1200" dirty="0" smtClean="0">
+              <a:rPr lang="zh-CN" altLang="en-US" sz="1200" dirty="0">
                 <a:latin typeface="微软雅黑" panose="020B0503020204020204" pitchFamily="34" charset="-122"/>
                 <a:ea typeface="微软雅黑" panose="020B0503020204020204" pitchFamily="34" charset="-122"/>
                 <a:cs typeface="微软雅黑" panose="020B0503020204020204" pitchFamily="34" charset="-122"/>
               </a:rPr>
               <a:t>https://github.com/alibaba/Sentinel/wiki/%E6%B5%81%E9%87%8F%E6%8E%A7%E5%88%B6</a:t>
             </a:r>
-            <a:endParaRPr lang="zh-CN" altLang="en-US" sz="1200" dirty="0" smtClean="0">
-              <a:latin typeface="微软雅黑" panose="020B0503020204020204" pitchFamily="34" charset="-122"/>
-              <a:ea typeface="微软雅黑" panose="020B0503020204020204" pitchFamily="34" charset="-122"/>
-              <a:cs typeface="微软雅黑" panose="020B0503020204020204" pitchFamily="34" charset="-122"/>
-            </a:endParaRPr>
           </a:p>
         </p:txBody>
       </p:sp>
@@ -12877,7 +12859,7 @@
           <p:nvPr/>
         </p:nvPicPr>
         <p:blipFill>
-          <a:blip r:embed="rId1"/>
+          <a:blip r:embed="rId3"/>
           <a:stretch>
             <a:fillRect/>
           </a:stretch>
@@ -12912,35 +12894,84 @@
           <a:bodyPr wrap="square" rtlCol="0">
             <a:spAutoFit/>
           </a:bodyPr>
-          <a:p>
-            <a:r>
-              <a:rPr lang="en-US" altLang="zh-CN" sz="1200">
+          <a:lstStyle/>
+          <a:p>
+            <a:r>
+              <a:rPr lang="en-US" altLang="zh-CN" sz="1200" dirty="0" err="1">
                 <a:latin typeface="微软雅黑" panose="020B0503020204020204" pitchFamily="34" charset="-122"/>
                 <a:ea typeface="微软雅黑" panose="020B0503020204020204" pitchFamily="34" charset="-122"/>
                 <a:cs typeface="微软雅黑" panose="020B0503020204020204" pitchFamily="34" charset="-122"/>
                 <a:sym typeface="+mn-ea"/>
               </a:rPr>
-              <a:t>FlowSlot 会根据预设的规则，结合前面 NodeSelectorSlot、ClusterNodeBuilderSlot、StatistcSlot </a:t>
-            </a:r>
-            <a:endParaRPr lang="en-US" altLang="zh-CN" sz="1200">
-              <a:latin typeface="微软雅黑" panose="020B0503020204020204" pitchFamily="34" charset="-122"/>
-              <a:ea typeface="微软雅黑" panose="020B0503020204020204" pitchFamily="34" charset="-122"/>
-              <a:cs typeface="微软雅黑" panose="020B0503020204020204" pitchFamily="34" charset="-122"/>
-              <a:sym typeface="+mn-ea"/>
-            </a:endParaRPr>
-          </a:p>
-          <a:p>
-            <a:pPr algn="l"/>
-            <a:r>
-              <a:rPr lang="en-US" altLang="zh-CN" sz="1200">
+              <a:t>FlowSlot</a:t>
+            </a:r>
+            <a:r>
+              <a:rPr lang="en-US" altLang="zh-CN" sz="1200" dirty="0">
                 <a:latin typeface="微软雅黑" panose="020B0503020204020204" pitchFamily="34" charset="-122"/>
                 <a:ea typeface="微软雅黑" panose="020B0503020204020204" pitchFamily="34" charset="-122"/>
                 <a:cs typeface="微软雅黑" panose="020B0503020204020204" pitchFamily="34" charset="-122"/>
                 <a:sym typeface="+mn-ea"/>
               </a:rPr>
-              <a:t>统计出来的实时信息进行流量控制。</a:t>
-            </a:r>
-            <a:endParaRPr lang="zh-CN" altLang="en-US" sz="1200">
+              <a:t> </a:t>
+            </a:r>
+            <a:r>
+              <a:rPr lang="en-US" altLang="zh-CN" sz="1200" dirty="0" err="1">
+                <a:latin typeface="微软雅黑" panose="020B0503020204020204" pitchFamily="34" charset="-122"/>
+                <a:ea typeface="微软雅黑" panose="020B0503020204020204" pitchFamily="34" charset="-122"/>
+                <a:cs typeface="微软雅黑" panose="020B0503020204020204" pitchFamily="34" charset="-122"/>
+                <a:sym typeface="+mn-ea"/>
+              </a:rPr>
+              <a:t>会根据预设的规则，结合前面</a:t>
+            </a:r>
+            <a:r>
+              <a:rPr lang="en-US" altLang="zh-CN" sz="1200" dirty="0">
+                <a:latin typeface="微软雅黑" panose="020B0503020204020204" pitchFamily="34" charset="-122"/>
+                <a:ea typeface="微软雅黑" panose="020B0503020204020204" pitchFamily="34" charset="-122"/>
+                <a:cs typeface="微软雅黑" panose="020B0503020204020204" pitchFamily="34" charset="-122"/>
+                <a:sym typeface="+mn-ea"/>
+              </a:rPr>
+              <a:t> </a:t>
+            </a:r>
+            <a:r>
+              <a:rPr lang="en-US" altLang="zh-CN" sz="1200" dirty="0" err="1">
+                <a:latin typeface="微软雅黑" panose="020B0503020204020204" pitchFamily="34" charset="-122"/>
+                <a:ea typeface="微软雅黑" panose="020B0503020204020204" pitchFamily="34" charset="-122"/>
+                <a:cs typeface="微软雅黑" panose="020B0503020204020204" pitchFamily="34" charset="-122"/>
+                <a:sym typeface="+mn-ea"/>
+              </a:rPr>
+              <a:t>NodeSelectorSlot、ClusterNodeBuilderSlot、StatistcSlot</a:t>
+            </a:r>
+            <a:r>
+              <a:rPr lang="en-US" altLang="zh-CN" sz="1200" dirty="0">
+                <a:latin typeface="微软雅黑" panose="020B0503020204020204" pitchFamily="34" charset="-122"/>
+                <a:ea typeface="微软雅黑" panose="020B0503020204020204" pitchFamily="34" charset="-122"/>
+                <a:cs typeface="微软雅黑" panose="020B0503020204020204" pitchFamily="34" charset="-122"/>
+                <a:sym typeface="+mn-ea"/>
+              </a:rPr>
+              <a:t> </a:t>
+            </a:r>
+          </a:p>
+          <a:p>
+            <a:pPr algn="l"/>
+            <a:r>
+              <a:rPr lang="en-US" altLang="zh-CN" sz="1200" dirty="0" err="1">
+                <a:latin typeface="微软雅黑" panose="020B0503020204020204" pitchFamily="34" charset="-122"/>
+                <a:ea typeface="微软雅黑" panose="020B0503020204020204" pitchFamily="34" charset="-122"/>
+                <a:cs typeface="微软雅黑" panose="020B0503020204020204" pitchFamily="34" charset="-122"/>
+                <a:sym typeface="+mn-ea"/>
+              </a:rPr>
+              <a:t>统计出来的实时信息进行流量控制</a:t>
+            </a:r>
+            <a:r>
+              <a:rPr lang="en-US" altLang="zh-CN" sz="1200" dirty="0">
+                <a:latin typeface="微软雅黑" panose="020B0503020204020204" pitchFamily="34" charset="-122"/>
+                <a:ea typeface="微软雅黑" panose="020B0503020204020204" pitchFamily="34" charset="-122"/>
+                <a:cs typeface="微软雅黑" panose="020B0503020204020204" pitchFamily="34" charset="-122"/>
+                <a:sym typeface="+mn-ea"/>
+              </a:rPr>
+              <a:t>。</a:t>
+            </a:r>
+            <a:endParaRPr lang="zh-CN" altLang="en-US" sz="1200" dirty="0">
               <a:latin typeface="微软雅黑" panose="020B0503020204020204" pitchFamily="34" charset="-122"/>
               <a:ea typeface="微软雅黑" panose="020B0503020204020204" pitchFamily="34" charset="-122"/>
               <a:cs typeface="微软雅黑" panose="020B0503020204020204" pitchFamily="34" charset="-122"/>
@@ -12956,13 +12987,6 @@
   <p:transition>
     <p:fade/>
   </p:transition>
-  <p:timing>
-    <p:tnLst>
-      <p:par>
-        <p:cTn id="1" dur="indefinite" restart="never" nodeType="tmRoot"/>
-      </p:par>
-    </p:tnLst>
-  </p:timing>
 </p:sld>
 </file>
 
@@ -13026,30 +13050,26 @@
           <a:lstStyle/>
           <a:p>
             <a:r>
-              <a:rPr lang="zh-CN" altLang="en-US" sz="3200" dirty="0" smtClean="0">
+              <a:rPr lang="zh-CN" altLang="en-US" sz="3200" dirty="0">
                 <a:latin typeface="微软雅黑" panose="020B0503020204020204" pitchFamily="34" charset="-122"/>
                 <a:ea typeface="微软雅黑" panose="020B0503020204020204" pitchFamily="34" charset="-122"/>
               </a:rPr>
               <a:t>资源</a:t>
             </a:r>
             <a:r>
-              <a:rPr lang="en-US" altLang="zh-CN" sz="3200" dirty="0" smtClean="0">
+              <a:rPr lang="en-US" altLang="zh-CN" sz="3200" dirty="0">
                 <a:latin typeface="微软雅黑" panose="020B0503020204020204" pitchFamily="34" charset="-122"/>
                 <a:ea typeface="微软雅黑" panose="020B0503020204020204" pitchFamily="34" charset="-122"/>
               </a:rPr>
               <a:t>&amp;</a:t>
             </a:r>
             <a:r>
-              <a:rPr lang="zh-CN" altLang="en-US" sz="3200" dirty="0" smtClean="0">
+              <a:rPr lang="zh-CN" altLang="en-US" sz="3200" dirty="0">
                 <a:latin typeface="微软雅黑" panose="020B0503020204020204" pitchFamily="34" charset="-122"/>
                 <a:ea typeface="微软雅黑" panose="020B0503020204020204" pitchFamily="34" charset="-122"/>
               </a:rPr>
               <a:t>规则</a:t>
             </a:r>
-            <a:endParaRPr lang="zh-CN" altLang="en-US" sz="3200" dirty="0" smtClean="0">
-              <a:latin typeface="微软雅黑" panose="020B0503020204020204" pitchFamily="34" charset="-122"/>
-              <a:ea typeface="微软雅黑" panose="020B0503020204020204" pitchFamily="34" charset="-122"/>
-            </a:endParaRPr>
           </a:p>
         </p:txBody>
       </p:sp>
@@ -13083,7 +13103,7 @@
               <a:buNone/>
             </a:pPr>
             <a:r>
-              <a:rPr lang="en-US" altLang="zh-CN" sz="1600" b="1" dirty="0" smtClean="0">
+              <a:rPr lang="en-US" altLang="zh-CN" sz="1600" b="1" dirty="0">
                 <a:latin typeface="微软雅黑" panose="020B0503020204020204" pitchFamily="34" charset="-122"/>
                 <a:ea typeface="微软雅黑" panose="020B0503020204020204" pitchFamily="34" charset="-122"/>
                 <a:cs typeface="微软雅黑" panose="020B0503020204020204" pitchFamily="34" charset="-122"/>
@@ -13091,7 +13111,7 @@
               <a:t>Sentinel</a:t>
             </a:r>
             <a:r>
-              <a:rPr lang="zh-CN" altLang="en-US" sz="1600" b="1" dirty="0" smtClean="0">
+              <a:rPr lang="zh-CN" altLang="en-US" sz="1600" b="1" dirty="0">
                 <a:latin typeface="微软雅黑" panose="020B0503020204020204" pitchFamily="34" charset="-122"/>
                 <a:ea typeface="微软雅黑" panose="020B0503020204020204" pitchFamily="34" charset="-122"/>
                 <a:cs typeface="微软雅黑" panose="020B0503020204020204" pitchFamily="34" charset="-122"/>
@@ -13099,7 +13119,7 @@
               <a:t>支持</a:t>
             </a:r>
             <a:r>
-              <a:rPr lang="en-US" altLang="zh-CN" sz="1600" b="1" dirty="0" smtClean="0">
+              <a:rPr lang="en-US" altLang="zh-CN" sz="1600" b="1" dirty="0">
                 <a:latin typeface="微软雅黑" panose="020B0503020204020204" pitchFamily="34" charset="-122"/>
                 <a:ea typeface="微软雅黑" panose="020B0503020204020204" pitchFamily="34" charset="-122"/>
                 <a:cs typeface="微软雅黑" panose="020B0503020204020204" pitchFamily="34" charset="-122"/>
@@ -13107,14 +13127,14 @@
               <a:t>3</a:t>
             </a:r>
             <a:r>
-              <a:rPr lang="zh-CN" altLang="en-US" sz="1600" b="1" dirty="0" smtClean="0">
+              <a:rPr lang="zh-CN" altLang="en-US" sz="1600" b="1" dirty="0">
                 <a:latin typeface="微软雅黑" panose="020B0503020204020204" pitchFamily="34" charset="-122"/>
                 <a:ea typeface="微软雅黑" panose="020B0503020204020204" pitchFamily="34" charset="-122"/>
                 <a:cs typeface="微软雅黑" panose="020B0503020204020204" pitchFamily="34" charset="-122"/>
               </a:rPr>
               <a:t>种规则：流量控制规则、熔断降级规则以及系统保护规则。</a:t>
             </a:r>
-            <a:endParaRPr lang="zh-CN" altLang="en-US" sz="1800" b="1" dirty="0" smtClean="0">
+            <a:endParaRPr lang="zh-CN" altLang="en-US" sz="1800" b="1" dirty="0">
               <a:latin typeface="微软雅黑" panose="020B0503020204020204" pitchFamily="34" charset="-122"/>
               <a:ea typeface="微软雅黑" panose="020B0503020204020204" pitchFamily="34" charset="-122"/>
               <a:cs typeface="微软雅黑" panose="020B0503020204020204" pitchFamily="34" charset="-122"/>
@@ -13129,7 +13149,7 @@
               <a:buNone/>
             </a:pPr>
             <a:r>
-              <a:rPr lang="en-US" altLang="zh-CN" sz="1400" b="1" dirty="0" smtClean="0">
+              <a:rPr lang="en-US" altLang="zh-CN" sz="1400" b="1" dirty="0">
                 <a:latin typeface="微软雅黑" panose="020B0503020204020204" pitchFamily="34" charset="-122"/>
                 <a:ea typeface="微软雅黑" panose="020B0503020204020204" pitchFamily="34" charset="-122"/>
                 <a:cs typeface="微软雅黑" panose="020B0503020204020204" pitchFamily="34" charset="-122"/>
@@ -13137,7 +13157,7 @@
               <a:t>1.</a:t>
             </a:r>
             <a:r>
-              <a:rPr lang="zh-CN" altLang="en-US" sz="1400" b="1" dirty="0" smtClean="0">
+              <a:rPr lang="zh-CN" altLang="en-US" sz="1400" b="1" dirty="0">
                 <a:latin typeface="微软雅黑" panose="020B0503020204020204" pitchFamily="34" charset="-122"/>
                 <a:ea typeface="微软雅黑" panose="020B0503020204020204" pitchFamily="34" charset="-122"/>
                 <a:cs typeface="微软雅黑" panose="020B0503020204020204" pitchFamily="34" charset="-122"/>
@@ -13146,7 +13166,7 @@
               <a:t>流量控制规则</a:t>
             </a:r>
             <a:r>
-              <a:rPr lang="en-US" altLang="zh-CN" sz="1400" b="1" dirty="0" smtClean="0">
+              <a:rPr lang="en-US" altLang="zh-CN" sz="1400" b="1" dirty="0">
                 <a:latin typeface="微软雅黑" panose="020B0503020204020204" pitchFamily="34" charset="-122"/>
                 <a:ea typeface="微软雅黑" panose="020B0503020204020204" pitchFamily="34" charset="-122"/>
                 <a:cs typeface="微软雅黑" panose="020B0503020204020204" pitchFamily="34" charset="-122"/>
@@ -13154,7 +13174,7 @@
               </a:rPr>
               <a:t>(FlowRule) </a:t>
             </a:r>
-            <a:endParaRPr lang="en-US" altLang="zh-CN" sz="1400" dirty="0" smtClean="0">
+            <a:endParaRPr lang="en-US" altLang="zh-CN" sz="1400" dirty="0">
               <a:latin typeface="微软雅黑" panose="020B0503020204020204" pitchFamily="34" charset="-122"/>
               <a:ea typeface="微软雅黑" panose="020B0503020204020204" pitchFamily="34" charset="-122"/>
               <a:cs typeface="微软雅黑" panose="020B0503020204020204" pitchFamily="34" charset="-122"/>
@@ -13170,18 +13190,13 @@
               <a:buNone/>
             </a:pPr>
             <a:r>
-              <a:rPr lang="zh-CN" altLang="en-US" sz="1200" dirty="0" smtClean="0">
+              <a:rPr lang="zh-CN" altLang="en-US" sz="1200" dirty="0">
                 <a:latin typeface="微软雅黑" panose="020B0503020204020204" pitchFamily="34" charset="-122"/>
                 <a:ea typeface="微软雅黑" panose="020B0503020204020204" pitchFamily="34" charset="-122"/>
                 <a:cs typeface="微软雅黑" panose="020B0503020204020204" pitchFamily="34" charset="-122"/>
               </a:rPr>
               <a:t>https://github.com/alibaba/Sentinel/wiki/%E6%B5%81%E9%87%8F%E6%8E%A7%E5%88%B6</a:t>
             </a:r>
-            <a:endParaRPr lang="zh-CN" altLang="en-US" sz="1200" dirty="0" smtClean="0">
-              <a:latin typeface="微软雅黑" panose="020B0503020204020204" pitchFamily="34" charset="-122"/>
-              <a:ea typeface="微软雅黑" panose="020B0503020204020204" pitchFamily="34" charset="-122"/>
-              <a:cs typeface="微软雅黑" panose="020B0503020204020204" pitchFamily="34" charset="-122"/>
-            </a:endParaRPr>
           </a:p>
         </p:txBody>
       </p:sp>
@@ -13205,6 +13220,7 @@
           <a:bodyPr wrap="square" rtlCol="0">
             <a:spAutoFit/>
           </a:bodyPr>
+          <a:lstStyle/>
           <a:p>
             <a:pPr marL="0" indent="0">
               <a:buFont typeface="+mj-ea"/>
@@ -13226,11 +13242,6 @@
               </a:rPr>
               <a:t>属性 </a:t>
             </a:r>
-            <a:endParaRPr lang="zh-CN" altLang="en-US" sz="1400">
-              <a:latin typeface="微软雅黑" panose="020B0503020204020204" pitchFamily="34" charset="-122"/>
-              <a:ea typeface="微软雅黑" panose="020B0503020204020204" pitchFamily="34" charset="-122"/>
-              <a:cs typeface="微软雅黑" panose="020B0503020204020204" pitchFamily="34" charset="-122"/>
-            </a:endParaRPr>
           </a:p>
           <a:p>
             <a:pPr marL="0" indent="0">
@@ -13282,6 +13293,12 @@
               </a:rPr>
               <a:t>QPS public static final int FLOW_GRADE_QPS = 1;</a:t>
             </a:r>
+          </a:p>
+          <a:p>
+            <a:pPr marL="0" indent="0">
+              <a:buFont typeface="+mj-ea"/>
+              <a:buNone/>
+            </a:pPr>
             <a:endParaRPr lang="en-US" altLang="zh-CN" sz="1400">
               <a:latin typeface="微软雅黑" panose="020B0503020204020204" pitchFamily="34" charset="-122"/>
               <a:ea typeface="微软雅黑" panose="020B0503020204020204" pitchFamily="34" charset="-122"/>
@@ -13293,6 +13310,94 @@
               <a:buFont typeface="+mj-ea"/>
               <a:buNone/>
             </a:pPr>
+            <a:r>
+              <a:rPr lang="en-US" altLang="zh-CN" sz="1400">
+                <a:latin typeface="微软雅黑" panose="020B0503020204020204" pitchFamily="34" charset="-122"/>
+                <a:ea typeface="微软雅黑" panose="020B0503020204020204" pitchFamily="34" charset="-122"/>
+                <a:cs typeface="微软雅黑" panose="020B0503020204020204" pitchFamily="34" charset="-122"/>
+              </a:rPr>
+              <a:t>strategy</a:t>
+            </a:r>
+            <a:r>
+              <a:rPr lang="zh-CN" altLang="en-US" sz="1400">
+                <a:latin typeface="微软雅黑" panose="020B0503020204020204" pitchFamily="34" charset="-122"/>
+                <a:ea typeface="微软雅黑" panose="020B0503020204020204" pitchFamily="34" charset="-122"/>
+                <a:cs typeface="微软雅黑" panose="020B0503020204020204" pitchFamily="34" charset="-122"/>
+              </a:rPr>
+              <a:t>属性</a:t>
+            </a:r>
+          </a:p>
+          <a:p>
+            <a:pPr marL="0" indent="0">
+              <a:buFont typeface="+mj-ea"/>
+              <a:buNone/>
+            </a:pPr>
+            <a:r>
+              <a:rPr lang="zh-CN" altLang="en-US" sz="1400">
+                <a:latin typeface="微软雅黑" panose="020B0503020204020204" pitchFamily="34" charset="-122"/>
+                <a:ea typeface="微软雅黑" panose="020B0503020204020204" pitchFamily="34" charset="-122"/>
+                <a:cs typeface="微软雅黑" panose="020B0503020204020204" pitchFamily="34" charset="-122"/>
+              </a:rPr>
+              <a:t>根据调用方 </a:t>
+            </a:r>
+            <a:r>
+              <a:rPr lang="en-US" altLang="zh-CN" sz="1400">
+                <a:latin typeface="微软雅黑" panose="020B0503020204020204" pitchFamily="34" charset="-122"/>
+                <a:ea typeface="微软雅黑" panose="020B0503020204020204" pitchFamily="34" charset="-122"/>
+                <a:cs typeface="微软雅黑" panose="020B0503020204020204" pitchFamily="34" charset="-122"/>
+              </a:rPr>
+              <a:t>public static final int STRATEGY_DIRECT = 0;</a:t>
+            </a:r>
+          </a:p>
+          <a:p>
+            <a:pPr marL="0" indent="0">
+              <a:buFont typeface="+mj-ea"/>
+              <a:buNone/>
+            </a:pPr>
+            <a:r>
+              <a:rPr lang="zh-CN" altLang="en-US" sz="1400">
+                <a:latin typeface="微软雅黑" panose="020B0503020204020204" pitchFamily="34" charset="-122"/>
+                <a:ea typeface="微软雅黑" panose="020B0503020204020204" pitchFamily="34" charset="-122"/>
+                <a:cs typeface="微软雅黑" panose="020B0503020204020204" pitchFamily="34" charset="-122"/>
+              </a:rPr>
+              <a:t>根据关联资源 </a:t>
+            </a:r>
+            <a:r>
+              <a:rPr lang="en-US" altLang="zh-CN" sz="1400">
+                <a:latin typeface="微软雅黑" panose="020B0503020204020204" pitchFamily="34" charset="-122"/>
+                <a:ea typeface="微软雅黑" panose="020B0503020204020204" pitchFamily="34" charset="-122"/>
+                <a:cs typeface="微软雅黑" panose="020B0503020204020204" pitchFamily="34" charset="-122"/>
+              </a:rPr>
+              <a:t>public static final int STRATEGY_RELATE = 1;</a:t>
+            </a:r>
+          </a:p>
+          <a:p>
+            <a:pPr marL="0" indent="0">
+              <a:buFont typeface="+mj-ea"/>
+              <a:buNone/>
+            </a:pPr>
+            <a:r>
+              <a:rPr lang="zh-CN" altLang="en-US" sz="1400">
+                <a:latin typeface="微软雅黑" panose="020B0503020204020204" pitchFamily="34" charset="-122"/>
+                <a:ea typeface="微软雅黑" panose="020B0503020204020204" pitchFamily="34" charset="-122"/>
+                <a:cs typeface="微软雅黑" panose="020B0503020204020204" pitchFamily="34" charset="-122"/>
+              </a:rPr>
+              <a:t>根据调用链路入口</a:t>
+            </a:r>
+            <a:r>
+              <a:rPr lang="en-US" altLang="zh-CN" sz="1400">
+                <a:latin typeface="微软雅黑" panose="020B0503020204020204" pitchFamily="34" charset="-122"/>
+                <a:ea typeface="微软雅黑" panose="020B0503020204020204" pitchFamily="34" charset="-122"/>
+                <a:cs typeface="微软雅黑" panose="020B0503020204020204" pitchFamily="34" charset="-122"/>
+              </a:rPr>
+              <a:t> public static final int STRATEGY_CHAIN = 2;</a:t>
+            </a:r>
+          </a:p>
+          <a:p>
+            <a:pPr marL="0" indent="0">
+              <a:buFont typeface="+mj-ea"/>
+              <a:buNone/>
+            </a:pPr>
             <a:endParaRPr lang="en-US" altLang="zh-CN" sz="1400">
               <a:latin typeface="微软雅黑" panose="020B0503020204020204" pitchFamily="34" charset="-122"/>
               <a:ea typeface="微软雅黑" panose="020B0503020204020204" pitchFamily="34" charset="-122"/>
@@ -13310,7 +13415,7 @@
                 <a:ea typeface="微软雅黑" panose="020B0503020204020204" pitchFamily="34" charset="-122"/>
                 <a:cs typeface="微软雅黑" panose="020B0503020204020204" pitchFamily="34" charset="-122"/>
               </a:rPr>
-              <a:t>strategy</a:t>
+              <a:t>controlBehavior</a:t>
             </a:r>
             <a:r>
               <a:rPr lang="zh-CN" altLang="en-US" sz="1400">
@@ -13320,11 +13425,6 @@
               </a:rPr>
               <a:t>属性</a:t>
             </a:r>
-            <a:endParaRPr lang="zh-CN" altLang="en-US" sz="1400">
-              <a:latin typeface="微软雅黑" panose="020B0503020204020204" pitchFamily="34" charset="-122"/>
-              <a:ea typeface="微软雅黑" panose="020B0503020204020204" pitchFamily="34" charset="-122"/>
-              <a:cs typeface="微软雅黑" panose="020B0503020204020204" pitchFamily="34" charset="-122"/>
-            </a:endParaRPr>
           </a:p>
           <a:p>
             <a:pPr marL="0" indent="0">
@@ -13337,21 +13437,8 @@
                 <a:ea typeface="微软雅黑" panose="020B0503020204020204" pitchFamily="34" charset="-122"/>
                 <a:cs typeface="微软雅黑" panose="020B0503020204020204" pitchFamily="34" charset="-122"/>
               </a:rPr>
-              <a:t>根据调用方 </a:t>
-            </a:r>
-            <a:r>
-              <a:rPr lang="en-US" altLang="zh-CN" sz="1400">
-                <a:latin typeface="微软雅黑" panose="020B0503020204020204" pitchFamily="34" charset="-122"/>
-                <a:ea typeface="微软雅黑" panose="020B0503020204020204" pitchFamily="34" charset="-122"/>
-                <a:cs typeface="微软雅黑" panose="020B0503020204020204" pitchFamily="34" charset="-122"/>
-              </a:rPr>
-              <a:t>public static final int STRATEGY_DIRECT = 0;</a:t>
-            </a:r>
-            <a:endParaRPr lang="en-US" altLang="zh-CN" sz="1400">
-              <a:latin typeface="微软雅黑" panose="020B0503020204020204" pitchFamily="34" charset="-122"/>
-              <a:ea typeface="微软雅黑" panose="020B0503020204020204" pitchFamily="34" charset="-122"/>
-              <a:cs typeface="微软雅黑" panose="020B0503020204020204" pitchFamily="34" charset="-122"/>
-            </a:endParaRPr>
+              <a:t>直接拒绝 public static final int CONTROL_BEHAVIOR_DEFAULT = 0;</a:t>
+            </a:r>
           </a:p>
           <a:p>
             <a:pPr marL="0" indent="0">
@@ -13364,21 +13451,8 @@
                 <a:ea typeface="微软雅黑" panose="020B0503020204020204" pitchFamily="34" charset="-122"/>
                 <a:cs typeface="微软雅黑" panose="020B0503020204020204" pitchFamily="34" charset="-122"/>
               </a:rPr>
-              <a:t>根据关联资源 </a:t>
-            </a:r>
-            <a:r>
-              <a:rPr lang="en-US" altLang="zh-CN" sz="1400">
-                <a:latin typeface="微软雅黑" panose="020B0503020204020204" pitchFamily="34" charset="-122"/>
-                <a:ea typeface="微软雅黑" panose="020B0503020204020204" pitchFamily="34" charset="-122"/>
-                <a:cs typeface="微软雅黑" panose="020B0503020204020204" pitchFamily="34" charset="-122"/>
-              </a:rPr>
-              <a:t>public static final int STRATEGY_RELATE = 1;</a:t>
-            </a:r>
-            <a:endParaRPr lang="en-US" altLang="zh-CN" sz="1400">
-              <a:latin typeface="微软雅黑" panose="020B0503020204020204" pitchFamily="34" charset="-122"/>
-              <a:ea typeface="微软雅黑" panose="020B0503020204020204" pitchFamily="34" charset="-122"/>
-              <a:cs typeface="微软雅黑" panose="020B0503020204020204" pitchFamily="34" charset="-122"/>
-            </a:endParaRPr>
+              <a:t>冷启动 public static final int CONTROL_BEHAVIOR_WARM_UP = 1;</a:t>
+            </a:r>
           </a:p>
           <a:p>
             <a:pPr marL="0" indent="0">
@@ -13391,116 +13465,8 @@
                 <a:ea typeface="微软雅黑" panose="020B0503020204020204" pitchFamily="34" charset="-122"/>
                 <a:cs typeface="微软雅黑" panose="020B0503020204020204" pitchFamily="34" charset="-122"/>
               </a:rPr>
-              <a:t>根据调用链路入口</a:t>
-            </a:r>
-            <a:r>
-              <a:rPr lang="en-US" altLang="zh-CN" sz="1400">
-                <a:latin typeface="微软雅黑" panose="020B0503020204020204" pitchFamily="34" charset="-122"/>
-                <a:ea typeface="微软雅黑" panose="020B0503020204020204" pitchFamily="34" charset="-122"/>
-                <a:cs typeface="微软雅黑" panose="020B0503020204020204" pitchFamily="34" charset="-122"/>
-              </a:rPr>
-              <a:t> public static final int STRATEGY_CHAIN = 2;</a:t>
-            </a:r>
-            <a:endParaRPr lang="en-US" altLang="zh-CN" sz="1400">
-              <a:latin typeface="微软雅黑" panose="020B0503020204020204" pitchFamily="34" charset="-122"/>
-              <a:ea typeface="微软雅黑" panose="020B0503020204020204" pitchFamily="34" charset="-122"/>
-              <a:cs typeface="微软雅黑" panose="020B0503020204020204" pitchFamily="34" charset="-122"/>
-            </a:endParaRPr>
-          </a:p>
-          <a:p>
-            <a:pPr marL="0" indent="0">
-              <a:buFont typeface="+mj-ea"/>
-              <a:buNone/>
-            </a:pPr>
-            <a:endParaRPr lang="en-US" altLang="zh-CN" sz="1400">
-              <a:latin typeface="微软雅黑" panose="020B0503020204020204" pitchFamily="34" charset="-122"/>
-              <a:ea typeface="微软雅黑" panose="020B0503020204020204" pitchFamily="34" charset="-122"/>
-              <a:cs typeface="微软雅黑" panose="020B0503020204020204" pitchFamily="34" charset="-122"/>
-            </a:endParaRPr>
-          </a:p>
-          <a:p>
-            <a:pPr marL="0" indent="0">
-              <a:buFont typeface="+mj-ea"/>
-              <a:buNone/>
-            </a:pPr>
-            <a:r>
-              <a:rPr lang="en-US" altLang="zh-CN" sz="1400">
-                <a:latin typeface="微软雅黑" panose="020B0503020204020204" pitchFamily="34" charset="-122"/>
-                <a:ea typeface="微软雅黑" panose="020B0503020204020204" pitchFamily="34" charset="-122"/>
-                <a:cs typeface="微软雅黑" panose="020B0503020204020204" pitchFamily="34" charset="-122"/>
-              </a:rPr>
-              <a:t>controlBehavior</a:t>
-            </a:r>
-            <a:r>
-              <a:rPr lang="zh-CN" altLang="en-US" sz="1400">
-                <a:latin typeface="微软雅黑" panose="020B0503020204020204" pitchFamily="34" charset="-122"/>
-                <a:ea typeface="微软雅黑" panose="020B0503020204020204" pitchFamily="34" charset="-122"/>
-                <a:cs typeface="微软雅黑" panose="020B0503020204020204" pitchFamily="34" charset="-122"/>
-              </a:rPr>
-              <a:t>属性</a:t>
-            </a:r>
-            <a:endParaRPr lang="zh-CN" altLang="en-US" sz="1400">
-              <a:latin typeface="微软雅黑" panose="020B0503020204020204" pitchFamily="34" charset="-122"/>
-              <a:ea typeface="微软雅黑" panose="020B0503020204020204" pitchFamily="34" charset="-122"/>
-              <a:cs typeface="微软雅黑" panose="020B0503020204020204" pitchFamily="34" charset="-122"/>
-            </a:endParaRPr>
-          </a:p>
-          <a:p>
-            <a:pPr marL="0" indent="0">
-              <a:buFont typeface="+mj-ea"/>
-              <a:buNone/>
-            </a:pPr>
-            <a:r>
-              <a:rPr lang="zh-CN" altLang="en-US" sz="1400">
-                <a:latin typeface="微软雅黑" panose="020B0503020204020204" pitchFamily="34" charset="-122"/>
-                <a:ea typeface="微软雅黑" panose="020B0503020204020204" pitchFamily="34" charset="-122"/>
-                <a:cs typeface="微软雅黑" panose="020B0503020204020204" pitchFamily="34" charset="-122"/>
-              </a:rPr>
-              <a:t>直接拒绝 public static final int CONTROL_BEHAVIOR_DEFAULT = 0;</a:t>
-            </a:r>
-            <a:endParaRPr lang="zh-CN" altLang="en-US" sz="1400">
-              <a:latin typeface="微软雅黑" panose="020B0503020204020204" pitchFamily="34" charset="-122"/>
-              <a:ea typeface="微软雅黑" panose="020B0503020204020204" pitchFamily="34" charset="-122"/>
-              <a:cs typeface="微软雅黑" panose="020B0503020204020204" pitchFamily="34" charset="-122"/>
-            </a:endParaRPr>
-          </a:p>
-          <a:p>
-            <a:pPr marL="0" indent="0">
-              <a:buFont typeface="+mj-ea"/>
-              <a:buNone/>
-            </a:pPr>
-            <a:r>
-              <a:rPr lang="zh-CN" altLang="en-US" sz="1400">
-                <a:latin typeface="微软雅黑" panose="020B0503020204020204" pitchFamily="34" charset="-122"/>
-                <a:ea typeface="微软雅黑" panose="020B0503020204020204" pitchFamily="34" charset="-122"/>
-                <a:cs typeface="微软雅黑" panose="020B0503020204020204" pitchFamily="34" charset="-122"/>
-              </a:rPr>
-              <a:t>冷启动 public static final int CONTROL_BEHAVIOR_WARM_UP = 1;</a:t>
-            </a:r>
-            <a:endParaRPr lang="zh-CN" altLang="en-US" sz="1400">
-              <a:latin typeface="微软雅黑" panose="020B0503020204020204" pitchFamily="34" charset="-122"/>
-              <a:ea typeface="微软雅黑" panose="020B0503020204020204" pitchFamily="34" charset="-122"/>
-              <a:cs typeface="微软雅黑" panose="020B0503020204020204" pitchFamily="34" charset="-122"/>
-            </a:endParaRPr>
-          </a:p>
-          <a:p>
-            <a:pPr marL="0" indent="0">
-              <a:buFont typeface="+mj-ea"/>
-              <a:buNone/>
-            </a:pPr>
-            <a:r>
-              <a:rPr lang="zh-CN" altLang="en-US" sz="1400">
-                <a:latin typeface="微软雅黑" panose="020B0503020204020204" pitchFamily="34" charset="-122"/>
-                <a:ea typeface="微软雅黑" panose="020B0503020204020204" pitchFamily="34" charset="-122"/>
-                <a:cs typeface="微软雅黑" panose="020B0503020204020204" pitchFamily="34" charset="-122"/>
-              </a:rPr>
               <a:t>匀速排队 public static final int CONTROL_BEHAVIOR_RATE_LIMITER = 2;</a:t>
             </a:r>
-            <a:endParaRPr lang="zh-CN" altLang="en-US" sz="1400">
-              <a:latin typeface="微软雅黑" panose="020B0503020204020204" pitchFamily="34" charset="-122"/>
-              <a:ea typeface="微软雅黑" panose="020B0503020204020204" pitchFamily="34" charset="-122"/>
-              <a:cs typeface="微软雅黑" panose="020B0503020204020204" pitchFamily="34" charset="-122"/>
-            </a:endParaRPr>
           </a:p>
           <a:p>
             <a:pPr marL="0" indent="0">
@@ -13523,13 +13489,6 @@
   <p:transition>
     <p:fade/>
   </p:transition>
-  <p:timing>
-    <p:tnLst>
-      <p:par>
-        <p:cTn id="1" dur="indefinite" restart="never" nodeType="tmRoot"/>
-      </p:par>
-    </p:tnLst>
-  </p:timing>
 </p:sld>
 </file>
 
@@ -13593,30 +13552,26 @@
           <a:lstStyle/>
           <a:p>
             <a:r>
-              <a:rPr lang="zh-CN" altLang="en-US" sz="3200" dirty="0" smtClean="0">
+              <a:rPr lang="zh-CN" altLang="en-US" sz="3200" dirty="0">
                 <a:latin typeface="微软雅黑" panose="020B0503020204020204" pitchFamily="34" charset="-122"/>
                 <a:ea typeface="微软雅黑" panose="020B0503020204020204" pitchFamily="34" charset="-122"/>
               </a:rPr>
               <a:t>资源</a:t>
             </a:r>
             <a:r>
-              <a:rPr lang="en-US" altLang="zh-CN" sz="3200" dirty="0" smtClean="0">
+              <a:rPr lang="en-US" altLang="zh-CN" sz="3200" dirty="0">
                 <a:latin typeface="微软雅黑" panose="020B0503020204020204" pitchFamily="34" charset="-122"/>
                 <a:ea typeface="微软雅黑" panose="020B0503020204020204" pitchFamily="34" charset="-122"/>
               </a:rPr>
               <a:t>&amp;</a:t>
             </a:r>
             <a:r>
-              <a:rPr lang="zh-CN" altLang="en-US" sz="3200" dirty="0" smtClean="0">
+              <a:rPr lang="zh-CN" altLang="en-US" sz="3200" dirty="0">
                 <a:latin typeface="微软雅黑" panose="020B0503020204020204" pitchFamily="34" charset="-122"/>
                 <a:ea typeface="微软雅黑" panose="020B0503020204020204" pitchFamily="34" charset="-122"/>
               </a:rPr>
               <a:t>规则</a:t>
             </a:r>
-            <a:endParaRPr lang="zh-CN" altLang="en-US" sz="3200" dirty="0" smtClean="0">
-              <a:latin typeface="微软雅黑" panose="020B0503020204020204" pitchFamily="34" charset="-122"/>
-              <a:ea typeface="微软雅黑" panose="020B0503020204020204" pitchFamily="34" charset="-122"/>
-            </a:endParaRPr>
           </a:p>
         </p:txBody>
       </p:sp>
@@ -13650,22 +13605,22 @@
               <a:buNone/>
             </a:pPr>
             <a:r>
-              <a:rPr lang="en-US" altLang="zh-CN" sz="1600" b="1" dirty="0" smtClean="0"/>
+              <a:rPr lang="en-US" altLang="zh-CN" sz="1600" b="1" dirty="0"/>
               <a:t>Sentinel</a:t>
             </a:r>
             <a:r>
-              <a:rPr lang="zh-CN" altLang="en-US" sz="1600" b="1" dirty="0" smtClean="0"/>
+              <a:rPr lang="zh-CN" altLang="en-US" sz="1600" b="1" dirty="0"/>
               <a:t>支持</a:t>
             </a:r>
             <a:r>
-              <a:rPr lang="en-US" altLang="zh-CN" sz="1600" b="1" dirty="0" smtClean="0"/>
+              <a:rPr lang="en-US" altLang="zh-CN" sz="1600" b="1" dirty="0"/>
               <a:t>3</a:t>
             </a:r>
             <a:r>
-              <a:rPr lang="zh-CN" altLang="en-US" sz="1600" b="1" dirty="0" smtClean="0"/>
+              <a:rPr lang="zh-CN" altLang="en-US" sz="1600" b="1" dirty="0"/>
               <a:t>种规则：流量控制规则、熔断降级规则以及系统保护规则。</a:t>
             </a:r>
-            <a:endParaRPr lang="zh-CN" altLang="en-US" sz="1800" b="1" dirty="0" smtClean="0"/>
+            <a:endParaRPr lang="zh-CN" altLang="en-US" sz="1800" b="1" dirty="0"/>
           </a:p>
           <a:p>
             <a:pPr marL="0" indent="0" algn="l">
@@ -13676,22 +13631,22 @@
               <a:buNone/>
             </a:pPr>
             <a:r>
-              <a:rPr lang="en-US" altLang="zh-CN" sz="1400" b="1" dirty="0" smtClean="0"/>
+              <a:rPr lang="en-US" altLang="zh-CN" sz="1400" b="1" dirty="0"/>
               <a:t>1.</a:t>
             </a:r>
             <a:r>
-              <a:rPr lang="zh-CN" altLang="en-US" sz="1400" b="1" dirty="0" smtClean="0">
+              <a:rPr lang="zh-CN" altLang="en-US" sz="1400" b="1" dirty="0">
                 <a:sym typeface="+mn-ea"/>
               </a:rPr>
               <a:t>流量控制规则</a:t>
             </a:r>
             <a:r>
-              <a:rPr lang="en-US" altLang="zh-CN" sz="1400" b="1" dirty="0" smtClean="0">
+              <a:rPr lang="en-US" altLang="zh-CN" sz="1400" b="1" dirty="0">
                 <a:sym typeface="+mn-ea"/>
               </a:rPr>
               <a:t>(FlowRule) </a:t>
             </a:r>
-            <a:endParaRPr lang="en-US" altLang="zh-CN" sz="1400" dirty="0" smtClean="0">
+            <a:endParaRPr lang="en-US" altLang="zh-CN" sz="1400" dirty="0">
               <a:sym typeface="+mn-ea"/>
             </a:endParaRPr>
           </a:p>
@@ -13704,10 +13659,9 @@
               <a:buNone/>
             </a:pPr>
             <a:r>
-              <a:rPr lang="zh-CN" altLang="en-US" sz="1200" dirty="0" smtClean="0"/>
+              <a:rPr lang="zh-CN" altLang="en-US" sz="1200" dirty="0"/>
               <a:t>https://github.com/alibaba/Sentinel/wiki/%E6%B5%81%E9%87%8F%E6%8E%A7%E5%88%B6</a:t>
             </a:r>
-            <a:endParaRPr lang="zh-CN" altLang="en-US" sz="1200" dirty="0" smtClean="0"/>
           </a:p>
         </p:txBody>
       </p:sp>
@@ -13731,20 +13685,20 @@
           <a:bodyPr wrap="square" rtlCol="0">
             <a:spAutoFit/>
           </a:bodyPr>
+          <a:lstStyle/>
           <a:p>
             <a:pPr marL="0" indent="0">
               <a:buFont typeface="+mj-ea"/>
               <a:buNone/>
             </a:pPr>
             <a:r>
-              <a:rPr lang="en-US" altLang="zh-CN" sz="1400"/>
+              <a:rPr lang="en-US" altLang="zh-CN" sz="1400" dirty="0"/>
               <a:t>grade</a:t>
             </a:r>
             <a:r>
-              <a:rPr lang="zh-CN" altLang="en-US" sz="1400"/>
+              <a:rPr lang="zh-CN" altLang="en-US" sz="1400" dirty="0"/>
               <a:t>属性 </a:t>
             </a:r>
-            <a:endParaRPr lang="zh-CN" altLang="en-US" sz="1400"/>
           </a:p>
           <a:p>
             <a:pPr marL="0" indent="0">
@@ -13752,18 +13706,30 @@
               <a:buNone/>
             </a:pPr>
             <a:r>
-              <a:rPr lang="zh-CN" altLang="en-US" sz="1400">
+              <a:rPr lang="zh-CN" altLang="en-US" sz="1400" dirty="0">
                 <a:sym typeface="+mn-ea"/>
               </a:rPr>
               <a:t>根据</a:t>
             </a:r>
             <a:r>
-              <a:rPr lang="en-US" altLang="zh-CN" sz="1400">
+              <a:rPr lang="en-US" altLang="zh-CN" sz="1400" dirty="0" err="1">
                 <a:sym typeface="+mn-ea"/>
               </a:rPr>
-              <a:t>程数 public static final int FLOW_GRADE_THREAD = 0;</a:t>
-            </a:r>
-            <a:endParaRPr lang="en-US" altLang="zh-CN" sz="1400">
+              <a:t>程数</a:t>
+            </a:r>
+            <a:r>
+              <a:rPr lang="en-US" altLang="zh-CN" sz="1400" dirty="0">
+                <a:sym typeface="+mn-ea"/>
+              </a:rPr>
+              <a:t> public static final int FLOW_GRADE_THREAD = 0;</a:t>
+            </a:r>
+          </a:p>
+          <a:p>
+            <a:pPr marL="0" indent="0">
+              <a:buFont typeface="+mj-ea"/>
+              <a:buNone/>
+            </a:pPr>
+            <a:endParaRPr lang="en-US" altLang="zh-CN" sz="1400" dirty="0">
               <a:sym typeface="+mn-ea"/>
             </a:endParaRPr>
           </a:p>
@@ -13772,7 +13738,13 @@
               <a:buFont typeface="+mj-ea"/>
               <a:buNone/>
             </a:pPr>
-            <a:endParaRPr lang="en-US" altLang="zh-CN" sz="1400">
+            <a:r>
+              <a:rPr lang="zh-CN" altLang="en-US" sz="1200" dirty="0">
+                <a:sym typeface="+mn-ea"/>
+              </a:rPr>
+              <a:t>场景：Service Consumer 作为客户端去调用远程服务。每一个服务都可能会依赖几个下游服务，若某个服务 A 依赖的下游服务 B 出现了不稳定的情况，服务 A 请求 服务 B 的响应时间变长，从而服务 A 调用服务 B 的线程就会产生堆积，最终可能耗尽服务 A 的线程数。我们通过用并发线程数来控制对下游服务 B 的访问，来保证下游服务不可靠的时候，不会拖垮服务自身</a:t>
+            </a:r>
+            <a:endParaRPr lang="zh-CN" altLang="en-US" sz="1400" dirty="0">
               <a:sym typeface="+mn-ea"/>
             </a:endParaRPr>
           </a:p>
@@ -13782,12 +13754,33 @@
               <a:buNone/>
             </a:pPr>
             <a:r>
-              <a:rPr lang="zh-CN" altLang="en-US" sz="1200">
+              <a:rPr lang="zh-CN" altLang="en-US" sz="1200" dirty="0">
+                <a:solidFill>
+                  <a:srgbClr val="FF0000"/>
+                </a:solidFill>
                 <a:sym typeface="+mn-ea"/>
               </a:rPr>
-              <a:t>场景：Service Consumer 作为客户端去调用远程服务。每一个服务都可能会依赖几个下游服务，若某个服务 A 依赖的下游服务 B 出现了不稳定的情况，服务 A 请求 服务 B 的响应时间变长，从而服务 A 调用服务 B 的线程就会产生堆积，最终可能耗尽服务 A 的线程数。我们通过用并发线程数来控制对下游服务 B 的访问，来保证下游服务不可靠的时候，不会拖垮服务自身</a:t>
-            </a:r>
-            <a:endParaRPr lang="zh-CN" altLang="en-US" sz="1400">
+              <a:t>推荐</a:t>
+            </a:r>
+            <a:r>
+              <a:rPr lang="en-US" altLang="zh-CN" sz="1200" dirty="0" err="1">
+                <a:solidFill>
+                  <a:srgbClr val="FF0000"/>
+                </a:solidFill>
+                <a:sym typeface="+mn-ea"/>
+              </a:rPr>
+              <a:t>cosumer</a:t>
+            </a:r>
+            <a:r>
+              <a:rPr lang="zh-CN" altLang="en-US" sz="1200" dirty="0">
+                <a:solidFill>
+                  <a:srgbClr val="FF0000"/>
+                </a:solidFill>
+                <a:sym typeface="+mn-ea"/>
+              </a:rPr>
+              <a:t>端配置</a:t>
+            </a:r>
+            <a:endParaRPr lang="zh-CN" altLang="en-US" sz="1400" dirty="0">
               <a:sym typeface="+mn-ea"/>
             </a:endParaRPr>
           </a:p>
@@ -13796,34 +13789,94 @@
               <a:buFont typeface="+mj-ea"/>
               <a:buNone/>
             </a:pPr>
-            <a:r>
-              <a:rPr lang="zh-CN" altLang="en-US" sz="1200">
-                <a:solidFill>
-                  <a:srgbClr val="FF0000"/>
-                </a:solidFill>
+            <a:endParaRPr lang="en-US" altLang="zh-CN" sz="1400" dirty="0"/>
+          </a:p>
+          <a:p>
+            <a:pPr marL="0" indent="0">
+              <a:buFont typeface="+mj-ea"/>
+              <a:buNone/>
+            </a:pPr>
+            <a:r>
+              <a:rPr lang="zh-CN" altLang="en-US" sz="1400" dirty="0"/>
+              <a:t>根据</a:t>
+            </a:r>
+            <a:r>
+              <a:rPr lang="en-US" altLang="zh-CN" sz="1400" dirty="0"/>
+              <a:t>QPS public static final int FLOW_GRADE_QPS = 1;</a:t>
+            </a:r>
+          </a:p>
+          <a:p>
+            <a:pPr marL="0" indent="0">
+              <a:buFont typeface="+mj-ea"/>
+              <a:buNone/>
+            </a:pPr>
+            <a:r>
+              <a:rPr lang="zh-CN" altLang="en-US" sz="1400" dirty="0">
                 <a:sym typeface="+mn-ea"/>
               </a:rPr>
-              <a:t>推荐</a:t>
-            </a:r>
-            <a:r>
-              <a:rPr lang="en-US" altLang="zh-CN" sz="1200">
-                <a:solidFill>
-                  <a:srgbClr val="FF0000"/>
-                </a:solidFill>
+              <a:t>直接拒绝 public static final int CONTROL_BEHAVIOR_DEFAULT = 0;</a:t>
+            </a:r>
+          </a:p>
+          <a:p>
+            <a:pPr marL="0" indent="0">
+              <a:buFont typeface="+mj-ea"/>
+              <a:buNone/>
+            </a:pPr>
+            <a:r>
+              <a:rPr lang="en-US" altLang="zh-CN" sz="1400" dirty="0"/>
+              <a:t>// </a:t>
+            </a:r>
+            <a:r>
+              <a:rPr lang="zh-CN" altLang="en-US" sz="1400" dirty="0"/>
+              <a:t>超过</a:t>
+            </a:r>
+            <a:r>
+              <a:rPr lang="en-US" altLang="zh-CN" sz="1400" dirty="0"/>
+              <a:t>count</a:t>
+            </a:r>
+            <a:r>
+              <a:rPr lang="zh-CN" altLang="en-US" sz="1400" dirty="0"/>
+              <a:t>阈值，直接决绝，比如压测确定了系统的处理能力</a:t>
+            </a:r>
+          </a:p>
+          <a:p>
+            <a:pPr marL="0" indent="0">
+              <a:buFont typeface="+mj-ea"/>
+              <a:buNone/>
+            </a:pPr>
+            <a:r>
+              <a:rPr lang="zh-CN" altLang="en-US" sz="1400" dirty="0">
                 <a:sym typeface="+mn-ea"/>
               </a:rPr>
-              <a:t>cosumer</a:t>
-            </a:r>
-            <a:r>
-              <a:rPr lang="zh-CN" altLang="en-US" sz="1200">
-                <a:solidFill>
-                  <a:srgbClr val="FF0000"/>
-                </a:solidFill>
+              <a:t>冷启动 public static final int CONTROL_BEHAVIOR_WARM_UP = 1;</a:t>
+            </a:r>
+          </a:p>
+          <a:p>
+            <a:pPr marL="0" indent="0">
+              <a:buFont typeface="+mj-ea"/>
+              <a:buNone/>
+            </a:pPr>
+            <a:r>
+              <a:rPr lang="en-US" altLang="zh-CN" sz="1400" dirty="0"/>
+              <a:t>// </a:t>
+            </a:r>
+            <a:r>
+              <a:rPr lang="zh-CN" altLang="en-US" sz="1400" dirty="0"/>
+              <a:t>给系统一个预热实践，逐渐提升流量到阈值</a:t>
+            </a:r>
+          </a:p>
+          <a:p>
+            <a:pPr marL="0" indent="0">
+              <a:buFont typeface="+mj-ea"/>
+              <a:buNone/>
+            </a:pPr>
+            <a:r>
+              <a:rPr lang="zh-CN" altLang="en-US" sz="1400" dirty="0">
                 <a:sym typeface="+mn-ea"/>
               </a:rPr>
-              <a:t>端配置</a:t>
-            </a:r>
-            <a:endParaRPr lang="zh-CN" altLang="en-US" sz="1400">
+              <a:t>匀速器 public static final int CONTROL_BEHAVIOR_RATE_LIMITER = 2;</a:t>
+            </a:r>
+            <a:endParaRPr lang="en-US" altLang="zh-CN" sz="1400" dirty="0">
               <a:sym typeface="+mn-ea"/>
             </a:endParaRPr>
           </a:p>
@@ -13832,22 +13885,21 @@
               <a:buFont typeface="+mj-ea"/>
               <a:buNone/>
             </a:pPr>
-            <a:endParaRPr lang="en-US" altLang="zh-CN" sz="1400"/>
+            <a:r>
+              <a:rPr lang="en-US" altLang="zh-CN" sz="1400" dirty="0"/>
+              <a:t>// </a:t>
+            </a:r>
+            <a:r>
+              <a:rPr lang="zh-CN" altLang="en-US" sz="1400" dirty="0"/>
+              <a:t>均匀的速度控制流量，漏桶算法</a:t>
+            </a:r>
           </a:p>
           <a:p>
             <a:pPr marL="0" indent="0">
               <a:buFont typeface="+mj-ea"/>
               <a:buNone/>
             </a:pPr>
-            <a:r>
-              <a:rPr lang="zh-CN" altLang="en-US" sz="1400"/>
-              <a:t>根据</a:t>
-            </a:r>
-            <a:r>
-              <a:rPr lang="en-US" altLang="zh-CN" sz="1400"/>
-              <a:t>QPS public static final int FLOW_GRADE_QPS = 1;</a:t>
-            </a:r>
-            <a:endParaRPr lang="en-US" altLang="zh-CN" sz="1400"/>
+            <a:endParaRPr lang="zh-CN" altLang="en-US" sz="1400" dirty="0"/>
           </a:p>
           <a:p>
             <a:pPr marL="0" indent="0">
@@ -13855,14 +13907,9 @@
               <a:buNone/>
             </a:pPr>
             <a:r>
-              <a:rPr lang="zh-CN" altLang="en-US" sz="1400">
-                <a:sym typeface="+mn-ea"/>
-              </a:rPr>
-              <a:t>直接拒绝 public static final int CONTROL_BEHAVIOR_DEFAULT = 0;</a:t>
-            </a:r>
-            <a:endParaRPr lang="zh-CN" altLang="en-US" sz="1400">
-              <a:sym typeface="+mn-ea"/>
-            </a:endParaRPr>
+              <a:rPr lang="zh-CN" altLang="en-US" sz="1200" dirty="0"/>
+              <a:t>场景：Service Provider 用于向外界提供服务，处理各个消费者的调用请求。为了保护 Provider 不被激增的流量拖垮影响稳定性，可以给 Provider 配置 QPS 模式的限流，这样当每秒的请求量超过设定的阈值时会自动拒绝多的请求</a:t>
+            </a:r>
           </a:p>
           <a:p>
             <a:pPr marL="0" indent="0">
@@ -13870,108 +13917,7 @@
               <a:buNone/>
             </a:pPr>
             <a:r>
-              <a:rPr lang="en-US" altLang="zh-CN" sz="1400"/>
-              <a:t>// </a:t>
-            </a:r>
-            <a:r>
-              <a:rPr lang="zh-CN" altLang="en-US" sz="1400"/>
-              <a:t>超过</a:t>
-            </a:r>
-            <a:r>
-              <a:rPr lang="en-US" altLang="zh-CN" sz="1400"/>
-              <a:t>count</a:t>
-            </a:r>
-            <a:r>
-              <a:rPr lang="zh-CN" altLang="en-US" sz="1400"/>
-              <a:t>阈值，直接决绝，比如压测确定了系统的处理能力</a:t>
-            </a:r>
-            <a:endParaRPr lang="zh-CN" altLang="en-US" sz="1400"/>
-          </a:p>
-          <a:p>
-            <a:pPr marL="0" indent="0">
-              <a:buFont typeface="+mj-ea"/>
-              <a:buNone/>
-            </a:pPr>
-            <a:r>
-              <a:rPr lang="zh-CN" altLang="en-US" sz="1400">
-                <a:sym typeface="+mn-ea"/>
-              </a:rPr>
-              <a:t>冷启动 public static final int CONTROL_BEHAVIOR_WARM_UP = 1;</a:t>
-            </a:r>
-            <a:endParaRPr lang="zh-CN" altLang="en-US" sz="1400">
-              <a:sym typeface="+mn-ea"/>
-            </a:endParaRPr>
-          </a:p>
-          <a:p>
-            <a:pPr marL="0" indent="0">
-              <a:buFont typeface="+mj-ea"/>
-              <a:buNone/>
-            </a:pPr>
-            <a:r>
-              <a:rPr lang="en-US" altLang="zh-CN" sz="1400"/>
-              <a:t>// </a:t>
-            </a:r>
-            <a:r>
-              <a:rPr lang="zh-CN" altLang="en-US" sz="1400"/>
-              <a:t>给系统一个预热实践，逐渐提升流量到阈值</a:t>
-            </a:r>
-            <a:endParaRPr lang="zh-CN" altLang="en-US" sz="1400"/>
-          </a:p>
-          <a:p>
-            <a:pPr marL="0" indent="0">
-              <a:buFont typeface="+mj-ea"/>
-              <a:buNone/>
-            </a:pPr>
-            <a:r>
-              <a:rPr lang="zh-CN" altLang="en-US" sz="1400">
-                <a:sym typeface="+mn-ea"/>
-              </a:rPr>
-              <a:t>匀速器 public static final int CONTROL_BEHAVIOR_RATE_LIMITER = 2;</a:t>
-            </a:r>
-            <a:endParaRPr lang="en-US" altLang="zh-CN" sz="1400">
-              <a:sym typeface="+mn-ea"/>
-            </a:endParaRPr>
-          </a:p>
-          <a:p>
-            <a:pPr marL="0" indent="0">
-              <a:buFont typeface="+mj-ea"/>
-              <a:buNone/>
-            </a:pPr>
-            <a:r>
-              <a:rPr lang="en-US" altLang="zh-CN" sz="1400"/>
-              <a:t>// </a:t>
-            </a:r>
-            <a:r>
-              <a:rPr lang="zh-CN" altLang="en-US" sz="1400"/>
-              <a:t>均匀的速度控制流量，漏桶算法</a:t>
-            </a:r>
-            <a:endParaRPr lang="zh-CN" altLang="en-US" sz="1400"/>
-          </a:p>
-          <a:p>
-            <a:pPr marL="0" indent="0">
-              <a:buFont typeface="+mj-ea"/>
-              <a:buNone/>
-            </a:pPr>
-            <a:endParaRPr lang="zh-CN" altLang="en-US" sz="1400"/>
-          </a:p>
-          <a:p>
-            <a:pPr marL="0" indent="0">
-              <a:buFont typeface="+mj-ea"/>
-              <a:buNone/>
-            </a:pPr>
-            <a:r>
-              <a:rPr lang="zh-CN" altLang="en-US" sz="1200"/>
-              <a:t>场景：Service Provider 用于向外界提供服务，处理各个消费者的调用请求。为了保护 Provider 不被激增的流量拖垮影响稳定性，可以给 Provider 配置 QPS 模式的限流，这样当每秒的请求量超过设定的阈值时会自动拒绝多的请求</a:t>
-            </a:r>
-            <a:endParaRPr lang="zh-CN" altLang="en-US" sz="1200"/>
-          </a:p>
-          <a:p>
-            <a:pPr marL="0" indent="0">
-              <a:buFont typeface="+mj-ea"/>
-              <a:buNone/>
-            </a:pPr>
-            <a:r>
-              <a:rPr lang="zh-CN" altLang="en-US" sz="1200">
+              <a:rPr lang="zh-CN" altLang="en-US" sz="1200" dirty="0">
                 <a:solidFill>
                   <a:srgbClr val="FF0000"/>
                 </a:solidFill>
@@ -13979,7 +13925,7 @@
               <a:t>推荐</a:t>
             </a:r>
             <a:r>
-              <a:rPr lang="en-US" altLang="zh-CN" sz="1200">
+              <a:rPr lang="en-US" altLang="zh-CN" sz="1200" dirty="0">
                 <a:solidFill>
                   <a:srgbClr val="FF0000"/>
                 </a:solidFill>
@@ -13987,14 +13933,14 @@
               <a:t>provider</a:t>
             </a:r>
             <a:r>
-              <a:rPr lang="zh-CN" altLang="en-US" sz="1200">
+              <a:rPr lang="zh-CN" altLang="en-US" sz="1200" dirty="0">
                 <a:solidFill>
                   <a:srgbClr val="FF0000"/>
                 </a:solidFill>
               </a:rPr>
               <a:t>端配置</a:t>
             </a:r>
-            <a:endParaRPr lang="en-US" altLang="zh-CN" sz="1400"/>
+            <a:endParaRPr lang="en-US" altLang="zh-CN" sz="1400" dirty="0"/>
           </a:p>
         </p:txBody>
       </p:sp>
@@ -14006,13 +13952,6 @@
   <p:transition>
     <p:fade/>
   </p:transition>
-  <p:timing>
-    <p:tnLst>
-      <p:par>
-        <p:cTn id="1" dur="indefinite" restart="never" nodeType="tmRoot"/>
-      </p:par>
-    </p:tnLst>
-  </p:timing>
 </p:sld>
 </file>
 
@@ -14076,30 +14015,26 @@
           <a:lstStyle/>
           <a:p>
             <a:r>
-              <a:rPr lang="zh-CN" altLang="en-US" sz="3200" dirty="0" smtClean="0">
+              <a:rPr lang="zh-CN" altLang="en-US" sz="3200" dirty="0">
                 <a:latin typeface="微软雅黑" panose="020B0503020204020204" pitchFamily="34" charset="-122"/>
                 <a:ea typeface="微软雅黑" panose="020B0503020204020204" pitchFamily="34" charset="-122"/>
               </a:rPr>
               <a:t>资源</a:t>
             </a:r>
             <a:r>
-              <a:rPr lang="en-US" altLang="zh-CN" sz="3200" dirty="0" smtClean="0">
+              <a:rPr lang="en-US" altLang="zh-CN" sz="3200" dirty="0">
                 <a:latin typeface="微软雅黑" panose="020B0503020204020204" pitchFamily="34" charset="-122"/>
                 <a:ea typeface="微软雅黑" panose="020B0503020204020204" pitchFamily="34" charset="-122"/>
               </a:rPr>
               <a:t>&amp;</a:t>
             </a:r>
             <a:r>
-              <a:rPr lang="zh-CN" altLang="en-US" sz="3200" dirty="0" smtClean="0">
+              <a:rPr lang="zh-CN" altLang="en-US" sz="3200" dirty="0">
                 <a:latin typeface="微软雅黑" panose="020B0503020204020204" pitchFamily="34" charset="-122"/>
                 <a:ea typeface="微软雅黑" panose="020B0503020204020204" pitchFamily="34" charset="-122"/>
               </a:rPr>
               <a:t>规则</a:t>
             </a:r>
-            <a:endParaRPr lang="zh-CN" altLang="en-US" sz="3200" dirty="0" smtClean="0">
-              <a:latin typeface="微软雅黑" panose="020B0503020204020204" pitchFamily="34" charset="-122"/>
-              <a:ea typeface="微软雅黑" panose="020B0503020204020204" pitchFamily="34" charset="-122"/>
-            </a:endParaRPr>
           </a:p>
         </p:txBody>
       </p:sp>
@@ -14133,22 +14068,22 @@
               <a:buNone/>
             </a:pPr>
             <a:r>
-              <a:rPr lang="en-US" altLang="zh-CN" sz="1600" b="1" dirty="0" smtClean="0"/>
+              <a:rPr lang="en-US" altLang="zh-CN" sz="1600" b="1" dirty="0"/>
               <a:t>Sentinel</a:t>
             </a:r>
             <a:r>
-              <a:rPr lang="zh-CN" altLang="en-US" sz="1600" b="1" dirty="0" smtClean="0"/>
+              <a:rPr lang="zh-CN" altLang="en-US" sz="1600" b="1" dirty="0"/>
               <a:t>支持</a:t>
             </a:r>
             <a:r>
-              <a:rPr lang="en-US" altLang="zh-CN" sz="1600" b="1" dirty="0" smtClean="0"/>
+              <a:rPr lang="en-US" altLang="zh-CN" sz="1600" b="1" dirty="0"/>
               <a:t>3</a:t>
             </a:r>
             <a:r>
-              <a:rPr lang="zh-CN" altLang="en-US" sz="1600" b="1" dirty="0" smtClean="0"/>
+              <a:rPr lang="zh-CN" altLang="en-US" sz="1600" b="1" dirty="0"/>
               <a:t>种规则：流量控制规则、熔断降级规则以及系统保护规则。</a:t>
             </a:r>
-            <a:endParaRPr lang="zh-CN" altLang="en-US" sz="1800" b="1" dirty="0" smtClean="0"/>
+            <a:endParaRPr lang="zh-CN" altLang="en-US" sz="1800" b="1" dirty="0"/>
           </a:p>
           <a:p>
             <a:pPr marL="0" indent="0" algn="l">
@@ -14159,22 +14094,22 @@
               <a:buNone/>
             </a:pPr>
             <a:r>
-              <a:rPr lang="en-US" altLang="zh-CN" sz="1400" b="1" dirty="0" smtClean="0"/>
+              <a:rPr lang="en-US" altLang="zh-CN" sz="1400" b="1" dirty="0"/>
               <a:t>1.</a:t>
             </a:r>
             <a:r>
-              <a:rPr lang="zh-CN" altLang="en-US" sz="1400" b="1" dirty="0" smtClean="0">
+              <a:rPr lang="zh-CN" altLang="en-US" sz="1400" b="1" dirty="0">
                 <a:sym typeface="+mn-ea"/>
               </a:rPr>
               <a:t>流量控制规则</a:t>
             </a:r>
             <a:r>
-              <a:rPr lang="en-US" altLang="zh-CN" sz="1400" b="1" dirty="0" smtClean="0">
+              <a:rPr lang="en-US" altLang="zh-CN" sz="1400" b="1" dirty="0">
                 <a:sym typeface="+mn-ea"/>
               </a:rPr>
               <a:t>(FlowRule) </a:t>
             </a:r>
-            <a:endParaRPr lang="en-US" altLang="zh-CN" sz="1400" dirty="0" smtClean="0">
+            <a:endParaRPr lang="en-US" altLang="zh-CN" sz="1400" dirty="0">
               <a:sym typeface="+mn-ea"/>
             </a:endParaRPr>
           </a:p>
@@ -14187,10 +14122,9 @@
               <a:buNone/>
             </a:pPr>
             <a:r>
-              <a:rPr lang="zh-CN" altLang="en-US" sz="1200" dirty="0" smtClean="0"/>
+              <a:rPr lang="zh-CN" altLang="en-US" sz="1200" dirty="0"/>
               <a:t>https://github.com/alibaba/Sentinel/wiki/%E6%B5%81%E9%87%8F%E6%8E%A7%E5%88%B6</a:t>
             </a:r>
-            <a:endParaRPr lang="zh-CN" altLang="en-US" sz="1200" dirty="0" smtClean="0"/>
           </a:p>
         </p:txBody>
       </p:sp>
@@ -14214,24 +14148,25 @@
           <a:bodyPr wrap="square" rtlCol="0">
             <a:spAutoFit/>
           </a:bodyPr>
+          <a:lstStyle/>
           <a:p>
             <a:pPr marL="0" indent="0">
               <a:buFont typeface="+mj-ea"/>
               <a:buNone/>
             </a:pPr>
             <a:r>
-              <a:rPr lang="en-US" altLang="zh-CN" sz="1400">
+              <a:rPr lang="en-US" altLang="zh-CN" sz="1400" dirty="0">
                 <a:sym typeface="+mn-ea"/>
               </a:rPr>
               <a:t>strategy</a:t>
             </a:r>
             <a:r>
-              <a:rPr lang="zh-CN" altLang="en-US" sz="1400">
+              <a:rPr lang="zh-CN" altLang="en-US" sz="1400" dirty="0">
                 <a:sym typeface="+mn-ea"/>
               </a:rPr>
               <a:t>属性</a:t>
             </a:r>
-            <a:endParaRPr lang="zh-CN" altLang="en-US" sz="1400"/>
+            <a:endParaRPr lang="zh-CN" altLang="en-US" sz="1400" dirty="0"/>
           </a:p>
           <a:p>
             <a:pPr marL="0" indent="0">
@@ -14239,18 +14174,66 @@
               <a:buNone/>
             </a:pPr>
             <a:r>
-              <a:rPr lang="zh-CN" altLang="en-US" sz="1400">
+              <a:rPr lang="zh-CN" altLang="en-US" sz="1400" dirty="0">
                 <a:sym typeface="+mn-ea"/>
               </a:rPr>
               <a:t>根据调用方 </a:t>
             </a:r>
             <a:r>
-              <a:rPr lang="en-US" altLang="zh-CN" sz="1400">
+              <a:rPr lang="en-US" altLang="zh-CN" sz="1400" dirty="0">
                 <a:sym typeface="+mn-ea"/>
               </a:rPr>
               <a:t>public static final int STRATEGY_DIRECT = 0;</a:t>
             </a:r>
-            <a:endParaRPr lang="en-US" altLang="zh-CN" sz="1400">
+          </a:p>
+          <a:p>
+            <a:pPr marL="0" indent="0">
+              <a:buFont typeface="+mj-ea"/>
+              <a:buNone/>
+            </a:pPr>
+            <a:r>
+              <a:rPr lang="en-US" altLang="zh-CN" sz="1200" dirty="0" err="1">
+                <a:sym typeface="+mn-ea"/>
+              </a:rPr>
+              <a:t>ContextUtil.enter</a:t>
+            </a:r>
+            <a:r>
+              <a:rPr lang="en-US" altLang="zh-CN" sz="1200" dirty="0">
+                <a:sym typeface="+mn-ea"/>
+              </a:rPr>
+              <a:t>(</a:t>
+            </a:r>
+            <a:r>
+              <a:rPr lang="en-US" altLang="zh-CN" sz="1200" dirty="0" err="1">
+                <a:sym typeface="+mn-ea"/>
+              </a:rPr>
+              <a:t>resourceName</a:t>
+            </a:r>
+            <a:r>
+              <a:rPr lang="en-US" altLang="zh-CN" sz="1200" dirty="0">
+                <a:sym typeface="+mn-ea"/>
+              </a:rPr>
+              <a:t>, origin) </a:t>
+            </a:r>
+            <a:r>
+              <a:rPr lang="en-US" altLang="zh-CN" sz="1200" dirty="0" err="1">
+                <a:sym typeface="+mn-ea"/>
+              </a:rPr>
+              <a:t>方法中的</a:t>
+            </a:r>
+            <a:r>
+              <a:rPr lang="en-US" altLang="zh-CN" sz="1200" dirty="0">
+                <a:sym typeface="+mn-ea"/>
+              </a:rPr>
+              <a:t> origin </a:t>
+            </a:r>
+            <a:r>
+              <a:rPr lang="en-US" altLang="zh-CN" sz="1200" dirty="0" err="1">
+                <a:sym typeface="+mn-ea"/>
+              </a:rPr>
+              <a:t>参数标明了调用方身份</a:t>
+            </a:r>
+            <a:endParaRPr lang="en-US" altLang="zh-CN" sz="1400" dirty="0">
               <a:sym typeface="+mn-ea"/>
             </a:endParaRPr>
           </a:p>
@@ -14260,12 +14243,96 @@
               <a:buNone/>
             </a:pPr>
             <a:r>
-              <a:rPr lang="en-US" altLang="zh-CN" sz="1200">
+              <a:rPr lang="en-US" altLang="zh-CN" sz="1200" dirty="0" err="1">
                 <a:sym typeface="+mn-ea"/>
               </a:rPr>
-              <a:t>ContextUtil.enter(resourceName, origin) 方法中的 origin 参数标明了调用方身份</a:t>
-            </a:r>
-            <a:endParaRPr lang="en-US" altLang="zh-CN" sz="1400">
+              <a:t>limitApp</a:t>
+            </a:r>
+            <a:r>
+              <a:rPr lang="zh-CN" altLang="en-US" sz="1200" dirty="0">
+                <a:sym typeface="+mn-ea"/>
+              </a:rPr>
+              <a:t>：{some_origin_name}</a:t>
+            </a:r>
+            <a:r>
+              <a:rPr lang="en-US" altLang="zh-CN" sz="1200" dirty="0">
+                <a:sym typeface="+mn-ea"/>
+              </a:rPr>
+              <a:t>(</a:t>
+            </a:r>
+            <a:r>
+              <a:rPr lang="zh-CN" altLang="en-US" sz="1200" dirty="0">
+                <a:sym typeface="+mn-ea"/>
+              </a:rPr>
+              <a:t>特定</a:t>
+            </a:r>
+            <a:r>
+              <a:rPr lang="en-US" altLang="zh-CN" sz="1200" dirty="0">
+                <a:sym typeface="+mn-ea"/>
+              </a:rPr>
+              <a:t>)</a:t>
+            </a:r>
+            <a:r>
+              <a:rPr lang="zh-CN" altLang="en-US" sz="1200" dirty="0">
+                <a:sym typeface="+mn-ea"/>
+              </a:rPr>
+              <a:t> &gt; other</a:t>
+            </a:r>
+            <a:r>
+              <a:rPr lang="en-US" altLang="zh-CN" sz="1200" dirty="0">
+                <a:sym typeface="+mn-ea"/>
+              </a:rPr>
+              <a:t>(</a:t>
+            </a:r>
+            <a:r>
+              <a:rPr lang="zh-CN" altLang="en-US" sz="1200" dirty="0">
+                <a:sym typeface="+mn-ea"/>
+              </a:rPr>
+              <a:t>除特定</a:t>
+            </a:r>
+            <a:r>
+              <a:rPr lang="en-US" altLang="zh-CN" sz="1200" dirty="0">
+                <a:sym typeface="+mn-ea"/>
+              </a:rPr>
+              <a:t>)</a:t>
+            </a:r>
+            <a:r>
+              <a:rPr lang="zh-CN" altLang="en-US" sz="1200" dirty="0">
+                <a:sym typeface="+mn-ea"/>
+              </a:rPr>
+              <a:t> &gt; default</a:t>
+            </a:r>
+            <a:r>
+              <a:rPr lang="en-US" altLang="zh-CN" sz="1200" dirty="0">
+                <a:sym typeface="+mn-ea"/>
+              </a:rPr>
+              <a:t>(</a:t>
+            </a:r>
+            <a:r>
+              <a:rPr lang="zh-CN" altLang="en-US" sz="1200" dirty="0">
+                <a:sym typeface="+mn-ea"/>
+              </a:rPr>
+              <a:t>不区分</a:t>
+            </a:r>
+            <a:r>
+              <a:rPr lang="en-US" altLang="zh-CN" sz="1200" dirty="0">
+                <a:sym typeface="+mn-ea"/>
+              </a:rPr>
+              <a:t>)</a:t>
+            </a:r>
+          </a:p>
+          <a:p>
+            <a:pPr marL="0" indent="0">
+              <a:buFont typeface="+mj-ea"/>
+              <a:buNone/>
+            </a:pPr>
+            <a:r>
+              <a:rPr lang="zh-CN" altLang="en-US" sz="1200" dirty="0">
+                <a:sym typeface="+mn-ea"/>
+              </a:rPr>
+              <a:t>场景：根据不同调用方调用限流</a:t>
+            </a:r>
+            <a:endParaRPr lang="en-US" altLang="zh-CN" sz="1200" dirty="0">
               <a:sym typeface="+mn-ea"/>
             </a:endParaRPr>
           </a:p>
@@ -14274,85 +14341,7 @@
               <a:buFont typeface="+mj-ea"/>
               <a:buNone/>
             </a:pPr>
-            <a:r>
-              <a:rPr lang="en-US" altLang="zh-CN" sz="1200">
-                <a:sym typeface="+mn-ea"/>
-              </a:rPr>
-              <a:t>limitApp</a:t>
-            </a:r>
-            <a:r>
-              <a:rPr lang="zh-CN" altLang="en-US" sz="1200">
-                <a:sym typeface="+mn-ea"/>
-              </a:rPr>
-              <a:t>：{some_origin_name}</a:t>
-            </a:r>
-            <a:r>
-              <a:rPr lang="en-US" altLang="zh-CN" sz="1200">
-                <a:sym typeface="+mn-ea"/>
-              </a:rPr>
-              <a:t>(</a:t>
-            </a:r>
-            <a:r>
-              <a:rPr lang="zh-CN" altLang="en-US" sz="1200">
-                <a:sym typeface="+mn-ea"/>
-              </a:rPr>
-              <a:t>特定</a:t>
-            </a:r>
-            <a:r>
-              <a:rPr lang="en-US" altLang="zh-CN" sz="1200">
-                <a:sym typeface="+mn-ea"/>
-              </a:rPr>
-              <a:t>)</a:t>
-            </a:r>
-            <a:r>
-              <a:rPr lang="zh-CN" altLang="en-US" sz="1200">
-                <a:sym typeface="+mn-ea"/>
-              </a:rPr>
-              <a:t> &gt; other</a:t>
-            </a:r>
-            <a:r>
-              <a:rPr lang="en-US" altLang="zh-CN" sz="1200">
-                <a:sym typeface="+mn-ea"/>
-              </a:rPr>
-              <a:t>(</a:t>
-            </a:r>
-            <a:r>
-              <a:rPr lang="zh-CN" altLang="en-US" sz="1200">
-                <a:sym typeface="+mn-ea"/>
-              </a:rPr>
-              <a:t>除特定</a:t>
-            </a:r>
-            <a:r>
-              <a:rPr lang="en-US" altLang="zh-CN" sz="1200">
-                <a:sym typeface="+mn-ea"/>
-              </a:rPr>
-              <a:t>)</a:t>
-            </a:r>
-            <a:r>
-              <a:rPr lang="zh-CN" altLang="en-US" sz="1200">
-                <a:sym typeface="+mn-ea"/>
-              </a:rPr>
-              <a:t> &gt; default</a:t>
-            </a:r>
-            <a:r>
-              <a:rPr lang="en-US" altLang="zh-CN" sz="1200">
-                <a:sym typeface="+mn-ea"/>
-              </a:rPr>
-              <a:t>(</a:t>
-            </a:r>
-            <a:r>
-              <a:rPr lang="zh-CN" altLang="en-US" sz="1200">
-                <a:sym typeface="+mn-ea"/>
-              </a:rPr>
-              <a:t>不区分</a:t>
-            </a:r>
-            <a:r>
-              <a:rPr lang="en-US" altLang="zh-CN" sz="1200">
-                <a:sym typeface="+mn-ea"/>
-              </a:rPr>
-              <a:t>)</a:t>
-            </a:r>
-            <a:endParaRPr lang="en-US" altLang="zh-CN" sz="1200">
+            <a:endParaRPr lang="en-US" altLang="zh-CN" sz="1200" dirty="0">
               <a:sym typeface="+mn-ea"/>
             </a:endParaRPr>
           </a:p>
@@ -14361,13 +14350,44 @@
               <a:buFont typeface="+mj-ea"/>
               <a:buNone/>
             </a:pPr>
-            <a:r>
-              <a:rPr lang="zh-CN" altLang="en-US" sz="1200">
+            <a:endParaRPr lang="en-US" altLang="zh-CN" sz="1200" dirty="0"/>
+          </a:p>
+          <a:p>
+            <a:pPr marL="0" indent="0">
+              <a:buFont typeface="+mj-ea"/>
+              <a:buNone/>
+            </a:pPr>
+            <a:r>
+              <a:rPr lang="zh-CN" altLang="en-US" sz="1400" dirty="0">
                 <a:sym typeface="+mn-ea"/>
               </a:rPr>
-              <a:t>场景：根据不同调用方调用限流</a:t>
-            </a:r>
-            <a:endParaRPr lang="en-US" altLang="zh-CN" sz="1200">
+              <a:t>根据关联资源 </a:t>
+            </a:r>
+            <a:r>
+              <a:rPr lang="en-US" altLang="zh-CN" sz="1400" dirty="0">
+                <a:sym typeface="+mn-ea"/>
+              </a:rPr>
+              <a:t>public static final int STRATEGY_RELATE = 1;</a:t>
+            </a:r>
+          </a:p>
+          <a:p>
+            <a:pPr marL="0" indent="0">
+              <a:buFont typeface="+mj-ea"/>
+              <a:buNone/>
+            </a:pPr>
+            <a:r>
+              <a:rPr lang="en-US" altLang="zh-CN" sz="1200" dirty="0" err="1">
+                <a:sym typeface="+mn-ea"/>
+              </a:rPr>
+              <a:t>refResource</a:t>
+            </a:r>
+            <a:r>
+              <a:rPr lang="zh-CN" altLang="en-US" sz="1200" dirty="0">
+                <a:sym typeface="+mn-ea"/>
+              </a:rPr>
+              <a:t>：关联的资源名称</a:t>
+            </a:r>
+            <a:endParaRPr lang="en-US" altLang="zh-CN" sz="1200" dirty="0">
               <a:sym typeface="+mn-ea"/>
             </a:endParaRPr>
           </a:p>
@@ -14376,7 +14396,19 @@
               <a:buFont typeface="+mj-ea"/>
               <a:buNone/>
             </a:pPr>
-            <a:endParaRPr lang="en-US" altLang="zh-CN" sz="1200">
+            <a:r>
+              <a:rPr lang="zh-CN" altLang="en-US" sz="1200" dirty="0">
+                <a:sym typeface="+mn-ea"/>
+              </a:rPr>
+              <a:t>场景：写库操作过于频繁时，读数据的请求会限流</a:t>
+            </a:r>
+          </a:p>
+          <a:p>
+            <a:pPr marL="0" indent="0">
+              <a:buFont typeface="+mj-ea"/>
+              <a:buNone/>
+            </a:pPr>
+            <a:endParaRPr lang="en-US" altLang="zh-CN" sz="1200" dirty="0">
               <a:sym typeface="+mn-ea"/>
             </a:endParaRPr>
           </a:p>
@@ -14385,7 +14417,7 @@
               <a:buFont typeface="+mj-ea"/>
               <a:buNone/>
             </a:pPr>
-            <a:endParaRPr lang="en-US" altLang="zh-CN" sz="1200"/>
+            <a:endParaRPr lang="en-US" altLang="zh-CN" sz="1200" dirty="0"/>
           </a:p>
           <a:p>
             <a:pPr marL="0" indent="0">
@@ -14393,20 +14425,18 @@
               <a:buNone/>
             </a:pPr>
             <a:r>
-              <a:rPr lang="zh-CN" altLang="en-US" sz="1400">
+              <a:rPr lang="zh-CN" altLang="en-US" sz="1400" dirty="0">
                 <a:sym typeface="+mn-ea"/>
               </a:rPr>
-              <a:t>根据关联资源 </a:t>
-            </a:r>
-            <a:r>
-              <a:rPr lang="en-US" altLang="zh-CN" sz="1400">
+              <a:t>根据调用链路入口</a:t>
+            </a:r>
+            <a:r>
+              <a:rPr lang="en-US" altLang="zh-CN" sz="1400" dirty="0">
                 <a:sym typeface="+mn-ea"/>
               </a:rPr>
-              <a:t>public static final int STRATEGY_RELATE = 1;</a:t>
-            </a:r>
-            <a:endParaRPr lang="en-US" altLang="zh-CN" sz="1400">
-              <a:sym typeface="+mn-ea"/>
-            </a:endParaRPr>
+              <a:t> public static final int STRATEGY_CHAIN = 2;</a:t>
+            </a:r>
+            <a:endParaRPr lang="zh-CN" altLang="en-US" sz="1200" dirty="0"/>
           </a:p>
           <a:p>
             <a:pPr marL="0" indent="0">
@@ -14414,95 +14444,24 @@
               <a:buNone/>
             </a:pPr>
             <a:r>
-              <a:rPr lang="en-US" altLang="zh-CN" sz="1200">
-                <a:sym typeface="+mn-ea"/>
-              </a:rPr>
-              <a:t>refResource</a:t>
-            </a:r>
-            <a:r>
-              <a:rPr lang="zh-CN" altLang="en-US" sz="1200">
-                <a:sym typeface="+mn-ea"/>
-              </a:rPr>
-              <a:t>：关联的资源名称</a:t>
-            </a:r>
-            <a:endParaRPr lang="en-US" altLang="zh-CN" sz="1200">
-              <a:sym typeface="+mn-ea"/>
-            </a:endParaRPr>
+              <a:rPr lang="zh-CN" altLang="en-US" sz="1200" dirty="0"/>
+              <a:t>场景：只根据调用链路某个入口的统计信息对资源限流</a:t>
+            </a:r>
+            <a:endParaRPr lang="zh-CN" altLang="en-US" sz="1400" dirty="0"/>
           </a:p>
           <a:p>
             <a:pPr marL="0" indent="0">
               <a:buFont typeface="+mj-ea"/>
               <a:buNone/>
             </a:pPr>
-            <a:r>
-              <a:rPr lang="zh-CN" altLang="en-US" sz="1200">
-                <a:sym typeface="+mn-ea"/>
-              </a:rPr>
-              <a:t>场景：写库操作过于频繁时，读数据的请求会限流</a:t>
-            </a:r>
-            <a:endParaRPr lang="zh-CN" altLang="en-US" sz="1200">
-              <a:sym typeface="+mn-ea"/>
-            </a:endParaRPr>
+            <a:endParaRPr lang="zh-CN" altLang="en-US" sz="1400" dirty="0"/>
           </a:p>
           <a:p>
             <a:pPr marL="0" indent="0">
               <a:buFont typeface="+mj-ea"/>
               <a:buNone/>
             </a:pPr>
-            <a:endParaRPr lang="en-US" altLang="zh-CN" sz="1200">
-              <a:sym typeface="+mn-ea"/>
-            </a:endParaRPr>
-          </a:p>
-          <a:p>
-            <a:pPr marL="0" indent="0">
-              <a:buFont typeface="+mj-ea"/>
-              <a:buNone/>
-            </a:pPr>
-            <a:endParaRPr lang="en-US" altLang="zh-CN" sz="1200"/>
-          </a:p>
-          <a:p>
-            <a:pPr marL="0" indent="0">
-              <a:buFont typeface="+mj-ea"/>
-              <a:buNone/>
-            </a:pPr>
-            <a:r>
-              <a:rPr lang="zh-CN" altLang="en-US" sz="1400">
-                <a:sym typeface="+mn-ea"/>
-              </a:rPr>
-              <a:t>根据调用链路入口</a:t>
-            </a:r>
-            <a:r>
-              <a:rPr lang="en-US" altLang="zh-CN" sz="1400">
-                <a:sym typeface="+mn-ea"/>
-              </a:rPr>
-              <a:t> public static final int STRATEGY_CHAIN = 2;</a:t>
-            </a:r>
-            <a:endParaRPr lang="zh-CN" altLang="en-US" sz="1200"/>
-          </a:p>
-          <a:p>
-            <a:pPr marL="0" indent="0">
-              <a:buFont typeface="+mj-ea"/>
-              <a:buNone/>
-            </a:pPr>
-            <a:r>
-              <a:rPr lang="zh-CN" altLang="en-US" sz="1200"/>
-              <a:t>场景：只根据调用链路某个入口的统计信息对资源限流</a:t>
-            </a:r>
-            <a:endParaRPr lang="zh-CN" altLang="en-US" sz="1400"/>
-          </a:p>
-          <a:p>
-            <a:pPr marL="0" indent="0">
-              <a:buFont typeface="+mj-ea"/>
-              <a:buNone/>
-            </a:pPr>
-            <a:endParaRPr lang="zh-CN" altLang="en-US" sz="1400"/>
-          </a:p>
-          <a:p>
-            <a:pPr marL="0" indent="0">
-              <a:buFont typeface="+mj-ea"/>
-              <a:buNone/>
-            </a:pPr>
-            <a:endParaRPr lang="en-US" altLang="zh-CN" sz="1400"/>
+            <a:endParaRPr lang="en-US" altLang="zh-CN" sz="1400" dirty="0"/>
           </a:p>
         </p:txBody>
       </p:sp>
@@ -14514,13 +14473,6 @@
   <p:transition>
     <p:fade/>
   </p:transition>
-  <p:timing>
-    <p:tnLst>
-      <p:par>
-        <p:cTn id="1" dur="indefinite" restart="never" nodeType="tmRoot"/>
-      </p:par>
-    </p:tnLst>
-  </p:timing>
 </p:sld>
 </file>
 
@@ -14584,30 +14536,26 @@
           <a:lstStyle/>
           <a:p>
             <a:r>
-              <a:rPr lang="zh-CN" altLang="en-US" sz="3200" dirty="0" smtClean="0">
+              <a:rPr lang="zh-CN" altLang="en-US" sz="3200" dirty="0">
                 <a:latin typeface="微软雅黑" panose="020B0503020204020204" pitchFamily="34" charset="-122"/>
                 <a:ea typeface="微软雅黑" panose="020B0503020204020204" pitchFamily="34" charset="-122"/>
               </a:rPr>
               <a:t>资源</a:t>
             </a:r>
             <a:r>
-              <a:rPr lang="en-US" altLang="zh-CN" sz="3200" dirty="0" smtClean="0">
+              <a:rPr lang="en-US" altLang="zh-CN" sz="3200" dirty="0">
                 <a:latin typeface="微软雅黑" panose="020B0503020204020204" pitchFamily="34" charset="-122"/>
                 <a:ea typeface="微软雅黑" panose="020B0503020204020204" pitchFamily="34" charset="-122"/>
               </a:rPr>
               <a:t>&amp;</a:t>
             </a:r>
             <a:r>
-              <a:rPr lang="zh-CN" altLang="en-US" sz="3200" dirty="0" smtClean="0">
+              <a:rPr lang="zh-CN" altLang="en-US" sz="3200" dirty="0">
                 <a:latin typeface="微软雅黑" panose="020B0503020204020204" pitchFamily="34" charset="-122"/>
                 <a:ea typeface="微软雅黑" panose="020B0503020204020204" pitchFamily="34" charset="-122"/>
               </a:rPr>
               <a:t>规则</a:t>
             </a:r>
-            <a:endParaRPr lang="zh-CN" altLang="en-US" sz="3200" dirty="0" smtClean="0">
-              <a:latin typeface="微软雅黑" panose="020B0503020204020204" pitchFamily="34" charset="-122"/>
-              <a:ea typeface="微软雅黑" panose="020B0503020204020204" pitchFamily="34" charset="-122"/>
-            </a:endParaRPr>
           </a:p>
         </p:txBody>
       </p:sp>
@@ -14641,22 +14589,22 @@
               <a:buNone/>
             </a:pPr>
             <a:r>
-              <a:rPr lang="en-US" altLang="zh-CN" sz="1600" b="1" dirty="0" smtClean="0"/>
+              <a:rPr lang="en-US" altLang="zh-CN" sz="1600" b="1" dirty="0"/>
               <a:t>Sentinel</a:t>
             </a:r>
             <a:r>
-              <a:rPr lang="zh-CN" altLang="en-US" sz="1600" b="1" dirty="0" smtClean="0"/>
+              <a:rPr lang="zh-CN" altLang="en-US" sz="1600" b="1" dirty="0"/>
               <a:t>支持</a:t>
             </a:r>
             <a:r>
-              <a:rPr lang="en-US" altLang="zh-CN" sz="1600" b="1" dirty="0" smtClean="0"/>
+              <a:rPr lang="en-US" altLang="zh-CN" sz="1600" b="1" dirty="0"/>
               <a:t>3</a:t>
             </a:r>
             <a:r>
-              <a:rPr lang="zh-CN" altLang="en-US" sz="1600" b="1" dirty="0" smtClean="0"/>
+              <a:rPr lang="zh-CN" altLang="en-US" sz="1600" b="1" dirty="0"/>
               <a:t>种规则：流量控制规则、熔断降级规则以及系统保护规则。</a:t>
             </a:r>
-            <a:endParaRPr lang="zh-CN" altLang="en-US" sz="1800" b="1" dirty="0" smtClean="0"/>
+            <a:endParaRPr lang="zh-CN" altLang="en-US" sz="1800" b="1" dirty="0"/>
           </a:p>
           <a:p>
             <a:pPr marL="0" indent="0" algn="l">
@@ -14667,26 +14615,26 @@
               <a:buNone/>
             </a:pPr>
             <a:r>
-              <a:rPr lang="en-US" altLang="zh-CN" sz="1400" b="1" dirty="0" smtClean="0"/>
+              <a:rPr lang="en-US" altLang="zh-CN" sz="1400" b="1" dirty="0"/>
               <a:t>2.</a:t>
             </a:r>
             <a:r>
-              <a:rPr lang="zh-CN" altLang="en-US" sz="1400" b="1" dirty="0" smtClean="0"/>
+              <a:rPr lang="zh-CN" altLang="en-US" sz="1400" b="1" dirty="0"/>
               <a:t>熔断降级</a:t>
             </a:r>
             <a:r>
-              <a:rPr lang="zh-CN" altLang="en-US" sz="1400" b="1" dirty="0" smtClean="0">
+              <a:rPr lang="zh-CN" altLang="en-US" sz="1400" b="1" dirty="0">
                 <a:sym typeface="+mn-ea"/>
               </a:rPr>
               <a:t>规则</a:t>
             </a:r>
             <a:r>
-              <a:rPr lang="en-US" altLang="zh-CN" sz="1400" b="1" dirty="0" smtClean="0">
+              <a:rPr lang="en-US" altLang="zh-CN" sz="1400" b="1" dirty="0">
                 <a:sym typeface="+mn-ea"/>
               </a:rPr>
               <a:t>(DegradeRule) </a:t>
             </a:r>
-            <a:endParaRPr lang="en-US" altLang="zh-CN" sz="1400" dirty="0" smtClean="0">
+            <a:endParaRPr lang="en-US" altLang="zh-CN" sz="1400" dirty="0">
               <a:sym typeface="+mn-ea"/>
             </a:endParaRPr>
           </a:p>
@@ -14699,10 +14647,9 @@
               <a:buNone/>
             </a:pPr>
             <a:r>
-              <a:rPr lang="zh-CN" altLang="en-US" sz="1200" dirty="0" smtClean="0"/>
+              <a:rPr lang="zh-CN" altLang="en-US" sz="1200" dirty="0"/>
               <a:t>https://github.com/alibaba/Sentinel/wiki/%E7%86%94%E6%96%AD%E9%99%8D%E7%BA%A7</a:t>
             </a:r>
-            <a:endParaRPr lang="zh-CN" altLang="en-US" sz="1200" dirty="0" smtClean="0"/>
           </a:p>
         </p:txBody>
       </p:sp>
@@ -14715,7 +14662,7 @@
           <p:nvPr/>
         </p:nvPicPr>
         <p:blipFill>
-          <a:blip r:embed="rId1"/>
+          <a:blip r:embed="rId3"/>
           <a:stretch>
             <a:fillRect/>
           </a:stretch>
@@ -14738,13 +14685,6 @@
   <p:transition>
     <p:fade/>
   </p:transition>
-  <p:timing>
-    <p:tnLst>
-      <p:par>
-        <p:cTn id="1" dur="indefinite" restart="never" nodeType="tmRoot"/>
-      </p:par>
-    </p:tnLst>
-  </p:timing>
 </p:sld>
 </file>
 
@@ -14808,30 +14748,26 @@
           <a:lstStyle/>
           <a:p>
             <a:r>
-              <a:rPr lang="zh-CN" altLang="en-US" sz="3200" dirty="0" smtClean="0">
+              <a:rPr lang="zh-CN" altLang="en-US" sz="3200" dirty="0">
                 <a:latin typeface="微软雅黑" panose="020B0503020204020204" pitchFamily="34" charset="-122"/>
                 <a:ea typeface="微软雅黑" panose="020B0503020204020204" pitchFamily="34" charset="-122"/>
               </a:rPr>
               <a:t>资源</a:t>
             </a:r>
             <a:r>
-              <a:rPr lang="en-US" altLang="zh-CN" sz="3200" dirty="0" smtClean="0">
+              <a:rPr lang="en-US" altLang="zh-CN" sz="3200" dirty="0">
                 <a:latin typeface="微软雅黑" panose="020B0503020204020204" pitchFamily="34" charset="-122"/>
                 <a:ea typeface="微软雅黑" panose="020B0503020204020204" pitchFamily="34" charset="-122"/>
               </a:rPr>
               <a:t>&amp;</a:t>
             </a:r>
             <a:r>
-              <a:rPr lang="zh-CN" altLang="en-US" sz="3200" dirty="0" smtClean="0">
+              <a:rPr lang="zh-CN" altLang="en-US" sz="3200" dirty="0">
                 <a:latin typeface="微软雅黑" panose="020B0503020204020204" pitchFamily="34" charset="-122"/>
                 <a:ea typeface="微软雅黑" panose="020B0503020204020204" pitchFamily="34" charset="-122"/>
               </a:rPr>
               <a:t>规则</a:t>
             </a:r>
-            <a:endParaRPr lang="zh-CN" altLang="en-US" sz="3200" dirty="0" smtClean="0">
-              <a:latin typeface="微软雅黑" panose="020B0503020204020204" pitchFamily="34" charset="-122"/>
-              <a:ea typeface="微软雅黑" panose="020B0503020204020204" pitchFamily="34" charset="-122"/>
-            </a:endParaRPr>
           </a:p>
         </p:txBody>
       </p:sp>
@@ -14865,22 +14801,22 @@
               <a:buNone/>
             </a:pPr>
             <a:r>
-              <a:rPr lang="en-US" altLang="zh-CN" sz="1600" b="1" dirty="0" smtClean="0"/>
+              <a:rPr lang="en-US" altLang="zh-CN" sz="1600" b="1" dirty="0"/>
               <a:t>Sentinel</a:t>
             </a:r>
             <a:r>
-              <a:rPr lang="zh-CN" altLang="en-US" sz="1600" b="1" dirty="0" smtClean="0"/>
+              <a:rPr lang="zh-CN" altLang="en-US" sz="1600" b="1" dirty="0"/>
               <a:t>支持</a:t>
             </a:r>
             <a:r>
-              <a:rPr lang="en-US" altLang="zh-CN" sz="1600" b="1" dirty="0" smtClean="0"/>
+              <a:rPr lang="en-US" altLang="zh-CN" sz="1600" b="1" dirty="0"/>
               <a:t>3</a:t>
             </a:r>
             <a:r>
-              <a:rPr lang="zh-CN" altLang="en-US" sz="1600" b="1" dirty="0" smtClean="0"/>
+              <a:rPr lang="zh-CN" altLang="en-US" sz="1600" b="1" dirty="0"/>
               <a:t>种规则：流量控制规则、熔断降级规则以及系统保护规则。</a:t>
             </a:r>
-            <a:endParaRPr lang="zh-CN" altLang="en-US" sz="1800" b="1" dirty="0" smtClean="0"/>
+            <a:endParaRPr lang="zh-CN" altLang="en-US" sz="1800" b="1" dirty="0"/>
           </a:p>
           <a:p>
             <a:pPr marL="0" indent="0" algn="l">
@@ -14891,24 +14827,24 @@
               <a:buNone/>
             </a:pPr>
             <a:r>
-              <a:rPr lang="en-US" altLang="zh-CN" sz="1400" b="1" dirty="0" smtClean="0">
+              <a:rPr lang="en-US" altLang="zh-CN" sz="1400" b="1" dirty="0">
                 <a:sym typeface="+mn-ea"/>
               </a:rPr>
               <a:t>2.</a:t>
             </a:r>
             <a:r>
-              <a:rPr lang="zh-CN" altLang="en-US" sz="1400" b="1" dirty="0" smtClean="0">
+              <a:rPr lang="zh-CN" altLang="en-US" sz="1400" b="1" dirty="0">
                 <a:sym typeface="+mn-ea"/>
               </a:rPr>
               <a:t>熔断降级规则</a:t>
             </a:r>
             <a:r>
-              <a:rPr lang="en-US" altLang="zh-CN" sz="1400" b="1" dirty="0" smtClean="0">
+              <a:rPr lang="en-US" altLang="zh-CN" sz="1400" b="1" dirty="0">
                 <a:sym typeface="+mn-ea"/>
               </a:rPr>
               <a:t>(DegradeRule)  </a:t>
             </a:r>
-            <a:endParaRPr lang="en-US" altLang="zh-CN" sz="1400" dirty="0" smtClean="0">
+            <a:endParaRPr lang="en-US" altLang="zh-CN" sz="1400" dirty="0">
               <a:sym typeface="+mn-ea"/>
             </a:endParaRPr>
           </a:p>
@@ -14921,12 +14857,12 @@
               <a:buNone/>
             </a:pPr>
             <a:r>
-              <a:rPr lang="zh-CN" altLang="en-US" sz="1200" dirty="0" smtClean="0">
+              <a:rPr lang="zh-CN" altLang="en-US" sz="1200" dirty="0">
                 <a:sym typeface="+mn-ea"/>
               </a:rPr>
               <a:t>https://github.com/alibaba/Sentinel/wiki/%E7%86%94%E6%96%AD%E9%99%8D%E7%BA%A7</a:t>
             </a:r>
-            <a:endParaRPr lang="zh-CN" altLang="en-US" sz="1200" dirty="0" smtClean="0"/>
+            <a:endParaRPr lang="zh-CN" altLang="en-US" sz="1200" dirty="0"/>
           </a:p>
         </p:txBody>
       </p:sp>
@@ -14950,6 +14886,7 @@
           <a:bodyPr wrap="square" rtlCol="0">
             <a:spAutoFit/>
           </a:bodyPr>
+          <a:lstStyle/>
           <a:p>
             <a:pPr marL="0" indent="0">
               <a:buFont typeface="+mj-ea"/>
@@ -14959,7 +14896,6 @@
               <a:rPr lang="en-US" altLang="zh-CN" sz="1400"/>
               <a:t>熔断降级是指当资源处于不稳定的情况下，在接下来的时间窗口之内，对该资源的调用都自动熔断。</a:t>
             </a:r>
-            <a:endParaRPr lang="en-US" altLang="zh-CN" sz="1400"/>
           </a:p>
           <a:p>
             <a:pPr marL="0" indent="0">
@@ -15003,7 +14939,6 @@
               <a:rPr lang="zh-CN" altLang="en-US" sz="1400"/>
               <a:t>属性 </a:t>
             </a:r>
-            <a:endParaRPr lang="zh-CN" altLang="en-US" sz="1400"/>
           </a:p>
           <a:p>
             <a:pPr marL="0" indent="0">
@@ -15018,7 +14953,6 @@
               <a:rPr lang="en-US" altLang="zh-CN" sz="1400"/>
               <a:t>public static final int DEGRADE_GRADE_RT = 0;</a:t>
             </a:r>
-            <a:endParaRPr lang="en-US" altLang="zh-CN" sz="1400"/>
           </a:p>
           <a:p>
             <a:pPr marL="0" indent="0">
@@ -15062,7 +14996,6 @@
               <a:rPr lang="en-US" altLang="zh-CN" sz="1400"/>
               <a:t>public static final int DEGRADE_GRADE_EXCEPTION = 1;</a:t>
             </a:r>
-            <a:endParaRPr lang="en-US" altLang="zh-CN" sz="1400"/>
           </a:p>
           <a:p>
             <a:pPr marL="0" indent="0">
@@ -15099,13 +15032,6 @@
   <p:transition>
     <p:fade/>
   </p:transition>
-  <p:timing>
-    <p:tnLst>
-      <p:par>
-        <p:cTn id="1" dur="indefinite" restart="never" nodeType="tmRoot"/>
-      </p:par>
-    </p:tnLst>
-  </p:timing>
 </p:sld>
 </file>
 
@@ -15169,30 +15095,26 @@
           <a:lstStyle/>
           <a:p>
             <a:r>
-              <a:rPr lang="zh-CN" altLang="en-US" sz="3200" dirty="0" smtClean="0">
+              <a:rPr lang="zh-CN" altLang="en-US" sz="3200" dirty="0">
                 <a:latin typeface="微软雅黑" panose="020B0503020204020204" pitchFamily="34" charset="-122"/>
                 <a:ea typeface="微软雅黑" panose="020B0503020204020204" pitchFamily="34" charset="-122"/>
               </a:rPr>
               <a:t>资源</a:t>
             </a:r>
             <a:r>
-              <a:rPr lang="en-US" altLang="zh-CN" sz="3200" dirty="0" smtClean="0">
+              <a:rPr lang="en-US" altLang="zh-CN" sz="3200" dirty="0">
                 <a:latin typeface="微软雅黑" panose="020B0503020204020204" pitchFamily="34" charset="-122"/>
                 <a:ea typeface="微软雅黑" panose="020B0503020204020204" pitchFamily="34" charset="-122"/>
               </a:rPr>
               <a:t>&amp;</a:t>
             </a:r>
             <a:r>
-              <a:rPr lang="zh-CN" altLang="en-US" sz="3200" dirty="0" smtClean="0">
+              <a:rPr lang="zh-CN" altLang="en-US" sz="3200" dirty="0">
                 <a:latin typeface="微软雅黑" panose="020B0503020204020204" pitchFamily="34" charset="-122"/>
                 <a:ea typeface="微软雅黑" panose="020B0503020204020204" pitchFamily="34" charset="-122"/>
               </a:rPr>
               <a:t>规则</a:t>
             </a:r>
-            <a:endParaRPr lang="zh-CN" altLang="en-US" sz="3200" dirty="0" smtClean="0">
-              <a:latin typeface="微软雅黑" panose="020B0503020204020204" pitchFamily="34" charset="-122"/>
-              <a:ea typeface="微软雅黑" panose="020B0503020204020204" pitchFamily="34" charset="-122"/>
-            </a:endParaRPr>
           </a:p>
         </p:txBody>
       </p:sp>
@@ -15226,22 +15148,22 @@
               <a:buNone/>
             </a:pPr>
             <a:r>
-              <a:rPr lang="en-US" altLang="zh-CN" sz="1600" b="1" dirty="0" smtClean="0"/>
+              <a:rPr lang="en-US" altLang="zh-CN" sz="1600" b="1" dirty="0"/>
               <a:t>Sentinel</a:t>
             </a:r>
             <a:r>
-              <a:rPr lang="zh-CN" altLang="en-US" sz="1600" b="1" dirty="0" smtClean="0"/>
+              <a:rPr lang="zh-CN" altLang="en-US" sz="1600" b="1" dirty="0"/>
               <a:t>支持</a:t>
             </a:r>
             <a:r>
-              <a:rPr lang="en-US" altLang="zh-CN" sz="1600" b="1" dirty="0" smtClean="0"/>
+              <a:rPr lang="en-US" altLang="zh-CN" sz="1600" b="1" dirty="0"/>
               <a:t>3</a:t>
             </a:r>
             <a:r>
-              <a:rPr lang="zh-CN" altLang="en-US" sz="1600" b="1" dirty="0" smtClean="0"/>
+              <a:rPr lang="zh-CN" altLang="en-US" sz="1600" b="1" dirty="0"/>
               <a:t>种规则：流量控制规则、熔断降级规则以及系统保护规则。</a:t>
             </a:r>
-            <a:endParaRPr lang="zh-CN" altLang="en-US" sz="1800" b="1" dirty="0" smtClean="0"/>
+            <a:endParaRPr lang="zh-CN" altLang="en-US" sz="1800" b="1" dirty="0"/>
           </a:p>
           <a:p>
             <a:pPr marL="0" indent="0" algn="l">
@@ -15252,22 +15174,22 @@
               <a:buNone/>
             </a:pPr>
             <a:r>
-              <a:rPr lang="en-US" altLang="zh-CN" sz="1400" b="1" dirty="0" smtClean="0"/>
+              <a:rPr lang="en-US" altLang="zh-CN" sz="1400" b="1" dirty="0"/>
               <a:t>3.系统保护</a:t>
             </a:r>
             <a:r>
-              <a:rPr lang="zh-CN" altLang="en-US" sz="1400" b="1" dirty="0" smtClean="0">
+              <a:rPr lang="zh-CN" altLang="en-US" sz="1400" b="1" dirty="0">
                 <a:sym typeface="+mn-ea"/>
               </a:rPr>
               <a:t>规则</a:t>
             </a:r>
             <a:r>
-              <a:rPr lang="en-US" altLang="zh-CN" sz="1400" b="1" dirty="0" smtClean="0">
+              <a:rPr lang="en-US" altLang="zh-CN" sz="1400" b="1" dirty="0">
                 <a:sym typeface="+mn-ea"/>
               </a:rPr>
               <a:t>(SystemRule) </a:t>
             </a:r>
-            <a:endParaRPr lang="en-US" altLang="zh-CN" sz="1400" dirty="0" smtClean="0">
+            <a:endParaRPr lang="en-US" altLang="zh-CN" sz="1400" dirty="0">
               <a:sym typeface="+mn-ea"/>
             </a:endParaRPr>
           </a:p>
@@ -15280,10 +15202,9 @@
               <a:buNone/>
             </a:pPr>
             <a:r>
-              <a:rPr lang="zh-CN" altLang="en-US" sz="1200" dirty="0" smtClean="0"/>
+              <a:rPr lang="zh-CN" altLang="en-US" sz="1200" dirty="0"/>
               <a:t>https://github.com/alibaba/Sentinel/wiki/%E7%B3%BB%E7%BB%9F%E8%B4%9F%E8%BD%BD%E4%BF%9D%E6%8A%A4</a:t>
             </a:r>
-            <a:endParaRPr lang="zh-CN" altLang="en-US" sz="1200" dirty="0" smtClean="0"/>
           </a:p>
         </p:txBody>
       </p:sp>
@@ -15296,7 +15217,7 @@
           <p:nvPr/>
         </p:nvPicPr>
         <p:blipFill>
-          <a:blip r:embed="rId1"/>
+          <a:blip r:embed="rId3"/>
           <a:stretch>
             <a:fillRect/>
           </a:stretch>
@@ -15331,6 +15252,7 @@
           <a:bodyPr wrap="square" rtlCol="0">
             <a:spAutoFit/>
           </a:bodyPr>
+          <a:lstStyle/>
           <a:p>
             <a:pPr marL="0" indent="0">
               <a:buFont typeface="Wingdings" panose="05000000000000000000" charset="0"/>
@@ -15340,7 +15262,6 @@
               <a:rPr lang="zh-CN" altLang="en-US" sz="1400"/>
               <a:t>系统负载保护的目的：</a:t>
             </a:r>
-            <a:endParaRPr lang="zh-CN" altLang="en-US" sz="1400"/>
           </a:p>
           <a:p>
             <a:pPr marL="285750" indent="-285750">
@@ -15351,7 +15272,6 @@
               <a:rPr lang="zh-CN" altLang="en-US" sz="1400"/>
               <a:t>保证系统不被拖垮</a:t>
             </a:r>
-            <a:endParaRPr lang="zh-CN" altLang="en-US" sz="1400"/>
           </a:p>
           <a:p>
             <a:pPr marL="285750" indent="-285750">
@@ -15362,7 +15282,6 @@
               <a:rPr lang="zh-CN" altLang="en-US" sz="1400"/>
               <a:t>在系统稳定的前提下，保持系统的吞吐量</a:t>
             </a:r>
-            <a:endParaRPr lang="zh-CN" altLang="en-US" sz="1400"/>
           </a:p>
         </p:txBody>
       </p:sp>
@@ -15374,13 +15293,6 @@
   <p:transition>
     <p:fade/>
   </p:transition>
-  <p:timing>
-    <p:tnLst>
-      <p:par>
-        <p:cTn id="1" dur="indefinite" restart="never" nodeType="tmRoot"/>
-      </p:par>
-    </p:tnLst>
-  </p:timing>
 </p:sld>
 </file>
 
@@ -15444,30 +15356,26 @@
           <a:lstStyle/>
           <a:p>
             <a:r>
-              <a:rPr lang="zh-CN" altLang="en-US" sz="3200" dirty="0" smtClean="0">
+              <a:rPr lang="zh-CN" altLang="en-US" sz="3200" dirty="0">
                 <a:latin typeface="微软雅黑" panose="020B0503020204020204" pitchFamily="34" charset="-122"/>
                 <a:ea typeface="微软雅黑" panose="020B0503020204020204" pitchFamily="34" charset="-122"/>
               </a:rPr>
               <a:t>资源</a:t>
             </a:r>
             <a:r>
-              <a:rPr lang="en-US" altLang="zh-CN" sz="3200" dirty="0" smtClean="0">
+              <a:rPr lang="en-US" altLang="zh-CN" sz="3200" dirty="0">
                 <a:latin typeface="微软雅黑" panose="020B0503020204020204" pitchFamily="34" charset="-122"/>
                 <a:ea typeface="微软雅黑" panose="020B0503020204020204" pitchFamily="34" charset="-122"/>
               </a:rPr>
               <a:t>&amp;</a:t>
             </a:r>
             <a:r>
-              <a:rPr lang="zh-CN" altLang="en-US" sz="3200" dirty="0" smtClean="0">
+              <a:rPr lang="zh-CN" altLang="en-US" sz="3200" dirty="0">
                 <a:latin typeface="微软雅黑" panose="020B0503020204020204" pitchFamily="34" charset="-122"/>
                 <a:ea typeface="微软雅黑" panose="020B0503020204020204" pitchFamily="34" charset="-122"/>
               </a:rPr>
               <a:t>规则</a:t>
             </a:r>
-            <a:endParaRPr lang="zh-CN" altLang="en-US" sz="3200" dirty="0" smtClean="0">
-              <a:latin typeface="微软雅黑" panose="020B0503020204020204" pitchFamily="34" charset="-122"/>
-              <a:ea typeface="微软雅黑" panose="020B0503020204020204" pitchFamily="34" charset="-122"/>
-            </a:endParaRPr>
           </a:p>
         </p:txBody>
       </p:sp>
@@ -15501,22 +15409,22 @@
               <a:buNone/>
             </a:pPr>
             <a:r>
-              <a:rPr lang="en-US" altLang="zh-CN" sz="1600" b="1" dirty="0" smtClean="0"/>
+              <a:rPr lang="en-US" altLang="zh-CN" sz="1600" b="1" dirty="0"/>
               <a:t>Sentinel</a:t>
             </a:r>
             <a:r>
-              <a:rPr lang="zh-CN" altLang="en-US" sz="1600" b="1" dirty="0" smtClean="0"/>
+              <a:rPr lang="zh-CN" altLang="en-US" sz="1600" b="1" dirty="0"/>
               <a:t>支持</a:t>
             </a:r>
             <a:r>
-              <a:rPr lang="en-US" altLang="zh-CN" sz="1600" b="1" dirty="0" smtClean="0"/>
+              <a:rPr lang="en-US" altLang="zh-CN" sz="1600" b="1" dirty="0"/>
               <a:t>3</a:t>
             </a:r>
             <a:r>
-              <a:rPr lang="zh-CN" altLang="en-US" sz="1600" b="1" dirty="0" smtClean="0"/>
+              <a:rPr lang="zh-CN" altLang="en-US" sz="1600" b="1" dirty="0"/>
               <a:t>种规则：流量控制规则、熔断降级规则以及系统保护规则。</a:t>
             </a:r>
-            <a:endParaRPr lang="zh-CN" altLang="en-US" sz="1800" b="1" dirty="0" smtClean="0"/>
+            <a:endParaRPr lang="zh-CN" altLang="en-US" sz="1800" b="1" dirty="0"/>
           </a:p>
           <a:p>
             <a:pPr marL="0" indent="0" algn="l">
@@ -15527,22 +15435,22 @@
               <a:buNone/>
             </a:pPr>
             <a:r>
-              <a:rPr lang="en-US" altLang="zh-CN" sz="1400" b="1" dirty="0" smtClean="0"/>
+              <a:rPr lang="en-US" altLang="zh-CN" sz="1400" b="1" dirty="0"/>
               <a:t>3.系统保护</a:t>
             </a:r>
             <a:r>
-              <a:rPr lang="zh-CN" altLang="en-US" sz="1400" b="1" dirty="0" smtClean="0">
+              <a:rPr lang="zh-CN" altLang="en-US" sz="1400" b="1" dirty="0">
                 <a:sym typeface="+mn-ea"/>
               </a:rPr>
               <a:t>规则</a:t>
             </a:r>
             <a:r>
-              <a:rPr lang="en-US" altLang="zh-CN" sz="1400" b="1" dirty="0" smtClean="0">
+              <a:rPr lang="en-US" altLang="zh-CN" sz="1400" b="1" dirty="0">
                 <a:sym typeface="+mn-ea"/>
               </a:rPr>
               <a:t>(SystemRule) </a:t>
             </a:r>
-            <a:endParaRPr lang="en-US" altLang="zh-CN" sz="1400" dirty="0" smtClean="0">
+            <a:endParaRPr lang="en-US" altLang="zh-CN" sz="1400" dirty="0">
               <a:sym typeface="+mn-ea"/>
             </a:endParaRPr>
           </a:p>
@@ -15555,10 +15463,9 @@
               <a:buNone/>
             </a:pPr>
             <a:r>
-              <a:rPr lang="zh-CN" altLang="en-US" sz="1200" dirty="0" smtClean="0"/>
+              <a:rPr lang="zh-CN" altLang="en-US" sz="1200" dirty="0"/>
               <a:t>https://github.com/alibaba/Sentinel/wiki/%E7%B3%BB%E7%BB%9F%E8%B4%9F%E8%BD%BD%E4%BF%9D%E6%8A%A4</a:t>
             </a:r>
-            <a:endParaRPr lang="zh-CN" altLang="en-US" sz="1200" dirty="0" smtClean="0"/>
           </a:p>
         </p:txBody>
       </p:sp>
@@ -15582,12 +15489,12 @@
           <a:bodyPr wrap="square" rtlCol="0">
             <a:spAutoFit/>
           </a:bodyPr>
+          <a:lstStyle/>
           <a:p>
             <a:r>
               <a:rPr lang="zh-CN" altLang="en-US" sz="1400"/>
               <a:t>建议阈值的设定是CPU核数*2.5</a:t>
             </a:r>
-            <a:endParaRPr lang="zh-CN" altLang="en-US" sz="1400"/>
           </a:p>
         </p:txBody>
       </p:sp>
@@ -15600,7 +15507,7 @@
           <p:nvPr/>
         </p:nvPicPr>
         <p:blipFill>
-          <a:blip r:embed="rId1"/>
+          <a:blip r:embed="rId3"/>
           <a:stretch>
             <a:fillRect/>
           </a:stretch>
@@ -15623,13 +15530,6 @@
   <p:transition>
     <p:fade/>
   </p:transition>
-  <p:timing>
-    <p:tnLst>
-      <p:par>
-        <p:cTn id="1" dur="indefinite" restart="never" nodeType="tmRoot"/>
-      </p:par>
-    </p:tnLst>
-  </p:timing>
 </p:sld>
 </file>
 
@@ -15693,23 +15593,19 @@
           <a:lstStyle/>
           <a:p>
             <a:r>
-              <a:rPr lang="en-US" altLang="zh-CN" sz="3200" dirty="0" smtClean="0">
+              <a:rPr lang="en-US" altLang="zh-CN" sz="3200" dirty="0">
                 <a:latin typeface="微软雅黑" panose="020B0503020204020204" pitchFamily="34" charset="-122"/>
                 <a:ea typeface="微软雅黑" panose="020B0503020204020204" pitchFamily="34" charset="-122"/>
               </a:rPr>
               <a:t>sentinel</a:t>
             </a:r>
             <a:r>
-              <a:rPr lang="zh-CN" sz="3200" dirty="0" smtClean="0">
+              <a:rPr lang="zh-CN" sz="3200" dirty="0">
                 <a:latin typeface="微软雅黑" panose="020B0503020204020204" pitchFamily="34" charset="-122"/>
                 <a:ea typeface="微软雅黑" panose="020B0503020204020204" pitchFamily="34" charset="-122"/>
               </a:rPr>
               <a:t>控制台</a:t>
             </a:r>
-            <a:endParaRPr lang="zh-CN" sz="3200" dirty="0" smtClean="0">
-              <a:latin typeface="微软雅黑" panose="020B0503020204020204" pitchFamily="34" charset="-122"/>
-              <a:ea typeface="微软雅黑" panose="020B0503020204020204" pitchFamily="34" charset="-122"/>
-            </a:endParaRPr>
           </a:p>
         </p:txBody>
       </p:sp>
@@ -15733,6 +15629,7 @@
           <a:bodyPr wrap="square" rtlCol="0">
             <a:spAutoFit/>
           </a:bodyPr>
+          <a:lstStyle/>
           <a:p>
             <a:r>
               <a:rPr lang="en-US" altLang="zh-CN" sz="1200"/>
@@ -15746,7 +15643,6 @@
               <a:rPr lang="en-US" altLang="zh-CN" sz="1200"/>
               <a:t>(sentinel-dashboard)</a:t>
             </a:r>
-            <a:endParaRPr lang="en-US" altLang="zh-CN" sz="1200"/>
           </a:p>
           <a:p>
             <a:r>
@@ -15757,7 +15653,6 @@
               <a:rPr lang="zh-CN" altLang="en-US" sz="1200"/>
               <a:t>： https://github.com/alibaba/Sentinel/wiki/%E6%8E%A7%E5%88%B6%E5%8F%B0</a:t>
             </a:r>
-            <a:endParaRPr lang="zh-CN" altLang="en-US" sz="1200"/>
           </a:p>
           <a:p>
             <a:endParaRPr lang="zh-CN" altLang="en-US" sz="1200"/>
@@ -15787,7 +15682,7 @@
           <p:nvPr/>
         </p:nvPicPr>
         <p:blipFill>
-          <a:blip r:embed="rId1"/>
+          <a:blip r:embed="rId3"/>
           <a:stretch>
             <a:fillRect/>
           </a:stretch>
@@ -15810,13 +15705,6 @@
   <p:transition>
     <p:fade/>
   </p:transition>
-  <p:timing>
-    <p:tnLst>
-      <p:par>
-        <p:cTn id="1" dur="indefinite" restart="never" nodeType="tmRoot"/>
-      </p:par>
-    </p:tnLst>
-  </p:timing>
 </p:sld>
 </file>
 
@@ -15880,23 +15768,19 @@
           <a:lstStyle/>
           <a:p>
             <a:r>
-              <a:rPr lang="en-US" altLang="zh-CN" sz="3200" dirty="0" smtClean="0">
+              <a:rPr lang="en-US" altLang="zh-CN" sz="3200" dirty="0">
                 <a:latin typeface="微软雅黑" panose="020B0503020204020204" pitchFamily="34" charset="-122"/>
                 <a:ea typeface="微软雅黑" panose="020B0503020204020204" pitchFamily="34" charset="-122"/>
               </a:rPr>
               <a:t>sentinel</a:t>
             </a:r>
             <a:r>
-              <a:rPr lang="zh-CN" sz="3200" dirty="0" smtClean="0">
+              <a:rPr lang="zh-CN" sz="3200" dirty="0">
                 <a:latin typeface="微软雅黑" panose="020B0503020204020204" pitchFamily="34" charset="-122"/>
                 <a:ea typeface="微软雅黑" panose="020B0503020204020204" pitchFamily="34" charset="-122"/>
               </a:rPr>
               <a:t>控制台</a:t>
             </a:r>
-            <a:endParaRPr lang="zh-CN" sz="3200" dirty="0" smtClean="0">
-              <a:latin typeface="微软雅黑" panose="020B0503020204020204" pitchFamily="34" charset="-122"/>
-              <a:ea typeface="微软雅黑" panose="020B0503020204020204" pitchFamily="34" charset="-122"/>
-            </a:endParaRPr>
           </a:p>
         </p:txBody>
       </p:sp>
@@ -15920,6 +15804,7 @@
           <a:bodyPr wrap="square" rtlCol="0">
             <a:spAutoFit/>
           </a:bodyPr>
+          <a:lstStyle/>
           <a:p>
             <a:r>
               <a:rPr lang="zh-CN" altLang="en-US" sz="1600"/>
@@ -15929,7 +15814,6 @@
               <a:rPr lang="zh-CN" altLang="en-US" sz="1200"/>
               <a:t>：</a:t>
             </a:r>
-            <a:endParaRPr lang="zh-CN" altLang="en-US" sz="1200"/>
           </a:p>
           <a:p>
             <a:endParaRPr lang="zh-CN" altLang="en-US" sz="1400"/>
@@ -16060,7 +15944,6 @@
               <a:rPr lang="zh-CN" altLang="en-US" sz="1400"/>
               <a:t>的增删改查</a:t>
             </a:r>
-            <a:endParaRPr lang="zh-CN" altLang="en-US" sz="1400"/>
           </a:p>
           <a:p>
             <a:pPr marL="228600" indent="-228600">
@@ -16093,7 +15976,6 @@
               <a:rPr lang="zh-CN" altLang="en-US" sz="1400"/>
               <a:t>的增删改查</a:t>
             </a:r>
-            <a:endParaRPr lang="zh-CN" altLang="en-US" sz="1400"/>
           </a:p>
           <a:p>
             <a:pPr marL="228600" indent="-228600">
@@ -16118,7 +16000,6 @@
               <a:rPr lang="zh-CN" altLang="en-US" sz="1400"/>
               <a:t>提供机器自发现功能，方便查看集群机器数量和机器健康状况</a:t>
             </a:r>
-            <a:endParaRPr lang="zh-CN" altLang="en-US" sz="1400"/>
           </a:p>
           <a:p>
             <a:r>
@@ -16178,7 +16059,6 @@
               <a:rPr lang="en-US" altLang="zh-CN" sz="1200"/>
               <a:t>      </a:t>
             </a:r>
-            <a:endParaRPr lang="en-US" altLang="zh-CN" sz="1200"/>
           </a:p>
           <a:p>
             <a:r>
@@ -16217,14 +16097,12 @@
               <a:rPr lang="zh-CN" altLang="en-US" sz="1200"/>
               <a:t>个节点，各节点的规则是分开配置的；</a:t>
             </a:r>
-            <a:endParaRPr lang="zh-CN" altLang="en-US" sz="1200"/>
           </a:p>
           <a:p>
             <a:r>
               <a:rPr lang="zh-CN" altLang="en-US" sz="1200"/>
               <a:t>      集群限流、全局规则目前暂不支持，见后续版本 https://github.com/alibaba/Sentinel/wiki/Roadmap。</a:t>
             </a:r>
-            <a:endParaRPr lang="zh-CN" altLang="en-US" sz="1200"/>
           </a:p>
         </p:txBody>
       </p:sp>
@@ -16236,13 +16114,6 @@
   <p:transition>
     <p:fade/>
   </p:transition>
-  <p:timing>
-    <p:tnLst>
-      <p:par>
-        <p:cTn id="1" dur="indefinite" restart="never" nodeType="tmRoot"/>
-      </p:par>
-    </p:tnLst>
-  </p:timing>
 </p:sld>
 </file>
 
@@ -16255,7 +16126,14 @@
         <p:cNvGrpSpPr/>
         <p:nvPr/>
       </p:nvGrpSpPr>
-      <p:grpSpPr/>
+      <p:grpSpPr>
+        <a:xfrm>
+          <a:off x="0" y="0"/>
+          <a:ext cx="0" cy="0"/>
+          <a:chOff x="0" y="0"/>
+          <a:chExt cx="0" cy="0"/>
+        </a:xfrm>
+      </p:grpSpPr>
       <p:sp>
         <p:nvSpPr>
           <p:cNvPr id="2" name="标题 1"/>
@@ -16269,6 +16147,7 @@
         <p:spPr/>
         <p:txBody>
           <a:bodyPr/>
+          <a:lstStyle/>
           <a:p>
             <a:endParaRPr lang="zh-CN" altLang="en-US"/>
           </a:p>
@@ -16484,7 +16363,7 @@
               </a:spcBef>
             </a:pPr>
             <a:r>
-              <a:rPr lang="zh-CN" altLang="en-US" sz="1800" dirty="0" smtClean="0">
+              <a:rPr lang="zh-CN" altLang="en-US" sz="1800" dirty="0">
                 <a:latin typeface="黑体" panose="02010609060101010101" pitchFamily="49" charset="-122"/>
                 <a:ea typeface="黑体" panose="02010609060101010101" pitchFamily="49" charset="-122"/>
                 <a:cs typeface="黑体" panose="02010609060101010101" pitchFamily="49" charset="-122"/>
@@ -16492,7 +16371,7 @@
               </a:rPr>
               <a:t>简介</a:t>
             </a:r>
-            <a:endParaRPr lang="zh-CN" altLang="en-US" sz="1800" dirty="0" smtClean="0">
+            <a:endParaRPr lang="zh-CN" altLang="en-US" sz="1800" dirty="0">
               <a:latin typeface="黑体" panose="02010609060101010101" pitchFamily="49" charset="-122"/>
               <a:ea typeface="黑体" panose="02010609060101010101" pitchFamily="49" charset="-122"/>
               <a:cs typeface="黑体" panose="02010609060101010101" pitchFamily="49" charset="-122"/>
@@ -16505,14 +16384,14 @@
               </a:spcBef>
             </a:pPr>
             <a:r>
-              <a:rPr lang="en-US" altLang="zh-CN" sz="1800" dirty="0" smtClean="0">
+              <a:rPr lang="en-US" altLang="zh-CN" sz="1800" dirty="0">
                 <a:latin typeface="黑体" panose="02010609060101010101" pitchFamily="49" charset="-122"/>
                 <a:ea typeface="黑体" panose="02010609060101010101" pitchFamily="49" charset="-122"/>
                 <a:cs typeface="黑体" panose="02010609060101010101" pitchFamily="49" charset="-122"/>
               </a:rPr>
               <a:t>hello world</a:t>
             </a:r>
-            <a:endParaRPr lang="zh-CN" altLang="en-US" sz="1800" dirty="0" smtClean="0">
+            <a:endParaRPr lang="zh-CN" altLang="en-US" sz="1800" dirty="0">
               <a:latin typeface="黑体" panose="02010609060101010101" pitchFamily="49" charset="-122"/>
               <a:ea typeface="黑体" panose="02010609060101010101" pitchFamily="49" charset="-122"/>
               <a:cs typeface="黑体" panose="02010609060101010101" pitchFamily="49" charset="-122"/>
@@ -16525,7 +16404,7 @@
               </a:spcBef>
             </a:pPr>
             <a:r>
-              <a:rPr lang="zh-CN" altLang="en-US" sz="1800" dirty="0" smtClean="0">
+              <a:rPr lang="zh-CN" altLang="en-US" sz="1800" dirty="0">
                 <a:latin typeface="黑体" panose="02010609060101010101" pitchFamily="49" charset="-122"/>
                 <a:ea typeface="黑体" panose="02010609060101010101" pitchFamily="49" charset="-122"/>
                 <a:cs typeface="黑体" panose="02010609060101010101" pitchFamily="49" charset="-122"/>
@@ -16533,7 +16412,7 @@
               <a:t>基本概念</a:t>
             </a:r>
             <a:r>
-              <a:rPr lang="en-US" altLang="zh-CN" sz="1800" dirty="0" smtClean="0">
+              <a:rPr lang="en-US" altLang="zh-CN" sz="1800" dirty="0">
                 <a:latin typeface="黑体" panose="02010609060101010101" pitchFamily="49" charset="-122"/>
                 <a:ea typeface="黑体" panose="02010609060101010101" pitchFamily="49" charset="-122"/>
                 <a:cs typeface="黑体" panose="02010609060101010101" pitchFamily="49" charset="-122"/>
@@ -16541,14 +16420,68 @@
               <a:t>&amp;</a:t>
             </a:r>
             <a:r>
-              <a:rPr lang="zh-CN" altLang="en-US" sz="1800" dirty="0" smtClean="0">
+              <a:rPr lang="zh-CN" altLang="en-US" sz="1800" dirty="0">
                 <a:latin typeface="黑体" panose="02010609060101010101" pitchFamily="49" charset="-122"/>
                 <a:ea typeface="黑体" panose="02010609060101010101" pitchFamily="49" charset="-122"/>
                 <a:cs typeface="黑体" panose="02010609060101010101" pitchFamily="49" charset="-122"/>
               </a:rPr>
               <a:t>工作流程</a:t>
             </a:r>
-            <a:endParaRPr lang="zh-CN" altLang="en-US" sz="1800" dirty="0" smtClean="0">
+          </a:p>
+          <a:p>
+            <a:pPr marL="0" indent="-234315" latinLnBrk="0">
+              <a:spcBef>
+                <a:spcPts val="1400"/>
+              </a:spcBef>
+            </a:pPr>
+            <a:r>
+              <a:rPr lang="zh-CN" altLang="en-US" sz="1800" dirty="0">
+                <a:latin typeface="黑体" panose="02010609060101010101" pitchFamily="49" charset="-122"/>
+                <a:ea typeface="黑体" panose="02010609060101010101" pitchFamily="49" charset="-122"/>
+                <a:cs typeface="黑体" panose="02010609060101010101" pitchFamily="49" charset="-122"/>
+              </a:rPr>
+              <a:t>资源</a:t>
+            </a:r>
+            <a:r>
+              <a:rPr lang="en-US" altLang="zh-CN" sz="1800" dirty="0">
+                <a:latin typeface="黑体" panose="02010609060101010101" pitchFamily="49" charset="-122"/>
+                <a:ea typeface="黑体" panose="02010609060101010101" pitchFamily="49" charset="-122"/>
+                <a:cs typeface="黑体" panose="02010609060101010101" pitchFamily="49" charset="-122"/>
+              </a:rPr>
+              <a:t>&amp;</a:t>
+            </a:r>
+            <a:r>
+              <a:rPr lang="zh-CN" altLang="en-US" sz="1800" dirty="0">
+                <a:latin typeface="黑体" panose="02010609060101010101" pitchFamily="49" charset="-122"/>
+                <a:ea typeface="黑体" panose="02010609060101010101" pitchFamily="49" charset="-122"/>
+                <a:cs typeface="黑体" panose="02010609060101010101" pitchFamily="49" charset="-122"/>
+              </a:rPr>
+              <a:t>规则</a:t>
+            </a:r>
+          </a:p>
+          <a:p>
+            <a:pPr marL="0" indent="-234315" latinLnBrk="0">
+              <a:spcBef>
+                <a:spcPts val="1400"/>
+              </a:spcBef>
+            </a:pPr>
+            <a:r>
+              <a:rPr lang="en-US" altLang="zh-CN" sz="1800" dirty="0">
+                <a:latin typeface="黑体" panose="02010609060101010101" pitchFamily="49" charset="-122"/>
+                <a:ea typeface="黑体" panose="02010609060101010101" pitchFamily="49" charset="-122"/>
+                <a:cs typeface="黑体" panose="02010609060101010101" pitchFamily="49" charset="-122"/>
+              </a:rPr>
+              <a:t>sentinel</a:t>
+            </a:r>
+            <a:r>
+              <a:rPr lang="zh-CN" altLang="en-US" sz="1800" dirty="0">
+                <a:latin typeface="黑体" panose="02010609060101010101" pitchFamily="49" charset="-122"/>
+                <a:ea typeface="黑体" panose="02010609060101010101" pitchFamily="49" charset="-122"/>
+                <a:cs typeface="黑体" panose="02010609060101010101" pitchFamily="49" charset="-122"/>
+              </a:rPr>
+              <a:t>控制台</a:t>
+            </a:r>
+            <a:endParaRPr lang="en-US" altLang="zh-CN" sz="1200" dirty="0">
               <a:latin typeface="黑体" panose="02010609060101010101" pitchFamily="49" charset="-122"/>
               <a:ea typeface="黑体" panose="02010609060101010101" pitchFamily="49" charset="-122"/>
               <a:cs typeface="黑体" panose="02010609060101010101" pitchFamily="49" charset="-122"/>
@@ -16561,30 +16494,22 @@
               </a:spcBef>
             </a:pPr>
             <a:r>
-              <a:rPr lang="zh-CN" altLang="en-US" sz="1800" dirty="0" smtClean="0">
+              <a:rPr lang="en-US" altLang="zh-CN" sz="1800" dirty="0">
                 <a:latin typeface="黑体" panose="02010609060101010101" pitchFamily="49" charset="-122"/>
                 <a:ea typeface="黑体" panose="02010609060101010101" pitchFamily="49" charset="-122"/>
                 <a:cs typeface="黑体" panose="02010609060101010101" pitchFamily="49" charset="-122"/>
               </a:rPr>
-              <a:t>资源</a:t>
-            </a:r>
-            <a:r>
-              <a:rPr lang="en-US" altLang="zh-CN" sz="1800" dirty="0" smtClean="0">
+              <a:t>sentinel-support</a:t>
+            </a:r>
+            <a:r>
+              <a:rPr lang="zh-CN" altLang="en-US" sz="1800" dirty="0">
                 <a:latin typeface="黑体" panose="02010609060101010101" pitchFamily="49" charset="-122"/>
                 <a:ea typeface="黑体" panose="02010609060101010101" pitchFamily="49" charset="-122"/>
                 <a:cs typeface="黑体" panose="02010609060101010101" pitchFamily="49" charset="-122"/>
               </a:rPr>
-              <a:t>&amp;</a:t>
-            </a:r>
-            <a:r>
-              <a:rPr lang="zh-CN" altLang="en-US" sz="1800" dirty="0" smtClean="0">
-                <a:latin typeface="黑体" panose="02010609060101010101" pitchFamily="49" charset="-122"/>
-                <a:ea typeface="黑体" panose="02010609060101010101" pitchFamily="49" charset="-122"/>
-                <a:cs typeface="黑体" panose="02010609060101010101" pitchFamily="49" charset="-122"/>
-              </a:rPr>
-              <a:t>规则</a:t>
-            </a:r>
-            <a:endParaRPr lang="zh-CN" altLang="en-US" sz="1800" dirty="0" smtClean="0">
+              <a:t>工程</a:t>
+            </a:r>
+            <a:endParaRPr lang="en-US" altLang="zh-CN" sz="1800" dirty="0">
               <a:latin typeface="黑体" panose="02010609060101010101" pitchFamily="49" charset="-122"/>
               <a:ea typeface="黑体" panose="02010609060101010101" pitchFamily="49" charset="-122"/>
               <a:cs typeface="黑体" panose="02010609060101010101" pitchFamily="49" charset="-122"/>
@@ -16597,22 +16522,14 @@
               </a:spcBef>
             </a:pPr>
             <a:r>
-              <a:rPr lang="en-US" altLang="zh-CN" sz="1800" dirty="0" smtClean="0">
+              <a:rPr lang="en-US" altLang="zh-CN" sz="1800" dirty="0">
                 <a:latin typeface="黑体" panose="02010609060101010101" pitchFamily="49" charset="-122"/>
                 <a:ea typeface="黑体" panose="02010609060101010101" pitchFamily="49" charset="-122"/>
                 <a:cs typeface="黑体" panose="02010609060101010101" pitchFamily="49" charset="-122"/>
               </a:rPr>
-              <a:t>sentinel</a:t>
-            </a:r>
-            <a:r>
-              <a:rPr lang="zh-CN" altLang="en-US" sz="1800" dirty="0" smtClean="0">
-                <a:latin typeface="黑体" panose="02010609060101010101" pitchFamily="49" charset="-122"/>
-                <a:ea typeface="黑体" panose="02010609060101010101" pitchFamily="49" charset="-122"/>
-                <a:cs typeface="黑体" panose="02010609060101010101" pitchFamily="49" charset="-122"/>
-              </a:rPr>
-              <a:t>控制台</a:t>
-            </a:r>
-            <a:endParaRPr lang="en-US" altLang="zh-CN" sz="1200" dirty="0" smtClean="0">
+              <a:t>TODO LIST</a:t>
+            </a:r>
+            <a:endParaRPr lang="zh-CN" altLang="en-US" sz="1800" dirty="0">
               <a:latin typeface="黑体" panose="02010609060101010101" pitchFamily="49" charset="-122"/>
               <a:ea typeface="黑体" panose="02010609060101010101" pitchFamily="49" charset="-122"/>
               <a:cs typeface="黑体" panose="02010609060101010101" pitchFamily="49" charset="-122"/>
@@ -16625,26 +16542,14 @@
               </a:spcBef>
             </a:pPr>
             <a:r>
-              <a:rPr lang="en-US" altLang="zh-CN" sz="1800" dirty="0" smtClean="0">
+              <a:rPr lang="zh-CN" altLang="en-US" sz="1800" dirty="0">
                 <a:latin typeface="黑体" panose="02010609060101010101" pitchFamily="49" charset="-122"/>
                 <a:ea typeface="黑体" panose="02010609060101010101" pitchFamily="49" charset="-122"/>
                 <a:cs typeface="黑体" panose="02010609060101010101" pitchFamily="49" charset="-122"/>
-              </a:rPr>
-              <a:t>sentinel-support</a:t>
-            </a:r>
-            <a:r>
-              <a:rPr lang="zh-CN" altLang="en-US" sz="1800" dirty="0" smtClean="0">
-                <a:latin typeface="黑体" panose="02010609060101010101" pitchFamily="49" charset="-122"/>
-                <a:ea typeface="黑体" panose="02010609060101010101" pitchFamily="49" charset="-122"/>
-                <a:cs typeface="黑体" panose="02010609060101010101" pitchFamily="49" charset="-122"/>
-              </a:rPr>
-              <a:t>工程</a:t>
-            </a:r>
-            <a:endParaRPr lang="en-US" altLang="zh-CN" sz="1800" dirty="0" smtClean="0">
-              <a:latin typeface="黑体" panose="02010609060101010101" pitchFamily="49" charset="-122"/>
-              <a:ea typeface="黑体" panose="02010609060101010101" pitchFamily="49" charset="-122"/>
-              <a:cs typeface="黑体" panose="02010609060101010101" pitchFamily="49" charset="-122"/>
-            </a:endParaRPr>
+                <a:sym typeface="+mn-ea"/>
+              </a:rPr>
+              <a:t>问题讨论</a:t>
+            </a:r>
           </a:p>
           <a:p>
             <a:pPr marL="0" indent="-234315" latinLnBrk="0">
@@ -16653,57 +16558,15 @@
               </a:spcBef>
             </a:pPr>
             <a:r>
-              <a:rPr lang="en-US" altLang="zh-CN" sz="1800" dirty="0" smtClean="0">
-                <a:latin typeface="黑体" panose="02010609060101010101" pitchFamily="49" charset="-122"/>
-                <a:ea typeface="黑体" panose="02010609060101010101" pitchFamily="49" charset="-122"/>
-                <a:cs typeface="黑体" panose="02010609060101010101" pitchFamily="49" charset="-122"/>
-              </a:rPr>
-              <a:t>TODO LIST</a:t>
-            </a:r>
-            <a:endParaRPr lang="zh-CN" altLang="en-US" sz="1800" dirty="0" smtClean="0">
-              <a:latin typeface="黑体" panose="02010609060101010101" pitchFamily="49" charset="-122"/>
-              <a:ea typeface="黑体" panose="02010609060101010101" pitchFamily="49" charset="-122"/>
-              <a:cs typeface="黑体" panose="02010609060101010101" pitchFamily="49" charset="-122"/>
-            </a:endParaRPr>
-          </a:p>
-          <a:p>
-            <a:pPr marL="0" indent="-234315" latinLnBrk="0">
-              <a:spcBef>
-                <a:spcPts val="1400"/>
-              </a:spcBef>
-            </a:pPr>
-            <a:r>
-              <a:rPr lang="zh-CN" altLang="en-US" sz="1800" dirty="0" smtClean="0">
+              <a:rPr lang="zh-CN" altLang="en-US" sz="1800" dirty="0">
                 <a:latin typeface="黑体" panose="02010609060101010101" pitchFamily="49" charset="-122"/>
                 <a:ea typeface="黑体" panose="02010609060101010101" pitchFamily="49" charset="-122"/>
                 <a:cs typeface="黑体" panose="02010609060101010101" pitchFamily="49" charset="-122"/>
                 <a:sym typeface="+mn-ea"/>
               </a:rPr>
-              <a:t>问题讨论</a:t>
-            </a:r>
-            <a:endParaRPr lang="zh-CN" altLang="en-US" sz="1800" dirty="0" smtClean="0">
-              <a:latin typeface="黑体" panose="02010609060101010101" pitchFamily="49" charset="-122"/>
-              <a:ea typeface="黑体" panose="02010609060101010101" pitchFamily="49" charset="-122"/>
-              <a:cs typeface="黑体" panose="02010609060101010101" pitchFamily="49" charset="-122"/>
-              <a:sym typeface="+mn-ea"/>
-            </a:endParaRPr>
-          </a:p>
-          <a:p>
-            <a:pPr marL="0" indent="-234315" latinLnBrk="0">
-              <a:spcBef>
-                <a:spcPts val="1400"/>
-              </a:spcBef>
-            </a:pPr>
-            <a:r>
-              <a:rPr lang="zh-CN" altLang="en-US" sz="1800" dirty="0" smtClean="0">
-                <a:latin typeface="黑体" panose="02010609060101010101" pitchFamily="49" charset="-122"/>
-                <a:ea typeface="黑体" panose="02010609060101010101" pitchFamily="49" charset="-122"/>
-                <a:cs typeface="黑体" panose="02010609060101010101" pitchFamily="49" charset="-122"/>
-                <a:sym typeface="+mn-ea"/>
-              </a:rPr>
               <a:t>参考资料</a:t>
             </a:r>
-            <a:endParaRPr lang="zh-CN" altLang="en-US" sz="1800" dirty="0" smtClean="0">
+            <a:endParaRPr lang="zh-CN" altLang="en-US" sz="1800" dirty="0">
               <a:latin typeface="黑体" panose="02010609060101010101" pitchFamily="49" charset="-122"/>
               <a:ea typeface="黑体" panose="02010609060101010101" pitchFamily="49" charset="-122"/>
               <a:cs typeface="黑体" panose="02010609060101010101" pitchFamily="49" charset="-122"/>
@@ -16782,23 +16645,19 @@
           <a:lstStyle/>
           <a:p>
             <a:r>
-              <a:rPr lang="en-US" altLang="zh-CN" sz="3200" dirty="0" smtClean="0">
+              <a:rPr lang="en-US" altLang="zh-CN" sz="3200" dirty="0">
                 <a:latin typeface="微软雅黑" panose="020B0503020204020204" pitchFamily="34" charset="-122"/>
                 <a:ea typeface="微软雅黑" panose="020B0503020204020204" pitchFamily="34" charset="-122"/>
               </a:rPr>
               <a:t>sentinel-support</a:t>
             </a:r>
             <a:r>
-              <a:rPr lang="zh-CN" altLang="en-US" sz="3200" dirty="0" smtClean="0">
+              <a:rPr lang="zh-CN" altLang="en-US" sz="3200" dirty="0">
                 <a:latin typeface="微软雅黑" panose="020B0503020204020204" pitchFamily="34" charset="-122"/>
                 <a:ea typeface="微软雅黑" panose="020B0503020204020204" pitchFamily="34" charset="-122"/>
               </a:rPr>
               <a:t>工程</a:t>
             </a:r>
-            <a:endParaRPr lang="zh-CN" altLang="en-US" sz="3200" dirty="0" smtClean="0">
-              <a:latin typeface="微软雅黑" panose="020B0503020204020204" pitchFamily="34" charset="-122"/>
-              <a:ea typeface="微软雅黑" panose="020B0503020204020204" pitchFamily="34" charset="-122"/>
-            </a:endParaRPr>
           </a:p>
         </p:txBody>
       </p:sp>
@@ -16822,6 +16681,7 @@
           <a:bodyPr wrap="square" rtlCol="0">
             <a:spAutoFit/>
           </a:bodyPr>
+          <a:lstStyle/>
           <a:p>
             <a:pPr marL="0" indent="0" latinLnBrk="0">
               <a:lnSpc>
@@ -16858,6 +16718,14 @@
               </a:rPr>
               <a:t>统一管理sentinel的依赖版本，方便接入和扩展</a:t>
             </a:r>
+          </a:p>
+          <a:p>
+            <a:pPr marL="342900" indent="-342900" latinLnBrk="0">
+              <a:lnSpc>
+                <a:spcPct val="150000"/>
+              </a:lnSpc>
+              <a:buAutoNum type="arabicPeriod"/>
+            </a:pPr>
             <a:endParaRPr lang="en-US" altLang="zh-CN">
               <a:latin typeface="微软雅黑" panose="020B0503020204020204" pitchFamily="34" charset="-122"/>
               <a:ea typeface="微软雅黑" panose="020B0503020204020204" pitchFamily="34" charset="-122"/>
@@ -16871,6 +16739,22 @@
               </a:lnSpc>
               <a:buAutoNum type="arabicPeriod"/>
             </a:pPr>
+            <a:r>
+              <a:rPr lang="en-US" altLang="zh-CN">
+                <a:latin typeface="微软雅黑" panose="020B0503020204020204" pitchFamily="34" charset="-122"/>
+                <a:ea typeface="微软雅黑" panose="020B0503020204020204" pitchFamily="34" charset="-122"/>
+                <a:cs typeface="微软雅黑" panose="020B0503020204020204" pitchFamily="34" charset="-122"/>
+              </a:rPr>
+              <a:t>提供sentinel.properties配置文件支持：包括是否启用sentinel、指定数据源</a:t>
+            </a:r>
+            <a:r>
+              <a:rPr lang="zh-CN" altLang="en-US">
+                <a:latin typeface="微软雅黑" panose="020B0503020204020204" pitchFamily="34" charset="-122"/>
+                <a:ea typeface="微软雅黑" panose="020B0503020204020204" pitchFamily="34" charset="-122"/>
+                <a:cs typeface="微软雅黑" panose="020B0503020204020204" pitchFamily="34" charset="-122"/>
+              </a:rPr>
+              <a:t>类型</a:t>
+            </a:r>
             <a:endParaRPr lang="en-US" altLang="zh-CN">
               <a:latin typeface="微软雅黑" panose="020B0503020204020204" pitchFamily="34" charset="-122"/>
               <a:ea typeface="微软雅黑" panose="020B0503020204020204" pitchFamily="34" charset="-122"/>
@@ -16884,22 +16768,6 @@
               </a:lnSpc>
               <a:buAutoNum type="arabicPeriod"/>
             </a:pPr>
-            <a:r>
-              <a:rPr lang="en-US" altLang="zh-CN">
-                <a:latin typeface="微软雅黑" panose="020B0503020204020204" pitchFamily="34" charset="-122"/>
-                <a:ea typeface="微软雅黑" panose="020B0503020204020204" pitchFamily="34" charset="-122"/>
-                <a:cs typeface="微软雅黑" panose="020B0503020204020204" pitchFamily="34" charset="-122"/>
-              </a:rPr>
-              <a:t>提供sentinel.properties配置文件支持：包括是否启用sentinel、指定数据源</a:t>
-            </a:r>
-            <a:r>
-              <a:rPr lang="zh-CN" altLang="en-US">
-                <a:latin typeface="微软雅黑" panose="020B0503020204020204" pitchFamily="34" charset="-122"/>
-                <a:ea typeface="微软雅黑" panose="020B0503020204020204" pitchFamily="34" charset="-122"/>
-                <a:cs typeface="微软雅黑" panose="020B0503020204020204" pitchFamily="34" charset="-122"/>
-              </a:rPr>
-              <a:t>类型</a:t>
-            </a:r>
             <a:endParaRPr lang="en-US" altLang="zh-CN">
               <a:latin typeface="微软雅黑" panose="020B0503020204020204" pitchFamily="34" charset="-122"/>
               <a:ea typeface="微软雅黑" panose="020B0503020204020204" pitchFamily="34" charset="-122"/>
@@ -16913,6 +16781,22 @@
               </a:lnSpc>
               <a:buAutoNum type="arabicPeriod"/>
             </a:pPr>
+            <a:r>
+              <a:rPr lang="en-US" altLang="zh-CN">
+                <a:latin typeface="微软雅黑" panose="020B0503020204020204" pitchFamily="34" charset="-122"/>
+                <a:ea typeface="微软雅黑" panose="020B0503020204020204" pitchFamily="34" charset="-122"/>
+                <a:cs typeface="微软雅黑" panose="020B0503020204020204" pitchFamily="34" charset="-122"/>
+              </a:rPr>
+              <a:t>提供一个定制的JdbcDataSource实现</a:t>
+            </a:r>
+          </a:p>
+          <a:p>
+            <a:pPr marL="342900" indent="-342900" latinLnBrk="0">
+              <a:lnSpc>
+                <a:spcPct val="150000"/>
+              </a:lnSpc>
+              <a:buAutoNum type="arabicPeriod"/>
+            </a:pPr>
             <a:endParaRPr lang="en-US" altLang="zh-CN">
               <a:latin typeface="微软雅黑" panose="020B0503020204020204" pitchFamily="34" charset="-122"/>
               <a:ea typeface="微软雅黑" panose="020B0503020204020204" pitchFamily="34" charset="-122"/>
@@ -16932,47 +16816,8 @@
                 <a:ea typeface="微软雅黑" panose="020B0503020204020204" pitchFamily="34" charset="-122"/>
                 <a:cs typeface="微软雅黑" panose="020B0503020204020204" pitchFamily="34" charset="-122"/>
               </a:rPr>
-              <a:t>提供一个定制的JdbcDataSource实现</a:t>
-            </a:r>
-            <a:endParaRPr lang="en-US" altLang="zh-CN">
-              <a:latin typeface="微软雅黑" panose="020B0503020204020204" pitchFamily="34" charset="-122"/>
-              <a:ea typeface="微软雅黑" panose="020B0503020204020204" pitchFamily="34" charset="-122"/>
-              <a:cs typeface="微软雅黑" panose="020B0503020204020204" pitchFamily="34" charset="-122"/>
-            </a:endParaRPr>
-          </a:p>
-          <a:p>
-            <a:pPr marL="342900" indent="-342900" latinLnBrk="0">
-              <a:lnSpc>
-                <a:spcPct val="150000"/>
-              </a:lnSpc>
-              <a:buAutoNum type="arabicPeriod"/>
-            </a:pPr>
-            <a:endParaRPr lang="en-US" altLang="zh-CN">
-              <a:latin typeface="微软雅黑" panose="020B0503020204020204" pitchFamily="34" charset="-122"/>
-              <a:ea typeface="微软雅黑" panose="020B0503020204020204" pitchFamily="34" charset="-122"/>
-              <a:cs typeface="微软雅黑" panose="020B0503020204020204" pitchFamily="34" charset="-122"/>
-            </a:endParaRPr>
-          </a:p>
-          <a:p>
-            <a:pPr marL="342900" indent="-342900" latinLnBrk="0">
-              <a:lnSpc>
-                <a:spcPct val="150000"/>
-              </a:lnSpc>
-              <a:buAutoNum type="arabicPeriod"/>
-            </a:pPr>
-            <a:r>
-              <a:rPr lang="en-US" altLang="zh-CN">
-                <a:latin typeface="微软雅黑" panose="020B0503020204020204" pitchFamily="34" charset="-122"/>
-                <a:ea typeface="微软雅黑" panose="020B0503020204020204" pitchFamily="34" charset="-122"/>
-                <a:cs typeface="微软雅黑" panose="020B0503020204020204" pitchFamily="34" charset="-122"/>
-              </a:rPr>
               <a:t>ActiveMQ支持：通过BrokerFilter(send)、MessageListener中onMessage的aspect(receive)，加入sentinel的埋点</a:t>
             </a:r>
-            <a:endParaRPr lang="en-US" altLang="zh-CN">
-              <a:latin typeface="微软雅黑" panose="020B0503020204020204" pitchFamily="34" charset="-122"/>
-              <a:ea typeface="微软雅黑" panose="020B0503020204020204" pitchFamily="34" charset="-122"/>
-              <a:cs typeface="微软雅黑" panose="020B0503020204020204" pitchFamily="34" charset="-122"/>
-            </a:endParaRPr>
           </a:p>
         </p:txBody>
       </p:sp>
@@ -16984,13 +16829,6 @@
   <p:transition>
     <p:fade/>
   </p:transition>
-  <p:timing>
-    <p:tnLst>
-      <p:par>
-        <p:cTn id="1" dur="indefinite" restart="never" nodeType="tmRoot"/>
-      </p:par>
-    </p:tnLst>
-  </p:timing>
 </p:sld>
 </file>
 
@@ -17054,23 +16892,19 @@
           <a:lstStyle/>
           <a:p>
             <a:r>
-              <a:rPr lang="en-US" altLang="zh-CN" sz="3200" dirty="0" smtClean="0">
+              <a:rPr lang="en-US" altLang="zh-CN" sz="3200" dirty="0">
                 <a:latin typeface="微软雅黑" panose="020B0503020204020204" pitchFamily="34" charset="-122"/>
                 <a:ea typeface="微软雅黑" panose="020B0503020204020204" pitchFamily="34" charset="-122"/>
               </a:rPr>
               <a:t>sentinel-support</a:t>
             </a:r>
             <a:r>
-              <a:rPr lang="zh-CN" altLang="en-US" sz="3200" dirty="0" smtClean="0">
+              <a:rPr lang="zh-CN" altLang="en-US" sz="3200" dirty="0">
                 <a:latin typeface="微软雅黑" panose="020B0503020204020204" pitchFamily="34" charset="-122"/>
                 <a:ea typeface="微软雅黑" panose="020B0503020204020204" pitchFamily="34" charset="-122"/>
               </a:rPr>
               <a:t>工程</a:t>
             </a:r>
-            <a:endParaRPr lang="zh-CN" altLang="en-US" sz="3200" dirty="0" smtClean="0">
-              <a:latin typeface="微软雅黑" panose="020B0503020204020204" pitchFamily="34" charset="-122"/>
-              <a:ea typeface="微软雅黑" panose="020B0503020204020204" pitchFamily="34" charset="-122"/>
-            </a:endParaRPr>
           </a:p>
         </p:txBody>
       </p:sp>
@@ -17094,6 +16928,7 @@
           <a:bodyPr wrap="square" rtlCol="0">
             <a:spAutoFit/>
           </a:bodyPr>
+          <a:lstStyle/>
           <a:p>
             <a:pPr marL="0" indent="0" latinLnBrk="0">
               <a:lnSpc>
@@ -17109,11 +16944,6 @@
               </a:rPr>
               <a:t>思路：</a:t>
             </a:r>
-            <a:endParaRPr lang="zh-CN" altLang="en-US" sz="1800" b="1">
-              <a:latin typeface="+mn-lt"/>
-              <a:ea typeface="微软雅黑" panose="020B0503020204020204" pitchFamily="34" charset="-122"/>
-              <a:cs typeface="+mn-lt"/>
-            </a:endParaRPr>
           </a:p>
           <a:p>
             <a:pPr marL="0" indent="0" latinLnBrk="0">
@@ -17346,10 +17176,6 @@
               </a:rPr>
               <a:t>：</a:t>
             </a:r>
-            <a:endParaRPr lang="zh-CN" altLang="en-US" sz="1400">
-              <a:latin typeface="宋体" panose="02010600030101010101" pitchFamily="2" charset="-122"/>
-              <a:cs typeface="宋体" panose="02010600030101010101" pitchFamily="2" charset="-122"/>
-            </a:endParaRPr>
           </a:p>
           <a:p>
             <a:pPr marL="285750" indent="-285750" latinLnBrk="0">
@@ -17433,10 +17259,6 @@
               </a:rPr>
               <a:t>支持：</a:t>
             </a:r>
-            <a:endParaRPr lang="zh-CN" altLang="en-US" sz="1400">
-              <a:latin typeface="宋体" panose="02010600030101010101" pitchFamily="2" charset="-122"/>
-              <a:cs typeface="宋体" panose="02010600030101010101" pitchFamily="2" charset="-122"/>
-            </a:endParaRPr>
           </a:p>
           <a:p>
             <a:pPr marL="285750" indent="-285750" latinLnBrk="0">
@@ -17453,10 +17275,6 @@
               </a:rPr>
               <a:t>发消息</a:t>
             </a:r>
-            <a:endParaRPr lang="zh-CN" altLang="en-US" sz="1200">
-              <a:latin typeface="宋体" panose="02010600030101010101" pitchFamily="2" charset="-122"/>
-              <a:cs typeface="宋体" panose="02010600030101010101" pitchFamily="2" charset="-122"/>
-            </a:endParaRPr>
           </a:p>
           <a:p>
             <a:pPr marL="0" indent="0" latinLnBrk="0">
@@ -17514,10 +17332,6 @@
               </a:rPr>
               <a:t>埋点</a:t>
             </a:r>
-            <a:endParaRPr lang="zh-CN" altLang="en-US" sz="1200">
-              <a:latin typeface="宋体" panose="02010600030101010101" pitchFamily="2" charset="-122"/>
-              <a:cs typeface="宋体" panose="02010600030101010101" pitchFamily="2" charset="-122"/>
-            </a:endParaRPr>
           </a:p>
           <a:p>
             <a:pPr marL="285750" indent="-285750" latinLnBrk="0">
@@ -17534,10 +17348,6 @@
               </a:rPr>
               <a:t>收消息</a:t>
             </a:r>
-            <a:endParaRPr lang="zh-CN" altLang="en-US" sz="1200">
-              <a:latin typeface="宋体" panose="02010600030101010101" pitchFamily="2" charset="-122"/>
-              <a:cs typeface="宋体" panose="02010600030101010101" pitchFamily="2" charset="-122"/>
-            </a:endParaRPr>
           </a:p>
           <a:p>
             <a:pPr marL="0" indent="0" latinLnBrk="0">
@@ -17582,13 +17392,6 @@
   <p:transition>
     <p:fade/>
   </p:transition>
-  <p:timing>
-    <p:tnLst>
-      <p:par>
-        <p:cTn id="1" dur="indefinite" restart="never" nodeType="tmRoot"/>
-      </p:par>
-    </p:tnLst>
-  </p:timing>
 </p:sld>
 </file>
 
@@ -17652,23 +17455,19 @@
           <a:lstStyle/>
           <a:p>
             <a:r>
-              <a:rPr lang="en-US" altLang="zh-CN" sz="3200" dirty="0" smtClean="0">
+              <a:rPr lang="en-US" altLang="zh-CN" sz="3200" dirty="0">
                 <a:latin typeface="微软雅黑" panose="020B0503020204020204" pitchFamily="34" charset="-122"/>
                 <a:ea typeface="微软雅黑" panose="020B0503020204020204" pitchFamily="34" charset="-122"/>
               </a:rPr>
               <a:t>sentinel-support</a:t>
             </a:r>
             <a:r>
-              <a:rPr lang="zh-CN" altLang="en-US" sz="3200" dirty="0" smtClean="0">
+              <a:rPr lang="zh-CN" altLang="en-US" sz="3200" dirty="0">
                 <a:latin typeface="微软雅黑" panose="020B0503020204020204" pitchFamily="34" charset="-122"/>
                 <a:ea typeface="微软雅黑" panose="020B0503020204020204" pitchFamily="34" charset="-122"/>
               </a:rPr>
               <a:t>工程</a:t>
             </a:r>
-            <a:endParaRPr lang="zh-CN" altLang="en-US" sz="3200" dirty="0" smtClean="0">
-              <a:latin typeface="微软雅黑" panose="020B0503020204020204" pitchFamily="34" charset="-122"/>
-              <a:ea typeface="微软雅黑" panose="020B0503020204020204" pitchFamily="34" charset="-122"/>
-            </a:endParaRPr>
           </a:p>
         </p:txBody>
       </p:sp>
@@ -17692,6 +17491,7 @@
           <a:bodyPr wrap="square" rtlCol="0">
             <a:spAutoFit/>
           </a:bodyPr>
+          <a:lstStyle/>
           <a:p>
             <a:pPr marL="0" indent="0" latinLnBrk="0">
               <a:lnSpc>
@@ -17760,10 +17560,6 @@
               </a:rPr>
               <a:t>关键字冲突前面加下划线</a:t>
             </a:r>
-            <a:endParaRPr lang="zh-CN" altLang="en-US" sz="1000">
-              <a:latin typeface="宋体" panose="02010600030101010101" pitchFamily="2" charset="-122"/>
-              <a:cs typeface="宋体" panose="02010600030101010101" pitchFamily="2" charset="-122"/>
-            </a:endParaRPr>
           </a:p>
           <a:p>
             <a:pPr marL="285750" indent="-285750" latinLnBrk="0">
@@ -17822,10 +17618,6 @@
               </a:rPr>
               <a:t>确定一个应用</a:t>
             </a:r>
-            <a:endParaRPr lang="zh-CN" altLang="en-US" sz="1000">
-              <a:latin typeface="宋体" panose="02010600030101010101" pitchFamily="2" charset="-122"/>
-              <a:cs typeface="宋体" panose="02010600030101010101" pitchFamily="2" charset="-122"/>
-            </a:endParaRPr>
           </a:p>
           <a:p>
             <a:pPr marL="285750" indent="-285750" latinLnBrk="0">
@@ -17856,10 +17648,6 @@
               </a:rPr>
               <a:t>关联是哪一个应用</a:t>
             </a:r>
-            <a:endParaRPr lang="zh-CN" altLang="en-US" sz="1000">
-              <a:latin typeface="宋体" panose="02010600030101010101" pitchFamily="2" charset="-122"/>
-              <a:cs typeface="宋体" panose="02010600030101010101" pitchFamily="2" charset="-122"/>
-            </a:endParaRPr>
           </a:p>
           <a:p>
             <a:pPr marL="285750" indent="-285750" latinLnBrk="0">
@@ -17925,7 +17713,7 @@
           <p:nvPr/>
         </p:nvPicPr>
         <p:blipFill>
-          <a:blip r:embed="rId1"/>
+          <a:blip r:embed="rId3"/>
           <a:stretch>
             <a:fillRect/>
           </a:stretch>
@@ -17948,13 +17736,6 @@
   <p:transition>
     <p:fade/>
   </p:transition>
-  <p:timing>
-    <p:tnLst>
-      <p:par>
-        <p:cTn id="1" dur="indefinite" restart="never" nodeType="tmRoot"/>
-      </p:par>
-    </p:tnLst>
-  </p:timing>
 </p:sld>
 </file>
 
@@ -18018,23 +17799,19 @@
           <a:lstStyle/>
           <a:p>
             <a:r>
-              <a:rPr lang="en-US" altLang="zh-CN" sz="3200" dirty="0" smtClean="0">
+              <a:rPr lang="en-US" altLang="zh-CN" sz="3200" dirty="0">
                 <a:latin typeface="微软雅黑" panose="020B0503020204020204" pitchFamily="34" charset="-122"/>
                 <a:ea typeface="微软雅黑" panose="020B0503020204020204" pitchFamily="34" charset="-122"/>
               </a:rPr>
               <a:t>sentinel-support</a:t>
             </a:r>
             <a:r>
-              <a:rPr lang="zh-CN" altLang="en-US" sz="3200" dirty="0" smtClean="0">
+              <a:rPr lang="zh-CN" altLang="en-US" sz="3200" dirty="0">
                 <a:latin typeface="微软雅黑" panose="020B0503020204020204" pitchFamily="34" charset="-122"/>
                 <a:ea typeface="微软雅黑" panose="020B0503020204020204" pitchFamily="34" charset="-122"/>
               </a:rPr>
               <a:t>工程</a:t>
             </a:r>
-            <a:endParaRPr lang="zh-CN" altLang="en-US" sz="3200" dirty="0" smtClean="0">
-              <a:latin typeface="微软雅黑" panose="020B0503020204020204" pitchFamily="34" charset="-122"/>
-              <a:ea typeface="微软雅黑" panose="020B0503020204020204" pitchFamily="34" charset="-122"/>
-            </a:endParaRPr>
           </a:p>
         </p:txBody>
       </p:sp>
@@ -18058,6 +17835,7 @@
           <a:bodyPr wrap="square" rtlCol="0">
             <a:spAutoFit/>
           </a:bodyPr>
+          <a:lstStyle/>
           <a:p>
             <a:pPr marL="0" indent="0">
               <a:buFont typeface="Wingdings" panose="05000000000000000000" charset="0"/>
@@ -18075,7 +17853,6 @@
               <a:rPr lang="zh-CN" altLang="en-US"/>
               <a:t>：</a:t>
             </a:r>
-            <a:endParaRPr lang="zh-CN" altLang="en-US"/>
           </a:p>
           <a:p>
             <a:pPr marL="0" indent="0">
@@ -18109,14 +17886,12 @@
               <a:rPr lang="en-US" altLang="zh-CN"/>
               <a:t>appId </a:t>
             </a:r>
-            <a:endParaRPr lang="en-US" altLang="zh-CN"/>
           </a:p>
           <a:p>
             <a:r>
               <a:rPr lang="en-US" altLang="zh-CN" sz="1400"/>
               <a:t>SELECT id FROM sentinel_app </a:t>
             </a:r>
-            <a:endParaRPr lang="en-US" altLang="zh-CN" sz="1400"/>
           </a:p>
           <a:p>
             <a:r>
@@ -18152,7 +17927,6 @@
               <a:rPr lang="en-US" altLang="zh-CN" sz="1400"/>
               <a:t>SELECT * FROM sentinel_flow_rule </a:t>
             </a:r>
-            <a:endParaRPr lang="en-US" altLang="zh-CN" sz="1400"/>
           </a:p>
           <a:p>
             <a:r>
@@ -18173,7 +17947,6 @@
               <a:rPr lang="zh-CN" altLang="en-US"/>
               <a:t>新增应用</a:t>
             </a:r>
-            <a:endParaRPr lang="zh-CN" altLang="en-US"/>
           </a:p>
           <a:p>
             <a:pPr marL="0" indent="0">
@@ -18202,7 +17975,6 @@
               <a:rPr lang="zh-CN" altLang="en-US"/>
               <a:t>新增流控规则</a:t>
             </a:r>
-            <a:endParaRPr lang="zh-CN" altLang="en-US"/>
           </a:p>
           <a:p>
             <a:pPr marL="0" indent="0">
@@ -18213,7 +17985,6 @@
               <a:rPr lang="zh-CN" altLang="en-US" sz="1400"/>
               <a:t>INSERT INTO sentinel_flow_rule(app_id,resource,limit_app,grade,_count,strategy,ref_resource,control_behavior,warm_up_period_sec,max_queueing_time_ms,create_time,update_time,enabled,deleted) </a:t>
             </a:r>
-            <a:endParaRPr lang="zh-CN" altLang="en-US" sz="1400"/>
           </a:p>
           <a:p>
             <a:pPr marL="0" indent="0">
@@ -18224,7 +17995,6 @@
               <a:rPr lang="zh-CN" altLang="en-US" sz="1400"/>
               <a:t>VALUES(1,'com.demo.FooService:hello(java.lang.String)','default',1,5,0,NULL,0,NULL,NULL,NOW(),NOW(),1,0);</a:t>
             </a:r>
-            <a:endParaRPr lang="zh-CN" altLang="en-US" sz="1400"/>
           </a:p>
         </p:txBody>
       </p:sp>
@@ -18236,13 +18006,6 @@
   <p:transition>
     <p:fade/>
   </p:transition>
-  <p:timing>
-    <p:tnLst>
-      <p:par>
-        <p:cTn id="1" dur="indefinite" restart="never" nodeType="tmRoot"/>
-      </p:par>
-    </p:tnLst>
-  </p:timing>
 </p:sld>
 </file>
 
@@ -18306,23 +18069,19 @@
           <a:lstStyle/>
           <a:p>
             <a:r>
-              <a:rPr lang="en-US" altLang="zh-CN" sz="3200" dirty="0" smtClean="0">
+              <a:rPr lang="en-US" altLang="zh-CN" sz="3200" dirty="0">
                 <a:latin typeface="微软雅黑" panose="020B0503020204020204" pitchFamily="34" charset="-122"/>
                 <a:ea typeface="微软雅黑" panose="020B0503020204020204" pitchFamily="34" charset="-122"/>
               </a:rPr>
               <a:t>sentinel-support</a:t>
             </a:r>
             <a:r>
-              <a:rPr lang="zh-CN" altLang="en-US" sz="3200" dirty="0" smtClean="0">
+              <a:rPr lang="zh-CN" altLang="en-US" sz="3200" dirty="0">
                 <a:latin typeface="微软雅黑" panose="020B0503020204020204" pitchFamily="34" charset="-122"/>
                 <a:ea typeface="微软雅黑" panose="020B0503020204020204" pitchFamily="34" charset="-122"/>
               </a:rPr>
               <a:t>工程</a:t>
             </a:r>
-            <a:endParaRPr lang="zh-CN" altLang="en-US" sz="3200" dirty="0" smtClean="0">
-              <a:latin typeface="微软雅黑" panose="020B0503020204020204" pitchFamily="34" charset="-122"/>
-              <a:ea typeface="微软雅黑" panose="020B0503020204020204" pitchFamily="34" charset="-122"/>
-            </a:endParaRPr>
           </a:p>
         </p:txBody>
       </p:sp>
@@ -18346,6 +18105,7 @@
           <a:bodyPr wrap="square" rtlCol="0">
             <a:spAutoFit/>
           </a:bodyPr>
+          <a:lstStyle/>
           <a:p>
             <a:pPr marL="0" indent="0" latinLnBrk="0">
               <a:lnSpc>
@@ -18360,6 +18120,14 @@
               </a:rPr>
               <a:t>业务工程接入步骤：</a:t>
             </a:r>
+          </a:p>
+          <a:p>
+            <a:pPr marL="0" indent="0" latinLnBrk="0">
+              <a:lnSpc>
+                <a:spcPct val="150000"/>
+              </a:lnSpc>
+              <a:buNone/>
+            </a:pPr>
             <a:endParaRPr lang="zh-CN" altLang="en-US">
               <a:latin typeface="宋体" panose="02010600030101010101" pitchFamily="2" charset="-122"/>
               <a:cs typeface="宋体" panose="02010600030101010101" pitchFamily="2" charset="-122"/>
@@ -18372,18 +18140,6 @@
               </a:lnSpc>
               <a:buNone/>
             </a:pPr>
-            <a:endParaRPr lang="zh-CN" altLang="en-US">
-              <a:latin typeface="宋体" panose="02010600030101010101" pitchFamily="2" charset="-122"/>
-              <a:cs typeface="宋体" panose="02010600030101010101" pitchFamily="2" charset="-122"/>
-            </a:endParaRPr>
-          </a:p>
-          <a:p>
-            <a:pPr marL="0" indent="0" latinLnBrk="0">
-              <a:lnSpc>
-                <a:spcPct val="150000"/>
-              </a:lnSpc>
-              <a:buNone/>
-            </a:pPr>
             <a:r>
               <a:rPr lang="en-US" altLang="zh-CN" sz="1400" b="1">
                 <a:latin typeface="宋体" panose="02010600030101010101" pitchFamily="2" charset="-122"/>
@@ -18398,10 +18154,6 @@
               </a:rPr>
               <a:t>添加依赖</a:t>
             </a:r>
-            <a:endParaRPr lang="zh-CN" altLang="en-US" sz="1400" b="1">
-              <a:latin typeface="宋体" panose="02010600030101010101" pitchFamily="2" charset="-122"/>
-              <a:cs typeface="宋体" panose="02010600030101010101" pitchFamily="2" charset="-122"/>
-            </a:endParaRPr>
           </a:p>
           <a:p>
             <a:pPr marL="0" indent="0" latinLnBrk="0">
@@ -18438,10 +18190,6 @@
               </a:rPr>
               <a:t>添加配置文件</a:t>
             </a:r>
-            <a:endParaRPr lang="zh-CN" altLang="en-US" sz="1400" b="1">
-              <a:latin typeface="宋体" panose="02010600030101010101" pitchFamily="2" charset="-122"/>
-              <a:cs typeface="宋体" panose="02010600030101010101" pitchFamily="2" charset="-122"/>
-            </a:endParaRPr>
           </a:p>
           <a:p>
             <a:pPr marL="0" indent="0" latinLnBrk="0">
@@ -18478,10 +18226,6 @@
               </a:rPr>
               <a:t>配置规则</a:t>
             </a:r>
-            <a:endParaRPr lang="zh-CN" altLang="en-US" sz="1400" b="1">
-              <a:latin typeface="宋体" panose="02010600030101010101" pitchFamily="2" charset="-122"/>
-              <a:cs typeface="宋体" panose="02010600030101010101" pitchFamily="2" charset="-122"/>
-            </a:endParaRPr>
           </a:p>
           <a:p>
             <a:pPr marL="0" indent="0" latinLnBrk="0">
@@ -18532,10 +18276,6 @@
               </a:rPr>
               <a:t>参数</a:t>
             </a:r>
-            <a:endParaRPr lang="zh-CN" altLang="en-US" sz="1400" b="1">
-              <a:latin typeface="宋体" panose="02010600030101010101" pitchFamily="2" charset="-122"/>
-              <a:cs typeface="宋体" panose="02010600030101010101" pitchFamily="2" charset="-122"/>
-            </a:endParaRPr>
           </a:p>
           <a:p>
             <a:pPr marL="0" indent="0" latinLnBrk="0">
@@ -18620,13 +18360,6 @@
   <p:transition>
     <p:fade/>
   </p:transition>
-  <p:timing>
-    <p:tnLst>
-      <p:par>
-        <p:cTn id="1" dur="indefinite" restart="never" nodeType="tmRoot"/>
-      </p:par>
-    </p:tnLst>
-  </p:timing>
 </p:sld>
 </file>
 
@@ -18690,23 +18423,19 @@
           <a:lstStyle/>
           <a:p>
             <a:r>
-              <a:rPr lang="en-US" altLang="zh-CN" sz="3200" dirty="0" smtClean="0">
+              <a:rPr lang="en-US" altLang="zh-CN" sz="3200" dirty="0">
                 <a:latin typeface="微软雅黑" panose="020B0503020204020204" pitchFamily="34" charset="-122"/>
                 <a:ea typeface="微软雅黑" panose="020B0503020204020204" pitchFamily="34" charset="-122"/>
               </a:rPr>
               <a:t>sentinel-support</a:t>
             </a:r>
             <a:r>
-              <a:rPr lang="zh-CN" altLang="en-US" sz="3200" dirty="0" smtClean="0">
+              <a:rPr lang="zh-CN" altLang="en-US" sz="3200" dirty="0">
                 <a:latin typeface="微软雅黑" panose="020B0503020204020204" pitchFamily="34" charset="-122"/>
                 <a:ea typeface="微软雅黑" panose="020B0503020204020204" pitchFamily="34" charset="-122"/>
               </a:rPr>
               <a:t>工程</a:t>
             </a:r>
-            <a:endParaRPr lang="zh-CN" altLang="en-US" sz="3200" dirty="0" smtClean="0">
-              <a:latin typeface="微软雅黑" panose="020B0503020204020204" pitchFamily="34" charset="-122"/>
-              <a:ea typeface="微软雅黑" panose="020B0503020204020204" pitchFamily="34" charset="-122"/>
-            </a:endParaRPr>
           </a:p>
         </p:txBody>
       </p:sp>
@@ -18730,6 +18459,7 @@
           <a:bodyPr wrap="square" rtlCol="0">
             <a:spAutoFit/>
           </a:bodyPr>
+          <a:lstStyle/>
           <a:p>
             <a:pPr marL="0" indent="0" latinLnBrk="0">
               <a:lnSpc>
@@ -18744,10 +18474,6 @@
               </a:rPr>
               <a:t>业务工程接入步骤：</a:t>
             </a:r>
-            <a:endParaRPr lang="zh-CN" altLang="en-US">
-              <a:latin typeface="宋体" panose="02010600030101010101" pitchFamily="2" charset="-122"/>
-              <a:cs typeface="宋体" panose="02010600030101010101" pitchFamily="2" charset="-122"/>
-            </a:endParaRPr>
           </a:p>
           <a:p>
             <a:pPr marL="0" indent="0" latinLnBrk="0">
@@ -18831,11 +18557,6 @@
               </a:rPr>
               <a:t>   </a:t>
             </a:r>
-            <a:endParaRPr lang="zh-CN" altLang="en-US" sz="1400">
-              <a:latin typeface="宋体" panose="02010600030101010101" pitchFamily="2" charset="-122"/>
-              <a:cs typeface="宋体" panose="02010600030101010101" pitchFamily="2" charset="-122"/>
-              <a:sym typeface="+mn-ea"/>
-            </a:endParaRPr>
           </a:p>
           <a:p>
             <a:pPr marL="0" indent="0" latinLnBrk="0">
@@ -18861,11 +18582,6 @@
               </a:rPr>
               <a:t>sentinel-support.version=0.1.0-RELEASE</a:t>
             </a:r>
-            <a:endParaRPr lang="en-US" altLang="zh-CN" sz="1400">
-              <a:latin typeface="宋体" panose="02010600030101010101" pitchFamily="2" charset="-122"/>
-              <a:cs typeface="宋体" panose="02010600030101010101" pitchFamily="2" charset="-122"/>
-              <a:sym typeface="+mn-ea"/>
-            </a:endParaRPr>
           </a:p>
         </p:txBody>
       </p:sp>
@@ -18878,7 +18594,7 @@
           <p:nvPr/>
         </p:nvPicPr>
         <p:blipFill>
-          <a:blip r:embed="rId1"/>
+          <a:blip r:embed="rId3"/>
           <a:stretch>
             <a:fillRect/>
           </a:stretch>
@@ -18901,13 +18617,6 @@
   <p:transition>
     <p:fade/>
   </p:transition>
-  <p:timing>
-    <p:tnLst>
-      <p:par>
-        <p:cTn id="1" dur="indefinite" restart="never" nodeType="tmRoot"/>
-      </p:par>
-    </p:tnLst>
-  </p:timing>
 </p:sld>
 </file>
 
@@ -18971,23 +18680,19 @@
           <a:lstStyle/>
           <a:p>
             <a:r>
-              <a:rPr lang="en-US" altLang="zh-CN" sz="3200" dirty="0" smtClean="0">
+              <a:rPr lang="en-US" altLang="zh-CN" sz="3200" dirty="0">
                 <a:latin typeface="微软雅黑" panose="020B0503020204020204" pitchFamily="34" charset="-122"/>
                 <a:ea typeface="微软雅黑" panose="020B0503020204020204" pitchFamily="34" charset="-122"/>
               </a:rPr>
               <a:t>sentinel-support</a:t>
             </a:r>
             <a:r>
-              <a:rPr lang="zh-CN" altLang="en-US" sz="3200" dirty="0" smtClean="0">
+              <a:rPr lang="zh-CN" altLang="en-US" sz="3200" dirty="0">
                 <a:latin typeface="微软雅黑" panose="020B0503020204020204" pitchFamily="34" charset="-122"/>
                 <a:ea typeface="微软雅黑" panose="020B0503020204020204" pitchFamily="34" charset="-122"/>
               </a:rPr>
               <a:t>工程</a:t>
             </a:r>
-            <a:endParaRPr lang="zh-CN" altLang="en-US" sz="3200" dirty="0" smtClean="0">
-              <a:latin typeface="微软雅黑" panose="020B0503020204020204" pitchFamily="34" charset="-122"/>
-              <a:ea typeface="微软雅黑" panose="020B0503020204020204" pitchFamily="34" charset="-122"/>
-            </a:endParaRPr>
           </a:p>
         </p:txBody>
       </p:sp>
@@ -19011,6 +18716,7 @@
           <a:bodyPr wrap="square" rtlCol="0">
             <a:spAutoFit/>
           </a:bodyPr>
+          <a:lstStyle/>
           <a:p>
             <a:pPr marL="0" indent="0" latinLnBrk="0">
               <a:lnSpc>
@@ -19025,10 +18731,6 @@
               </a:rPr>
               <a:t>业务工程接入步骤：</a:t>
             </a:r>
-            <a:endParaRPr lang="zh-CN" altLang="en-US">
-              <a:latin typeface="宋体" panose="02010600030101010101" pitchFamily="2" charset="-122"/>
-              <a:cs typeface="宋体" panose="02010600030101010101" pitchFamily="2" charset="-122"/>
-            </a:endParaRPr>
           </a:p>
           <a:p>
             <a:pPr marL="0" indent="0" latinLnBrk="0">
@@ -19052,10 +18754,6 @@
               </a:rPr>
               <a:t>添加配置文件</a:t>
             </a:r>
-            <a:endParaRPr lang="zh-CN" altLang="en-US" sz="1400" b="1">
-              <a:latin typeface="宋体" panose="02010600030101010101" pitchFamily="2" charset="-122"/>
-              <a:cs typeface="宋体" panose="02010600030101010101" pitchFamily="2" charset="-122"/>
-            </a:endParaRPr>
           </a:p>
           <a:p>
             <a:pPr marL="0" indent="0" latinLnBrk="0">
@@ -19191,10 +18889,6 @@
               </a:rPr>
               <a:t> zookeeper数据源</a:t>
             </a:r>
-            <a:endParaRPr lang="en-US" altLang="zh-CN" sz="1200">
-              <a:latin typeface="宋体" panose="02010600030101010101" pitchFamily="2" charset="-122"/>
-              <a:cs typeface="宋体" panose="02010600030101010101" pitchFamily="2" charset="-122"/>
-            </a:endParaRPr>
           </a:p>
           <a:p>
             <a:pPr marL="0" indent="0" latinLnBrk="0">
@@ -19298,7 +18992,7 @@
           <p:nvPr/>
         </p:nvPicPr>
         <p:blipFill>
-          <a:blip r:embed="rId1"/>
+          <a:blip r:embed="rId3"/>
           <a:stretch>
             <a:fillRect/>
           </a:stretch>
@@ -19322,7 +19016,7 @@
           <p:nvPr/>
         </p:nvPicPr>
         <p:blipFill>
-          <a:blip r:embed="rId2"/>
+          <a:blip r:embed="rId4"/>
           <a:stretch>
             <a:fillRect/>
           </a:stretch>
@@ -19345,13 +19039,6 @@
   <p:transition>
     <p:fade/>
   </p:transition>
-  <p:timing>
-    <p:tnLst>
-      <p:par>
-        <p:cTn id="1" dur="indefinite" restart="never" nodeType="tmRoot"/>
-      </p:par>
-    </p:tnLst>
-  </p:timing>
 </p:sld>
 </file>
 
@@ -19415,23 +19102,19 @@
           <a:lstStyle/>
           <a:p>
             <a:r>
-              <a:rPr lang="en-US" altLang="zh-CN" sz="3200" dirty="0" smtClean="0">
+              <a:rPr lang="en-US" altLang="zh-CN" sz="3200" dirty="0">
                 <a:latin typeface="微软雅黑" panose="020B0503020204020204" pitchFamily="34" charset="-122"/>
                 <a:ea typeface="微软雅黑" panose="020B0503020204020204" pitchFamily="34" charset="-122"/>
               </a:rPr>
               <a:t>sentinel-support</a:t>
             </a:r>
             <a:r>
-              <a:rPr lang="zh-CN" altLang="en-US" sz="3200" dirty="0" smtClean="0">
+              <a:rPr lang="zh-CN" altLang="en-US" sz="3200" dirty="0">
                 <a:latin typeface="微软雅黑" panose="020B0503020204020204" pitchFamily="34" charset="-122"/>
                 <a:ea typeface="微软雅黑" panose="020B0503020204020204" pitchFamily="34" charset="-122"/>
               </a:rPr>
               <a:t>工程</a:t>
             </a:r>
-            <a:endParaRPr lang="zh-CN" altLang="en-US" sz="3200" dirty="0" smtClean="0">
-              <a:latin typeface="微软雅黑" panose="020B0503020204020204" pitchFamily="34" charset="-122"/>
-              <a:ea typeface="微软雅黑" panose="020B0503020204020204" pitchFamily="34" charset="-122"/>
-            </a:endParaRPr>
           </a:p>
         </p:txBody>
       </p:sp>
@@ -19455,6 +19138,7 @@
           <a:bodyPr wrap="square" rtlCol="0">
             <a:spAutoFit/>
           </a:bodyPr>
+          <a:lstStyle/>
           <a:p>
             <a:pPr marL="0" indent="0" latinLnBrk="0">
               <a:lnSpc>
@@ -19469,10 +19153,6 @@
               </a:rPr>
               <a:t>业务工程接入步骤：</a:t>
             </a:r>
-            <a:endParaRPr lang="zh-CN" altLang="en-US">
-              <a:latin typeface="宋体" panose="02010600030101010101" pitchFamily="2" charset="-122"/>
-              <a:cs typeface="宋体" panose="02010600030101010101" pitchFamily="2" charset="-122"/>
-            </a:endParaRPr>
           </a:p>
           <a:p>
             <a:pPr marL="0" indent="0" latinLnBrk="0">
@@ -19536,10 +19216,6 @@
               </a:rPr>
               <a:t>-- 添加应用</a:t>
             </a:r>
-            <a:endParaRPr lang="zh-CN" altLang="en-US" sz="900">
-              <a:latin typeface="宋体" panose="02010600030101010101" pitchFamily="2" charset="-122"/>
-              <a:cs typeface="宋体" panose="02010600030101010101" pitchFamily="2" charset="-122"/>
-            </a:endParaRPr>
           </a:p>
           <a:p>
             <a:pPr marL="0" algn="l" latinLnBrk="0">
@@ -19601,10 +19277,6 @@
               </a:rPr>
               <a:t>1',8719,NOW(),NOW(),1,0);</a:t>
             </a:r>
-            <a:endParaRPr lang="zh-CN" altLang="en-US" sz="900">
-              <a:latin typeface="宋体" panose="02010600030101010101" pitchFamily="2" charset="-122"/>
-              <a:cs typeface="宋体" panose="02010600030101010101" pitchFamily="2" charset="-122"/>
-            </a:endParaRPr>
           </a:p>
           <a:p>
             <a:pPr marL="0" algn="l" latinLnBrk="0">
@@ -19649,10 +19321,6 @@
               </a:rPr>
               <a:t>添加一条流控规则</a:t>
             </a:r>
-            <a:endParaRPr lang="zh-CN" altLang="en-US" sz="900">
-              <a:latin typeface="宋体" panose="02010600030101010101" pitchFamily="2" charset="-122"/>
-              <a:cs typeface="宋体" panose="02010600030101010101" pitchFamily="2" charset="-122"/>
-            </a:endParaRPr>
           </a:p>
           <a:p>
             <a:pPr marL="0" indent="0" latinLnBrk="0">
@@ -19762,10 +19430,6 @@
               </a:rPr>
               <a:t>-- 接口方法添加一条流控规则 </a:t>
             </a:r>
-            <a:endParaRPr lang="zh-CN" altLang="en-US" sz="900">
-              <a:latin typeface="宋体" panose="02010600030101010101" pitchFamily="2" charset="-122"/>
-              <a:cs typeface="宋体" panose="02010600030101010101" pitchFamily="2" charset="-122"/>
-            </a:endParaRPr>
           </a:p>
           <a:p>
             <a:pPr marL="0" indent="0" latinLnBrk="0">
@@ -19795,10 +19459,6 @@
               </a:rPr>
               <a:t>INSERT INTO sentinel_flow_rule(app_id,resource,limit_app,grade,_count,strategy,ref_resource,control_behavior,warm_up_period_sec,max_queueing_time_ms,create_time,update_time,enabled,deleted) </a:t>
             </a:r>
-            <a:endParaRPr lang="zh-CN" altLang="en-US" sz="900">
-              <a:latin typeface="宋体" panose="02010600030101010101" pitchFamily="2" charset="-122"/>
-              <a:cs typeface="宋体" panose="02010600030101010101" pitchFamily="2" charset="-122"/>
-            </a:endParaRPr>
           </a:p>
           <a:p>
             <a:pPr marL="0" indent="0" latinLnBrk="0">
@@ -19955,10 +19615,6 @@
               </a:rPr>
               <a:t>,0,NULL,0,NULL,NULL,NOW(),NOW(),1,0);</a:t>
             </a:r>
-            <a:endParaRPr lang="zh-CN" altLang="en-US" sz="900">
-              <a:latin typeface="宋体" panose="02010600030101010101" pitchFamily="2" charset="-122"/>
-              <a:cs typeface="宋体" panose="02010600030101010101" pitchFamily="2" charset="-122"/>
-            </a:endParaRPr>
           </a:p>
           <a:p>
             <a:pPr marL="0" indent="0" latinLnBrk="0">
@@ -20082,11 +19738,6 @@
               </a:rPr>
               <a:t>','default',1,500,0,NULL,0,NULL,NULL,NOW(),NOW(),1,0);</a:t>
             </a:r>
-            <a:endParaRPr lang="zh-CN" altLang="en-US" sz="900">
-              <a:latin typeface="宋体" panose="02010600030101010101" pitchFamily="2" charset="-122"/>
-              <a:cs typeface="宋体" panose="02010600030101010101" pitchFamily="2" charset="-122"/>
-              <a:sym typeface="+mn-ea"/>
-            </a:endParaRPr>
           </a:p>
           <a:p>
             <a:pPr marL="0" algn="l" latinLnBrk="0">
@@ -20166,13 +19817,6 @@
   <p:transition>
     <p:fade/>
   </p:transition>
-  <p:timing>
-    <p:tnLst>
-      <p:par>
-        <p:cTn id="1" dur="indefinite" restart="never" nodeType="tmRoot"/>
-      </p:par>
-    </p:tnLst>
-  </p:timing>
 </p:sld>
 </file>
 
@@ -20236,23 +19880,19 @@
           <a:lstStyle/>
           <a:p>
             <a:r>
-              <a:rPr lang="en-US" altLang="zh-CN" sz="3200" dirty="0" smtClean="0">
+              <a:rPr lang="en-US" altLang="zh-CN" sz="3200" dirty="0">
                 <a:latin typeface="微软雅黑" panose="020B0503020204020204" pitchFamily="34" charset="-122"/>
                 <a:ea typeface="微软雅黑" panose="020B0503020204020204" pitchFamily="34" charset="-122"/>
               </a:rPr>
               <a:t>sentinel-support</a:t>
             </a:r>
             <a:r>
-              <a:rPr lang="zh-CN" altLang="en-US" sz="3200" dirty="0" smtClean="0">
+              <a:rPr lang="zh-CN" altLang="en-US" sz="3200" dirty="0">
                 <a:latin typeface="微软雅黑" panose="020B0503020204020204" pitchFamily="34" charset="-122"/>
                 <a:ea typeface="微软雅黑" panose="020B0503020204020204" pitchFamily="34" charset="-122"/>
               </a:rPr>
               <a:t>工程</a:t>
             </a:r>
-            <a:endParaRPr lang="zh-CN" altLang="en-US" sz="3200" dirty="0" smtClean="0">
-              <a:latin typeface="微软雅黑" panose="020B0503020204020204" pitchFamily="34" charset="-122"/>
-              <a:ea typeface="微软雅黑" panose="020B0503020204020204" pitchFamily="34" charset="-122"/>
-            </a:endParaRPr>
           </a:p>
         </p:txBody>
       </p:sp>
@@ -20276,6 +19916,7 @@
           <a:bodyPr wrap="square" rtlCol="0">
             <a:spAutoFit/>
           </a:bodyPr>
+          <a:lstStyle/>
           <a:p>
             <a:pPr marL="0" indent="0" latinLnBrk="0">
               <a:lnSpc>
@@ -20290,10 +19931,6 @@
               </a:rPr>
               <a:t>业务工程接入步骤：</a:t>
             </a:r>
-            <a:endParaRPr lang="zh-CN" altLang="en-US">
-              <a:latin typeface="宋体" panose="02010600030101010101" pitchFamily="2" charset="-122"/>
-              <a:cs typeface="宋体" panose="02010600030101010101" pitchFamily="2" charset="-122"/>
-            </a:endParaRPr>
           </a:p>
           <a:p>
             <a:pPr marL="0" indent="0" latinLnBrk="0">
@@ -20351,10 +19988,6 @@
               </a:rPr>
               <a:t> </a:t>
             </a:r>
-            <a:endParaRPr lang="en-US" altLang="zh-CN" sz="1400" b="1">
-              <a:latin typeface="宋体" panose="02010600030101010101" pitchFamily="2" charset="-122"/>
-              <a:cs typeface="宋体" panose="02010600030101010101" pitchFamily="2" charset="-122"/>
-            </a:endParaRPr>
           </a:p>
           <a:p>
             <a:pPr marL="0" indent="0" algn="l" latinLnBrk="0">
@@ -20371,10 +20004,6 @@
               </a:rPr>
               <a:t>修改启动脚本，增加JVM参数</a:t>
             </a:r>
-            <a:endParaRPr lang="zh-CN" altLang="en-US" sz="1400">
-              <a:latin typeface="宋体" panose="02010600030101010101" pitchFamily="2" charset="-122"/>
-              <a:cs typeface="宋体" panose="02010600030101010101" pitchFamily="2" charset="-122"/>
-            </a:endParaRPr>
           </a:p>
           <a:p>
             <a:pPr marL="0" indent="0" latinLnBrk="0">
@@ -20405,10 +20034,6 @@
               </a:rPr>
               <a:t>的控制台ip和端口 </a:t>
             </a:r>
-            <a:endParaRPr lang="zh-CN" altLang="en-US" sz="1200">
-              <a:latin typeface="宋体" panose="02010600030101010101" pitchFamily="2" charset="-122"/>
-              <a:cs typeface="宋体" panose="02010600030101010101" pitchFamily="2" charset="-122"/>
-            </a:endParaRPr>
           </a:p>
           <a:p>
             <a:pPr marL="0" indent="0" latinLnBrk="0">
@@ -20425,10 +20050,6 @@
               </a:rPr>
               <a:t>-Dcsp.sentinel.api.port=8719 // 客户端api监控端口,默认8719，单机多个应用需要配置不同的端口 </a:t>
             </a:r>
-            <a:endParaRPr lang="zh-CN" altLang="en-US" sz="1200">
-              <a:latin typeface="宋体" panose="02010600030101010101" pitchFamily="2" charset="-122"/>
-              <a:cs typeface="宋体" panose="02010600030101010101" pitchFamily="2" charset="-122"/>
-            </a:endParaRPr>
           </a:p>
           <a:p>
             <a:pPr marL="0" indent="0" latinLnBrk="0">
@@ -20445,10 +20066,6 @@
               </a:rPr>
               <a:t>-Dproject.name=xxx // 应用名称 </a:t>
             </a:r>
-            <a:endParaRPr lang="zh-CN" altLang="en-US" sz="1200">
-              <a:latin typeface="宋体" panose="02010600030101010101" pitchFamily="2" charset="-122"/>
-              <a:cs typeface="宋体" panose="02010600030101010101" pitchFamily="2" charset="-122"/>
-            </a:endParaRPr>
           </a:p>
           <a:p>
             <a:pPr marL="0" indent="0" latinLnBrk="0">
@@ -20480,13 +20097,6 @@
   <p:transition>
     <p:fade/>
   </p:transition>
-  <p:timing>
-    <p:tnLst>
-      <p:par>
-        <p:cTn id="1" dur="indefinite" restart="never" nodeType="tmRoot"/>
-      </p:par>
-    </p:tnLst>
-  </p:timing>
 </p:sld>
 </file>
 
@@ -20550,16 +20160,12 @@
           <a:lstStyle/>
           <a:p>
             <a:r>
-              <a:rPr lang="en-US" sz="3200" dirty="0" smtClean="0">
+              <a:rPr lang="en-US" sz="3200" dirty="0">
                 <a:latin typeface="微软雅黑" panose="020B0503020204020204" pitchFamily="34" charset="-122"/>
                 <a:ea typeface="微软雅黑" panose="020B0503020204020204" pitchFamily="34" charset="-122"/>
               </a:rPr>
               <a:t>TODO LIST</a:t>
             </a:r>
-            <a:endParaRPr lang="en-US" sz="3200" dirty="0" smtClean="0">
-              <a:latin typeface="微软雅黑" panose="020B0503020204020204" pitchFamily="34" charset="-122"/>
-              <a:ea typeface="微软雅黑" panose="020B0503020204020204" pitchFamily="34" charset="-122"/>
-            </a:endParaRPr>
           </a:p>
         </p:txBody>
       </p:sp>
@@ -20583,6 +20189,7 @@
           <a:bodyPr wrap="square" rtlCol="0">
             <a:spAutoFit/>
           </a:bodyPr>
+          <a:lstStyle/>
           <a:p>
             <a:pPr marL="0" indent="0" latinLnBrk="0">
               <a:lnSpc>
@@ -20598,10 +20205,6 @@
               </a:rPr>
               <a:t>Dubbo </a:t>
             </a:r>
-            <a:endParaRPr lang="en-US" altLang="zh-CN">
-              <a:latin typeface="宋体" panose="02010600030101010101" pitchFamily="2" charset="-122"/>
-              <a:cs typeface="宋体" panose="02010600030101010101" pitchFamily="2" charset="-122"/>
-            </a:endParaRPr>
           </a:p>
           <a:p>
             <a:pPr marL="0" indent="0" latinLnBrk="0">
@@ -20660,10 +20263,6 @@
               </a:rPr>
               <a:t>流控的BlockException转换为SentinelRpcException抛出；</a:t>
             </a:r>
-            <a:endParaRPr lang="zh-CN" altLang="en-US" sz="1200">
-              <a:latin typeface="宋体" panose="02010600030101010101" pitchFamily="2" charset="-122"/>
-              <a:cs typeface="宋体" panose="02010600030101010101" pitchFamily="2" charset="-122"/>
-            </a:endParaRPr>
           </a:p>
           <a:p>
             <a:pPr marL="0" indent="0" latinLnBrk="0">
@@ -20736,10 +20335,6 @@
               </a:rPr>
               <a:t>；</a:t>
             </a:r>
-            <a:endParaRPr lang="zh-CN" altLang="en-US" sz="1200">
-              <a:latin typeface="宋体" panose="02010600030101010101" pitchFamily="2" charset="-122"/>
-              <a:cs typeface="宋体" panose="02010600030101010101" pitchFamily="2" charset="-122"/>
-            </a:endParaRPr>
           </a:p>
           <a:p>
             <a:pPr marL="0" indent="0" latinLnBrk="0">
@@ -20776,10 +20371,6 @@
               </a:rPr>
               <a:t>(Dashboard)</a:t>
             </a:r>
-            <a:endParaRPr lang="en-US" altLang="zh-CN">
-              <a:latin typeface="宋体" panose="02010600030101010101" pitchFamily="2" charset="-122"/>
-              <a:cs typeface="宋体" panose="02010600030101010101" pitchFamily="2" charset="-122"/>
-            </a:endParaRPr>
           </a:p>
           <a:p>
             <a:pPr marL="285750" indent="-285750" latinLnBrk="0">
@@ -20796,10 +20387,6 @@
               </a:rPr>
               <a:t>规则数据的持久化</a:t>
             </a:r>
-            <a:endParaRPr lang="zh-CN" altLang="en-US">
-              <a:latin typeface="宋体" panose="02010600030101010101" pitchFamily="2" charset="-122"/>
-              <a:cs typeface="宋体" panose="02010600030101010101" pitchFamily="2" charset="-122"/>
-            </a:endParaRPr>
           </a:p>
           <a:p>
             <a:pPr marL="0" indent="0" latinLnBrk="0">
@@ -20865,10 +20452,6 @@
               </a:rPr>
               <a:t>。</a:t>
             </a:r>
-            <a:endParaRPr lang="zh-CN" altLang="en-US" sz="1200">
-              <a:latin typeface="宋体" panose="02010600030101010101" pitchFamily="2" charset="-122"/>
-              <a:cs typeface="宋体" panose="02010600030101010101" pitchFamily="2" charset="-122"/>
-            </a:endParaRPr>
           </a:p>
           <a:p>
             <a:pPr marL="0" indent="0" latinLnBrk="0">
@@ -20959,11 +20542,6 @@
               </a:rPr>
               <a:t>)</a:t>
             </a:r>
-            <a:endParaRPr lang="en-US" altLang="zh-CN" sz="1200">
-              <a:latin typeface="宋体" panose="02010600030101010101" pitchFamily="2" charset="-122"/>
-              <a:cs typeface="宋体" panose="02010600030101010101" pitchFamily="2" charset="-122"/>
-              <a:sym typeface="+mn-ea"/>
-            </a:endParaRPr>
           </a:p>
           <a:p>
             <a:pPr marL="0" indent="0" latinLnBrk="0">
@@ -21009,10 +20587,6 @@
               </a:rPr>
               <a:t>监控数据的持久化</a:t>
             </a:r>
-            <a:endParaRPr lang="zh-CN" altLang="en-US">
-              <a:latin typeface="宋体" panose="02010600030101010101" pitchFamily="2" charset="-122"/>
-              <a:cs typeface="宋体" panose="02010600030101010101" pitchFamily="2" charset="-122"/>
-            </a:endParaRPr>
           </a:p>
           <a:p>
             <a:pPr marL="0" indent="0" latinLnBrk="0">
@@ -21083,10 +20657,6 @@
               </a:rPr>
               <a:t>权限控制</a:t>
             </a:r>
-            <a:endParaRPr lang="zh-CN" altLang="en-US">
-              <a:latin typeface="宋体" panose="02010600030101010101" pitchFamily="2" charset="-122"/>
-              <a:cs typeface="宋体" panose="02010600030101010101" pitchFamily="2" charset="-122"/>
-            </a:endParaRPr>
           </a:p>
           <a:p>
             <a:pPr marL="0" indent="0" latinLnBrk="0">
@@ -21137,10 +20707,6 @@
               </a:rPr>
               <a:t>)</a:t>
             </a:r>
-            <a:endParaRPr lang="en-US" altLang="zh-CN" sz="1200">
-              <a:latin typeface="宋体" panose="02010600030101010101" pitchFamily="2" charset="-122"/>
-              <a:cs typeface="宋体" panose="02010600030101010101" pitchFamily="2" charset="-122"/>
-            </a:endParaRPr>
           </a:p>
         </p:txBody>
       </p:sp>
@@ -21152,13 +20718,6 @@
   <p:transition>
     <p:fade/>
   </p:transition>
-  <p:timing>
-    <p:tnLst>
-      <p:par>
-        <p:cTn id="1" dur="indefinite" restart="never" nodeType="tmRoot"/>
-      </p:par>
-    </p:tnLst>
-  </p:timing>
 </p:sld>
 </file>
 
@@ -21171,7 +20730,14 @@
         <p:cNvGrpSpPr/>
         <p:nvPr/>
       </p:nvGrpSpPr>
-      <p:grpSpPr/>
+      <p:grpSpPr>
+        <a:xfrm>
+          <a:off x="0" y="0"/>
+          <a:ext cx="0" cy="0"/>
+          <a:chOff x="0" y="0"/>
+          <a:chExt cx="0" cy="0"/>
+        </a:xfrm>
+      </p:grpSpPr>
       <p:sp>
         <p:nvSpPr>
           <p:cNvPr id="2" name="标题 1"/>
@@ -21185,12 +20751,12 @@
         <p:spPr/>
         <p:txBody>
           <a:bodyPr/>
+          <a:lstStyle/>
           <a:p>
             <a:r>
               <a:rPr lang="zh-CN" altLang="en-US"/>
               <a:t>简介</a:t>
             </a:r>
-            <a:endParaRPr lang="zh-CN" altLang="en-US"/>
           </a:p>
         </p:txBody>
       </p:sp>
@@ -21404,7 +20970,7 @@
               <a:buNone/>
             </a:pPr>
             <a:r>
-              <a:rPr lang="en-US" sz="2800" b="1" dirty="0" smtClean="0">
+              <a:rPr lang="en-US" sz="2800" b="1" dirty="0">
                 <a:solidFill>
                   <a:schemeClr val="tx1"/>
                 </a:solidFill>
@@ -21415,7 +20981,41 @@
               </a:rPr>
               <a:t>Sentinel</a:t>
             </a:r>
-            <a:endParaRPr lang="en-US" sz="2800" b="1" dirty="0" smtClean="0">
+          </a:p>
+          <a:p>
+            <a:pPr>
+              <a:buNone/>
+            </a:pPr>
+            <a:r>
+              <a:rPr lang="en-US" altLang="zh-CN" sz="1600" dirty="0">
+                <a:solidFill>
+                  <a:schemeClr val="tx1"/>
+                </a:solidFill>
+                <a:uFillTx/>
+                <a:latin typeface="Arial" panose="020B0604020202020204" pitchFamily="34" charset="0"/>
+                <a:ea typeface="宋体" panose="02010600030101010101" pitchFamily="2" charset="-122"/>
+                <a:cs typeface="+mn-lt"/>
+              </a:rPr>
+              <a:t>A lightweight flow-control library providing high-available protection and monitoring</a:t>
+            </a:r>
+          </a:p>
+          <a:p>
+            <a:pPr>
+              <a:buNone/>
+            </a:pPr>
+            <a:r>
+              <a:rPr lang="en-US" altLang="zh-CN" sz="1600" dirty="0">
+                <a:solidFill>
+                  <a:schemeClr val="tx1"/>
+                </a:solidFill>
+                <a:uFillTx/>
+                <a:latin typeface="宋体" panose="02010600030101010101" pitchFamily="2" charset="-122"/>
+                <a:ea typeface="宋体" panose="02010600030101010101" pitchFamily="2" charset="-122"/>
+                <a:cs typeface="+mn-lt"/>
+              </a:rPr>
+              <a:t>高可用防护的流量管理框架</a:t>
+            </a:r>
+            <a:endParaRPr lang="en-US" altLang="zh-CN" dirty="0">
               <a:solidFill>
                 <a:schemeClr val="tx1"/>
               </a:solidFill>
@@ -21427,10 +21027,14 @@
           </a:p>
           <a:p>
             <a:pPr>
-              <a:buNone/>
-            </a:pPr>
-            <a:r>
-              <a:rPr lang="en-US" altLang="zh-CN" sz="1600" dirty="0" smtClean="0">
+              <a:lnSpc>
+                <a:spcPct val="150000"/>
+              </a:lnSpc>
+              <a:buFont typeface="Wingdings" panose="05000000000000000000" pitchFamily="2" charset="2"/>
+              <a:buChar char="n"/>
+            </a:pPr>
+            <a:r>
+              <a:rPr lang="en-US" altLang="zh-CN" sz="1400" dirty="0">
                 <a:solidFill>
                   <a:schemeClr val="tx1"/>
                 </a:solidFill>
@@ -21439,9 +21043,183 @@
                 <a:ea typeface="宋体" panose="02010600030101010101" pitchFamily="2" charset="-122"/>
                 <a:cs typeface="+mn-lt"/>
               </a:rPr>
-              <a:t>A lightweight flow-control library providing high-available protection and monitoring</a:t>
-            </a:r>
-            <a:endParaRPr lang="en-US" altLang="zh-CN" sz="1600" dirty="0" smtClean="0">
+              <a:t>git</a:t>
+            </a:r>
+            <a:r>
+              <a:rPr lang="zh-CN" altLang="en-US" sz="1400" dirty="0">
+                <a:solidFill>
+                  <a:schemeClr val="tx1"/>
+                </a:solidFill>
+                <a:uFillTx/>
+                <a:latin typeface="Arial" panose="020B0604020202020204" pitchFamily="34" charset="0"/>
+                <a:ea typeface="宋体" panose="02010600030101010101" pitchFamily="2" charset="-122"/>
+                <a:cs typeface="+mn-lt"/>
+              </a:rPr>
+              <a:t>地址</a:t>
+            </a:r>
+          </a:p>
+          <a:p>
+            <a:pPr marL="0" indent="0">
+              <a:lnSpc>
+                <a:spcPct val="150000"/>
+              </a:lnSpc>
+              <a:buFont typeface="Wingdings" panose="05000000000000000000" pitchFamily="2" charset="2"/>
+              <a:buNone/>
+            </a:pPr>
+            <a:r>
+              <a:rPr lang="zh-CN" altLang="en-US" sz="1400" dirty="0">
+                <a:solidFill>
+                  <a:schemeClr val="tx1"/>
+                </a:solidFill>
+                <a:uFillTx/>
+                <a:latin typeface="Arial" panose="020B0604020202020204" pitchFamily="34" charset="0"/>
+                <a:ea typeface="宋体" panose="02010600030101010101" pitchFamily="2" charset="-122"/>
+                <a:cs typeface="+mn-lt"/>
+              </a:rPr>
+              <a:t>       主页</a:t>
+            </a:r>
+            <a:r>
+              <a:rPr lang="en-US" altLang="zh-CN" sz="1400" dirty="0">
+                <a:solidFill>
+                  <a:schemeClr val="tx1"/>
+                </a:solidFill>
+                <a:uFillTx/>
+                <a:latin typeface="Arial" panose="020B0604020202020204" pitchFamily="34" charset="0"/>
+                <a:ea typeface="宋体" panose="02010600030101010101" pitchFamily="2" charset="-122"/>
+                <a:cs typeface="+mn-lt"/>
+              </a:rPr>
+              <a:t>: </a:t>
+            </a:r>
+            <a:r>
+              <a:rPr lang="zh-CN" altLang="en-US" sz="1400" dirty="0">
+                <a:solidFill>
+                  <a:schemeClr val="tx1"/>
+                </a:solidFill>
+                <a:uFillTx/>
+                <a:latin typeface="Arial" panose="020B0604020202020204" pitchFamily="34" charset="0"/>
+                <a:ea typeface="宋体" panose="02010600030101010101" pitchFamily="2" charset="-122"/>
+                <a:cs typeface="+mn-lt"/>
+              </a:rPr>
+              <a:t>https://github.com/alibaba/Sentinel</a:t>
+            </a:r>
+          </a:p>
+          <a:p>
+            <a:pPr marL="0" indent="0">
+              <a:lnSpc>
+                <a:spcPct val="150000"/>
+              </a:lnSpc>
+              <a:buFont typeface="Wingdings" panose="05000000000000000000" pitchFamily="2" charset="2"/>
+              <a:buNone/>
+            </a:pPr>
+            <a:r>
+              <a:rPr lang="zh-CN" altLang="en-US" sz="1400" dirty="0">
+                <a:solidFill>
+                  <a:schemeClr val="tx1"/>
+                </a:solidFill>
+                <a:uFillTx/>
+                <a:latin typeface="Arial" panose="020B0604020202020204" pitchFamily="34" charset="0"/>
+                <a:ea typeface="宋体" panose="02010600030101010101" pitchFamily="2" charset="-122"/>
+                <a:cs typeface="+mn-lt"/>
+              </a:rPr>
+              <a:t>       </a:t>
+            </a:r>
+            <a:r>
+              <a:rPr lang="en-US" altLang="zh-CN" sz="1400" dirty="0">
+                <a:solidFill>
+                  <a:schemeClr val="tx1"/>
+                </a:solidFill>
+                <a:uFillTx/>
+                <a:latin typeface="Arial" panose="020B0604020202020204" pitchFamily="34" charset="0"/>
+                <a:ea typeface="宋体" panose="02010600030101010101" pitchFamily="2" charset="-122"/>
+                <a:cs typeface="+mn-lt"/>
+              </a:rPr>
+              <a:t>wiki: </a:t>
+            </a:r>
+            <a:r>
+              <a:rPr lang="zh-CN" altLang="en-US" sz="1400" dirty="0">
+                <a:solidFill>
+                  <a:schemeClr val="tx1"/>
+                </a:solidFill>
+                <a:uFillTx/>
+                <a:latin typeface="Arial" panose="020B0604020202020204" pitchFamily="34" charset="0"/>
+                <a:ea typeface="宋体" panose="02010600030101010101" pitchFamily="2" charset="-122"/>
+                <a:cs typeface="+mn-lt"/>
+              </a:rPr>
+              <a:t> https://github.com/alibaba/Sentinel/wiki</a:t>
+            </a:r>
+          </a:p>
+          <a:p>
+            <a:pPr>
+              <a:lnSpc>
+                <a:spcPct val="150000"/>
+              </a:lnSpc>
+              <a:buFont typeface="Wingdings" panose="05000000000000000000" pitchFamily="2" charset="2"/>
+              <a:buChar char="n"/>
+            </a:pPr>
+            <a:r>
+              <a:rPr lang="zh-CN" altLang="en-US" sz="1400" dirty="0">
+                <a:solidFill>
+                  <a:schemeClr val="tx1"/>
+                </a:solidFill>
+                <a:uFillTx/>
+                <a:latin typeface="Arial" panose="020B0604020202020204" pitchFamily="34" charset="0"/>
+                <a:ea typeface="宋体" panose="02010600030101010101" pitchFamily="2" charset="-122"/>
+                <a:cs typeface="+mn-lt"/>
+              </a:rPr>
+              <a:t>目前最新版本：</a:t>
+            </a:r>
+          </a:p>
+          <a:p>
+            <a:pPr marL="0" indent="0">
+              <a:lnSpc>
+                <a:spcPct val="150000"/>
+              </a:lnSpc>
+              <a:buFont typeface="Wingdings" panose="05000000000000000000" pitchFamily="2" charset="2"/>
+              <a:buNone/>
+            </a:pPr>
+            <a:r>
+              <a:rPr lang="en-US" altLang="zh-CN" sz="1400" dirty="0">
+                <a:solidFill>
+                  <a:schemeClr val="tx1"/>
+                </a:solidFill>
+                <a:uFillTx/>
+                <a:latin typeface="Arial" panose="020B0604020202020204" pitchFamily="34" charset="0"/>
+                <a:ea typeface="宋体" panose="02010600030101010101" pitchFamily="2" charset="-122"/>
+                <a:cs typeface="+mn-lt"/>
+              </a:rPr>
+              <a:t>	       git master: 0.2.0-SNAPSHOT</a:t>
+            </a:r>
+          </a:p>
+          <a:p>
+            <a:pPr marL="0" indent="0">
+              <a:lnSpc>
+                <a:spcPct val="150000"/>
+              </a:lnSpc>
+              <a:buFont typeface="Wingdings" panose="05000000000000000000" pitchFamily="2" charset="2"/>
+              <a:buNone/>
+            </a:pPr>
+            <a:r>
+              <a:rPr lang="en-US" altLang="zh-CN" sz="1400" dirty="0">
+                <a:solidFill>
+                  <a:schemeClr val="tx1"/>
+                </a:solidFill>
+                <a:uFillTx/>
+                <a:latin typeface="Arial" panose="020B0604020202020204" pitchFamily="34" charset="0"/>
+                <a:ea typeface="宋体" panose="02010600030101010101" pitchFamily="2" charset="-122"/>
+                <a:cs typeface="+mn-lt"/>
+              </a:rPr>
+              <a:t> 	      maven central: 0.1.1</a:t>
+            </a:r>
+          </a:p>
+          <a:p>
+            <a:pPr marL="0" indent="0">
+              <a:lnSpc>
+                <a:spcPct val="150000"/>
+              </a:lnSpc>
+              <a:buFont typeface="Wingdings" panose="05000000000000000000" pitchFamily="2" charset="2"/>
+              <a:buNone/>
+            </a:pPr>
+            <a:endParaRPr lang="en-US" altLang="zh-CN" sz="1400" dirty="0">
               <a:solidFill>
                 <a:schemeClr val="tx1"/>
               </a:solidFill>
@@ -21453,21 +21231,12 @@
           </a:p>
           <a:p>
             <a:pPr>
-              <a:buNone/>
-            </a:pPr>
-            <a:r>
-              <a:rPr lang="en-US" altLang="zh-CN" sz="1600" dirty="0" smtClean="0">
-                <a:solidFill>
-                  <a:schemeClr val="tx1"/>
-                </a:solidFill>
-                <a:uFillTx/>
-                <a:latin typeface="宋体" panose="02010600030101010101" pitchFamily="2" charset="-122"/>
-                <a:ea typeface="宋体" panose="02010600030101010101" pitchFamily="2" charset="-122"/>
-                <a:cs typeface="+mn-lt"/>
-              </a:rPr>
-              <a:t>高可用防护的流量管理框架</a:t>
-            </a:r>
-            <a:endParaRPr lang="en-US" altLang="zh-CN" dirty="0" smtClean="0">
+              <a:lnSpc>
+                <a:spcPct val="150000"/>
+              </a:lnSpc>
+              <a:buNone/>
+            </a:pPr>
+            <a:endParaRPr lang="en-US" altLang="zh-CN" sz="1400" dirty="0">
               <a:solidFill>
                 <a:schemeClr val="tx1"/>
               </a:solidFill>
@@ -21478,38 +21247,13 @@
             </a:endParaRPr>
           </a:p>
           <a:p>
-            <a:pPr>
+            <a:pPr marL="0" indent="0">
               <a:lnSpc>
                 <a:spcPct val="150000"/>
               </a:lnSpc>
-              <a:buFont typeface="Wingdings" panose="05000000000000000000" pitchFamily="2" charset="2"/>
-              <a:buChar char="n"/>
-            </a:pPr>
-            <a:r>
-              <a:rPr lang="en-US" altLang="zh-CN" sz="1400" dirty="0" smtClean="0">
-                <a:solidFill>
-                  <a:schemeClr val="tx1"/>
-                </a:solidFill>
-                <a:uFillTx/>
-                <a:latin typeface="Arial" panose="020B0604020202020204" pitchFamily="34" charset="0"/>
-                <a:ea typeface="宋体" panose="02010600030101010101" pitchFamily="2" charset="-122"/>
-                <a:cs typeface="+mn-lt"/>
-              </a:rPr>
-              <a:t>git</a:t>
-            </a:r>
-            <a:r>
-              <a:rPr lang="zh-CN" altLang="en-US" sz="1400" dirty="0" smtClean="0">
-                <a:solidFill>
-                  <a:schemeClr val="tx1"/>
-                </a:solidFill>
-                <a:uFillTx/>
-                <a:latin typeface="Arial" panose="020B0604020202020204" pitchFamily="34" charset="0"/>
-                <a:ea typeface="宋体" panose="02010600030101010101" pitchFamily="2" charset="-122"/>
-                <a:cs typeface="+mn-lt"/>
-              </a:rPr>
-              <a:t>地址</a:t>
-            </a:r>
-            <a:endParaRPr lang="zh-CN" altLang="en-US" sz="1400" dirty="0" smtClean="0">
+              <a:buNone/>
+            </a:pPr>
+            <a:endParaRPr lang="en-US" altLang="zh-CN" sz="1600" dirty="0">
               <a:solidFill>
                 <a:schemeClr val="tx1"/>
               </a:solidFill>
@@ -21520,50 +21264,10 @@
             </a:endParaRPr>
           </a:p>
           <a:p>
-            <a:pPr marL="0" indent="0">
-              <a:lnSpc>
-                <a:spcPct val="150000"/>
-              </a:lnSpc>
-              <a:buFont typeface="Wingdings" panose="05000000000000000000" pitchFamily="2" charset="2"/>
-              <a:buNone/>
-            </a:pPr>
-            <a:r>
-              <a:rPr lang="zh-CN" altLang="en-US" sz="1400" dirty="0" smtClean="0">
-                <a:solidFill>
-                  <a:schemeClr val="tx1"/>
-                </a:solidFill>
-                <a:uFillTx/>
-                <a:latin typeface="Arial" panose="020B0604020202020204" pitchFamily="34" charset="0"/>
-                <a:ea typeface="宋体" panose="02010600030101010101" pitchFamily="2" charset="-122"/>
-                <a:cs typeface="+mn-lt"/>
-              </a:rPr>
-              <a:t>       主页</a:t>
-            </a:r>
-            <a:r>
-              <a:rPr lang="en-US" altLang="zh-CN" sz="1400" dirty="0" smtClean="0">
-                <a:solidFill>
-                  <a:schemeClr val="tx1"/>
-                </a:solidFill>
-                <a:uFillTx/>
-                <a:latin typeface="Arial" panose="020B0604020202020204" pitchFamily="34" charset="0"/>
-                <a:ea typeface="宋体" panose="02010600030101010101" pitchFamily="2" charset="-122"/>
-                <a:cs typeface="+mn-lt"/>
-              </a:rPr>
-              <a:t>: </a:t>
-            </a:r>
-            <a:r>
-              <a:rPr lang="zh-CN" altLang="en-US" sz="1400" dirty="0" smtClean="0">
-                <a:solidFill>
-                  <a:schemeClr val="tx1"/>
-                </a:solidFill>
-                <a:uFillTx/>
-                <a:latin typeface="Arial" panose="020B0604020202020204" pitchFamily="34" charset="0"/>
-                <a:ea typeface="宋体" panose="02010600030101010101" pitchFamily="2" charset="-122"/>
-                <a:cs typeface="+mn-lt"/>
-              </a:rPr>
-              <a:t>https://github.com/alibaba/Sentinel</a:t>
-            </a:r>
-            <a:endParaRPr lang="zh-CN" altLang="en-US" sz="1400" dirty="0" smtClean="0">
+            <a:pPr>
+              <a:buNone/>
+            </a:pPr>
+            <a:endParaRPr lang="en-US" altLang="zh-CN" dirty="0">
               <a:solidFill>
                 <a:schemeClr val="tx1"/>
               </a:solidFill>
@@ -21574,220 +21278,10 @@
             </a:endParaRPr>
           </a:p>
           <a:p>
-            <a:pPr marL="0" indent="0">
-              <a:lnSpc>
-                <a:spcPct val="150000"/>
-              </a:lnSpc>
-              <a:buFont typeface="Wingdings" panose="05000000000000000000" pitchFamily="2" charset="2"/>
-              <a:buNone/>
-            </a:pPr>
-            <a:r>
-              <a:rPr lang="zh-CN" altLang="en-US" sz="1400" dirty="0" smtClean="0">
-                <a:solidFill>
-                  <a:schemeClr val="tx1"/>
-                </a:solidFill>
-                <a:uFillTx/>
-                <a:latin typeface="Arial" panose="020B0604020202020204" pitchFamily="34" charset="0"/>
-                <a:ea typeface="宋体" panose="02010600030101010101" pitchFamily="2" charset="-122"/>
-                <a:cs typeface="+mn-lt"/>
-              </a:rPr>
-              <a:t>       </a:t>
-            </a:r>
-            <a:r>
-              <a:rPr lang="en-US" altLang="zh-CN" sz="1400" dirty="0" smtClean="0">
-                <a:solidFill>
-                  <a:schemeClr val="tx1"/>
-                </a:solidFill>
-                <a:uFillTx/>
-                <a:latin typeface="Arial" panose="020B0604020202020204" pitchFamily="34" charset="0"/>
-                <a:ea typeface="宋体" panose="02010600030101010101" pitchFamily="2" charset="-122"/>
-                <a:cs typeface="+mn-lt"/>
-              </a:rPr>
-              <a:t>wiki: </a:t>
-            </a:r>
-            <a:r>
-              <a:rPr lang="zh-CN" altLang="en-US" sz="1400" dirty="0" smtClean="0">
-                <a:solidFill>
-                  <a:schemeClr val="tx1"/>
-                </a:solidFill>
-                <a:uFillTx/>
-                <a:latin typeface="Arial" panose="020B0604020202020204" pitchFamily="34" charset="0"/>
-                <a:ea typeface="宋体" panose="02010600030101010101" pitchFamily="2" charset="-122"/>
-                <a:cs typeface="+mn-lt"/>
-              </a:rPr>
-              <a:t> https://github.com/alibaba/Sentinel/wiki</a:t>
-            </a:r>
-            <a:endParaRPr lang="zh-CN" altLang="en-US" sz="1400" dirty="0" smtClean="0">
-              <a:solidFill>
-                <a:schemeClr val="tx1"/>
-              </a:solidFill>
-              <a:uFillTx/>
-              <a:latin typeface="Arial" panose="020B0604020202020204" pitchFamily="34" charset="0"/>
-              <a:ea typeface="宋体" panose="02010600030101010101" pitchFamily="2" charset="-122"/>
-              <a:cs typeface="+mn-lt"/>
-            </a:endParaRPr>
-          </a:p>
-          <a:p>
             <a:pPr>
-              <a:lnSpc>
-                <a:spcPct val="150000"/>
-              </a:lnSpc>
-              <a:buFont typeface="Wingdings" panose="05000000000000000000" pitchFamily="2" charset="2"/>
-              <a:buChar char="n"/>
-            </a:pPr>
-            <a:r>
-              <a:rPr lang="zh-CN" altLang="en-US" sz="1400" dirty="0" smtClean="0">
-                <a:solidFill>
-                  <a:schemeClr val="tx1"/>
-                </a:solidFill>
-                <a:uFillTx/>
-                <a:latin typeface="Arial" panose="020B0604020202020204" pitchFamily="34" charset="0"/>
-                <a:ea typeface="宋体" panose="02010600030101010101" pitchFamily="2" charset="-122"/>
-                <a:cs typeface="+mn-lt"/>
-              </a:rPr>
-              <a:t>目前最新版本：</a:t>
-            </a:r>
-            <a:endParaRPr lang="zh-CN" altLang="en-US" sz="1400" dirty="0" smtClean="0">
-              <a:solidFill>
-                <a:schemeClr val="tx1"/>
-              </a:solidFill>
-              <a:uFillTx/>
-              <a:latin typeface="Arial" panose="020B0604020202020204" pitchFamily="34" charset="0"/>
-              <a:ea typeface="宋体" panose="02010600030101010101" pitchFamily="2" charset="-122"/>
-              <a:cs typeface="+mn-lt"/>
-            </a:endParaRPr>
-          </a:p>
-          <a:p>
-            <a:pPr marL="0" indent="0">
-              <a:lnSpc>
-                <a:spcPct val="150000"/>
-              </a:lnSpc>
-              <a:buFont typeface="Wingdings" panose="05000000000000000000" pitchFamily="2" charset="2"/>
-              <a:buNone/>
-            </a:pPr>
-            <a:r>
-              <a:rPr lang="en-US" altLang="zh-CN" sz="1400" dirty="0" smtClean="0">
-                <a:solidFill>
-                  <a:schemeClr val="tx1"/>
-                </a:solidFill>
-                <a:uFillTx/>
-                <a:latin typeface="Arial" panose="020B0604020202020204" pitchFamily="34" charset="0"/>
-                <a:ea typeface="宋体" panose="02010600030101010101" pitchFamily="2" charset="-122"/>
-                <a:cs typeface="+mn-lt"/>
-              </a:rPr>
-              <a:t>	       git master: 0.2.0-SNAPSHOT</a:t>
-            </a:r>
-            <a:endParaRPr lang="en-US" altLang="zh-CN" sz="1400" dirty="0" smtClean="0">
-              <a:solidFill>
-                <a:schemeClr val="tx1"/>
-              </a:solidFill>
-              <a:uFillTx/>
-              <a:latin typeface="Arial" panose="020B0604020202020204" pitchFamily="34" charset="0"/>
-              <a:ea typeface="宋体" panose="02010600030101010101" pitchFamily="2" charset="-122"/>
-              <a:cs typeface="+mn-lt"/>
-            </a:endParaRPr>
-          </a:p>
-          <a:p>
-            <a:pPr marL="0" indent="0">
-              <a:lnSpc>
-                <a:spcPct val="150000"/>
-              </a:lnSpc>
-              <a:buFont typeface="Wingdings" panose="05000000000000000000" pitchFamily="2" charset="2"/>
-              <a:buNone/>
-            </a:pPr>
-            <a:r>
-              <a:rPr lang="en-US" altLang="zh-CN" sz="1400" dirty="0" smtClean="0">
-                <a:solidFill>
-                  <a:schemeClr val="tx1"/>
-                </a:solidFill>
-                <a:uFillTx/>
-                <a:latin typeface="Arial" panose="020B0604020202020204" pitchFamily="34" charset="0"/>
-                <a:ea typeface="宋体" panose="02010600030101010101" pitchFamily="2" charset="-122"/>
-                <a:cs typeface="+mn-lt"/>
-              </a:rPr>
-              <a:t> 	      maven central: 0.1.1</a:t>
-            </a:r>
-            <a:endParaRPr lang="en-US" altLang="zh-CN" sz="1400" dirty="0" smtClean="0">
-              <a:solidFill>
-                <a:schemeClr val="tx1"/>
-              </a:solidFill>
-              <a:uFillTx/>
-              <a:latin typeface="Arial" panose="020B0604020202020204" pitchFamily="34" charset="0"/>
-              <a:ea typeface="宋体" panose="02010600030101010101" pitchFamily="2" charset="-122"/>
-              <a:cs typeface="+mn-lt"/>
-            </a:endParaRPr>
-          </a:p>
-          <a:p>
-            <a:pPr marL="0" indent="0">
-              <a:lnSpc>
-                <a:spcPct val="150000"/>
-              </a:lnSpc>
-              <a:buFont typeface="Wingdings" panose="05000000000000000000" pitchFamily="2" charset="2"/>
-              <a:buNone/>
-            </a:pPr>
-            <a:endParaRPr lang="en-US" altLang="zh-CN" sz="1400" dirty="0" smtClean="0">
-              <a:solidFill>
-                <a:schemeClr val="tx1"/>
-              </a:solidFill>
-              <a:uFillTx/>
-              <a:latin typeface="Arial" panose="020B0604020202020204" pitchFamily="34" charset="0"/>
-              <a:ea typeface="宋体" panose="02010600030101010101" pitchFamily="2" charset="-122"/>
-              <a:cs typeface="+mn-lt"/>
-            </a:endParaRPr>
-          </a:p>
-          <a:p>
-            <a:pPr>
-              <a:lnSpc>
-                <a:spcPct val="150000"/>
-              </a:lnSpc>
-              <a:buNone/>
-            </a:pPr>
-            <a:endParaRPr lang="en-US" altLang="zh-CN" sz="1400" dirty="0" smtClean="0">
-              <a:solidFill>
-                <a:schemeClr val="tx1"/>
-              </a:solidFill>
-              <a:uFillTx/>
-              <a:latin typeface="Arial" panose="020B0604020202020204" pitchFamily="34" charset="0"/>
-              <a:ea typeface="宋体" panose="02010600030101010101" pitchFamily="2" charset="-122"/>
-              <a:cs typeface="+mn-lt"/>
-            </a:endParaRPr>
-          </a:p>
-          <a:p>
-            <a:pPr marL="0" indent="0">
-              <a:lnSpc>
-                <a:spcPct val="150000"/>
-              </a:lnSpc>
-              <a:buNone/>
-            </a:pPr>
-            <a:endParaRPr lang="en-US" altLang="zh-CN" sz="1600" dirty="0" smtClean="0">
-              <a:solidFill>
-                <a:schemeClr val="tx1"/>
-              </a:solidFill>
-              <a:uFillTx/>
-              <a:latin typeface="Arial" panose="020B0604020202020204" pitchFamily="34" charset="0"/>
-              <a:ea typeface="宋体" panose="02010600030101010101" pitchFamily="2" charset="-122"/>
-              <a:cs typeface="+mn-lt"/>
-            </a:endParaRPr>
-          </a:p>
-          <a:p>
-            <a:pPr>
-              <a:buNone/>
-            </a:pPr>
-            <a:endParaRPr lang="en-US" altLang="zh-CN" dirty="0" smtClean="0">
-              <a:solidFill>
-                <a:schemeClr val="tx1"/>
-              </a:solidFill>
-              <a:uFillTx/>
-              <a:latin typeface="Arial" panose="020B0604020202020204" pitchFamily="34" charset="0"/>
-              <a:ea typeface="宋体" panose="02010600030101010101" pitchFamily="2" charset="-122"/>
-              <a:cs typeface="+mn-lt"/>
-            </a:endParaRPr>
-          </a:p>
-          <a:p>
-            <a:pPr>
-              <a:buNone/>
-            </a:pPr>
-            <a:endParaRPr lang="en-US" altLang="zh-CN" dirty="0" smtClean="0">
+              <a:buNone/>
+            </a:pPr>
+            <a:endParaRPr lang="en-US" altLang="zh-CN" dirty="0">
               <a:solidFill>
                 <a:schemeClr val="tx1"/>
               </a:solidFill>
@@ -21848,16 +21342,12 @@
           <a:lstStyle/>
           <a:p>
             <a:r>
-              <a:rPr lang="zh-CN" altLang="en-US" dirty="0" smtClean="0">
+              <a:rPr lang="zh-CN" altLang="en-US" dirty="0">
                 <a:latin typeface="微软雅黑" panose="020B0503020204020204" pitchFamily="34" charset="-122"/>
                 <a:ea typeface="微软雅黑" panose="020B0503020204020204" pitchFamily="34" charset="-122"/>
               </a:rPr>
               <a:t>问题讨论</a:t>
             </a:r>
-            <a:endParaRPr lang="zh-CN" altLang="en-US" dirty="0">
-              <a:latin typeface="微软雅黑" panose="020B0503020204020204" pitchFamily="34" charset="-122"/>
-              <a:ea typeface="微软雅黑" panose="020B0503020204020204" pitchFamily="34" charset="-122"/>
-            </a:endParaRPr>
           </a:p>
         </p:txBody>
       </p:sp>
@@ -21921,7 +21411,6 @@
               <a:rPr lang="zh-CN" altLang="en-US" sz="1100" dirty="0"/>
               <a:t>流控防护？</a:t>
             </a:r>
-            <a:endParaRPr lang="zh-CN" altLang="en-US" sz="1100" dirty="0"/>
           </a:p>
           <a:p>
             <a:pPr marL="0" indent="0">
@@ -21935,7 +21424,6 @@
               <a:rPr lang="zh-CN" altLang="en-US" sz="1100" dirty="0"/>
               <a:t>     划分核心应用和非核心应用；</a:t>
             </a:r>
-            <a:endParaRPr lang="zh-CN" altLang="en-US" sz="1100" dirty="0"/>
           </a:p>
           <a:p>
             <a:pPr marL="0" indent="0">
@@ -22035,7 +21523,6 @@
               <a:rPr lang="zh-CN" altLang="en-US" sz="1100" dirty="0"/>
               <a:t>配置；</a:t>
             </a:r>
-            <a:endParaRPr lang="zh-CN" altLang="en-US" sz="1100" dirty="0"/>
           </a:p>
           <a:p>
             <a:pPr marL="0" indent="0">
@@ -22049,7 +21536,6 @@
               <a:rPr lang="zh-CN" altLang="en-US" sz="1100" dirty="0"/>
               <a:t>     降级规则：响应时间、异常比例；</a:t>
             </a:r>
-            <a:endParaRPr lang="zh-CN" altLang="en-US" sz="1100" dirty="0"/>
           </a:p>
           <a:p>
             <a:pPr marL="0" indent="0">
@@ -22063,7 +21549,6 @@
               <a:rPr lang="zh-CN" altLang="en-US" sz="1100" dirty="0"/>
               <a:t>     系统规则：</a:t>
             </a:r>
-            <a:endParaRPr lang="zh-CN" altLang="en-US" sz="1100" dirty="0"/>
           </a:p>
           <a:p>
             <a:pPr marL="0" indent="0">
@@ -22077,7 +21562,6 @@
               <a:rPr lang="zh-CN" altLang="en-US" sz="1100" dirty="0"/>
               <a:t>     关联关系、链路调用限流的场景？</a:t>
             </a:r>
-            <a:endParaRPr lang="zh-CN" altLang="en-US" sz="1100" dirty="0"/>
           </a:p>
           <a:p>
             <a:pPr marL="0" indent="0">
@@ -22101,7 +21585,6 @@
               <a:rPr lang="zh-CN" altLang="en-US" sz="1100" dirty="0"/>
               <a:t>     </a:t>
             </a:r>
-            <a:endParaRPr lang="zh-CN" altLang="en-US" sz="1100" dirty="0"/>
           </a:p>
           <a:p>
             <a:pPr marL="171450" indent="-171450">
@@ -22119,7 +21602,6 @@
               <a:rPr lang="zh-CN" altLang="en-US" sz="1100" dirty="0"/>
               <a:t>网关层接入</a:t>
             </a:r>
-            <a:endParaRPr lang="zh-CN" altLang="en-US" sz="1100" dirty="0"/>
           </a:p>
           <a:p>
             <a:pPr marL="0" indent="0">
@@ -22149,7 +21631,6 @@
               <a:rPr lang="zh-CN" altLang="en-US" sz="1100" dirty="0"/>
               <a:t>，也是业务系统界面或第三分系统调用链的入口；</a:t>
             </a:r>
-            <a:endParaRPr lang="zh-CN" altLang="en-US" sz="1100" dirty="0"/>
           </a:p>
           <a:p>
             <a:pPr marL="0" indent="0">
@@ -22163,7 +21644,6 @@
               <a:rPr lang="zh-CN" altLang="en-US" sz="1100" dirty="0"/>
               <a:t>    考虑设置流控规则、系统规则？</a:t>
             </a:r>
-            <a:endParaRPr lang="zh-CN" altLang="en-US" sz="1100" dirty="0"/>
           </a:p>
           <a:p>
             <a:pPr marL="0" indent="0">
@@ -22177,7 +21657,6 @@
               <a:rPr lang="zh-CN" altLang="en-US" sz="1100" dirty="0"/>
               <a:t>   </a:t>
             </a:r>
-            <a:endParaRPr lang="zh-CN" altLang="en-US" sz="1100" dirty="0"/>
           </a:p>
           <a:p>
             <a:pPr marL="0" indent="0">
@@ -22209,13 +21688,6 @@
   <p:transition>
     <p:fade/>
   </p:transition>
-  <p:timing>
-    <p:tnLst>
-      <p:par>
-        <p:cTn id="1" dur="indefinite" restart="never" nodeType="tmRoot"/>
-      </p:par>
-    </p:tnLst>
-  </p:timing>
 </p:sld>
 </file>
 
@@ -22257,16 +21729,12 @@
           <a:lstStyle/>
           <a:p>
             <a:r>
-              <a:rPr lang="zh-CN" altLang="en-US" dirty="0" smtClean="0">
+              <a:rPr lang="zh-CN" altLang="en-US" dirty="0">
                 <a:latin typeface="微软雅黑" panose="020B0503020204020204" pitchFamily="34" charset="-122"/>
                 <a:ea typeface="微软雅黑" panose="020B0503020204020204" pitchFamily="34" charset="-122"/>
               </a:rPr>
               <a:t>问题讨论</a:t>
             </a:r>
-            <a:endParaRPr lang="zh-CN" altLang="en-US" dirty="0">
-              <a:latin typeface="微软雅黑" panose="020B0503020204020204" pitchFamily="34" charset="-122"/>
-              <a:ea typeface="微软雅黑" panose="020B0503020204020204" pitchFamily="34" charset="-122"/>
-            </a:endParaRPr>
           </a:p>
         </p:txBody>
       </p:sp>
@@ -22307,7 +21775,6 @@
               <a:rPr lang="zh-CN" altLang="en-US" sz="1100" dirty="0"/>
               <a:t>接入</a:t>
             </a:r>
-            <a:endParaRPr lang="zh-CN" altLang="en-US" sz="1100" dirty="0"/>
           </a:p>
           <a:p>
             <a:pPr marL="0" indent="0">
@@ -22329,7 +21796,6 @@
               <a:rPr lang="zh-CN" altLang="en-US" sz="1100" dirty="0"/>
               <a:t>作为消息队列中间件，本身有一定消息堆积能力，堆积量通过界面直观看到，考虑发送端暂不用流控？</a:t>
             </a:r>
-            <a:endParaRPr lang="zh-CN" altLang="en-US" sz="1100" dirty="0"/>
           </a:p>
           <a:p>
             <a:pPr marL="0" indent="0" algn="l">
@@ -22359,7 +21825,6 @@
               <a:rPr lang="zh-CN" altLang="en-US" sz="1100" dirty="0"/>
               <a:t>方式取消息，限制接收速率，是用于从链路调用顶端控制</a:t>
             </a:r>
-            <a:endParaRPr lang="zh-CN" altLang="en-US" sz="1100" dirty="0"/>
           </a:p>
           <a:p>
             <a:pPr marL="0" indent="0" algn="l">
@@ -22373,7 +21838,6 @@
               <a:rPr lang="zh-CN" altLang="en-US" sz="1100" dirty="0"/>
               <a:t>                    流量，避免消息突刺导致超过下游应用的负载，但需要考虑：</a:t>
             </a:r>
-            <a:endParaRPr lang="zh-CN" altLang="en-US" sz="1100" dirty="0"/>
           </a:p>
           <a:p>
             <a:pPr marL="0" indent="0">
@@ -22395,7 +21859,6 @@
               <a:rPr lang="zh-CN" altLang="en-US" sz="1100" dirty="0"/>
               <a:t>应用根据场景选用快速失败、冷启动、匀速器哪一种模式？</a:t>
             </a:r>
-            <a:endParaRPr lang="zh-CN" altLang="en-US" sz="1100" dirty="0"/>
           </a:p>
           <a:p>
             <a:pPr marL="0" indent="0">
@@ -22425,7 +21888,6 @@
               <a:rPr lang="zh-CN" altLang="en-US" sz="1100" dirty="0"/>
               <a:t>，流控后重新丢消息到原队列或者丢到重试队列？</a:t>
             </a:r>
-            <a:endParaRPr lang="zh-CN" altLang="en-US" sz="1100" dirty="0"/>
           </a:p>
           <a:p>
             <a:pPr marL="0" indent="0">
@@ -22455,7 +21917,6 @@
               <a:rPr lang="zh-CN" altLang="en-US" sz="1100" dirty="0"/>
               <a:t>还需要压测</a:t>
             </a:r>
-            <a:endParaRPr lang="zh-CN" altLang="en-US" sz="1100" dirty="0"/>
           </a:p>
           <a:p>
             <a:pPr marL="0" indent="0">
@@ -22477,7 +21938,6 @@
               <a:rPr lang="zh-CN" altLang="en-US" sz="1100" dirty="0"/>
               <a:t>阈值；</a:t>
             </a:r>
-            <a:endParaRPr lang="zh-CN" altLang="en-US" sz="1100" dirty="0"/>
           </a:p>
           <a:p>
             <a:pPr marL="0" indent="0">
@@ -22491,7 +21951,6 @@
               <a:rPr lang="zh-CN" altLang="en-US" sz="1100" dirty="0"/>
               <a:t>         </a:t>
             </a:r>
-            <a:endParaRPr lang="zh-CN" altLang="en-US" sz="1100" dirty="0"/>
           </a:p>
           <a:p>
             <a:pPr marL="171450" indent="-171450">
@@ -22509,7 +21968,6 @@
               <a:rPr lang="zh-CN" altLang="en-US" sz="1100" dirty="0"/>
               <a:t>接入</a:t>
             </a:r>
-            <a:endParaRPr lang="zh-CN" altLang="en-US" sz="1100" dirty="0"/>
           </a:p>
           <a:p>
             <a:pPr marL="0" indent="0">
@@ -22547,7 +22005,6 @@
               <a:rPr lang="zh-CN" altLang="en-US" sz="1100" dirty="0"/>
               <a:t>的负载；</a:t>
             </a:r>
-            <a:endParaRPr lang="zh-CN" altLang="en-US" sz="1100" dirty="0"/>
           </a:p>
           <a:p>
             <a:pPr marL="0" indent="0">
@@ -22603,7 +22060,6 @@
               <a:rPr lang="zh-CN" altLang="en-US" sz="1100" dirty="0"/>
               <a:t>？ </a:t>
             </a:r>
-            <a:endParaRPr lang="zh-CN" altLang="en-US" sz="1100" dirty="0"/>
           </a:p>
           <a:p>
             <a:pPr marL="0" indent="0">
@@ -22625,13 +22081,6 @@
   <p:transition>
     <p:fade/>
   </p:transition>
-  <p:timing>
-    <p:tnLst>
-      <p:par>
-        <p:cTn id="1" dur="indefinite" restart="never" nodeType="tmRoot"/>
-      </p:par>
-    </p:tnLst>
-  </p:timing>
 </p:sld>
 </file>
 
@@ -22673,16 +22122,12 @@
           <a:lstStyle/>
           <a:p>
             <a:r>
-              <a:rPr lang="zh-CN" altLang="en-US" dirty="0" smtClean="0">
+              <a:rPr lang="zh-CN" altLang="en-US" dirty="0">
                 <a:latin typeface="微软雅黑" panose="020B0503020204020204" pitchFamily="34" charset="-122"/>
                 <a:ea typeface="微软雅黑" panose="020B0503020204020204" pitchFamily="34" charset="-122"/>
               </a:rPr>
               <a:t>问题讨论</a:t>
             </a:r>
-            <a:endParaRPr lang="zh-CN" altLang="en-US" dirty="0">
-              <a:latin typeface="微软雅黑" panose="020B0503020204020204" pitchFamily="34" charset="-122"/>
-              <a:ea typeface="微软雅黑" panose="020B0503020204020204" pitchFamily="34" charset="-122"/>
-            </a:endParaRPr>
           </a:p>
         </p:txBody>
       </p:sp>
@@ -22706,6 +22151,7 @@
           <a:bodyPr wrap="square" rtlCol="0">
             <a:spAutoFit/>
           </a:bodyPr>
+          <a:lstStyle/>
           <a:p>
             <a:r>
               <a:rPr lang="zh-CN" altLang="en-US"/>
@@ -22719,7 +22165,6 @@
               <a:rPr lang="zh-CN" altLang="en-US"/>
               <a:t>：保护核心应用</a:t>
             </a:r>
-            <a:endParaRPr lang="zh-CN" altLang="en-US"/>
           </a:p>
         </p:txBody>
       </p:sp>
@@ -22743,12 +22188,12 @@
           <a:bodyPr wrap="square" rtlCol="0">
             <a:spAutoFit/>
           </a:bodyPr>
+          <a:lstStyle/>
           <a:p>
             <a:r>
               <a:rPr lang="zh-CN" altLang="en-US" sz="9600"/>
               <a:t>？</a:t>
             </a:r>
-            <a:endParaRPr lang="zh-CN" altLang="en-US" sz="9600"/>
           </a:p>
         </p:txBody>
       </p:sp>
@@ -22760,13 +22205,6 @@
   <p:transition>
     <p:fade/>
   </p:transition>
-  <p:timing>
-    <p:tnLst>
-      <p:par>
-        <p:cTn id="1" dur="indefinite" restart="never" nodeType="tmRoot"/>
-      </p:par>
-    </p:tnLst>
-  </p:timing>
 </p:sld>
 </file>
 
@@ -22808,16 +22246,12 @@
           <a:lstStyle/>
           <a:p>
             <a:r>
-              <a:rPr lang="zh-CN" altLang="en-US" dirty="0" smtClean="0">
+              <a:rPr lang="zh-CN" altLang="en-US" dirty="0">
                 <a:latin typeface="微软雅黑" panose="020B0503020204020204" pitchFamily="34" charset="-122"/>
                 <a:ea typeface="微软雅黑" panose="020B0503020204020204" pitchFamily="34" charset="-122"/>
               </a:rPr>
               <a:t>问题讨论</a:t>
             </a:r>
-            <a:endParaRPr lang="zh-CN" altLang="en-US" dirty="0">
-              <a:latin typeface="微软雅黑" panose="020B0503020204020204" pitchFamily="34" charset="-122"/>
-              <a:ea typeface="微软雅黑" panose="020B0503020204020204" pitchFamily="34" charset="-122"/>
-            </a:endParaRPr>
           </a:p>
         </p:txBody>
       </p:sp>
@@ -22841,6 +22275,7 @@
           <a:bodyPr wrap="square" rtlCol="0">
             <a:spAutoFit/>
           </a:bodyPr>
+          <a:lstStyle/>
           <a:p>
             <a:r>
               <a:rPr lang="zh-CN" altLang="en-US"/>
@@ -22854,7 +22289,6 @@
               <a:rPr lang="zh-CN" altLang="en-US"/>
               <a:t>：下游应用限速</a:t>
             </a:r>
-            <a:endParaRPr lang="zh-CN" altLang="en-US"/>
           </a:p>
         </p:txBody>
       </p:sp>
@@ -22878,12 +22312,12 @@
           <a:bodyPr wrap="square" rtlCol="0">
             <a:spAutoFit/>
           </a:bodyPr>
+          <a:lstStyle/>
           <a:p>
             <a:r>
               <a:rPr lang="zh-CN" altLang="en-US" sz="9600"/>
               <a:t>？</a:t>
             </a:r>
-            <a:endParaRPr lang="zh-CN" altLang="en-US" sz="9600"/>
           </a:p>
         </p:txBody>
       </p:sp>
@@ -22895,13 +22329,6 @@
   <p:transition>
     <p:fade/>
   </p:transition>
-  <p:timing>
-    <p:tnLst>
-      <p:par>
-        <p:cTn id="1" dur="indefinite" restart="never" nodeType="tmRoot"/>
-      </p:par>
-    </p:tnLst>
-  </p:timing>
 </p:sld>
 </file>
 
@@ -22943,16 +22370,12 @@
           <a:lstStyle/>
           <a:p>
             <a:r>
-              <a:rPr lang="zh-CN" altLang="en-US" dirty="0" smtClean="0">
+              <a:rPr lang="zh-CN" altLang="en-US" dirty="0">
                 <a:latin typeface="微软雅黑" panose="020B0503020204020204" pitchFamily="34" charset="-122"/>
                 <a:ea typeface="微软雅黑" panose="020B0503020204020204" pitchFamily="34" charset="-122"/>
               </a:rPr>
               <a:t>问题讨论</a:t>
             </a:r>
-            <a:endParaRPr lang="zh-CN" altLang="en-US" dirty="0">
-              <a:latin typeface="微软雅黑" panose="020B0503020204020204" pitchFamily="34" charset="-122"/>
-              <a:ea typeface="微软雅黑" panose="020B0503020204020204" pitchFamily="34" charset="-122"/>
-            </a:endParaRPr>
           </a:p>
         </p:txBody>
       </p:sp>
@@ -22965,7 +22388,7 @@
           <p:nvPr/>
         </p:nvPicPr>
         <p:blipFill>
-          <a:blip r:embed="rId1"/>
+          <a:blip r:embed="rId2"/>
           <a:stretch>
             <a:fillRect/>
           </a:stretch>
@@ -23000,6 +22423,7 @@
           <a:bodyPr wrap="square" rtlCol="0">
             <a:spAutoFit/>
           </a:bodyPr>
+          <a:lstStyle/>
           <a:p>
             <a:r>
               <a:rPr lang="zh-CN" altLang="en-US"/>
@@ -23013,7 +22437,6 @@
               <a:rPr lang="zh-CN" altLang="en-US"/>
               <a:t>：第三方接口限速</a:t>
             </a:r>
-            <a:endParaRPr lang="zh-CN" altLang="en-US"/>
           </a:p>
         </p:txBody>
       </p:sp>
@@ -23037,6 +22460,7 @@
           <a:bodyPr wrap="square" rtlCol="0">
             <a:spAutoFit/>
           </a:bodyPr>
+          <a:lstStyle/>
           <a:p>
             <a:r>
               <a:rPr lang="zh-CN" altLang="en-US" sz="1000">
@@ -23052,10 +22476,6 @@
               </a:rPr>
               <a:t>500ms</a:t>
             </a:r>
-            <a:endParaRPr lang="en-US" altLang="zh-CN" sz="1000">
-              <a:latin typeface="宋体" panose="02010600030101010101" pitchFamily="2" charset="-122"/>
-              <a:cs typeface="宋体" panose="02010600030101010101" pitchFamily="2" charset="-122"/>
-            </a:endParaRPr>
           </a:p>
           <a:p>
             <a:r>
@@ -23065,10 +22485,6 @@
               </a:rPr>
               <a:t>考虑内存溢出情况</a:t>
             </a:r>
-            <a:endParaRPr lang="zh-CN" altLang="en-US" sz="1000">
-              <a:latin typeface="宋体" panose="02010600030101010101" pitchFamily="2" charset="-122"/>
-              <a:cs typeface="宋体" panose="02010600030101010101" pitchFamily="2" charset="-122"/>
-            </a:endParaRPr>
           </a:p>
           <a:p>
             <a:r>
@@ -23078,10 +22494,6 @@
               </a:rPr>
               <a:t>根据请求量评估？</a:t>
             </a:r>
-            <a:endParaRPr lang="zh-CN" altLang="en-US" sz="1000">
-              <a:latin typeface="宋体" panose="02010600030101010101" pitchFamily="2" charset="-122"/>
-              <a:cs typeface="宋体" panose="02010600030101010101" pitchFamily="2" charset="-122"/>
-            </a:endParaRPr>
           </a:p>
         </p:txBody>
       </p:sp>
@@ -23105,6 +22517,7 @@
           <a:bodyPr wrap="square" rtlCol="0">
             <a:spAutoFit/>
           </a:bodyPr>
+          <a:lstStyle/>
           <a:p>
             <a:r>
               <a:rPr lang="zh-CN" altLang="en-US" sz="1000">
@@ -23113,10 +22526,6 @@
               </a:rPr>
               <a:t>排队超时会抛BlockException</a:t>
             </a:r>
-            <a:endParaRPr lang="zh-CN" altLang="en-US" sz="1000">
-              <a:latin typeface="宋体" panose="02010600030101010101" pitchFamily="2" charset="-122"/>
-              <a:cs typeface="宋体" panose="02010600030101010101" pitchFamily="2" charset="-122"/>
-            </a:endParaRPr>
           </a:p>
           <a:p>
             <a:r>
@@ -23140,10 +22549,6 @@
               </a:rPr>
               <a:t>适配</a:t>
             </a:r>
-            <a:endParaRPr lang="zh-CN" altLang="en-US" sz="1000">
-              <a:latin typeface="宋体" panose="02010600030101010101" pitchFamily="2" charset="-122"/>
-              <a:cs typeface="宋体" panose="02010600030101010101" pitchFamily="2" charset="-122"/>
-            </a:endParaRPr>
           </a:p>
           <a:p>
             <a:r>
@@ -23153,10 +22558,6 @@
               </a:rPr>
               <a:t>考虑捕获该异常</a:t>
             </a:r>
-            <a:endParaRPr lang="zh-CN" altLang="en-US" sz="1000">
-              <a:latin typeface="宋体" panose="02010600030101010101" pitchFamily="2" charset="-122"/>
-              <a:cs typeface="宋体" panose="02010600030101010101" pitchFamily="2" charset="-122"/>
-            </a:endParaRPr>
           </a:p>
           <a:p>
             <a:r>
@@ -23166,10 +22567,6 @@
               </a:rPr>
               <a:t>或实现DubboFallback接口</a:t>
             </a:r>
-            <a:endParaRPr lang="zh-CN" altLang="en-US" sz="1000">
-              <a:latin typeface="宋体" panose="02010600030101010101" pitchFamily="2" charset="-122"/>
-              <a:cs typeface="宋体" panose="02010600030101010101" pitchFamily="2" charset="-122"/>
-            </a:endParaRPr>
           </a:p>
         </p:txBody>
       </p:sp>
@@ -23193,6 +22590,7 @@
           <a:bodyPr wrap="square" rtlCol="0">
             <a:spAutoFit/>
           </a:bodyPr>
+          <a:lstStyle/>
           <a:p>
             <a:r>
               <a:rPr lang="zh-CN" altLang="en-US" sz="1000">
@@ -23201,10 +22599,6 @@
               </a:rPr>
               <a:t>捕获异常后如何处理？缺少上下文参数</a:t>
             </a:r>
-            <a:endParaRPr lang="zh-CN" altLang="en-US" sz="1000">
-              <a:latin typeface="宋体" panose="02010600030101010101" pitchFamily="2" charset="-122"/>
-              <a:cs typeface="宋体" panose="02010600030101010101" pitchFamily="2" charset="-122"/>
-            </a:endParaRPr>
           </a:p>
           <a:p>
             <a:r>
@@ -23241,10 +22635,6 @@
               </a:rPr>
               <a:t>Result handle(Invoker&lt;?&gt; invoker, Invocation invocation, BlockException ex);</a:t>
             </a:r>
-            <a:endParaRPr lang="zh-CN" altLang="en-US" sz="1000">
-              <a:latin typeface="宋体" panose="02010600030101010101" pitchFamily="2" charset="-122"/>
-              <a:cs typeface="宋体" panose="02010600030101010101" pitchFamily="2" charset="-122"/>
-            </a:endParaRPr>
           </a:p>
         </p:txBody>
       </p:sp>
@@ -23256,13 +22646,6 @@
   <p:transition>
     <p:fade/>
   </p:transition>
-  <p:timing>
-    <p:tnLst>
-      <p:par>
-        <p:cTn id="1" dur="indefinite" restart="never" nodeType="tmRoot"/>
-      </p:par>
-    </p:tnLst>
-  </p:timing>
 </p:sld>
 </file>
 
@@ -23310,10 +22693,6 @@
               </a:rPr>
               <a:t>参考资料</a:t>
             </a:r>
-            <a:endParaRPr lang="zh-CN" altLang="en-US" dirty="0">
-              <a:latin typeface="微软雅黑" panose="020B0503020204020204" pitchFamily="34" charset="-122"/>
-              <a:ea typeface="微软雅黑" panose="020B0503020204020204" pitchFamily="34" charset="-122"/>
-            </a:endParaRPr>
           </a:p>
         </p:txBody>
       </p:sp>
@@ -23344,18 +22723,13 @@
               <a:buNone/>
             </a:pPr>
             <a:r>
-              <a:rPr lang="en-US" altLang="zh-CN" sz="1200" dirty="0" smtClean="0">
+              <a:rPr lang="en-US" altLang="zh-CN" sz="1200" dirty="0">
                 <a:latin typeface="微软雅黑" panose="020B0503020204020204" pitchFamily="34" charset="-122"/>
                 <a:ea typeface="微软雅黑" panose="020B0503020204020204" pitchFamily="34" charset="-122"/>
                 <a:sym typeface="+mn-ea"/>
               </a:rPr>
               <a:t>	Sentinel官方文档</a:t>
             </a:r>
-            <a:endParaRPr lang="en-US" altLang="zh-CN" sz="1200" dirty="0" smtClean="0">
-              <a:latin typeface="微软雅黑" panose="020B0503020204020204" pitchFamily="34" charset="-122"/>
-              <a:ea typeface="微软雅黑" panose="020B0503020204020204" pitchFamily="34" charset="-122"/>
-              <a:sym typeface="+mn-ea"/>
-            </a:endParaRPr>
           </a:p>
           <a:p>
             <a:pPr marL="252095" indent="252095">
@@ -23366,7 +22740,7 @@
               <a:buAutoNum type="arabicPeriod"/>
             </a:pPr>
             <a:r>
-              <a:rPr lang="en-US" altLang="zh-CN" sz="1200" dirty="0" smtClean="0">
+              <a:rPr lang="en-US" altLang="zh-CN" sz="1200" dirty="0">
                 <a:latin typeface="微软雅黑" panose="020B0503020204020204" pitchFamily="34" charset="-122"/>
                 <a:ea typeface="微软雅黑" panose="020B0503020204020204" pitchFamily="34" charset="-122"/>
                 <a:sym typeface="+mn-ea"/>
@@ -23374,7 +22748,7 @@
               <a:t>WIKI</a:t>
             </a:r>
             <a:r>
-              <a:rPr lang="zh-CN" altLang="en-US" sz="1200" dirty="0" smtClean="0">
+              <a:rPr lang="zh-CN" altLang="en-US" sz="1200" dirty="0">
                 <a:latin typeface="微软雅黑" panose="020B0503020204020204" pitchFamily="34" charset="-122"/>
                 <a:ea typeface="微软雅黑" panose="020B0503020204020204" pitchFamily="34" charset="-122"/>
                 <a:sym typeface="+mn-ea"/>
@@ -23382,7 +22756,7 @@
               <a:t>：</a:t>
             </a:r>
             <a:r>
-              <a:rPr lang="en-US" altLang="zh-CN" sz="1200" dirty="0" smtClean="0">
+              <a:rPr lang="en-US" altLang="zh-CN" sz="1200" dirty="0">
                 <a:solidFill>
                   <a:schemeClr val="accent1">
                     <a:lumMod val="50000"/>
@@ -23394,7 +22768,7 @@
               </a:rPr>
               <a:t>https://github.com/alibaba/Sentinel/wiki</a:t>
             </a:r>
-            <a:endParaRPr lang="en-US" altLang="zh-CN" sz="1200" dirty="0" smtClean="0">
+            <a:endParaRPr lang="en-US" altLang="zh-CN" sz="1200" dirty="0">
               <a:solidFill>
                 <a:schemeClr val="accent1">
                   <a:lumMod val="50000"/>
@@ -23413,7 +22787,7 @@
               <a:buAutoNum type="arabicPeriod"/>
             </a:pPr>
             <a:r>
-              <a:rPr lang="en-US" altLang="zh-CN" sz="1200" dirty="0" smtClean="0">
+              <a:rPr lang="en-US" altLang="zh-CN" sz="1200" dirty="0">
                 <a:latin typeface="微软雅黑" panose="020B0503020204020204" pitchFamily="34" charset="-122"/>
                 <a:ea typeface="微软雅黑" panose="020B0503020204020204" pitchFamily="34" charset="-122"/>
                 <a:sym typeface="+mn-ea"/>
@@ -23421,7 +22795,7 @@
               <a:t>FAQ</a:t>
             </a:r>
             <a:r>
-              <a:rPr lang="zh-CN" altLang="en-US" sz="1200" dirty="0" smtClean="0">
+              <a:rPr lang="zh-CN" altLang="en-US" sz="1200" dirty="0">
                 <a:latin typeface="微软雅黑" panose="020B0503020204020204" pitchFamily="34" charset="-122"/>
                 <a:ea typeface="微软雅黑" panose="020B0503020204020204" pitchFamily="34" charset="-122"/>
                 <a:sym typeface="+mn-ea"/>
@@ -23429,7 +22803,7 @@
               <a:t>： </a:t>
             </a:r>
             <a:r>
-              <a:rPr lang="en-US" altLang="zh-CN" sz="1200" dirty="0" smtClean="0">
+              <a:rPr lang="en-US" altLang="zh-CN" sz="1200" dirty="0">
                 <a:solidFill>
                   <a:schemeClr val="accent1">
                     <a:lumMod val="50000"/>
@@ -23441,16 +22815,6 @@
               </a:rPr>
               <a:t>https://github.com/alibaba/Sentinel/wiki/FAQ</a:t>
             </a:r>
-            <a:endParaRPr lang="en-US" altLang="zh-CN" sz="1200" dirty="0" smtClean="0">
-              <a:solidFill>
-                <a:schemeClr val="accent1">
-                  <a:lumMod val="50000"/>
-                </a:schemeClr>
-              </a:solidFill>
-              <a:latin typeface="微软雅黑" panose="020B0503020204020204" pitchFamily="34" charset="-122"/>
-              <a:ea typeface="微软雅黑" panose="020B0503020204020204" pitchFamily="34" charset="-122"/>
-              <a:sym typeface="+mn-ea"/>
-            </a:endParaRPr>
           </a:p>
           <a:p>
             <a:pPr marL="252095" indent="0">
@@ -23460,7 +22824,7 @@
               <a:buFontTx/>
               <a:buNone/>
             </a:pPr>
-            <a:endParaRPr lang="en-US" altLang="zh-CN" sz="1200" dirty="0" smtClean="0">
+            <a:endParaRPr lang="en-US" altLang="zh-CN" sz="1200" dirty="0">
               <a:latin typeface="微软雅黑" panose="020B0503020204020204" pitchFamily="34" charset="-122"/>
               <a:ea typeface="微软雅黑" panose="020B0503020204020204" pitchFamily="34" charset="-122"/>
               <a:sym typeface="+mn-ea"/>
@@ -23474,18 +22838,13 @@
               <a:buNone/>
             </a:pPr>
             <a:r>
-              <a:rPr lang="en-US" altLang="zh-CN" sz="1200" dirty="0" smtClean="0">
+              <a:rPr lang="en-US" altLang="zh-CN" sz="1200" dirty="0">
                 <a:latin typeface="微软雅黑" panose="020B0503020204020204" pitchFamily="34" charset="-122"/>
                 <a:ea typeface="微软雅黑" panose="020B0503020204020204" pitchFamily="34" charset="-122"/>
                 <a:sym typeface="+mn-ea"/>
               </a:rPr>
               <a:t>Blog</a:t>
             </a:r>
-            <a:endParaRPr lang="en-US" altLang="zh-CN" sz="1200" dirty="0" smtClean="0">
-              <a:latin typeface="微软雅黑" panose="020B0503020204020204" pitchFamily="34" charset="-122"/>
-              <a:ea typeface="微软雅黑" panose="020B0503020204020204" pitchFamily="34" charset="-122"/>
-              <a:sym typeface="+mn-ea"/>
-            </a:endParaRPr>
           </a:p>
           <a:p>
             <a:pPr marL="252095" indent="252095" algn="l">
@@ -23496,27 +22855,27 @@
               <a:buAutoNum type="arabicPeriod"/>
             </a:pPr>
             <a:r>
-              <a:rPr lang="en-US" altLang="zh-CN" sz="1200" dirty="0" smtClean="0">
+              <a:rPr lang="en-US" altLang="zh-CN" sz="1200" dirty="0">
                 <a:latin typeface="微软雅黑" panose="020B0503020204020204" pitchFamily="34" charset="-122"/>
                 <a:ea typeface="微软雅黑" panose="020B0503020204020204" pitchFamily="34" charset="-122"/>
               </a:rPr>
               <a:t>Sentinel 为 Dubbo 服务保驾护航 by Eric Zhao </a:t>
             </a:r>
             <a:br>
-              <a:rPr lang="en-US" altLang="zh-CN" sz="1200" dirty="0" smtClean="0">
+              <a:rPr lang="en-US" altLang="zh-CN" sz="1200" dirty="0">
                 <a:latin typeface="微软雅黑" panose="020B0503020204020204" pitchFamily="34" charset="-122"/>
                 <a:ea typeface="微软雅黑" panose="020B0503020204020204" pitchFamily="34" charset="-122"/>
               </a:rPr>
             </a:br>
             <a:r>
-              <a:rPr lang="en-US" altLang="zh-CN" sz="1200" dirty="0" smtClean="0">
+              <a:rPr lang="en-US" altLang="zh-CN" sz="1200" dirty="0">
                 <a:latin typeface="微软雅黑" panose="020B0503020204020204" pitchFamily="34" charset="-122"/>
                 <a:ea typeface="微软雅黑" panose="020B0503020204020204" pitchFamily="34" charset="-122"/>
               </a:rPr>
               <a:t>	    </a:t>
             </a:r>
             <a:r>
-              <a:rPr lang="en-US" altLang="zh-CN" sz="1200" dirty="0" smtClean="0">
+              <a:rPr lang="en-US" altLang="zh-CN" sz="1200" dirty="0">
                 <a:solidFill>
                   <a:schemeClr val="accent1">
                     <a:lumMod val="50000"/>
@@ -23527,7 +22886,49 @@
               </a:rPr>
               <a:t>  http://dubbo.apache.org/zh-cn/blog/sentinel-introduction-for-dubbo.html</a:t>
             </a:r>
-            <a:endParaRPr lang="en-US" altLang="zh-CN" sz="1200" dirty="0" smtClean="0">
+          </a:p>
+          <a:p>
+            <a:pPr marL="252095" indent="252095">
+              <a:lnSpc>
+                <a:spcPct val="150000"/>
+              </a:lnSpc>
+              <a:buFontTx/>
+              <a:buAutoNum type="arabicPeriod"/>
+            </a:pPr>
+            <a:r>
+              <a:rPr lang="zh-CN" altLang="zh-CN" sz="1200" dirty="0">
+                <a:latin typeface="微软雅黑" panose="020B0503020204020204" pitchFamily="34" charset="-122"/>
+                <a:ea typeface="微软雅黑" panose="020B0503020204020204" pitchFamily="34" charset="-122"/>
+              </a:rPr>
+              <a:t>Sentinel一体化监控解决方案 CrateDB+Grafana by Young Hu</a:t>
+            </a:r>
+            <a:br>
+              <a:rPr lang="zh-CN" altLang="zh-CN" sz="1200" dirty="0">
+                <a:latin typeface="微软雅黑" panose="020B0503020204020204" pitchFamily="34" charset="-122"/>
+                <a:ea typeface="微软雅黑" panose="020B0503020204020204" pitchFamily="34" charset="-122"/>
+              </a:rPr>
+            </a:br>
+            <a:r>
+              <a:rPr lang="zh-CN" altLang="zh-CN" sz="1200" dirty="0">
+                <a:latin typeface="微软雅黑" panose="020B0503020204020204" pitchFamily="34" charset="-122"/>
+                <a:ea typeface="微软雅黑" panose="020B0503020204020204" pitchFamily="34" charset="-122"/>
+              </a:rPr>
+              <a:t>      </a:t>
+            </a:r>
+            <a:r>
+              <a:rPr lang="en-US" altLang="zh-CN" sz="1200" dirty="0">
+                <a:solidFill>
+                  <a:schemeClr val="accent1">
+                    <a:lumMod val="50000"/>
+                  </a:schemeClr>
+                </a:solidFill>
+                <a:latin typeface="微软雅黑" panose="020B0503020204020204" pitchFamily="34" charset="-122"/>
+                <a:ea typeface="微软雅黑" panose="020B0503020204020204" pitchFamily="34" charset="-122"/>
+                <a:sym typeface="+mn-ea"/>
+              </a:rPr>
+              <a:t>https://blog.csdn.net/huyong1990/article/details/82392386</a:t>
+            </a:r>
+            <a:endParaRPr lang="en-US" altLang="zh-CN" sz="1200" dirty="0">
               <a:solidFill>
                 <a:schemeClr val="accent1">
                   <a:lumMod val="50000"/>
@@ -23546,27 +22947,43 @@
               <a:buAutoNum type="arabicPeriod"/>
             </a:pPr>
             <a:r>
+              <a:rPr lang="en-US" altLang="zh-CN" sz="1200" dirty="0">
+                <a:latin typeface="微软雅黑" panose="020B0503020204020204" pitchFamily="34" charset="-122"/>
+                <a:ea typeface="微软雅黑" panose="020B0503020204020204" pitchFamily="34" charset="-122"/>
+                <a:sym typeface="+mn-ea"/>
+              </a:rPr>
+              <a:t>S</a:t>
+            </a:r>
+            <a:r>
               <a:rPr lang="zh-CN" altLang="zh-CN" sz="1200" dirty="0">
                 <a:latin typeface="微软雅黑" panose="020B0503020204020204" pitchFamily="34" charset="-122"/>
                 <a:ea typeface="微软雅黑" panose="020B0503020204020204" pitchFamily="34" charset="-122"/>
-              </a:rPr>
-              <a:t>Sentinel一体化监控解决方案 CrateDB+Grafana by Young Hu</a:t>
-            </a:r>
-            <a:br>
+                <a:sym typeface="+mn-ea"/>
+              </a:rPr>
+              <a:t>entinel自定义DataSource实战</a:t>
+            </a:r>
+            <a:endParaRPr lang="zh-CN" altLang="zh-CN" sz="1200" dirty="0">
+              <a:latin typeface="微软雅黑" panose="020B0503020204020204" pitchFamily="34" charset="-122"/>
+              <a:ea typeface="微软雅黑" panose="020B0503020204020204" pitchFamily="34" charset="-122"/>
+            </a:endParaRPr>
+          </a:p>
+          <a:p>
+            <a:pPr marL="252095" indent="0">
+              <a:lnSpc>
+                <a:spcPct val="150000"/>
+              </a:lnSpc>
+              <a:buFontTx/>
+              <a:buNone/>
+            </a:pPr>
+            <a:r>
               <a:rPr lang="zh-CN" altLang="zh-CN" sz="1200" dirty="0">
                 <a:latin typeface="微软雅黑" panose="020B0503020204020204" pitchFamily="34" charset="-122"/>
                 <a:ea typeface="微软雅黑" panose="020B0503020204020204" pitchFamily="34" charset="-122"/>
               </a:rPr>
-            </a:br>
-            <a:r>
-              <a:rPr lang="zh-CN" altLang="zh-CN" sz="1200" dirty="0">
-                <a:latin typeface="微软雅黑" panose="020B0503020204020204" pitchFamily="34" charset="-122"/>
-                <a:ea typeface="微软雅黑" panose="020B0503020204020204" pitchFamily="34" charset="-122"/>
-              </a:rPr>
-              <a:t>      </a:t>
-            </a:r>
-            <a:r>
-              <a:rPr lang="en-US" altLang="zh-CN" sz="1200" dirty="0" smtClean="0">
+              <a:t>     </a:t>
+            </a:r>
+            <a:r>
+              <a:rPr lang="en-US" altLang="zh-CN" sz="1200" dirty="0">
                 <a:solidFill>
                   <a:schemeClr val="accent1">
                     <a:lumMod val="50000"/>
@@ -23574,11 +22991,19 @@
                 </a:solidFill>
                 <a:latin typeface="微软雅黑" panose="020B0503020204020204" pitchFamily="34" charset="-122"/>
                 <a:ea typeface="微软雅黑" panose="020B0503020204020204" pitchFamily="34" charset="-122"/>
-                <a:sym typeface="+mn-ea"/>
-              </a:rPr>
-              <a:t>https://blog.csdn.net/huyong1990/article/details/82392386</a:t>
-            </a:r>
-            <a:endParaRPr lang="en-US" altLang="zh-CN" sz="1200" dirty="0" smtClean="0">
+              </a:rPr>
+              <a:t> https://my.oschina.net/go4it/blog/1930472</a:t>
+            </a:r>
+          </a:p>
+          <a:p>
+            <a:pPr marL="252095" indent="0">
+              <a:lnSpc>
+                <a:spcPct val="150000"/>
+              </a:lnSpc>
+              <a:buFontTx/>
+              <a:buNone/>
+            </a:pPr>
+            <a:endParaRPr lang="en-US" altLang="zh-CN" sz="1200" dirty="0">
               <a:solidFill>
                 <a:schemeClr val="accent1">
                   <a:lumMod val="50000"/>
@@ -23589,104 +23014,19 @@
             </a:endParaRPr>
           </a:p>
           <a:p>
-            <a:pPr marL="252095" indent="252095">
-              <a:lnSpc>
-                <a:spcPct val="150000"/>
-              </a:lnSpc>
-              <a:buFontTx/>
-              <a:buAutoNum type="arabicPeriod"/>
-            </a:pPr>
-            <a:r>
-              <a:rPr lang="en-US" altLang="zh-CN" sz="1200" dirty="0">
-                <a:latin typeface="微软雅黑" panose="020B0503020204020204" pitchFamily="34" charset="-122"/>
-                <a:ea typeface="微软雅黑" panose="020B0503020204020204" pitchFamily="34" charset="-122"/>
-                <a:sym typeface="+mn-ea"/>
-              </a:rPr>
-              <a:t>S</a:t>
-            </a:r>
-            <a:r>
-              <a:rPr lang="zh-CN" altLang="zh-CN" sz="1200" dirty="0">
-                <a:latin typeface="微软雅黑" panose="020B0503020204020204" pitchFamily="34" charset="-122"/>
-                <a:ea typeface="微软雅黑" panose="020B0503020204020204" pitchFamily="34" charset="-122"/>
-                <a:sym typeface="+mn-ea"/>
-              </a:rPr>
-              <a:t>entinel自定义DataSource实战</a:t>
-            </a:r>
-            <a:endParaRPr lang="zh-CN" altLang="zh-CN" sz="1200" dirty="0">
-              <a:latin typeface="微软雅黑" panose="020B0503020204020204" pitchFamily="34" charset="-122"/>
-              <a:ea typeface="微软雅黑" panose="020B0503020204020204" pitchFamily="34" charset="-122"/>
-            </a:endParaRPr>
-          </a:p>
-          <a:p>
-            <a:pPr marL="252095" indent="0">
-              <a:lnSpc>
-                <a:spcPct val="150000"/>
-              </a:lnSpc>
-              <a:buFontTx/>
-              <a:buNone/>
-            </a:pPr>
-            <a:r>
-              <a:rPr lang="zh-CN" altLang="zh-CN" sz="1200" dirty="0">
-                <a:latin typeface="微软雅黑" panose="020B0503020204020204" pitchFamily="34" charset="-122"/>
-                <a:ea typeface="微软雅黑" panose="020B0503020204020204" pitchFamily="34" charset="-122"/>
-              </a:rPr>
-              <a:t>     </a:t>
-            </a:r>
-            <a:r>
-              <a:rPr lang="en-US" altLang="zh-CN" sz="1200" dirty="0" smtClean="0">
-                <a:solidFill>
-                  <a:schemeClr val="accent1">
-                    <a:lumMod val="50000"/>
-                  </a:schemeClr>
-                </a:solidFill>
-                <a:latin typeface="微软雅黑" panose="020B0503020204020204" pitchFamily="34" charset="-122"/>
-                <a:ea typeface="微软雅黑" panose="020B0503020204020204" pitchFamily="34" charset="-122"/>
-              </a:rPr>
-              <a:t> https://my.oschina.net/go4it/blog/1930472</a:t>
-            </a:r>
-            <a:endParaRPr lang="en-US" altLang="zh-CN" sz="1200" dirty="0" smtClean="0">
-              <a:solidFill>
-                <a:schemeClr val="accent1">
-                  <a:lumMod val="50000"/>
-                </a:schemeClr>
-              </a:solidFill>
-              <a:latin typeface="微软雅黑" panose="020B0503020204020204" pitchFamily="34" charset="-122"/>
-              <a:ea typeface="微软雅黑" panose="020B0503020204020204" pitchFamily="34" charset="-122"/>
-            </a:endParaRPr>
-          </a:p>
-          <a:p>
-            <a:pPr marL="252095" indent="0">
-              <a:lnSpc>
-                <a:spcPct val="150000"/>
-              </a:lnSpc>
-              <a:buFontTx/>
-              <a:buNone/>
-            </a:pPr>
-            <a:endParaRPr lang="en-US" altLang="zh-CN" sz="1200" dirty="0" smtClean="0">
-              <a:solidFill>
-                <a:schemeClr val="accent1">
-                  <a:lumMod val="50000"/>
-                </a:schemeClr>
-              </a:solidFill>
-              <a:latin typeface="微软雅黑" panose="020B0503020204020204" pitchFamily="34" charset="-122"/>
-              <a:ea typeface="微软雅黑" panose="020B0503020204020204" pitchFamily="34" charset="-122"/>
-            </a:endParaRPr>
-          </a:p>
-          <a:p>
             <a:pPr marL="457200" indent="-457200">
               <a:buNone/>
             </a:pPr>
             <a:r>
-              <a:rPr lang="en-US" altLang="zh-CN" sz="2000" dirty="0" smtClean="0"/>
+              <a:rPr lang="en-US" altLang="zh-CN" sz="2000" dirty="0"/>
               <a:t>   </a:t>
             </a:r>
-            <a:endParaRPr lang="en-US" altLang="zh-CN" sz="2000" dirty="0" smtClean="0"/>
           </a:p>
           <a:p>
             <a:pPr marL="457200" indent="-457200">
               <a:buNone/>
             </a:pPr>
-            <a:endParaRPr lang="en-US" altLang="zh-CN" sz="2000" dirty="0" smtClean="0"/>
+            <a:endParaRPr lang="en-US" altLang="zh-CN" sz="2000" dirty="0"/>
           </a:p>
         </p:txBody>
       </p:sp>
@@ -23698,13 +23038,6 @@
   <p:transition>
     <p:fade/>
   </p:transition>
-  <p:timing>
-    <p:tnLst>
-      <p:par>
-        <p:cTn id="1" dur="indefinite" restart="never" nodeType="tmRoot"/>
-      </p:par>
-    </p:tnLst>
-  </p:timing>
 </p:sld>
 </file>
 
@@ -23746,16 +23079,12 @@
           <a:lstStyle/>
           <a:p>
             <a:r>
-              <a:rPr lang="zh-CN" altLang="en-US" dirty="0" smtClean="0">
+              <a:rPr lang="zh-CN" altLang="en-US" dirty="0">
                 <a:latin typeface="微软雅黑" panose="020B0503020204020204" pitchFamily="34" charset="-122"/>
                 <a:ea typeface="微软雅黑" panose="020B0503020204020204" pitchFamily="34" charset="-122"/>
               </a:rPr>
               <a:t>讨论</a:t>
             </a:r>
-            <a:endParaRPr lang="zh-CN" altLang="en-US" dirty="0">
-              <a:latin typeface="微软雅黑" panose="020B0503020204020204" pitchFamily="34" charset="-122"/>
-              <a:ea typeface="微软雅黑" panose="020B0503020204020204" pitchFamily="34" charset="-122"/>
-            </a:endParaRPr>
           </a:p>
         </p:txBody>
       </p:sp>
@@ -23768,7 +23097,7 @@
           <p:nvPr/>
         </p:nvPicPr>
         <p:blipFill>
-          <a:blip r:embed="rId1"/>
+          <a:blip r:embed="rId2"/>
           <a:srcRect/>
           <a:stretch>
             <a:fillRect/>
@@ -23793,13 +23122,6 @@
   <p:transition>
     <p:fade/>
   </p:transition>
-  <p:timing>
-    <p:tnLst>
-      <p:par>
-        <p:cTn id="1" dur="indefinite" restart="never" nodeType="tmRoot"/>
-      </p:par>
-    </p:tnLst>
-  </p:timing>
 </p:sld>
 </file>
 
@@ -23812,7 +23134,14 @@
         <p:cNvGrpSpPr/>
         <p:nvPr/>
       </p:nvGrpSpPr>
-      <p:grpSpPr/>
+      <p:grpSpPr>
+        <a:xfrm>
+          <a:off x="0" y="0"/>
+          <a:ext cx="0" cy="0"/>
+          <a:chOff x="0" y="0"/>
+          <a:chExt cx="0" cy="0"/>
+        </a:xfrm>
+      </p:grpSpPr>
       <p:sp>
         <p:nvSpPr>
           <p:cNvPr id="2" name="标题 1"/>
@@ -23826,12 +23155,12 @@
         <p:spPr/>
         <p:txBody>
           <a:bodyPr/>
+          <a:lstStyle/>
           <a:p>
             <a:r>
               <a:rPr lang="zh-CN" altLang="en-US"/>
               <a:t>简介</a:t>
             </a:r>
-            <a:endParaRPr lang="zh-CN" altLang="en-US"/>
           </a:p>
         </p:txBody>
       </p:sp>
@@ -23855,6 +23184,7 @@
           <a:bodyPr wrap="square" rtlCol="0">
             <a:spAutoFit/>
           </a:bodyPr>
+          <a:lstStyle/>
           <a:p>
             <a:pPr marL="285750" indent="-285750">
               <a:buFont typeface="Wingdings" panose="05000000000000000000" charset="0"/>
@@ -23911,11 +23241,6 @@
               </a:rPr>
               <a:t>:)</a:t>
             </a:r>
-            <a:endParaRPr lang="en-US" altLang="zh-CN">
-              <a:latin typeface="+mj-ea"/>
-              <a:ea typeface="+mj-ea"/>
-              <a:cs typeface="+mj-ea"/>
-            </a:endParaRPr>
           </a:p>
           <a:p>
             <a:pPr marL="0" indent="0">
@@ -23957,6 +23282,12 @@
               </a:rPr>
               <a:t>ubbo 服务保驾护航</a:t>
             </a:r>
+          </a:p>
+          <a:p>
+            <a:pPr marL="285750" indent="-285750">
+              <a:buFont typeface="Wingdings" panose="05000000000000000000" charset="0"/>
+              <a:buChar char="n"/>
+            </a:pPr>
             <a:endParaRPr lang="zh-CN" altLang="en-US">
               <a:latin typeface="+mj-ea"/>
               <a:ea typeface="+mj-ea"/>
@@ -23968,17 +23299,6 @@
               <a:buFont typeface="Wingdings" panose="05000000000000000000" charset="0"/>
               <a:buChar char="n"/>
             </a:pPr>
-            <a:endParaRPr lang="zh-CN" altLang="en-US">
-              <a:latin typeface="+mj-ea"/>
-              <a:ea typeface="+mj-ea"/>
-              <a:cs typeface="+mj-ea"/>
-            </a:endParaRPr>
-          </a:p>
-          <a:p>
-            <a:pPr marL="285750" indent="-285750">
-              <a:buFont typeface="Wingdings" panose="05000000000000000000" charset="0"/>
-              <a:buChar char="n"/>
-            </a:pPr>
             <a:r>
               <a:rPr lang="zh-CN" altLang="en-US">
                 <a:latin typeface="+mj-ea"/>
@@ -24003,11 +23323,6 @@
               </a:rPr>
               <a:t>、社区活跃</a:t>
             </a:r>
-            <a:endParaRPr lang="zh-CN" altLang="en-US">
-              <a:latin typeface="+mj-ea"/>
-              <a:ea typeface="+mj-ea"/>
-              <a:cs typeface="+mj-ea"/>
-            </a:endParaRPr>
           </a:p>
           <a:p>
             <a:pPr marL="285750" indent="-285750">
@@ -24115,7 +23430,7 @@
           <p:nvPr/>
         </p:nvPicPr>
         <p:blipFill>
-          <a:blip r:embed="rId1"/>
+          <a:blip r:embed="rId2"/>
           <a:stretch>
             <a:fillRect/>
           </a:stretch>
@@ -24150,7 +23465,14 @@
         <p:cNvGrpSpPr/>
         <p:nvPr/>
       </p:nvGrpSpPr>
-      <p:grpSpPr/>
+      <p:grpSpPr>
+        <a:xfrm>
+          <a:off x="0" y="0"/>
+          <a:ext cx="0" cy="0"/>
+          <a:chOff x="0" y="0"/>
+          <a:chExt cx="0" cy="0"/>
+        </a:xfrm>
+      </p:grpSpPr>
       <p:sp>
         <p:nvSpPr>
           <p:cNvPr id="2" name="标题 1"/>
@@ -24164,12 +23486,12 @@
         <p:spPr/>
         <p:txBody>
           <a:bodyPr/>
+          <a:lstStyle/>
           <a:p>
             <a:r>
               <a:rPr lang="zh-CN" altLang="en-US"/>
               <a:t>简介</a:t>
             </a:r>
-            <a:endParaRPr lang="zh-CN" altLang="en-US"/>
           </a:p>
         </p:txBody>
       </p:sp>
@@ -24193,6 +23515,7 @@
           <a:bodyPr wrap="square" rtlCol="0">
             <a:spAutoFit/>
           </a:bodyPr>
+          <a:lstStyle/>
           <a:p>
             <a:pPr algn="l">
               <a:lnSpc>
@@ -24200,16 +23523,12 @@
               </a:lnSpc>
             </a:pPr>
             <a:r>
-              <a:rPr lang="en-US" altLang="zh-CN" sz="2000" b="1" dirty="0" smtClean="0">
+              <a:rPr lang="en-US" altLang="zh-CN" sz="2000" b="1" dirty="0">
                 <a:latin typeface="+mj-lt"/>
                 <a:cs typeface="+mj-lt"/>
               </a:rPr>
               <a:t>Sentinel</a:t>
             </a:r>
-            <a:endParaRPr lang="en-US" altLang="zh-CN" sz="2000" b="1" dirty="0" smtClean="0">
-              <a:latin typeface="+mj-lt"/>
-              <a:cs typeface="+mj-lt"/>
-            </a:endParaRPr>
           </a:p>
           <a:p>
             <a:pPr algn="l">
@@ -24218,30 +23537,26 @@
               </a:lnSpc>
             </a:pPr>
             <a:r>
-              <a:rPr lang="en-US" altLang="zh-CN" sz="1200" dirty="0" smtClean="0">
+              <a:rPr lang="en-US" altLang="zh-CN" sz="1200" dirty="0">
                 <a:latin typeface="宋体" panose="02010600030101010101" pitchFamily="2" charset="-122"/>
                 <a:cs typeface="宋体" panose="02010600030101010101" pitchFamily="2" charset="-122"/>
               </a:rPr>
               <a:t>英</a:t>
             </a:r>
             <a:r>
-              <a:rPr lang="zh-CN" altLang="en-US" sz="1200" dirty="0" smtClean="0">
+              <a:rPr lang="zh-CN" altLang="en-US" sz="1200" dirty="0">
                 <a:latin typeface="宋体" panose="02010600030101010101" pitchFamily="2" charset="-122"/>
                 <a:cs typeface="宋体" panose="02010600030101010101" pitchFamily="2" charset="-122"/>
               </a:rPr>
               <a:t>：</a:t>
             </a:r>
             <a:r>
-              <a:rPr lang="en-US" altLang="zh-CN" sz="1200" dirty="0" smtClean="0">
+              <a:rPr lang="en-US" altLang="zh-CN" sz="1200" dirty="0">
                 <a:latin typeface="宋体" panose="02010600030101010101" pitchFamily="2" charset="-122"/>
                 <a:cs typeface="宋体" panose="02010600030101010101" pitchFamily="2" charset="-122"/>
               </a:rPr>
               <a:t>[ˈsentɪnl]</a:t>
             </a:r>
-            <a:endParaRPr lang="en-US" altLang="zh-CN" sz="1200" dirty="0" smtClean="0">
-              <a:latin typeface="宋体" panose="02010600030101010101" pitchFamily="2" charset="-122"/>
-              <a:cs typeface="宋体" panose="02010600030101010101" pitchFamily="2" charset="-122"/>
-            </a:endParaRPr>
           </a:p>
           <a:p>
             <a:pPr algn="l">
@@ -24250,30 +23565,26 @@
               </a:lnSpc>
             </a:pPr>
             <a:r>
-              <a:rPr lang="en-US" altLang="zh-CN" sz="1200" dirty="0" smtClean="0">
+              <a:rPr lang="en-US" altLang="zh-CN" sz="1200" dirty="0">
                 <a:latin typeface="宋体" panose="02010600030101010101" pitchFamily="2" charset="-122"/>
                 <a:cs typeface="宋体" panose="02010600030101010101" pitchFamily="2" charset="-122"/>
               </a:rPr>
               <a:t>中</a:t>
             </a:r>
             <a:r>
-              <a:rPr lang="zh-CN" altLang="en-US" sz="1200" dirty="0" smtClean="0">
+              <a:rPr lang="zh-CN" altLang="en-US" sz="1200" dirty="0">
                 <a:latin typeface="宋体" panose="02010600030101010101" pitchFamily="2" charset="-122"/>
                 <a:cs typeface="宋体" panose="02010600030101010101" pitchFamily="2" charset="-122"/>
               </a:rPr>
               <a:t>：</a:t>
             </a:r>
             <a:r>
-              <a:rPr lang="en-US" altLang="zh-CN" sz="1200" dirty="0" smtClean="0">
+              <a:rPr lang="en-US" altLang="zh-CN" sz="1200" dirty="0">
                 <a:latin typeface="宋体" panose="02010600030101010101" pitchFamily="2" charset="-122"/>
                 <a:cs typeface="宋体" panose="02010600030101010101" pitchFamily="2" charset="-122"/>
               </a:rPr>
               <a:t>哨兵</a:t>
             </a:r>
-            <a:endParaRPr lang="en-US" altLang="zh-CN" sz="1200" dirty="0" smtClean="0">
-              <a:latin typeface="宋体" panose="02010600030101010101" pitchFamily="2" charset="-122"/>
-              <a:cs typeface="宋体" panose="02010600030101010101" pitchFamily="2" charset="-122"/>
-            </a:endParaRPr>
           </a:p>
           <a:p>
             <a:pPr algn="l">
@@ -24282,20 +23593,20 @@
               </a:lnSpc>
             </a:pPr>
             <a:r>
-              <a:rPr lang="en-US" altLang="zh-CN" sz="1200" dirty="0" smtClean="0">
+              <a:rPr lang="en-US" altLang="zh-CN" sz="1200" dirty="0">
                 <a:latin typeface="宋体" panose="02010600030101010101" pitchFamily="2" charset="-122"/>
                 <a:cs typeface="宋体" panose="02010600030101010101" pitchFamily="2" charset="-122"/>
               </a:rPr>
               <a:t>命名形象的诠释了 Sentinel 在分布式系统中的工作角色和重要性</a:t>
             </a:r>
             <a:r>
-              <a:rPr lang="zh-CN" altLang="en-US" sz="1200" dirty="0" smtClean="0">
+              <a:rPr lang="zh-CN" altLang="en-US" sz="1200" dirty="0">
                 <a:latin typeface="宋体" panose="02010600030101010101" pitchFamily="2" charset="-122"/>
                 <a:cs typeface="宋体" panose="02010600030101010101" pitchFamily="2" charset="-122"/>
               </a:rPr>
               <a:t>。</a:t>
             </a:r>
-            <a:endParaRPr lang="en-US" altLang="zh-CN" sz="2000" b="1" dirty="0" smtClean="0">
+            <a:endParaRPr lang="en-US" altLang="zh-CN" sz="2000" b="1" dirty="0">
               <a:latin typeface="+mj-lt"/>
               <a:cs typeface="+mj-lt"/>
             </a:endParaRPr>
@@ -24307,13 +23618,13 @@
               </a:lnSpc>
             </a:pPr>
             <a:r>
-              <a:rPr lang="en-US" altLang="zh-CN" sz="2000" b="1" dirty="0" smtClean="0">
+              <a:rPr lang="en-US" altLang="zh-CN" sz="2000" b="1" dirty="0">
                 <a:latin typeface="+mj-lt"/>
                 <a:cs typeface="+mj-lt"/>
               </a:rPr>
               <a:t>Sentinel 是什么</a:t>
             </a:r>
-            <a:endParaRPr lang="en-US" altLang="zh-CN" sz="1200" dirty="0" smtClean="0">
+            <a:endParaRPr lang="en-US" altLang="zh-CN" sz="1200" dirty="0">
               <a:latin typeface="宋体" panose="02010600030101010101" pitchFamily="2" charset="-122"/>
               <a:cs typeface="宋体" panose="02010600030101010101" pitchFamily="2" charset="-122"/>
             </a:endParaRPr>
@@ -24325,23 +23636,19 @@
               </a:lnSpc>
             </a:pPr>
             <a:r>
-              <a:rPr lang="en-US" altLang="zh-CN" sz="1200" dirty="0" smtClean="0">
+              <a:rPr lang="en-US" altLang="zh-CN" sz="1200" dirty="0">
                 <a:latin typeface="宋体" panose="02010600030101010101" pitchFamily="2" charset="-122"/>
                 <a:cs typeface="宋体" panose="02010600030101010101" pitchFamily="2" charset="-122"/>
               </a:rPr>
               <a:t>面向分布式服务架构的轻量级流量控制产品</a:t>
             </a:r>
             <a:r>
-              <a:rPr lang="zh-CN" altLang="en-US" sz="1200" dirty="0" smtClean="0">
+              <a:rPr lang="zh-CN" altLang="en-US" sz="1200" dirty="0">
                 <a:latin typeface="宋体" panose="02010600030101010101" pitchFamily="2" charset="-122"/>
                 <a:cs typeface="宋体" panose="02010600030101010101" pitchFamily="2" charset="-122"/>
               </a:rPr>
               <a:t>；</a:t>
             </a:r>
-            <a:endParaRPr lang="zh-CN" altLang="en-US" sz="1200" dirty="0" smtClean="0">
-              <a:latin typeface="宋体" panose="02010600030101010101" pitchFamily="2" charset="-122"/>
-              <a:cs typeface="宋体" panose="02010600030101010101" pitchFamily="2" charset="-122"/>
-            </a:endParaRPr>
           </a:p>
           <a:p>
             <a:pPr algn="l">
@@ -24350,7 +23657,7 @@
               </a:lnSpc>
             </a:pPr>
             <a:r>
-              <a:rPr lang="en-US" altLang="zh-CN" sz="1200" dirty="0" smtClean="0">
+              <a:rPr lang="en-US" altLang="zh-CN" sz="1200" dirty="0">
                 <a:latin typeface="+mj-lt"/>
                 <a:cs typeface="+mj-lt"/>
                 <a:sym typeface="+mn-ea"/>
@@ -24358,7 +23665,7 @@
               <a:t>阿里巴巴“大中台、小前台”架构中的基础模块</a:t>
             </a:r>
             <a:r>
-              <a:rPr lang="zh-CN" altLang="en-US" sz="1200" dirty="0" smtClean="0">
+              <a:rPr lang="zh-CN" altLang="en-US" sz="1200" dirty="0">
                 <a:latin typeface="+mj-lt"/>
                 <a:cs typeface="+mj-lt"/>
                 <a:sym typeface="+mn-ea"/>
@@ -24366,14 +23673,14 @@
               <a:t>之一</a:t>
             </a:r>
             <a:r>
-              <a:rPr lang="zh-CN" altLang="en-US" sz="1200" dirty="0" smtClean="0">
+              <a:rPr lang="zh-CN" altLang="en-US" sz="1200" dirty="0">
                 <a:latin typeface="宋体" panose="02010600030101010101" pitchFamily="2" charset="-122"/>
                 <a:cs typeface="宋体" panose="02010600030101010101" pitchFamily="2" charset="-122"/>
                 <a:sym typeface="+mn-ea"/>
               </a:rPr>
               <a:t>；</a:t>
             </a:r>
-            <a:endParaRPr lang="en-US" altLang="zh-CN" sz="1200" dirty="0" smtClean="0">
+            <a:endParaRPr lang="en-US" altLang="zh-CN" sz="1200" dirty="0">
               <a:latin typeface="宋体" panose="02010600030101010101" pitchFamily="2" charset="-122"/>
               <a:cs typeface="宋体" panose="02010600030101010101" pitchFamily="2" charset="-122"/>
             </a:endParaRPr>
@@ -24385,20 +23692,20 @@
               </a:lnSpc>
             </a:pPr>
             <a:r>
-              <a:rPr lang="en-US" altLang="zh-CN" sz="1200" dirty="0" smtClean="0">
+              <a:rPr lang="en-US" altLang="zh-CN" sz="1200" dirty="0">
                 <a:latin typeface="宋体" panose="02010600030101010101" pitchFamily="2" charset="-122"/>
                 <a:cs typeface="宋体" panose="02010600030101010101" pitchFamily="2" charset="-122"/>
               </a:rPr>
               <a:t>以流量为切入点，从流量控制、熔断降级、系统负载保护等多个维度来帮助您保护服务的稳定性</a:t>
             </a:r>
             <a:r>
-              <a:rPr lang="zh-CN" altLang="en-US" sz="1200" dirty="0" smtClean="0">
+              <a:rPr lang="zh-CN" altLang="en-US" sz="1200" dirty="0">
                 <a:latin typeface="宋体" panose="02010600030101010101" pitchFamily="2" charset="-122"/>
                 <a:cs typeface="宋体" panose="02010600030101010101" pitchFamily="2" charset="-122"/>
               </a:rPr>
               <a:t>；</a:t>
             </a:r>
-            <a:endParaRPr lang="en-US" altLang="zh-CN" sz="1200" dirty="0" smtClean="0">
+            <a:endParaRPr lang="en-US" altLang="zh-CN" sz="1200" dirty="0">
               <a:latin typeface="宋体" panose="02010600030101010101" pitchFamily="2" charset="-122"/>
               <a:cs typeface="宋体" panose="02010600030101010101" pitchFamily="2" charset="-122"/>
             </a:endParaRPr>
@@ -24410,16 +23717,12 @@
               </a:lnSpc>
             </a:pPr>
             <a:r>
-              <a:rPr lang="en-US" altLang="zh-CN" sz="1200" dirty="0" smtClean="0">
+              <a:rPr lang="en-US" altLang="zh-CN" sz="1200" dirty="0">
                 <a:latin typeface="+mj-lt"/>
                 <a:cs typeface="+mj-lt"/>
               </a:rPr>
               <a:t> </a:t>
             </a:r>
-            <a:endParaRPr lang="en-US" altLang="zh-CN" sz="1200" dirty="0" smtClean="0">
-              <a:latin typeface="+mj-lt"/>
-              <a:cs typeface="+mj-lt"/>
-            </a:endParaRPr>
           </a:p>
           <a:p>
             <a:pPr algn="l">
@@ -24428,13 +23731,13 @@
               </a:lnSpc>
             </a:pPr>
             <a:r>
-              <a:rPr lang="en-US" altLang="zh-CN" sz="2000" b="1" dirty="0" smtClean="0">
+              <a:rPr lang="en-US" altLang="zh-CN" sz="2000" b="1" dirty="0">
                 <a:latin typeface="+mj-lt"/>
                 <a:cs typeface="+mj-lt"/>
               </a:rPr>
               <a:t>Sentinel 的历史</a:t>
             </a:r>
-            <a:endParaRPr lang="en-US" altLang="zh-CN" sz="1200" dirty="0" smtClean="0">
+            <a:endParaRPr lang="en-US" altLang="zh-CN" sz="1200" dirty="0">
               <a:latin typeface="+mj-lt"/>
               <a:cs typeface="+mj-lt"/>
             </a:endParaRPr>
@@ -24446,16 +23749,12 @@
               </a:lnSpc>
             </a:pPr>
             <a:r>
-              <a:rPr lang="en-US" altLang="zh-CN" sz="1200" dirty="0" smtClean="0">
+              <a:rPr lang="en-US" altLang="zh-CN" sz="1200" dirty="0">
                 <a:latin typeface="宋体" panose="02010600030101010101" pitchFamily="2" charset="-122"/>
                 <a:cs typeface="宋体" panose="02010600030101010101" pitchFamily="2" charset="-122"/>
               </a:rPr>
               <a:t>2012 年，Sentinel 诞生，主要功能为入口流量控制。</a:t>
             </a:r>
-            <a:endParaRPr lang="en-US" altLang="zh-CN" sz="1200" dirty="0" smtClean="0">
-              <a:latin typeface="宋体" panose="02010600030101010101" pitchFamily="2" charset="-122"/>
-              <a:cs typeface="宋体" panose="02010600030101010101" pitchFamily="2" charset="-122"/>
-            </a:endParaRPr>
           </a:p>
           <a:p>
             <a:pPr algn="l">
@@ -24464,16 +23763,12 @@
               </a:lnSpc>
             </a:pPr>
             <a:r>
-              <a:rPr lang="en-US" altLang="zh-CN" sz="1200" dirty="0" smtClean="0">
+              <a:rPr lang="en-US" altLang="zh-CN" sz="1200" dirty="0">
                 <a:latin typeface="宋体" panose="02010600030101010101" pitchFamily="2" charset="-122"/>
                 <a:cs typeface="宋体" panose="02010600030101010101" pitchFamily="2" charset="-122"/>
               </a:rPr>
               <a:t>2013-2017 年，Sentinel 在阿里巴巴集团内部迅速发展，成为基础技术模块，覆盖了所有的核心场景。Sentinel 也因此积累了大量的流量归整场景以及生产实践。</a:t>
             </a:r>
-            <a:endParaRPr lang="en-US" altLang="zh-CN" sz="1200" dirty="0" smtClean="0">
-              <a:latin typeface="宋体" panose="02010600030101010101" pitchFamily="2" charset="-122"/>
-              <a:cs typeface="宋体" panose="02010600030101010101" pitchFamily="2" charset="-122"/>
-            </a:endParaRPr>
           </a:p>
           <a:p>
             <a:pPr algn="l">
@@ -24482,13 +23777,13 @@
               </a:lnSpc>
             </a:pPr>
             <a:r>
-              <a:rPr lang="en-US" altLang="zh-CN" sz="1200" dirty="0" smtClean="0">
+              <a:rPr lang="en-US" altLang="zh-CN" sz="1200" dirty="0">
                 <a:latin typeface="宋体" panose="02010600030101010101" pitchFamily="2" charset="-122"/>
                 <a:cs typeface="宋体" panose="02010600030101010101" pitchFamily="2" charset="-122"/>
               </a:rPr>
               <a:t>2018 年，Sentinel 开源。</a:t>
             </a:r>
-            <a:endParaRPr lang="en-US" altLang="zh-CN" sz="1200" dirty="0" smtClean="0">
+            <a:endParaRPr lang="en-US" altLang="zh-CN" sz="1200" dirty="0">
               <a:latin typeface="+mj-lt"/>
               <a:cs typeface="+mj-lt"/>
             </a:endParaRPr>
@@ -24499,7 +23794,7 @@
                 <a:spcPct val="150000"/>
               </a:lnSpc>
             </a:pPr>
-            <a:endParaRPr lang="en-US" altLang="zh-CN" sz="1200" dirty="0" smtClean="0">
+            <a:endParaRPr lang="en-US" altLang="zh-CN" sz="1200" dirty="0">
               <a:latin typeface="+mj-lt"/>
               <a:cs typeface="+mj-lt"/>
             </a:endParaRPr>
@@ -24577,16 +23872,12 @@
           <a:lstStyle/>
           <a:p>
             <a:r>
-              <a:rPr lang="en-US" altLang="zh-CN" sz="3200" dirty="0" smtClean="0">
+              <a:rPr lang="en-US" altLang="zh-CN" sz="3200" dirty="0">
                 <a:latin typeface="微软雅黑" panose="020B0503020204020204" pitchFamily="34" charset="-122"/>
                 <a:ea typeface="微软雅黑" panose="020B0503020204020204" pitchFamily="34" charset="-122"/>
               </a:rPr>
               <a:t>hello world</a:t>
             </a:r>
-            <a:endParaRPr lang="en-US" altLang="zh-CN" sz="3200" dirty="0" smtClean="0">
-              <a:latin typeface="微软雅黑" panose="020B0503020204020204" pitchFamily="34" charset="-122"/>
-              <a:ea typeface="微软雅黑" panose="020B0503020204020204" pitchFamily="34" charset="-122"/>
-            </a:endParaRPr>
           </a:p>
         </p:txBody>
       </p:sp>
@@ -24599,7 +23890,7 @@
           <p:nvPr/>
         </p:nvPicPr>
         <p:blipFill>
-          <a:blip r:embed="rId1"/>
+          <a:blip r:embed="rId3"/>
           <a:stretch>
             <a:fillRect/>
           </a:stretch>
@@ -24623,7 +23914,7 @@
           <p:nvPr/>
         </p:nvPicPr>
         <p:blipFill>
-          <a:blip r:embed="rId2"/>
+          <a:blip r:embed="rId4"/>
           <a:stretch>
             <a:fillRect/>
           </a:stretch>
@@ -24646,13 +23937,6 @@
   <p:transition>
     <p:fade/>
   </p:transition>
-  <p:timing>
-    <p:tnLst>
-      <p:par>
-        <p:cTn id="1" dur="indefinite" restart="never" nodeType="tmRoot"/>
-      </p:par>
-    </p:tnLst>
-  </p:timing>
 </p:sld>
 </file>
 
@@ -24716,16 +24000,12 @@
           <a:lstStyle/>
           <a:p>
             <a:r>
-              <a:rPr lang="zh-CN" altLang="en-US" sz="3200" dirty="0" smtClean="0">
+              <a:rPr lang="zh-CN" altLang="en-US" sz="3200" dirty="0">
                 <a:latin typeface="微软雅黑" panose="020B0503020204020204" pitchFamily="34" charset="-122"/>
                 <a:ea typeface="微软雅黑" panose="020B0503020204020204" pitchFamily="34" charset="-122"/>
               </a:rPr>
               <a:t>基本概念</a:t>
             </a:r>
-            <a:endParaRPr lang="zh-CN" altLang="en-US" sz="3200" dirty="0" smtClean="0">
-              <a:latin typeface="微软雅黑" panose="020B0503020204020204" pitchFamily="34" charset="-122"/>
-              <a:ea typeface="微软雅黑" panose="020B0503020204020204" pitchFamily="34" charset="-122"/>
-            </a:endParaRPr>
           </a:p>
         </p:txBody>
       </p:sp>
@@ -24757,13 +24037,13 @@
               </a:lnSpc>
             </a:pPr>
             <a:r>
-              <a:rPr lang="zh-CN" altLang="en-US" sz="2000" b="1" dirty="0" smtClean="0">
+              <a:rPr lang="zh-CN" altLang="en-US" sz="2000" b="1" dirty="0">
                 <a:latin typeface="宋体" panose="02010600030101010101" pitchFamily="2" charset="-122"/>
                 <a:cs typeface="宋体" panose="02010600030101010101" pitchFamily="2" charset="-122"/>
               </a:rPr>
               <a:t>资源</a:t>
             </a:r>
-            <a:endParaRPr lang="en-US" altLang="zh-CN" sz="2000" b="1" dirty="0" smtClean="0">
+            <a:endParaRPr lang="en-US" altLang="zh-CN" sz="2000" b="1" dirty="0">
               <a:latin typeface="宋体" panose="02010600030101010101" pitchFamily="2" charset="-122"/>
               <a:cs typeface="宋体" panose="02010600030101010101" pitchFamily="2" charset="-122"/>
             </a:endParaRPr>
@@ -24775,30 +24055,26 @@
               </a:lnSpc>
             </a:pPr>
             <a:r>
-              <a:rPr lang="zh-CN" altLang="en-US" sz="1200" dirty="0" smtClean="0">
+              <a:rPr lang="zh-CN" altLang="en-US" sz="1200" dirty="0">
                 <a:latin typeface="宋体" panose="02010600030101010101" pitchFamily="2" charset="-122"/>
                 <a:cs typeface="宋体" panose="02010600030101010101" pitchFamily="2" charset="-122"/>
               </a:rPr>
               <a:t>通过</a:t>
             </a:r>
             <a:r>
-              <a:rPr lang="en-US" altLang="zh-CN" sz="1200" dirty="0" smtClean="0">
+              <a:rPr lang="en-US" altLang="zh-CN" sz="1200" dirty="0">
                 <a:latin typeface="宋体" panose="02010600030101010101" pitchFamily="2" charset="-122"/>
                 <a:cs typeface="宋体" panose="02010600030101010101" pitchFamily="2" charset="-122"/>
               </a:rPr>
               <a:t>Sentinel API</a:t>
             </a:r>
             <a:r>
-              <a:rPr lang="zh-CN" altLang="en-US" sz="1200" dirty="0" smtClean="0">
+              <a:rPr lang="zh-CN" altLang="en-US" sz="1200" dirty="0">
                 <a:latin typeface="宋体" panose="02010600030101010101" pitchFamily="2" charset="-122"/>
                 <a:cs typeface="宋体" panose="02010600030101010101" pitchFamily="2" charset="-122"/>
               </a:rPr>
               <a:t>定义的代码。</a:t>
             </a:r>
-            <a:endParaRPr lang="zh-CN" altLang="en-US" sz="1200" dirty="0" smtClean="0">
-              <a:latin typeface="宋体" panose="02010600030101010101" pitchFamily="2" charset="-122"/>
-              <a:cs typeface="宋体" panose="02010600030101010101" pitchFamily="2" charset="-122"/>
-            </a:endParaRPr>
           </a:p>
           <a:p>
             <a:pPr marL="171450" indent="-171450" algn="l">
@@ -24809,16 +24085,12 @@
               <a:buChar char="l"/>
             </a:pPr>
             <a:r>
-              <a:rPr lang="zh-CN" altLang="en-US" sz="1200" dirty="0" smtClean="0">
+              <a:rPr lang="zh-CN" altLang="en-US" sz="1200" dirty="0">
                 <a:latin typeface="宋体" panose="02010600030101010101" pitchFamily="2" charset="-122"/>
                 <a:cs typeface="宋体" panose="02010600030101010101" pitchFamily="2" charset="-122"/>
               </a:rPr>
               <a:t>一段代码</a:t>
             </a:r>
-            <a:endParaRPr lang="zh-CN" altLang="en-US" sz="1200" dirty="0" smtClean="0">
-              <a:latin typeface="宋体" panose="02010600030101010101" pitchFamily="2" charset="-122"/>
-              <a:cs typeface="宋体" panose="02010600030101010101" pitchFamily="2" charset="-122"/>
-            </a:endParaRPr>
           </a:p>
           <a:p>
             <a:pPr marL="171450" indent="-171450" algn="l">
@@ -24829,16 +24101,12 @@
               <a:buChar char="l"/>
             </a:pPr>
             <a:r>
-              <a:rPr lang="zh-CN" altLang="en-US" sz="1200" dirty="0" smtClean="0">
+              <a:rPr lang="zh-CN" altLang="en-US" sz="1200" dirty="0">
                 <a:latin typeface="宋体" panose="02010600030101010101" pitchFamily="2" charset="-122"/>
                 <a:cs typeface="宋体" panose="02010600030101010101" pitchFamily="2" charset="-122"/>
               </a:rPr>
               <a:t>由应用程序提供的服务</a:t>
             </a:r>
-            <a:endParaRPr lang="zh-CN" altLang="en-US" sz="1200" dirty="0" smtClean="0">
-              <a:latin typeface="宋体" panose="02010600030101010101" pitchFamily="2" charset="-122"/>
-              <a:cs typeface="宋体" panose="02010600030101010101" pitchFamily="2" charset="-122"/>
-            </a:endParaRPr>
           </a:p>
           <a:p>
             <a:pPr marL="171450" indent="-171450" algn="l">
@@ -24849,16 +24117,12 @@
               <a:buChar char="l"/>
             </a:pPr>
             <a:r>
-              <a:rPr lang="zh-CN" altLang="en-US" sz="1200" dirty="0" smtClean="0">
+              <a:rPr lang="zh-CN" altLang="en-US" sz="1200" dirty="0">
                 <a:latin typeface="宋体" panose="02010600030101010101" pitchFamily="2" charset="-122"/>
                 <a:cs typeface="宋体" panose="02010600030101010101" pitchFamily="2" charset="-122"/>
               </a:rPr>
               <a:t>由应用程序调用的其它应用提供的服务</a:t>
             </a:r>
-            <a:endParaRPr lang="zh-CN" altLang="en-US" sz="1200" dirty="0" smtClean="0">
-              <a:latin typeface="宋体" panose="02010600030101010101" pitchFamily="2" charset="-122"/>
-              <a:cs typeface="宋体" panose="02010600030101010101" pitchFamily="2" charset="-122"/>
-            </a:endParaRPr>
           </a:p>
           <a:p>
             <a:pPr marL="0" indent="0" algn="l">
@@ -24869,16 +24133,12 @@
               <a:buNone/>
             </a:pPr>
             <a:r>
-              <a:rPr lang="en-US" altLang="zh-CN" sz="1200" dirty="0" smtClean="0">
+              <a:rPr lang="en-US" altLang="zh-CN" sz="1200" dirty="0">
                 <a:latin typeface="宋体" panose="02010600030101010101" pitchFamily="2" charset="-122"/>
                 <a:cs typeface="宋体" panose="02010600030101010101" pitchFamily="2" charset="-122"/>
               </a:rPr>
               <a:t>...</a:t>
             </a:r>
-            <a:endParaRPr lang="en-US" altLang="zh-CN" sz="1200" dirty="0" smtClean="0">
-              <a:latin typeface="宋体" panose="02010600030101010101" pitchFamily="2" charset="-122"/>
-              <a:cs typeface="宋体" panose="02010600030101010101" pitchFamily="2" charset="-122"/>
-            </a:endParaRPr>
           </a:p>
           <a:p>
             <a:pPr marL="0" indent="0" algn="l">
@@ -24889,20 +24149,20 @@
               <a:buNone/>
             </a:pPr>
             <a:r>
-              <a:rPr lang="zh-CN" altLang="en-US" sz="1200" dirty="0" smtClean="0">
+              <a:rPr lang="zh-CN" altLang="en-US" sz="1200" dirty="0">
                 <a:latin typeface="宋体" panose="02010600030101010101" pitchFamily="2" charset="-122"/>
                 <a:cs typeface="宋体" panose="02010600030101010101" pitchFamily="2" charset="-122"/>
               </a:rPr>
               <a:t>资源名：用来标识资源，可以方法签名、URL、服务名称</a:t>
             </a:r>
             <a:r>
-              <a:rPr lang="en-US" altLang="zh-CN" sz="1200" dirty="0" smtClean="0">
+              <a:rPr lang="en-US" altLang="zh-CN" sz="1200" dirty="0">
                 <a:latin typeface="宋体" panose="02010600030101010101" pitchFamily="2" charset="-122"/>
                 <a:cs typeface="宋体" panose="02010600030101010101" pitchFamily="2" charset="-122"/>
               </a:rPr>
               <a:t>...</a:t>
             </a:r>
-            <a:endParaRPr lang="zh-CN" altLang="en-US" sz="1200" dirty="0" smtClean="0">
+            <a:endParaRPr lang="zh-CN" altLang="en-US" sz="1200" dirty="0">
               <a:latin typeface="宋体" panose="02010600030101010101" pitchFamily="2" charset="-122"/>
               <a:cs typeface="宋体" panose="02010600030101010101" pitchFamily="2" charset="-122"/>
             </a:endParaRPr>
@@ -24914,13 +24174,13 @@
               </a:lnSpc>
             </a:pPr>
             <a:r>
-              <a:rPr lang="zh-CN" altLang="en-US" sz="2000" b="1" dirty="0" smtClean="0">
+              <a:rPr lang="zh-CN" altLang="en-US" sz="2000" b="1" dirty="0">
                 <a:latin typeface="宋体" panose="02010600030101010101" pitchFamily="2" charset="-122"/>
                 <a:cs typeface="宋体" panose="02010600030101010101" pitchFamily="2" charset="-122"/>
               </a:rPr>
               <a:t>规则</a:t>
             </a:r>
-            <a:endParaRPr lang="en-US" altLang="zh-CN" sz="1200" dirty="0" smtClean="0">
+            <a:endParaRPr lang="en-US" altLang="zh-CN" sz="1200" dirty="0">
               <a:latin typeface="宋体" panose="02010600030101010101" pitchFamily="2" charset="-122"/>
               <a:cs typeface="宋体" panose="02010600030101010101" pitchFamily="2" charset="-122"/>
             </a:endParaRPr>
@@ -24932,23 +24192,19 @@
               </a:lnSpc>
             </a:pPr>
             <a:r>
-              <a:rPr lang="en-US" altLang="zh-CN" sz="1200" dirty="0" smtClean="0">
+              <a:rPr lang="en-US" altLang="zh-CN" sz="1200" dirty="0">
                 <a:latin typeface="宋体" panose="02010600030101010101" pitchFamily="2" charset="-122"/>
                 <a:cs typeface="宋体" panose="02010600030101010101" pitchFamily="2" charset="-122"/>
               </a:rPr>
               <a:t>围绕资源的实时状态设定的规则</a:t>
             </a:r>
             <a:r>
-              <a:rPr lang="zh-CN" altLang="en-US" sz="1200" dirty="0" smtClean="0">
+              <a:rPr lang="zh-CN" altLang="en-US" sz="1200" dirty="0">
                 <a:latin typeface="宋体" panose="02010600030101010101" pitchFamily="2" charset="-122"/>
                 <a:cs typeface="宋体" panose="02010600030101010101" pitchFamily="2" charset="-122"/>
               </a:rPr>
               <a:t>。</a:t>
             </a:r>
-            <a:endParaRPr lang="zh-CN" altLang="en-US" sz="1200" dirty="0" smtClean="0">
-              <a:latin typeface="宋体" panose="02010600030101010101" pitchFamily="2" charset="-122"/>
-              <a:cs typeface="宋体" panose="02010600030101010101" pitchFamily="2" charset="-122"/>
-            </a:endParaRPr>
           </a:p>
           <a:p>
             <a:pPr marL="171450" indent="-171450" algn="l">
@@ -24959,16 +24215,12 @@
               <a:buChar char="l"/>
             </a:pPr>
             <a:r>
-              <a:rPr lang="en-US" altLang="zh-CN" sz="1200" dirty="0" smtClean="0">
+              <a:rPr lang="en-US" altLang="zh-CN" sz="1200" dirty="0">
                 <a:latin typeface="宋体" panose="02010600030101010101" pitchFamily="2" charset="-122"/>
                 <a:cs typeface="宋体" panose="02010600030101010101" pitchFamily="2" charset="-122"/>
               </a:rPr>
               <a:t>流量控制规则</a:t>
             </a:r>
-            <a:endParaRPr lang="en-US" altLang="zh-CN" sz="1200" dirty="0" smtClean="0">
-              <a:latin typeface="宋体" panose="02010600030101010101" pitchFamily="2" charset="-122"/>
-              <a:cs typeface="宋体" panose="02010600030101010101" pitchFamily="2" charset="-122"/>
-            </a:endParaRPr>
           </a:p>
           <a:p>
             <a:pPr marL="171450" indent="-171450" algn="l">
@@ -24979,16 +24231,12 @@
               <a:buChar char="l"/>
             </a:pPr>
             <a:r>
-              <a:rPr lang="en-US" altLang="zh-CN" sz="1200" dirty="0" smtClean="0">
+              <a:rPr lang="en-US" altLang="zh-CN" sz="1200" dirty="0">
                 <a:latin typeface="宋体" panose="02010600030101010101" pitchFamily="2" charset="-122"/>
                 <a:cs typeface="宋体" panose="02010600030101010101" pitchFamily="2" charset="-122"/>
               </a:rPr>
               <a:t>熔断降级规则</a:t>
             </a:r>
-            <a:endParaRPr lang="en-US" altLang="zh-CN" sz="1200" dirty="0" smtClean="0">
-              <a:latin typeface="宋体" panose="02010600030101010101" pitchFamily="2" charset="-122"/>
-              <a:cs typeface="宋体" panose="02010600030101010101" pitchFamily="2" charset="-122"/>
-            </a:endParaRPr>
           </a:p>
           <a:p>
             <a:pPr marL="171450" indent="-171450" algn="l">
@@ -24999,16 +24247,12 @@
               <a:buChar char="l"/>
             </a:pPr>
             <a:r>
-              <a:rPr lang="en-US" altLang="zh-CN" sz="1200" dirty="0" smtClean="0">
+              <a:rPr lang="en-US" altLang="zh-CN" sz="1200" dirty="0">
                 <a:latin typeface="宋体" panose="02010600030101010101" pitchFamily="2" charset="-122"/>
                 <a:cs typeface="宋体" panose="02010600030101010101" pitchFamily="2" charset="-122"/>
               </a:rPr>
               <a:t>系统保护规则</a:t>
             </a:r>
-            <a:endParaRPr lang="en-US" altLang="zh-CN" sz="1200" dirty="0" smtClean="0">
-              <a:latin typeface="宋体" panose="02010600030101010101" pitchFamily="2" charset="-122"/>
-              <a:cs typeface="宋体" panose="02010600030101010101" pitchFamily="2" charset="-122"/>
-            </a:endParaRPr>
           </a:p>
           <a:p>
             <a:pPr algn="l">
@@ -25017,16 +24261,12 @@
               </a:lnSpc>
             </a:pPr>
             <a:r>
-              <a:rPr lang="zh-CN" altLang="en-US" sz="1200" dirty="0" smtClean="0">
+              <a:rPr lang="zh-CN" altLang="en-US" sz="1200" dirty="0">
                 <a:latin typeface="宋体" panose="02010600030101010101" pitchFamily="2" charset="-122"/>
                 <a:cs typeface="宋体" panose="02010600030101010101" pitchFamily="2" charset="-122"/>
               </a:rPr>
               <a:t>规则支持动态实时调整</a:t>
             </a:r>
-            <a:endParaRPr lang="zh-CN" altLang="en-US" sz="1200" dirty="0" smtClean="0">
-              <a:latin typeface="宋体" panose="02010600030101010101" pitchFamily="2" charset="-122"/>
-              <a:cs typeface="宋体" panose="02010600030101010101" pitchFamily="2" charset="-122"/>
-            </a:endParaRPr>
           </a:p>
           <a:p>
             <a:pPr algn="l">
@@ -25034,7 +24274,7 @@
                 <a:spcPct val="150000"/>
               </a:lnSpc>
             </a:pPr>
-            <a:endParaRPr lang="en-US" altLang="zh-CN" sz="1200" dirty="0" smtClean="0">
+            <a:endParaRPr lang="en-US" altLang="zh-CN" sz="1200" dirty="0">
               <a:latin typeface="宋体" panose="02010600030101010101" pitchFamily="2" charset="-122"/>
               <a:cs typeface="宋体" panose="02010600030101010101" pitchFamily="2" charset="-122"/>
             </a:endParaRPr>
@@ -25046,13 +24286,13 @@
               </a:lnSpc>
             </a:pPr>
             <a:r>
-              <a:rPr lang="zh-CN" altLang="en-US" sz="2000" b="1" dirty="0" smtClean="0">
+              <a:rPr lang="zh-CN" altLang="en-US" sz="2000" b="1" dirty="0">
                 <a:latin typeface="宋体" panose="02010600030101010101" pitchFamily="2" charset="-122"/>
                 <a:cs typeface="宋体" panose="02010600030101010101" pitchFamily="2" charset="-122"/>
               </a:rPr>
               <a:t>理念</a:t>
             </a:r>
-            <a:endParaRPr lang="zh-CN" altLang="en-US" sz="1200" dirty="0" smtClean="0">
+            <a:endParaRPr lang="zh-CN" altLang="en-US" sz="1200" dirty="0">
               <a:latin typeface="宋体" panose="02010600030101010101" pitchFamily="2" charset="-122"/>
               <a:cs typeface="宋体" panose="02010600030101010101" pitchFamily="2" charset="-122"/>
             </a:endParaRPr>
@@ -25066,7 +24306,7 @@
               <a:buChar char="l"/>
             </a:pPr>
             <a:r>
-              <a:rPr lang="zh-CN" altLang="en-US" sz="1200" dirty="0" smtClean="0">
+              <a:rPr lang="zh-CN" altLang="en-US" sz="1200" dirty="0">
                 <a:latin typeface="宋体" panose="02010600030101010101" pitchFamily="2" charset="-122"/>
                 <a:cs typeface="宋体" panose="02010600030101010101" pitchFamily="2" charset="-122"/>
                 <a:sym typeface="+mn-ea"/>
@@ -25074,7 +24314,7 @@
               <a:t>定义资源 </a:t>
             </a:r>
             <a:r>
-              <a:rPr lang="en-US" altLang="zh-CN" sz="1200" dirty="0" smtClean="0">
+              <a:rPr lang="en-US" altLang="zh-CN" sz="1200" dirty="0">
                 <a:latin typeface="宋体" panose="02010600030101010101" pitchFamily="2" charset="-122"/>
                 <a:cs typeface="宋体" panose="02010600030101010101" pitchFamily="2" charset="-122"/>
                 <a:sym typeface="+mn-ea"/>
@@ -25082,7 +24322,7 @@
               <a:t>// </a:t>
             </a:r>
             <a:r>
-              <a:rPr lang="zh-CN" altLang="en-US" sz="1200" dirty="0" smtClean="0">
+              <a:rPr lang="zh-CN" altLang="en-US" sz="1200" dirty="0">
                 <a:latin typeface="宋体" panose="02010600030101010101" pitchFamily="2" charset="-122"/>
                 <a:cs typeface="宋体" panose="02010600030101010101" pitchFamily="2" charset="-122"/>
                 <a:sym typeface="+mn-ea"/>
@@ -25090,76 +24330,76 @@
               <a:t>资源埋点，</a:t>
             </a:r>
             <a:r>
-              <a:rPr lang="en-US" altLang="zh-CN" sz="1200" dirty="0" smtClean="0">
+              <a:rPr lang="en-US" altLang="zh-CN" sz="1200" dirty="0">
                 <a:latin typeface="宋体" panose="02010600030101010101" pitchFamily="2" charset="-122"/>
                 <a:cs typeface="宋体" panose="02010600030101010101" pitchFamily="2" charset="-122"/>
               </a:rPr>
               <a:t>考虑哪些</a:t>
             </a:r>
             <a:r>
-              <a:rPr lang="zh-CN" altLang="en-US" sz="1200" dirty="0" smtClean="0">
+              <a:rPr lang="zh-CN" altLang="en-US" sz="1200" dirty="0">
                 <a:latin typeface="宋体" panose="02010600030101010101" pitchFamily="2" charset="-122"/>
                 <a:cs typeface="宋体" panose="02010600030101010101" pitchFamily="2" charset="-122"/>
               </a:rPr>
               <a:t>代码、方法、服务</a:t>
             </a:r>
             <a:r>
-              <a:rPr lang="en-US" altLang="zh-CN" sz="1200" dirty="0" smtClean="0">
+              <a:rPr lang="en-US" altLang="zh-CN" sz="1200" dirty="0">
                 <a:latin typeface="宋体" panose="02010600030101010101" pitchFamily="2" charset="-122"/>
                 <a:cs typeface="宋体" panose="02010600030101010101" pitchFamily="2" charset="-122"/>
               </a:rPr>
               <a:t>需要保护</a:t>
             </a:r>
             <a:r>
-              <a:rPr lang="zh-CN" altLang="en-US" sz="1200" dirty="0" smtClean="0">
+              <a:rPr lang="zh-CN" altLang="en-US" sz="1200" dirty="0">
                 <a:latin typeface="宋体" panose="02010600030101010101" pitchFamily="2" charset="-122"/>
                 <a:cs typeface="宋体" panose="02010600030101010101" pitchFamily="2" charset="-122"/>
               </a:rPr>
               <a:t>，调用</a:t>
             </a:r>
             <a:r>
-              <a:rPr lang="en-US" altLang="zh-CN" sz="1200" dirty="0" smtClean="0">
+              <a:rPr lang="en-US" altLang="zh-CN" sz="1200" dirty="0">
                 <a:latin typeface="宋体" panose="02010600030101010101" pitchFamily="2" charset="-122"/>
                 <a:cs typeface="宋体" panose="02010600030101010101" pitchFamily="2" charset="-122"/>
               </a:rPr>
               <a:t>api</a:t>
             </a:r>
             <a:r>
-              <a:rPr lang="zh-CN" altLang="en-US" sz="1200" dirty="0" smtClean="0">
+              <a:rPr lang="zh-CN" altLang="en-US" sz="1200" dirty="0">
                 <a:latin typeface="宋体" panose="02010600030101010101" pitchFamily="2" charset="-122"/>
                 <a:cs typeface="宋体" panose="02010600030101010101" pitchFamily="2" charset="-122"/>
               </a:rPr>
               <a:t>、框架</a:t>
             </a:r>
             <a:r>
-              <a:rPr lang="en-US" altLang="zh-CN" sz="1200" dirty="0" smtClean="0">
+              <a:rPr lang="en-US" altLang="zh-CN" sz="1200" dirty="0">
                 <a:latin typeface="宋体" panose="02010600030101010101" pitchFamily="2" charset="-122"/>
                 <a:cs typeface="宋体" panose="02010600030101010101" pitchFamily="2" charset="-122"/>
               </a:rPr>
               <a:t>flter</a:t>
             </a:r>
             <a:r>
-              <a:rPr lang="zh-CN" altLang="en-US" sz="1200" dirty="0" smtClean="0">
+              <a:rPr lang="zh-CN" altLang="en-US" sz="1200" dirty="0">
                 <a:latin typeface="宋体" panose="02010600030101010101" pitchFamily="2" charset="-122"/>
                 <a:cs typeface="宋体" panose="02010600030101010101" pitchFamily="2" charset="-122"/>
               </a:rPr>
               <a:t>、</a:t>
             </a:r>
             <a:r>
-              <a:rPr lang="en-US" altLang="zh-CN" sz="1200" dirty="0" smtClean="0">
+              <a:rPr lang="en-US" altLang="zh-CN" sz="1200" dirty="0">
                 <a:latin typeface="宋体" panose="02010600030101010101" pitchFamily="2" charset="-122"/>
                 <a:cs typeface="宋体" panose="02010600030101010101" pitchFamily="2" charset="-122"/>
               </a:rPr>
               <a:t>aop</a:t>
             </a:r>
             <a:r>
-              <a:rPr lang="zh-CN" altLang="en-US" sz="1200" dirty="0" smtClean="0">
+              <a:rPr lang="zh-CN" altLang="en-US" sz="1200" dirty="0">
                 <a:latin typeface="宋体" panose="02010600030101010101" pitchFamily="2" charset="-122"/>
                 <a:cs typeface="宋体" panose="02010600030101010101" pitchFamily="2" charset="-122"/>
               </a:rPr>
               <a:t>等方式</a:t>
             </a:r>
-            <a:endParaRPr lang="en-US" altLang="zh-CN" sz="1200" dirty="0" smtClean="0">
+            <a:endParaRPr lang="en-US" altLang="zh-CN" sz="1200" dirty="0">
               <a:latin typeface="宋体" panose="02010600030101010101" pitchFamily="2" charset="-122"/>
               <a:cs typeface="宋体" panose="02010600030101010101" pitchFamily="2" charset="-122"/>
             </a:endParaRPr>
@@ -25173,58 +24413,54 @@
               <a:buChar char="l"/>
             </a:pPr>
             <a:r>
-              <a:rPr lang="zh-CN" altLang="en-US" sz="1200" dirty="0" smtClean="0">
+              <a:rPr lang="zh-CN" altLang="en-US" sz="1200" dirty="0">
                 <a:latin typeface="宋体" panose="02010600030101010101" pitchFamily="2" charset="-122"/>
                 <a:cs typeface="宋体" panose="02010600030101010101" pitchFamily="2" charset="-122"/>
               </a:rPr>
               <a:t>定义规则 </a:t>
             </a:r>
             <a:r>
-              <a:rPr lang="en-US" altLang="zh-CN" sz="1200" dirty="0" smtClean="0">
+              <a:rPr lang="en-US" altLang="zh-CN" sz="1200" dirty="0">
                 <a:latin typeface="宋体" panose="02010600030101010101" pitchFamily="2" charset="-122"/>
                 <a:cs typeface="宋体" panose="02010600030101010101" pitchFamily="2" charset="-122"/>
               </a:rPr>
               <a:t>// </a:t>
             </a:r>
             <a:r>
-              <a:rPr lang="zh-CN" altLang="en-US" sz="1200" dirty="0" smtClean="0">
+              <a:rPr lang="zh-CN" altLang="en-US" sz="1200" dirty="0">
                 <a:latin typeface="宋体" panose="02010600030101010101" pitchFamily="2" charset="-122"/>
                 <a:cs typeface="宋体" panose="02010600030101010101" pitchFamily="2" charset="-122"/>
               </a:rPr>
               <a:t>资源规则，根据业务场景随时添加、修改、删除规则，调用</a:t>
             </a:r>
             <a:r>
-              <a:rPr lang="en-US" altLang="zh-CN" sz="1200" dirty="0" smtClean="0">
+              <a:rPr lang="en-US" altLang="zh-CN" sz="1200" dirty="0">
                 <a:latin typeface="宋体" panose="02010600030101010101" pitchFamily="2" charset="-122"/>
                 <a:cs typeface="宋体" panose="02010600030101010101" pitchFamily="2" charset="-122"/>
               </a:rPr>
               <a:t>api</a:t>
             </a:r>
             <a:r>
-              <a:rPr lang="zh-CN" altLang="en-US" sz="1200" dirty="0" smtClean="0">
+              <a:rPr lang="zh-CN" altLang="en-US" sz="1200" dirty="0">
                 <a:latin typeface="宋体" panose="02010600030101010101" pitchFamily="2" charset="-122"/>
                 <a:cs typeface="宋体" panose="02010600030101010101" pitchFamily="2" charset="-122"/>
               </a:rPr>
               <a:t>、</a:t>
             </a:r>
             <a:r>
-              <a:rPr lang="en-US" altLang="zh-CN" sz="1200" dirty="0" smtClean="0">
+              <a:rPr lang="en-US" altLang="zh-CN" sz="1200" dirty="0">
                 <a:latin typeface="宋体" panose="02010600030101010101" pitchFamily="2" charset="-122"/>
                 <a:cs typeface="宋体" panose="02010600030101010101" pitchFamily="2" charset="-122"/>
               </a:rPr>
               <a:t>DataSource</a:t>
             </a:r>
             <a:r>
-              <a:rPr lang="zh-CN" altLang="en-US" sz="1200" dirty="0" smtClean="0">
+              <a:rPr lang="zh-CN" altLang="en-US" sz="1200" dirty="0">
                 <a:latin typeface="宋体" panose="02010600030101010101" pitchFamily="2" charset="-122"/>
                 <a:cs typeface="宋体" panose="02010600030101010101" pitchFamily="2" charset="-122"/>
               </a:rPr>
               <a:t>接口等方式</a:t>
             </a:r>
-            <a:endParaRPr lang="zh-CN" altLang="en-US" sz="1200" dirty="0" smtClean="0">
-              <a:latin typeface="宋体" panose="02010600030101010101" pitchFamily="2" charset="-122"/>
-              <a:cs typeface="宋体" panose="02010600030101010101" pitchFamily="2" charset="-122"/>
-            </a:endParaRPr>
           </a:p>
           <a:p>
             <a:pPr marL="0" indent="0" algn="l">
@@ -25235,44 +24471,40 @@
               <a:buNone/>
             </a:pPr>
             <a:r>
-              <a:rPr lang="zh-CN" altLang="en-US" sz="1200" dirty="0" smtClean="0">
+              <a:rPr lang="zh-CN" altLang="en-US" sz="1200" dirty="0">
                 <a:latin typeface="宋体" panose="02010600030101010101" pitchFamily="2" charset="-122"/>
                 <a:cs typeface="宋体" panose="02010600030101010101" pitchFamily="2" charset="-122"/>
               </a:rPr>
               <a:t>注：在</a:t>
             </a:r>
             <a:r>
-              <a:rPr lang="en-US" altLang="zh-CN" sz="1200" dirty="0" smtClean="0">
+              <a:rPr lang="en-US" altLang="zh-CN" sz="1200" dirty="0">
                 <a:latin typeface="宋体" panose="02010600030101010101" pitchFamily="2" charset="-122"/>
                 <a:cs typeface="宋体" panose="02010600030101010101" pitchFamily="2" charset="-122"/>
               </a:rPr>
               <a:t>demo</a:t>
             </a:r>
             <a:r>
-              <a:rPr lang="zh-CN" altLang="en-US" sz="1200" dirty="0" smtClean="0">
+              <a:rPr lang="zh-CN" altLang="en-US" sz="1200" dirty="0">
                 <a:latin typeface="宋体" panose="02010600030101010101" pitchFamily="2" charset="-122"/>
                 <a:cs typeface="宋体" panose="02010600030101010101" pitchFamily="2" charset="-122"/>
               </a:rPr>
               <a:t>用</a:t>
             </a:r>
             <a:r>
-              <a:rPr lang="en-US" altLang="zh-CN" sz="1200" dirty="0" smtClean="0">
+              <a:rPr lang="en-US" altLang="zh-CN" sz="1200" dirty="0">
                 <a:latin typeface="宋体" panose="02010600030101010101" pitchFamily="2" charset="-122"/>
                 <a:cs typeface="宋体" panose="02010600030101010101" pitchFamily="2" charset="-122"/>
               </a:rPr>
               <a:t>api</a:t>
             </a:r>
             <a:r>
-              <a:rPr lang="zh-CN" altLang="en-US" sz="1200" dirty="0" smtClean="0">
+              <a:rPr lang="zh-CN" altLang="en-US" sz="1200" dirty="0">
                 <a:latin typeface="宋体" panose="02010600030101010101" pitchFamily="2" charset="-122"/>
                 <a:cs typeface="宋体" panose="02010600030101010101" pitchFamily="2" charset="-122"/>
               </a:rPr>
               <a:t>方式定义规则，顺序在定义资源前面，实际应用中也可以后面动态添加规则</a:t>
             </a:r>
-            <a:endParaRPr lang="zh-CN" altLang="en-US" sz="1200" dirty="0" smtClean="0">
-              <a:latin typeface="宋体" panose="02010600030101010101" pitchFamily="2" charset="-122"/>
-              <a:cs typeface="宋体" panose="02010600030101010101" pitchFamily="2" charset="-122"/>
-            </a:endParaRPr>
           </a:p>
         </p:txBody>
       </p:sp>
@@ -25284,13 +24516,6 @@
   <p:transition>
     <p:fade/>
   </p:transition>
-  <p:timing>
-    <p:tnLst>
-      <p:par>
-        <p:cTn id="1" dur="indefinite" restart="never" nodeType="tmRoot"/>
-      </p:par>
-    </p:tnLst>
-  </p:timing>
 </p:sld>
 </file>
 
@@ -25354,16 +24579,12 @@
           <a:lstStyle/>
           <a:p>
             <a:r>
-              <a:rPr lang="zh-CN" altLang="en-US" sz="3200" dirty="0" smtClean="0">
+              <a:rPr lang="zh-CN" altLang="en-US" sz="3200" dirty="0">
                 <a:latin typeface="微软雅黑" panose="020B0503020204020204" pitchFamily="34" charset="-122"/>
                 <a:ea typeface="微软雅黑" panose="020B0503020204020204" pitchFamily="34" charset="-122"/>
               </a:rPr>
               <a:t>工作流程</a:t>
             </a:r>
-            <a:endParaRPr lang="zh-CN" altLang="en-US" sz="3200" dirty="0" smtClean="0">
-              <a:latin typeface="微软雅黑" panose="020B0503020204020204" pitchFamily="34" charset="-122"/>
-              <a:ea typeface="微软雅黑" panose="020B0503020204020204" pitchFamily="34" charset="-122"/>
-            </a:endParaRPr>
           </a:p>
         </p:txBody>
       </p:sp>
@@ -25395,16 +24616,12 @@
               </a:lnSpc>
             </a:pPr>
             <a:r>
-              <a:rPr lang="zh-CN" altLang="en-US" sz="1200" dirty="0" smtClean="0">
+              <a:rPr lang="zh-CN" altLang="en-US" sz="1200" dirty="0">
                 <a:latin typeface="宋体" panose="02010600030101010101" pitchFamily="2" charset="-122"/>
                 <a:cs typeface="宋体" panose="02010600030101010101" pitchFamily="2" charset="-122"/>
               </a:rPr>
               <a:t>在Sentinel 中，所有资源都对应一个资源名称以及一个 Entry；</a:t>
             </a:r>
-            <a:endParaRPr lang="zh-CN" altLang="en-US" sz="1200" dirty="0" smtClean="0">
-              <a:latin typeface="宋体" panose="02010600030101010101" pitchFamily="2" charset="-122"/>
-              <a:cs typeface="宋体" panose="02010600030101010101" pitchFamily="2" charset="-122"/>
-            </a:endParaRPr>
           </a:p>
           <a:p>
             <a:pPr algn="l">
@@ -25413,16 +24630,12 @@
               </a:lnSpc>
             </a:pPr>
             <a:r>
-              <a:rPr lang="zh-CN" altLang="en-US" sz="1200" dirty="0" smtClean="0">
+              <a:rPr lang="zh-CN" altLang="en-US" sz="1200" dirty="0">
                 <a:latin typeface="宋体" panose="02010600030101010101" pitchFamily="2" charset="-122"/>
                 <a:cs typeface="宋体" panose="02010600030101010101" pitchFamily="2" charset="-122"/>
               </a:rPr>
               <a:t> Entry 通过主流框架的适配自动创建或通过调用 API 显式创建；</a:t>
             </a:r>
-            <a:endParaRPr lang="zh-CN" altLang="en-US" sz="1200" dirty="0" smtClean="0">
-              <a:latin typeface="宋体" panose="02010600030101010101" pitchFamily="2" charset="-122"/>
-              <a:cs typeface="宋体" panose="02010600030101010101" pitchFamily="2" charset="-122"/>
-            </a:endParaRPr>
           </a:p>
           <a:p>
             <a:pPr algn="l">
@@ -25431,30 +24644,26 @@
               </a:lnSpc>
             </a:pPr>
             <a:r>
-              <a:rPr lang="zh-CN" altLang="en-US" sz="1200" dirty="0" smtClean="0">
+              <a:rPr lang="zh-CN" altLang="en-US" sz="1200" dirty="0">
                 <a:latin typeface="宋体" panose="02010600030101010101" pitchFamily="2" charset="-122"/>
                 <a:cs typeface="宋体" panose="02010600030101010101" pitchFamily="2" charset="-122"/>
               </a:rPr>
               <a:t>每一个 Entry 创建的时候，同时也会创建一系列插槽</a:t>
             </a:r>
             <a:r>
-              <a:rPr lang="en-US" altLang="zh-CN" sz="1200" dirty="0" smtClean="0">
+              <a:rPr lang="en-US" altLang="zh-CN" sz="1200" dirty="0">
                 <a:latin typeface="宋体" panose="02010600030101010101" pitchFamily="2" charset="-122"/>
                 <a:cs typeface="宋体" panose="02010600030101010101" pitchFamily="2" charset="-122"/>
               </a:rPr>
               <a:t>Slot</a:t>
             </a:r>
             <a:r>
-              <a:rPr lang="zh-CN" altLang="en-US" sz="1200" dirty="0" smtClean="0">
+              <a:rPr lang="zh-CN" altLang="en-US" sz="1200" dirty="0">
                 <a:latin typeface="宋体" panose="02010600030101010101" pitchFamily="2" charset="-122"/>
                 <a:cs typeface="宋体" panose="02010600030101010101" pitchFamily="2" charset="-122"/>
               </a:rPr>
               <a:t>；</a:t>
             </a:r>
-            <a:endParaRPr lang="zh-CN" altLang="en-US" sz="1200" dirty="0" smtClean="0">
-              <a:latin typeface="宋体" panose="02010600030101010101" pitchFamily="2" charset="-122"/>
-              <a:cs typeface="宋体" panose="02010600030101010101" pitchFamily="2" charset="-122"/>
-            </a:endParaRPr>
           </a:p>
           <a:p>
             <a:pPr algn="l">
@@ -25463,30 +24672,26 @@
               </a:lnSpc>
             </a:pPr>
             <a:r>
-              <a:rPr lang="zh-CN" altLang="en-US" sz="1200" dirty="0" smtClean="0">
+              <a:rPr lang="zh-CN" altLang="en-US" sz="1200" dirty="0">
                 <a:latin typeface="宋体" panose="02010600030101010101" pitchFamily="2" charset="-122"/>
                 <a:cs typeface="宋体" panose="02010600030101010101" pitchFamily="2" charset="-122"/>
               </a:rPr>
               <a:t>每个</a:t>
             </a:r>
             <a:r>
-              <a:rPr lang="en-US" altLang="zh-CN" sz="1200" dirty="0" smtClean="0">
+              <a:rPr lang="en-US" altLang="zh-CN" sz="1200" dirty="0">
                 <a:latin typeface="宋体" panose="02010600030101010101" pitchFamily="2" charset="-122"/>
                 <a:cs typeface="宋体" panose="02010600030101010101" pitchFamily="2" charset="-122"/>
               </a:rPr>
               <a:t>Slot</a:t>
             </a:r>
             <a:r>
-              <a:rPr lang="zh-CN" altLang="en-US" sz="1200" dirty="0" smtClean="0">
+              <a:rPr lang="zh-CN" altLang="en-US" sz="1200" dirty="0">
                 <a:latin typeface="宋体" panose="02010600030101010101" pitchFamily="2" charset="-122"/>
                 <a:cs typeface="宋体" panose="02010600030101010101" pitchFamily="2" charset="-122"/>
               </a:rPr>
               <a:t>有不同指责；</a:t>
             </a:r>
-            <a:endParaRPr lang="zh-CN" altLang="en-US" sz="1200" dirty="0" smtClean="0">
-              <a:latin typeface="宋体" panose="02010600030101010101" pitchFamily="2" charset="-122"/>
-              <a:cs typeface="宋体" panose="02010600030101010101" pitchFamily="2" charset="-122"/>
-            </a:endParaRPr>
           </a:p>
         </p:txBody>
       </p:sp>
@@ -25499,7 +24704,7 @@
           <p:nvPr/>
         </p:nvPicPr>
         <p:blipFill>
-          <a:blip r:embed="rId1"/>
+          <a:blip r:embed="rId3"/>
           <a:stretch>
             <a:fillRect/>
           </a:stretch>
@@ -25522,13 +24727,6 @@
   <p:transition>
     <p:fade/>
   </p:transition>
-  <p:timing>
-    <p:tnLst>
-      <p:par>
-        <p:cTn id="1" dur="indefinite" restart="never" nodeType="tmRoot"/>
-      </p:par>
-    </p:tnLst>
-  </p:timing>
 </p:sld>
 </file>
 
@@ -25592,30 +24790,26 @@
           <a:lstStyle/>
           <a:p>
             <a:r>
-              <a:rPr lang="zh-CN" altLang="en-US" sz="3200" dirty="0" smtClean="0">
+              <a:rPr lang="zh-CN" altLang="en-US" sz="3200" dirty="0">
                 <a:latin typeface="微软雅黑" panose="020B0503020204020204" pitchFamily="34" charset="-122"/>
                 <a:ea typeface="微软雅黑" panose="020B0503020204020204" pitchFamily="34" charset="-122"/>
               </a:rPr>
               <a:t>资源</a:t>
             </a:r>
             <a:r>
-              <a:rPr lang="en-US" altLang="zh-CN" sz="3200" dirty="0" smtClean="0">
+              <a:rPr lang="en-US" altLang="zh-CN" sz="3200" dirty="0">
                 <a:latin typeface="微软雅黑" panose="020B0503020204020204" pitchFamily="34" charset="-122"/>
                 <a:ea typeface="微软雅黑" panose="020B0503020204020204" pitchFamily="34" charset="-122"/>
               </a:rPr>
               <a:t>&amp;</a:t>
             </a:r>
             <a:r>
-              <a:rPr lang="zh-CN" altLang="en-US" sz="3200" dirty="0" smtClean="0">
+              <a:rPr lang="zh-CN" altLang="en-US" sz="3200" dirty="0">
                 <a:latin typeface="微软雅黑" panose="020B0503020204020204" pitchFamily="34" charset="-122"/>
                 <a:ea typeface="微软雅黑" panose="020B0503020204020204" pitchFamily="34" charset="-122"/>
               </a:rPr>
               <a:t>规则</a:t>
             </a:r>
-            <a:endParaRPr lang="zh-CN" altLang="en-US" sz="3200" dirty="0" smtClean="0">
-              <a:latin typeface="微软雅黑" panose="020B0503020204020204" pitchFamily="34" charset="-122"/>
-              <a:ea typeface="微软雅黑" panose="020B0503020204020204" pitchFamily="34" charset="-122"/>
-            </a:endParaRPr>
           </a:p>
         </p:txBody>
       </p:sp>
@@ -25647,7 +24841,7 @@
               </a:lnSpc>
             </a:pPr>
             <a:r>
-              <a:rPr lang="zh-CN" altLang="en-US" sz="1800" b="1" dirty="0" smtClean="0">
+              <a:rPr lang="zh-CN" altLang="en-US" sz="1800" b="1" dirty="0">
                 <a:latin typeface="微软雅黑" panose="020B0503020204020204" pitchFamily="34" charset="-122"/>
                 <a:ea typeface="微软雅黑" panose="020B0503020204020204" pitchFamily="34" charset="-122"/>
                 <a:cs typeface="微软雅黑" panose="020B0503020204020204" pitchFamily="34" charset="-122"/>
@@ -25655,7 +24849,7 @@
               <a:t>资源的</a:t>
             </a:r>
             <a:r>
-              <a:rPr lang="en-US" altLang="zh-CN" sz="1800" b="1" dirty="0" smtClean="0">
+              <a:rPr lang="en-US" altLang="zh-CN" sz="1800" b="1" dirty="0">
                 <a:latin typeface="微软雅黑" panose="020B0503020204020204" pitchFamily="34" charset="-122"/>
                 <a:ea typeface="微软雅黑" panose="020B0503020204020204" pitchFamily="34" charset="-122"/>
                 <a:cs typeface="微软雅黑" panose="020B0503020204020204" pitchFamily="34" charset="-122"/>
@@ -25663,18 +24857,13 @@
               <a:t>2</a:t>
             </a:r>
             <a:r>
-              <a:rPr lang="zh-CN" altLang="en-US" sz="1800" b="1" dirty="0" smtClean="0">
+              <a:rPr lang="zh-CN" altLang="en-US" sz="1800" b="1" dirty="0">
                 <a:latin typeface="微软雅黑" panose="020B0503020204020204" pitchFamily="34" charset="-122"/>
                 <a:ea typeface="微软雅黑" panose="020B0503020204020204" pitchFamily="34" charset="-122"/>
                 <a:cs typeface="微软雅黑" panose="020B0503020204020204" pitchFamily="34" charset="-122"/>
               </a:rPr>
               <a:t>种定义方式</a:t>
             </a:r>
-            <a:endParaRPr lang="zh-CN" altLang="en-US" sz="1800" b="1" dirty="0" smtClean="0">
-              <a:latin typeface="微软雅黑" panose="020B0503020204020204" pitchFamily="34" charset="-122"/>
-              <a:ea typeface="微软雅黑" panose="020B0503020204020204" pitchFamily="34" charset="-122"/>
-              <a:cs typeface="微软雅黑" panose="020B0503020204020204" pitchFamily="34" charset="-122"/>
-            </a:endParaRPr>
           </a:p>
           <a:p>
             <a:pPr marL="342900" indent="-342900" algn="l">
@@ -25685,7 +24874,7 @@
               <a:buAutoNum type="arabicPeriod"/>
             </a:pPr>
             <a:r>
-              <a:rPr lang="zh-CN" altLang="en-US" sz="1400" dirty="0" smtClean="0">
+              <a:rPr lang="zh-CN" altLang="en-US" sz="1400" dirty="0">
                 <a:latin typeface="微软雅黑" panose="020B0503020204020204" pitchFamily="34" charset="-122"/>
                 <a:ea typeface="微软雅黑" panose="020B0503020204020204" pitchFamily="34" charset="-122"/>
                 <a:cs typeface="微软雅黑" panose="020B0503020204020204" pitchFamily="34" charset="-122"/>
@@ -25693,7 +24882,7 @@
               <a:t>抛出异常的方式 </a:t>
             </a:r>
             <a:r>
-              <a:rPr lang="en-US" altLang="zh-CN" sz="1400" dirty="0" smtClean="0">
+              <a:rPr lang="en-US" altLang="zh-CN" sz="1400" dirty="0">
                 <a:latin typeface="微软雅黑" panose="020B0503020204020204" pitchFamily="34" charset="-122"/>
                 <a:ea typeface="微软雅黑" panose="020B0503020204020204" pitchFamily="34" charset="-122"/>
                 <a:cs typeface="微软雅黑" panose="020B0503020204020204" pitchFamily="34" charset="-122"/>
@@ -25701,7 +24890,7 @@
               <a:t>// </a:t>
             </a:r>
             <a:r>
-              <a:rPr lang="zh-CN" altLang="en-US" sz="1400" dirty="0" smtClean="0">
+              <a:rPr lang="zh-CN" altLang="en-US" sz="1400" dirty="0">
                 <a:latin typeface="微软雅黑" panose="020B0503020204020204" pitchFamily="34" charset="-122"/>
                 <a:ea typeface="微软雅黑" panose="020B0503020204020204" pitchFamily="34" charset="-122"/>
                 <a:cs typeface="微软雅黑" panose="020B0503020204020204" pitchFamily="34" charset="-122"/>
@@ -25709,13 +24898,13 @@
               <a:t>资源发生了限流之后会抛出 BlockException</a:t>
             </a:r>
             <a:br>
-              <a:rPr lang="en-US" altLang="zh-CN" sz="1400" dirty="0" smtClean="0">
+              <a:rPr lang="en-US" altLang="zh-CN" sz="1400" dirty="0">
                 <a:latin typeface="微软雅黑" panose="020B0503020204020204" pitchFamily="34" charset="-122"/>
                 <a:ea typeface="微软雅黑" panose="020B0503020204020204" pitchFamily="34" charset="-122"/>
                 <a:cs typeface="微软雅黑" panose="020B0503020204020204" pitchFamily="34" charset="-122"/>
               </a:rPr>
             </a:br>
-            <a:endParaRPr lang="en-US" altLang="zh-CN" sz="1400" dirty="0" smtClean="0">
+            <a:endParaRPr lang="en-US" altLang="zh-CN" sz="1400" dirty="0">
               <a:latin typeface="微软雅黑" panose="020B0503020204020204" pitchFamily="34" charset="-122"/>
               <a:ea typeface="微软雅黑" panose="020B0503020204020204" pitchFamily="34" charset="-122"/>
               <a:cs typeface="微软雅黑" panose="020B0503020204020204" pitchFamily="34" charset="-122"/>
@@ -25729,7 +24918,7 @@
               <a:buFont typeface="+mj-lt"/>
               <a:buAutoNum type="arabicPeriod"/>
             </a:pPr>
-            <a:endParaRPr lang="en-US" altLang="zh-CN" sz="1400" dirty="0" smtClean="0">
+            <a:endParaRPr lang="en-US" altLang="zh-CN" sz="1400" dirty="0">
               <a:latin typeface="微软雅黑" panose="020B0503020204020204" pitchFamily="34" charset="-122"/>
               <a:ea typeface="微软雅黑" panose="020B0503020204020204" pitchFamily="34" charset="-122"/>
               <a:cs typeface="微软雅黑" panose="020B0503020204020204" pitchFamily="34" charset="-122"/>
@@ -25743,7 +24932,7 @@
               <a:buFont typeface="+mj-lt"/>
               <a:buAutoNum type="arabicPeriod"/>
             </a:pPr>
-            <a:endParaRPr lang="en-US" altLang="zh-CN" sz="1400" dirty="0" smtClean="0">
+            <a:endParaRPr lang="en-US" altLang="zh-CN" sz="1400" dirty="0">
               <a:latin typeface="微软雅黑" panose="020B0503020204020204" pitchFamily="34" charset="-122"/>
               <a:ea typeface="微软雅黑" panose="020B0503020204020204" pitchFamily="34" charset="-122"/>
               <a:cs typeface="微软雅黑" panose="020B0503020204020204" pitchFamily="34" charset="-122"/>
@@ -25757,7 +24946,7 @@
               <a:buFont typeface="+mj-lt"/>
               <a:buAutoNum type="arabicPeriod"/>
             </a:pPr>
-            <a:endParaRPr lang="en-US" altLang="zh-CN" sz="1400" dirty="0" smtClean="0">
+            <a:endParaRPr lang="en-US" altLang="zh-CN" sz="1400" dirty="0">
               <a:latin typeface="微软雅黑" panose="020B0503020204020204" pitchFamily="34" charset="-122"/>
               <a:ea typeface="微软雅黑" panose="020B0503020204020204" pitchFamily="34" charset="-122"/>
               <a:cs typeface="微软雅黑" panose="020B0503020204020204" pitchFamily="34" charset="-122"/>
@@ -25771,7 +24960,7 @@
               <a:buFont typeface="+mj-lt"/>
               <a:buAutoNum type="arabicPeriod"/>
             </a:pPr>
-            <a:endParaRPr lang="en-US" altLang="zh-CN" sz="1400" dirty="0" smtClean="0">
+            <a:endParaRPr lang="en-US" altLang="zh-CN" sz="1400" dirty="0">
               <a:latin typeface="微软雅黑" panose="020B0503020204020204" pitchFamily="34" charset="-122"/>
               <a:ea typeface="微软雅黑" panose="020B0503020204020204" pitchFamily="34" charset="-122"/>
               <a:cs typeface="微软雅黑" panose="020B0503020204020204" pitchFamily="34" charset="-122"/>
@@ -25785,7 +24974,7 @@
               <a:buFont typeface="+mj-lt"/>
               <a:buAutoNum type="arabicPeriod"/>
             </a:pPr>
-            <a:endParaRPr lang="en-US" altLang="zh-CN" sz="1400" dirty="0" smtClean="0">
+            <a:endParaRPr lang="en-US" altLang="zh-CN" sz="1400" dirty="0">
               <a:latin typeface="微软雅黑" panose="020B0503020204020204" pitchFamily="34" charset="-122"/>
               <a:ea typeface="微软雅黑" panose="020B0503020204020204" pitchFamily="34" charset="-122"/>
               <a:cs typeface="微软雅黑" panose="020B0503020204020204" pitchFamily="34" charset="-122"/>
@@ -25799,7 +24988,7 @@
               <a:buFont typeface="+mj-lt"/>
               <a:buAutoNum type="arabicPeriod"/>
             </a:pPr>
-            <a:endParaRPr lang="en-US" altLang="zh-CN" sz="1400" dirty="0" smtClean="0">
+            <a:endParaRPr lang="en-US" altLang="zh-CN" sz="1400" dirty="0">
               <a:latin typeface="微软雅黑" panose="020B0503020204020204" pitchFamily="34" charset="-122"/>
               <a:ea typeface="微软雅黑" panose="020B0503020204020204" pitchFamily="34" charset="-122"/>
               <a:cs typeface="微软雅黑" panose="020B0503020204020204" pitchFamily="34" charset="-122"/>
@@ -25814,7 +25003,7 @@
               <a:buAutoNum type="arabicPeriod"/>
             </a:pPr>
             <a:r>
-              <a:rPr lang="zh-CN" altLang="en-US" sz="1400" dirty="0" smtClean="0">
+              <a:rPr lang="zh-CN" altLang="en-US" sz="1400" dirty="0">
                 <a:latin typeface="微软雅黑" panose="020B0503020204020204" pitchFamily="34" charset="-122"/>
                 <a:ea typeface="微软雅黑" panose="020B0503020204020204" pitchFamily="34" charset="-122"/>
                 <a:cs typeface="微软雅黑" panose="020B0503020204020204" pitchFamily="34" charset="-122"/>
@@ -25822,18 +25011,13 @@
               <a:t>返回布尔值方式 </a:t>
             </a:r>
             <a:r>
-              <a:rPr lang="en-US" altLang="zh-CN" sz="1400" dirty="0" smtClean="0">
+              <a:rPr lang="en-US" altLang="zh-CN" sz="1400" dirty="0">
                 <a:latin typeface="微软雅黑" panose="020B0503020204020204" pitchFamily="34" charset="-122"/>
                 <a:ea typeface="微软雅黑" panose="020B0503020204020204" pitchFamily="34" charset="-122"/>
                 <a:cs typeface="微软雅黑" panose="020B0503020204020204" pitchFamily="34" charset="-122"/>
               </a:rPr>
               <a:t>// 资源发生了限流之后会返回 false</a:t>
             </a:r>
-            <a:endParaRPr lang="en-US" altLang="zh-CN" sz="1400" dirty="0" smtClean="0">
-              <a:latin typeface="微软雅黑" panose="020B0503020204020204" pitchFamily="34" charset="-122"/>
-              <a:ea typeface="微软雅黑" panose="020B0503020204020204" pitchFamily="34" charset="-122"/>
-              <a:cs typeface="微软雅黑" panose="020B0503020204020204" pitchFamily="34" charset="-122"/>
-            </a:endParaRPr>
           </a:p>
           <a:p>
             <a:pPr marL="0" indent="0" algn="l">
@@ -25843,7 +25027,7 @@
               <a:buFont typeface="+mj-lt"/>
               <a:buNone/>
             </a:pPr>
-            <a:endParaRPr lang="zh-CN" altLang="en-US" sz="1800" b="1" dirty="0" smtClean="0">
+            <a:endParaRPr lang="zh-CN" altLang="en-US" sz="1800" b="1" dirty="0">
               <a:latin typeface="微软雅黑" panose="020B0503020204020204" pitchFamily="34" charset="-122"/>
               <a:ea typeface="微软雅黑" panose="020B0503020204020204" pitchFamily="34" charset="-122"/>
               <a:cs typeface="微软雅黑" panose="020B0503020204020204" pitchFamily="34" charset="-122"/>
@@ -25857,7 +25041,7 @@
               <a:buFont typeface="+mj-lt"/>
               <a:buNone/>
             </a:pPr>
-            <a:endParaRPr lang="zh-CN" altLang="en-US" sz="1800" b="1" dirty="0" smtClean="0">
+            <a:endParaRPr lang="zh-CN" altLang="en-US" sz="1800" b="1" dirty="0">
               <a:latin typeface="微软雅黑" panose="020B0503020204020204" pitchFamily="34" charset="-122"/>
               <a:ea typeface="微软雅黑" panose="020B0503020204020204" pitchFamily="34" charset="-122"/>
               <a:cs typeface="微软雅黑" panose="020B0503020204020204" pitchFamily="34" charset="-122"/>
@@ -25871,7 +25055,7 @@
               <a:buFont typeface="+mj-lt"/>
               <a:buNone/>
             </a:pPr>
-            <a:endParaRPr lang="zh-CN" altLang="en-US" sz="1800" b="1" dirty="0" smtClean="0">
+            <a:endParaRPr lang="zh-CN" altLang="en-US" sz="1800" b="1" dirty="0">
               <a:latin typeface="微软雅黑" panose="020B0503020204020204" pitchFamily="34" charset="-122"/>
               <a:ea typeface="微软雅黑" panose="020B0503020204020204" pitchFamily="34" charset="-122"/>
               <a:cs typeface="微软雅黑" panose="020B0503020204020204" pitchFamily="34" charset="-122"/>
@@ -25885,7 +25069,7 @@
               <a:buFont typeface="+mj-lt"/>
               <a:buNone/>
             </a:pPr>
-            <a:endParaRPr lang="zh-CN" altLang="en-US" sz="1800" b="1" dirty="0" smtClean="0">
+            <a:endParaRPr lang="zh-CN" altLang="en-US" sz="1800" b="1" dirty="0">
               <a:latin typeface="微软雅黑" panose="020B0503020204020204" pitchFamily="34" charset="-122"/>
               <a:ea typeface="微软雅黑" panose="020B0503020204020204" pitchFamily="34" charset="-122"/>
               <a:cs typeface="微软雅黑" panose="020B0503020204020204" pitchFamily="34" charset="-122"/>
@@ -25897,7 +25081,7 @@
                 <a:spcPct val="150000"/>
               </a:lnSpc>
             </a:pPr>
-            <a:endParaRPr lang="zh-CN" altLang="en-US" sz="1800" b="1" dirty="0" smtClean="0">
+            <a:endParaRPr lang="zh-CN" altLang="en-US" sz="1800" b="1" dirty="0">
               <a:latin typeface="微软雅黑" panose="020B0503020204020204" pitchFamily="34" charset="-122"/>
               <a:ea typeface="微软雅黑" panose="020B0503020204020204" pitchFamily="34" charset="-122"/>
               <a:cs typeface="微软雅黑" panose="020B0503020204020204" pitchFamily="34" charset="-122"/>
@@ -25914,7 +25098,7 @@
           <p:nvPr/>
         </p:nvPicPr>
         <p:blipFill>
-          <a:blip r:embed="rId1"/>
+          <a:blip r:embed="rId3"/>
           <a:stretch>
             <a:fillRect/>
           </a:stretch>
@@ -25938,7 +25122,7 @@
           <p:nvPr/>
         </p:nvPicPr>
         <p:blipFill>
-          <a:blip r:embed="rId2"/>
+          <a:blip r:embed="rId4"/>
           <a:stretch>
             <a:fillRect/>
           </a:stretch>
@@ -25973,6 +25157,7 @@
           <a:bodyPr wrap="square" rtlCol="0">
             <a:spAutoFit/>
           </a:bodyPr>
+          <a:lstStyle/>
           <a:p>
             <a:r>
               <a:rPr lang="zh-CN" altLang="en-US" sz="1400"/>
@@ -25991,7 +25176,7 @@
           <p:nvPr/>
         </p:nvPicPr>
         <p:blipFill>
-          <a:blip r:embed="rId3"/>
+          <a:blip r:embed="rId5"/>
           <a:stretch>
             <a:fillRect/>
           </a:stretch>
@@ -26014,13 +25199,6 @@
   <p:transition>
     <p:fade/>
   </p:transition>
-  <p:timing>
-    <p:tnLst>
-      <p:par>
-        <p:cTn id="1" dur="indefinite" restart="never" nodeType="tmRoot"/>
-      </p:par>
-    </p:tnLst>
-  </p:timing>
 </p:sld>
 </file>
 
@@ -26295,6 +25473,7 @@
       </a:lstStyle>
     </a:lnDef>
   </a:objectDefaults>
+  <a:extraClrSchemeLst/>
   <a:extLst>
     <a:ext uri="{05A4C25C-085E-4340-85A3-A5531E510DB2}">
       <thm15:themeFamily xmlns:thm15="http://schemas.microsoft.com/office/thememl/2012/main" name="Office Theme" id="{62F939B6-93AF-4DB8-9C6B-D6C7DFDC589F}" vid="{4A3C46E8-61CC-4603-A589-7422A47A8E4A}"/>
@@ -26554,6 +25733,8 @@
       </a:bgFillStyleLst>
     </a:fmtScheme>
   </a:themeElements>
+  <a:objectDefaults/>
+  <a:extraClrSchemeLst/>
   <a:extLst>
     <a:ext uri="{05A4C25C-085E-4340-85A3-A5531E510DB2}">
       <thm15:themeFamily xmlns:thm15="http://schemas.microsoft.com/office/thememl/2012/main" name="Office Theme" id="{62F939B6-93AF-4DB8-9C6B-D6C7DFDC589F}" vid="{4A3C46E8-61CC-4603-A589-7422A47A8E4A}"/>
